--- a/media/study-design.pptx
+++ b/media/study-design.pptx
@@ -6,6 +6,8 @@
   </p:sldMasterIdLst>
   <p:sldIdLst>
     <p:sldId id="256" r:id="rId2"/>
+    <p:sldId id="257" r:id="rId3"/>
+    <p:sldId id="258" r:id="rId4"/>
   </p:sldIdLst>
   <p:sldSz cx="12192000" cy="6858000"/>
   <p:notesSz cx="6858000" cy="9144000"/>
@@ -3304,10 +3306,10 @@
       </p:grpSpPr>
       <p:grpSp>
         <p:nvGrpSpPr>
-          <p:cNvPr id="8" name="Group 7">
+          <p:cNvPr id="14" name="Group 13">
             <a:extLst>
               <a:ext uri="{FF2B5EF4-FFF2-40B4-BE49-F238E27FC236}">
-                <a16:creationId xmlns:a16="http://schemas.microsoft.com/office/drawing/2014/main" id="{76B4DDFD-B92F-3842-BA1D-CA45E9267048}"/>
+                <a16:creationId xmlns:a16="http://schemas.microsoft.com/office/drawing/2014/main" id="{44580918-8D7C-2943-AA34-6EC57892EADE}"/>
               </a:ext>
             </a:extLst>
           </p:cNvPr>
@@ -6433,6 +6435,3454 @@
     <p:extLst>
       <p:ext uri="{BB962C8B-B14F-4D97-AF65-F5344CB8AC3E}">
         <p14:creationId xmlns:p14="http://schemas.microsoft.com/office/powerpoint/2010/main" val="2864305360"/>
+      </p:ext>
+    </p:extLst>
+  </p:cSld>
+  <p:clrMapOvr>
+    <a:masterClrMapping/>
+  </p:clrMapOvr>
+</p:sld>
+</file>
+
+<file path=ppt/slides/slide2.xml><?xml version="1.0" encoding="utf-8"?>
+<p:sld xmlns:a="http://schemas.openxmlformats.org/drawingml/2006/main" xmlns:r="http://schemas.openxmlformats.org/officeDocument/2006/relationships" xmlns:p="http://schemas.openxmlformats.org/presentationml/2006/main">
+  <p:cSld>
+    <p:spTree>
+      <p:nvGrpSpPr>
+        <p:cNvPr id="1" name=""/>
+        <p:cNvGrpSpPr/>
+        <p:nvPr/>
+      </p:nvGrpSpPr>
+      <p:grpSpPr>
+        <a:xfrm>
+          <a:off x="0" y="0"/>
+          <a:ext cx="0" cy="0"/>
+          <a:chOff x="0" y="0"/>
+          <a:chExt cx="0" cy="0"/>
+        </a:xfrm>
+      </p:grpSpPr>
+      <p:grpSp>
+        <p:nvGrpSpPr>
+          <p:cNvPr id="335" name="Group 334">
+            <a:extLst>
+              <a:ext uri="{FF2B5EF4-FFF2-40B4-BE49-F238E27FC236}">
+                <a16:creationId xmlns:a16="http://schemas.microsoft.com/office/drawing/2014/main" id="{974E2321-4257-A849-83C8-A3C56F83A363}"/>
+              </a:ext>
+            </a:extLst>
+          </p:cNvPr>
+          <p:cNvGrpSpPr/>
+          <p:nvPr/>
+        </p:nvGrpSpPr>
+        <p:grpSpPr>
+          <a:xfrm>
+            <a:off x="919807" y="247882"/>
+            <a:ext cx="6192193" cy="4501916"/>
+            <a:chOff x="919807" y="247882"/>
+            <a:chExt cx="6192193" cy="4501916"/>
+          </a:xfrm>
+        </p:grpSpPr>
+        <p:grpSp>
+          <p:nvGrpSpPr>
+            <p:cNvPr id="334" name="Group 333">
+              <a:extLst>
+                <a:ext uri="{FF2B5EF4-FFF2-40B4-BE49-F238E27FC236}">
+                  <a16:creationId xmlns:a16="http://schemas.microsoft.com/office/drawing/2014/main" id="{180FDCFA-C4A4-6840-B8B0-D0E4D53C0E7E}"/>
+                </a:ext>
+              </a:extLst>
+            </p:cNvPr>
+            <p:cNvGrpSpPr/>
+            <p:nvPr/>
+          </p:nvGrpSpPr>
+          <p:grpSpPr>
+            <a:xfrm>
+              <a:off x="919807" y="247882"/>
+              <a:ext cx="6192193" cy="4501916"/>
+              <a:chOff x="919807" y="247882"/>
+              <a:chExt cx="6192193" cy="4501916"/>
+            </a:xfrm>
+          </p:grpSpPr>
+          <p:sp>
+            <p:nvSpPr>
+              <p:cNvPr id="309" name="Rectangle 308">
+                <a:extLst>
+                  <a:ext uri="{FF2B5EF4-FFF2-40B4-BE49-F238E27FC236}">
+                    <a16:creationId xmlns:a16="http://schemas.microsoft.com/office/drawing/2014/main" id="{83CD4A72-43A2-5948-9356-1D43EDDA1B0F}"/>
+                  </a:ext>
+                </a:extLst>
+              </p:cNvPr>
+              <p:cNvSpPr/>
+              <p:nvPr/>
+            </p:nvSpPr>
+            <p:spPr>
+              <a:xfrm>
+                <a:off x="919807" y="247882"/>
+                <a:ext cx="6192193" cy="4501916"/>
+              </a:xfrm>
+              <a:prstGeom prst="rect">
+                <a:avLst/>
+              </a:prstGeom>
+              <a:solidFill>
+                <a:schemeClr val="bg1"/>
+              </a:solidFill>
+              <a:ln>
+                <a:noFill/>
+              </a:ln>
+            </p:spPr>
+            <p:style>
+              <a:lnRef idx="2">
+                <a:schemeClr val="accent1">
+                  <a:shade val="50000"/>
+                </a:schemeClr>
+              </a:lnRef>
+              <a:fillRef idx="1">
+                <a:schemeClr val="accent1"/>
+              </a:fillRef>
+              <a:effectRef idx="0">
+                <a:schemeClr val="accent1"/>
+              </a:effectRef>
+              <a:fontRef idx="minor">
+                <a:schemeClr val="lt1"/>
+              </a:fontRef>
+            </p:style>
+            <p:txBody>
+              <a:bodyPr rtlCol="0" anchor="ctr"/>
+              <a:lstStyle/>
+              <a:p>
+                <a:pPr algn="ctr"/>
+                <a:endParaRPr lang="en-US"/>
+              </a:p>
+            </p:txBody>
+          </p:sp>
+          <p:sp>
+            <p:nvSpPr>
+              <p:cNvPr id="4" name="Oval 3">
+                <a:extLst>
+                  <a:ext uri="{FF2B5EF4-FFF2-40B4-BE49-F238E27FC236}">
+                    <a16:creationId xmlns:a16="http://schemas.microsoft.com/office/drawing/2014/main" id="{1CBC504F-8D83-AB4A-949B-9BFA0DE0227C}"/>
+                  </a:ext>
+                </a:extLst>
+              </p:cNvPr>
+              <p:cNvSpPr/>
+              <p:nvPr/>
+            </p:nvSpPr>
+            <p:spPr>
+              <a:xfrm>
+                <a:off x="1498714" y="965200"/>
+                <a:ext cx="152400" cy="152400"/>
+              </a:xfrm>
+              <a:prstGeom prst="ellipse">
+                <a:avLst/>
+              </a:prstGeom>
+              <a:solidFill>
+                <a:schemeClr val="bg2"/>
+              </a:solidFill>
+            </p:spPr>
+            <p:style>
+              <a:lnRef idx="2">
+                <a:schemeClr val="accent1">
+                  <a:shade val="50000"/>
+                </a:schemeClr>
+              </a:lnRef>
+              <a:fillRef idx="1">
+                <a:schemeClr val="accent1"/>
+              </a:fillRef>
+              <a:effectRef idx="0">
+                <a:schemeClr val="accent1"/>
+              </a:effectRef>
+              <a:fontRef idx="minor">
+                <a:schemeClr val="lt1"/>
+              </a:fontRef>
+            </p:style>
+            <p:txBody>
+              <a:bodyPr rtlCol="0" anchor="ctr"/>
+              <a:lstStyle/>
+              <a:p>
+                <a:pPr algn="ctr"/>
+                <a:endParaRPr lang="en-US"/>
+              </a:p>
+            </p:txBody>
+          </p:sp>
+          <p:sp>
+            <p:nvSpPr>
+              <p:cNvPr id="20" name="Oval 19">
+                <a:extLst>
+                  <a:ext uri="{FF2B5EF4-FFF2-40B4-BE49-F238E27FC236}">
+                    <a16:creationId xmlns:a16="http://schemas.microsoft.com/office/drawing/2014/main" id="{F5F6E996-C391-D248-A939-D06F59BFECB1}"/>
+                  </a:ext>
+                </a:extLst>
+              </p:cNvPr>
+              <p:cNvSpPr/>
+              <p:nvPr/>
+            </p:nvSpPr>
+            <p:spPr>
+              <a:xfrm>
+                <a:off x="1498714" y="3198880"/>
+                <a:ext cx="152400" cy="152400"/>
+              </a:xfrm>
+              <a:prstGeom prst="ellipse">
+                <a:avLst/>
+              </a:prstGeom>
+              <a:solidFill>
+                <a:schemeClr val="accent4">
+                  <a:lumMod val="60000"/>
+                  <a:lumOff val="40000"/>
+                </a:schemeClr>
+              </a:solidFill>
+            </p:spPr>
+            <p:style>
+              <a:lnRef idx="2">
+                <a:schemeClr val="accent1">
+                  <a:shade val="50000"/>
+                </a:schemeClr>
+              </a:lnRef>
+              <a:fillRef idx="1">
+                <a:schemeClr val="accent1"/>
+              </a:fillRef>
+              <a:effectRef idx="0">
+                <a:schemeClr val="accent1"/>
+              </a:effectRef>
+              <a:fontRef idx="minor">
+                <a:schemeClr val="lt1"/>
+              </a:fontRef>
+            </p:style>
+            <p:txBody>
+              <a:bodyPr rtlCol="0" anchor="ctr"/>
+              <a:lstStyle/>
+              <a:p>
+                <a:pPr algn="ctr"/>
+                <a:endParaRPr lang="en-US"/>
+              </a:p>
+            </p:txBody>
+          </p:sp>
+          <p:cxnSp>
+            <p:nvCxnSpPr>
+              <p:cNvPr id="41" name="Straight Arrow Connector 40">
+                <a:extLst>
+                  <a:ext uri="{FF2B5EF4-FFF2-40B4-BE49-F238E27FC236}">
+                    <a16:creationId xmlns:a16="http://schemas.microsoft.com/office/drawing/2014/main" id="{1D694DAB-E216-FF4B-8157-BE9622C73195}"/>
+                  </a:ext>
+                </a:extLst>
+              </p:cNvPr>
+              <p:cNvCxnSpPr>
+                <a:cxnSpLocks/>
+                <a:stCxn id="4" idx="6"/>
+              </p:cNvCxnSpPr>
+              <p:nvPr/>
+            </p:nvCxnSpPr>
+            <p:spPr>
+              <a:xfrm>
+                <a:off x="1651114" y="1041400"/>
+                <a:ext cx="3716753" cy="0"/>
+              </a:xfrm>
+              <a:prstGeom prst="straightConnector1">
+                <a:avLst/>
+              </a:prstGeom>
+              <a:ln>
+                <a:prstDash val="dash"/>
+                <a:tailEnd type="triangle"/>
+              </a:ln>
+            </p:spPr>
+            <p:style>
+              <a:lnRef idx="1">
+                <a:schemeClr val="accent1"/>
+              </a:lnRef>
+              <a:fillRef idx="0">
+                <a:schemeClr val="accent1"/>
+              </a:fillRef>
+              <a:effectRef idx="0">
+                <a:schemeClr val="accent1"/>
+              </a:effectRef>
+              <a:fontRef idx="minor">
+                <a:schemeClr val="tx1"/>
+              </a:fontRef>
+            </p:style>
+          </p:cxnSp>
+          <p:sp>
+            <p:nvSpPr>
+              <p:cNvPr id="44" name="Oval 43">
+                <a:extLst>
+                  <a:ext uri="{FF2B5EF4-FFF2-40B4-BE49-F238E27FC236}">
+                    <a16:creationId xmlns:a16="http://schemas.microsoft.com/office/drawing/2014/main" id="{56A4AC1F-B60B-044C-BD8C-F72465BCC9AD}"/>
+                  </a:ext>
+                </a:extLst>
+              </p:cNvPr>
+              <p:cNvSpPr/>
+              <p:nvPr/>
+            </p:nvSpPr>
+            <p:spPr>
+              <a:xfrm>
+                <a:off x="1498714" y="1244410"/>
+                <a:ext cx="152400" cy="152400"/>
+              </a:xfrm>
+              <a:prstGeom prst="ellipse">
+                <a:avLst/>
+              </a:prstGeom>
+              <a:solidFill>
+                <a:schemeClr val="bg2"/>
+              </a:solidFill>
+            </p:spPr>
+            <p:style>
+              <a:lnRef idx="2">
+                <a:schemeClr val="accent1">
+                  <a:shade val="50000"/>
+                </a:schemeClr>
+              </a:lnRef>
+              <a:fillRef idx="1">
+                <a:schemeClr val="accent1"/>
+              </a:fillRef>
+              <a:effectRef idx="0">
+                <a:schemeClr val="accent1"/>
+              </a:effectRef>
+              <a:fontRef idx="minor">
+                <a:schemeClr val="lt1"/>
+              </a:fontRef>
+            </p:style>
+            <p:txBody>
+              <a:bodyPr rtlCol="0" anchor="ctr"/>
+              <a:lstStyle/>
+              <a:p>
+                <a:pPr algn="ctr"/>
+                <a:endParaRPr lang="en-US"/>
+              </a:p>
+            </p:txBody>
+          </p:sp>
+          <p:cxnSp>
+            <p:nvCxnSpPr>
+              <p:cNvPr id="45" name="Straight Arrow Connector 44">
+                <a:extLst>
+                  <a:ext uri="{FF2B5EF4-FFF2-40B4-BE49-F238E27FC236}">
+                    <a16:creationId xmlns:a16="http://schemas.microsoft.com/office/drawing/2014/main" id="{3257A3F9-4A34-784B-85CE-694A08B13BEB}"/>
+                  </a:ext>
+                </a:extLst>
+              </p:cNvPr>
+              <p:cNvCxnSpPr>
+                <a:cxnSpLocks/>
+                <a:stCxn id="44" idx="6"/>
+              </p:cNvCxnSpPr>
+              <p:nvPr/>
+            </p:nvCxnSpPr>
+            <p:spPr>
+              <a:xfrm>
+                <a:off x="1651114" y="1320610"/>
+                <a:ext cx="3716753" cy="0"/>
+              </a:xfrm>
+              <a:prstGeom prst="straightConnector1">
+                <a:avLst/>
+              </a:prstGeom>
+              <a:ln>
+                <a:prstDash val="dash"/>
+                <a:tailEnd type="triangle"/>
+              </a:ln>
+            </p:spPr>
+            <p:style>
+              <a:lnRef idx="1">
+                <a:schemeClr val="accent1"/>
+              </a:lnRef>
+              <a:fillRef idx="0">
+                <a:schemeClr val="accent1"/>
+              </a:fillRef>
+              <a:effectRef idx="0">
+                <a:schemeClr val="accent1"/>
+              </a:effectRef>
+              <a:fontRef idx="minor">
+                <a:schemeClr val="tx1"/>
+              </a:fontRef>
+            </p:style>
+          </p:cxnSp>
+          <p:sp>
+            <p:nvSpPr>
+              <p:cNvPr id="46" name="Oval 45">
+                <a:extLst>
+                  <a:ext uri="{FF2B5EF4-FFF2-40B4-BE49-F238E27FC236}">
+                    <a16:creationId xmlns:a16="http://schemas.microsoft.com/office/drawing/2014/main" id="{87309931-BEAA-214B-8EAD-B1DB3E35D05A}"/>
+                  </a:ext>
+                </a:extLst>
+              </p:cNvPr>
+              <p:cNvSpPr/>
+              <p:nvPr/>
+            </p:nvSpPr>
+            <p:spPr>
+              <a:xfrm>
+                <a:off x="1498714" y="1523620"/>
+                <a:ext cx="152400" cy="152400"/>
+              </a:xfrm>
+              <a:prstGeom prst="ellipse">
+                <a:avLst/>
+              </a:prstGeom>
+              <a:solidFill>
+                <a:schemeClr val="bg2"/>
+              </a:solidFill>
+            </p:spPr>
+            <p:style>
+              <a:lnRef idx="2">
+                <a:schemeClr val="accent1">
+                  <a:shade val="50000"/>
+                </a:schemeClr>
+              </a:lnRef>
+              <a:fillRef idx="1">
+                <a:schemeClr val="accent1"/>
+              </a:fillRef>
+              <a:effectRef idx="0">
+                <a:schemeClr val="accent1"/>
+              </a:effectRef>
+              <a:fontRef idx="minor">
+                <a:schemeClr val="lt1"/>
+              </a:fontRef>
+            </p:style>
+            <p:txBody>
+              <a:bodyPr rtlCol="0" anchor="ctr"/>
+              <a:lstStyle/>
+              <a:p>
+                <a:pPr algn="ctr"/>
+                <a:endParaRPr lang="en-US"/>
+              </a:p>
+            </p:txBody>
+          </p:sp>
+          <p:cxnSp>
+            <p:nvCxnSpPr>
+              <p:cNvPr id="47" name="Straight Arrow Connector 46">
+                <a:extLst>
+                  <a:ext uri="{FF2B5EF4-FFF2-40B4-BE49-F238E27FC236}">
+                    <a16:creationId xmlns:a16="http://schemas.microsoft.com/office/drawing/2014/main" id="{E1F2A3C9-BB62-5541-871D-993DEC03A6AA}"/>
+                  </a:ext>
+                </a:extLst>
+              </p:cNvPr>
+              <p:cNvCxnSpPr>
+                <a:cxnSpLocks/>
+                <a:stCxn id="46" idx="6"/>
+              </p:cNvCxnSpPr>
+              <p:nvPr/>
+            </p:nvCxnSpPr>
+            <p:spPr>
+              <a:xfrm>
+                <a:off x="1651114" y="1599820"/>
+                <a:ext cx="931219" cy="0"/>
+              </a:xfrm>
+              <a:prstGeom prst="straightConnector1">
+                <a:avLst/>
+              </a:prstGeom>
+              <a:ln>
+                <a:prstDash val="dash"/>
+                <a:tailEnd type="triangle"/>
+              </a:ln>
+            </p:spPr>
+            <p:style>
+              <a:lnRef idx="1">
+                <a:schemeClr val="accent1"/>
+              </a:lnRef>
+              <a:fillRef idx="0">
+                <a:schemeClr val="accent1"/>
+              </a:fillRef>
+              <a:effectRef idx="0">
+                <a:schemeClr val="accent1"/>
+              </a:effectRef>
+              <a:fontRef idx="minor">
+                <a:schemeClr val="tx1"/>
+              </a:fontRef>
+            </p:style>
+          </p:cxnSp>
+          <p:sp>
+            <p:nvSpPr>
+              <p:cNvPr id="48" name="Oval 47">
+                <a:extLst>
+                  <a:ext uri="{FF2B5EF4-FFF2-40B4-BE49-F238E27FC236}">
+                    <a16:creationId xmlns:a16="http://schemas.microsoft.com/office/drawing/2014/main" id="{747D5FF1-3655-044D-A043-D63C9BBF2F4D}"/>
+                  </a:ext>
+                </a:extLst>
+              </p:cNvPr>
+              <p:cNvSpPr/>
+              <p:nvPr/>
+            </p:nvSpPr>
+            <p:spPr>
+              <a:xfrm>
+                <a:off x="1498714" y="1802830"/>
+                <a:ext cx="152400" cy="152400"/>
+              </a:xfrm>
+              <a:prstGeom prst="ellipse">
+                <a:avLst/>
+              </a:prstGeom>
+              <a:solidFill>
+                <a:schemeClr val="bg2"/>
+              </a:solidFill>
+            </p:spPr>
+            <p:style>
+              <a:lnRef idx="2">
+                <a:schemeClr val="accent1">
+                  <a:shade val="50000"/>
+                </a:schemeClr>
+              </a:lnRef>
+              <a:fillRef idx="1">
+                <a:schemeClr val="accent1"/>
+              </a:fillRef>
+              <a:effectRef idx="0">
+                <a:schemeClr val="accent1"/>
+              </a:effectRef>
+              <a:fontRef idx="minor">
+                <a:schemeClr val="lt1"/>
+              </a:fontRef>
+            </p:style>
+            <p:txBody>
+              <a:bodyPr rtlCol="0" anchor="ctr"/>
+              <a:lstStyle/>
+              <a:p>
+                <a:pPr algn="ctr"/>
+                <a:endParaRPr lang="en-US"/>
+              </a:p>
+            </p:txBody>
+          </p:sp>
+          <p:cxnSp>
+            <p:nvCxnSpPr>
+              <p:cNvPr id="49" name="Straight Arrow Connector 48">
+                <a:extLst>
+                  <a:ext uri="{FF2B5EF4-FFF2-40B4-BE49-F238E27FC236}">
+                    <a16:creationId xmlns:a16="http://schemas.microsoft.com/office/drawing/2014/main" id="{2C444093-0691-F946-AAAD-24546098D558}"/>
+                  </a:ext>
+                </a:extLst>
+              </p:cNvPr>
+              <p:cNvCxnSpPr>
+                <a:cxnSpLocks/>
+                <a:stCxn id="48" idx="6"/>
+              </p:cNvCxnSpPr>
+              <p:nvPr/>
+            </p:nvCxnSpPr>
+            <p:spPr>
+              <a:xfrm>
+                <a:off x="1651114" y="1879030"/>
+                <a:ext cx="3716753" cy="0"/>
+              </a:xfrm>
+              <a:prstGeom prst="straightConnector1">
+                <a:avLst/>
+              </a:prstGeom>
+              <a:ln>
+                <a:prstDash val="dash"/>
+                <a:tailEnd type="triangle"/>
+              </a:ln>
+            </p:spPr>
+            <p:style>
+              <a:lnRef idx="1">
+                <a:schemeClr val="accent1"/>
+              </a:lnRef>
+              <a:fillRef idx="0">
+                <a:schemeClr val="accent1"/>
+              </a:fillRef>
+              <a:effectRef idx="0">
+                <a:schemeClr val="accent1"/>
+              </a:effectRef>
+              <a:fontRef idx="minor">
+                <a:schemeClr val="tx1"/>
+              </a:fontRef>
+            </p:style>
+          </p:cxnSp>
+          <p:sp>
+            <p:nvSpPr>
+              <p:cNvPr id="50" name="Oval 49">
+                <a:extLst>
+                  <a:ext uri="{FF2B5EF4-FFF2-40B4-BE49-F238E27FC236}">
+                    <a16:creationId xmlns:a16="http://schemas.microsoft.com/office/drawing/2014/main" id="{15783769-A496-1544-9B1B-DEB20A7B64A5}"/>
+                  </a:ext>
+                </a:extLst>
+              </p:cNvPr>
+              <p:cNvSpPr/>
+              <p:nvPr/>
+            </p:nvSpPr>
+            <p:spPr>
+              <a:xfrm>
+                <a:off x="1498714" y="2082040"/>
+                <a:ext cx="152400" cy="152400"/>
+              </a:xfrm>
+              <a:prstGeom prst="ellipse">
+                <a:avLst/>
+              </a:prstGeom>
+              <a:solidFill>
+                <a:schemeClr val="bg2"/>
+              </a:solidFill>
+            </p:spPr>
+            <p:style>
+              <a:lnRef idx="2">
+                <a:schemeClr val="accent1">
+                  <a:shade val="50000"/>
+                </a:schemeClr>
+              </a:lnRef>
+              <a:fillRef idx="1">
+                <a:schemeClr val="accent1"/>
+              </a:fillRef>
+              <a:effectRef idx="0">
+                <a:schemeClr val="accent1"/>
+              </a:effectRef>
+              <a:fontRef idx="minor">
+                <a:schemeClr val="lt1"/>
+              </a:fontRef>
+            </p:style>
+            <p:txBody>
+              <a:bodyPr rtlCol="0" anchor="ctr"/>
+              <a:lstStyle/>
+              <a:p>
+                <a:pPr algn="ctr"/>
+                <a:endParaRPr lang="en-US"/>
+              </a:p>
+            </p:txBody>
+          </p:sp>
+          <p:cxnSp>
+            <p:nvCxnSpPr>
+              <p:cNvPr id="51" name="Straight Arrow Connector 50">
+                <a:extLst>
+                  <a:ext uri="{FF2B5EF4-FFF2-40B4-BE49-F238E27FC236}">
+                    <a16:creationId xmlns:a16="http://schemas.microsoft.com/office/drawing/2014/main" id="{0391AB84-9DC1-5D49-905D-84499D203E94}"/>
+                  </a:ext>
+                </a:extLst>
+              </p:cNvPr>
+              <p:cNvCxnSpPr>
+                <a:cxnSpLocks/>
+                <a:stCxn id="50" idx="6"/>
+              </p:cNvCxnSpPr>
+              <p:nvPr/>
+            </p:nvCxnSpPr>
+            <p:spPr>
+              <a:xfrm>
+                <a:off x="1651114" y="2158240"/>
+                <a:ext cx="2116553" cy="0"/>
+              </a:xfrm>
+              <a:prstGeom prst="straightConnector1">
+                <a:avLst/>
+              </a:prstGeom>
+              <a:ln>
+                <a:prstDash val="dash"/>
+                <a:tailEnd type="triangle"/>
+              </a:ln>
+            </p:spPr>
+            <p:style>
+              <a:lnRef idx="1">
+                <a:schemeClr val="accent1"/>
+              </a:lnRef>
+              <a:fillRef idx="0">
+                <a:schemeClr val="accent1"/>
+              </a:fillRef>
+              <a:effectRef idx="0">
+                <a:schemeClr val="accent1"/>
+              </a:effectRef>
+              <a:fontRef idx="minor">
+                <a:schemeClr val="tx1"/>
+              </a:fontRef>
+            </p:style>
+          </p:cxnSp>
+          <p:sp>
+            <p:nvSpPr>
+              <p:cNvPr id="52" name="Oval 51">
+                <a:extLst>
+                  <a:ext uri="{FF2B5EF4-FFF2-40B4-BE49-F238E27FC236}">
+                    <a16:creationId xmlns:a16="http://schemas.microsoft.com/office/drawing/2014/main" id="{F99471B5-0F4E-AE45-8611-C81EABD38A6D}"/>
+                  </a:ext>
+                </a:extLst>
+              </p:cNvPr>
+              <p:cNvSpPr/>
+              <p:nvPr/>
+            </p:nvSpPr>
+            <p:spPr>
+              <a:xfrm>
+                <a:off x="1498714" y="2361250"/>
+                <a:ext cx="152400" cy="152400"/>
+              </a:xfrm>
+              <a:prstGeom prst="ellipse">
+                <a:avLst/>
+              </a:prstGeom>
+              <a:solidFill>
+                <a:schemeClr val="bg2"/>
+              </a:solidFill>
+            </p:spPr>
+            <p:style>
+              <a:lnRef idx="2">
+                <a:schemeClr val="accent1">
+                  <a:shade val="50000"/>
+                </a:schemeClr>
+              </a:lnRef>
+              <a:fillRef idx="1">
+                <a:schemeClr val="accent1"/>
+              </a:fillRef>
+              <a:effectRef idx="0">
+                <a:schemeClr val="accent1"/>
+              </a:effectRef>
+              <a:fontRef idx="minor">
+                <a:schemeClr val="lt1"/>
+              </a:fontRef>
+            </p:style>
+            <p:txBody>
+              <a:bodyPr rtlCol="0" anchor="ctr"/>
+              <a:lstStyle/>
+              <a:p>
+                <a:pPr algn="ctr"/>
+                <a:endParaRPr lang="en-US"/>
+              </a:p>
+            </p:txBody>
+          </p:sp>
+          <p:cxnSp>
+            <p:nvCxnSpPr>
+              <p:cNvPr id="53" name="Straight Arrow Connector 52">
+                <a:extLst>
+                  <a:ext uri="{FF2B5EF4-FFF2-40B4-BE49-F238E27FC236}">
+                    <a16:creationId xmlns:a16="http://schemas.microsoft.com/office/drawing/2014/main" id="{6B07B0B6-8C56-1F48-8EB9-AA01D1AE63AA}"/>
+                  </a:ext>
+                </a:extLst>
+              </p:cNvPr>
+              <p:cNvCxnSpPr>
+                <a:cxnSpLocks/>
+                <a:stCxn id="52" idx="6"/>
+              </p:cNvCxnSpPr>
+              <p:nvPr/>
+            </p:nvCxnSpPr>
+            <p:spPr>
+              <a:xfrm>
+                <a:off x="1651114" y="2437450"/>
+                <a:ext cx="3716753" cy="4043"/>
+              </a:xfrm>
+              <a:prstGeom prst="straightConnector1">
+                <a:avLst/>
+              </a:prstGeom>
+              <a:ln>
+                <a:prstDash val="dash"/>
+                <a:tailEnd type="triangle"/>
+              </a:ln>
+            </p:spPr>
+            <p:style>
+              <a:lnRef idx="1">
+                <a:schemeClr val="accent1"/>
+              </a:lnRef>
+              <a:fillRef idx="0">
+                <a:schemeClr val="accent1"/>
+              </a:fillRef>
+              <a:effectRef idx="0">
+                <a:schemeClr val="accent1"/>
+              </a:effectRef>
+              <a:fontRef idx="minor">
+                <a:schemeClr val="tx1"/>
+              </a:fontRef>
+            </p:style>
+          </p:cxnSp>
+          <p:sp>
+            <p:nvSpPr>
+              <p:cNvPr id="54" name="Oval 53">
+                <a:extLst>
+                  <a:ext uri="{FF2B5EF4-FFF2-40B4-BE49-F238E27FC236}">
+                    <a16:creationId xmlns:a16="http://schemas.microsoft.com/office/drawing/2014/main" id="{3F64A38B-5B2C-3142-B264-E3854EBF315B}"/>
+                  </a:ext>
+                </a:extLst>
+              </p:cNvPr>
+              <p:cNvSpPr/>
+              <p:nvPr/>
+            </p:nvSpPr>
+            <p:spPr>
+              <a:xfrm>
+                <a:off x="1498714" y="2640460"/>
+                <a:ext cx="152400" cy="152400"/>
+              </a:xfrm>
+              <a:prstGeom prst="ellipse">
+                <a:avLst/>
+              </a:prstGeom>
+              <a:solidFill>
+                <a:schemeClr val="bg2"/>
+              </a:solidFill>
+            </p:spPr>
+            <p:style>
+              <a:lnRef idx="2">
+                <a:schemeClr val="accent1">
+                  <a:shade val="50000"/>
+                </a:schemeClr>
+              </a:lnRef>
+              <a:fillRef idx="1">
+                <a:schemeClr val="accent1"/>
+              </a:fillRef>
+              <a:effectRef idx="0">
+                <a:schemeClr val="accent1"/>
+              </a:effectRef>
+              <a:fontRef idx="minor">
+                <a:schemeClr val="lt1"/>
+              </a:fontRef>
+            </p:style>
+            <p:txBody>
+              <a:bodyPr rtlCol="0" anchor="ctr"/>
+              <a:lstStyle/>
+              <a:p>
+                <a:pPr algn="ctr"/>
+                <a:endParaRPr lang="en-US"/>
+              </a:p>
+            </p:txBody>
+          </p:sp>
+          <p:cxnSp>
+            <p:nvCxnSpPr>
+              <p:cNvPr id="55" name="Straight Arrow Connector 54">
+                <a:extLst>
+                  <a:ext uri="{FF2B5EF4-FFF2-40B4-BE49-F238E27FC236}">
+                    <a16:creationId xmlns:a16="http://schemas.microsoft.com/office/drawing/2014/main" id="{AC4610A9-BA3D-DE41-8941-4D193E3FAC17}"/>
+                  </a:ext>
+                </a:extLst>
+              </p:cNvPr>
+              <p:cNvCxnSpPr>
+                <a:cxnSpLocks/>
+                <a:stCxn id="54" idx="6"/>
+              </p:cNvCxnSpPr>
+              <p:nvPr/>
+            </p:nvCxnSpPr>
+            <p:spPr>
+              <a:xfrm flipV="1">
+                <a:off x="1651114" y="2712428"/>
+                <a:ext cx="2116553" cy="4232"/>
+              </a:xfrm>
+              <a:prstGeom prst="straightConnector1">
+                <a:avLst/>
+              </a:prstGeom>
+              <a:ln>
+                <a:prstDash val="dash"/>
+                <a:tailEnd type="triangle"/>
+              </a:ln>
+            </p:spPr>
+            <p:style>
+              <a:lnRef idx="1">
+                <a:schemeClr val="accent1"/>
+              </a:lnRef>
+              <a:fillRef idx="0">
+                <a:schemeClr val="accent1"/>
+              </a:fillRef>
+              <a:effectRef idx="0">
+                <a:schemeClr val="accent1"/>
+              </a:effectRef>
+              <a:fontRef idx="minor">
+                <a:schemeClr val="tx1"/>
+              </a:fontRef>
+            </p:style>
+          </p:cxnSp>
+          <p:sp>
+            <p:nvSpPr>
+              <p:cNvPr id="56" name="Oval 55">
+                <a:extLst>
+                  <a:ext uri="{FF2B5EF4-FFF2-40B4-BE49-F238E27FC236}">
+                    <a16:creationId xmlns:a16="http://schemas.microsoft.com/office/drawing/2014/main" id="{C65EE6D3-5C69-DC44-8298-61001A9797C9}"/>
+                  </a:ext>
+                </a:extLst>
+              </p:cNvPr>
+              <p:cNvSpPr/>
+              <p:nvPr/>
+            </p:nvSpPr>
+            <p:spPr>
+              <a:xfrm>
+                <a:off x="1498714" y="2919670"/>
+                <a:ext cx="152400" cy="152400"/>
+              </a:xfrm>
+              <a:prstGeom prst="ellipse">
+                <a:avLst/>
+              </a:prstGeom>
+              <a:solidFill>
+                <a:schemeClr val="bg2"/>
+              </a:solidFill>
+            </p:spPr>
+            <p:style>
+              <a:lnRef idx="2">
+                <a:schemeClr val="accent1">
+                  <a:shade val="50000"/>
+                </a:schemeClr>
+              </a:lnRef>
+              <a:fillRef idx="1">
+                <a:schemeClr val="accent1"/>
+              </a:fillRef>
+              <a:effectRef idx="0">
+                <a:schemeClr val="accent1"/>
+              </a:effectRef>
+              <a:fontRef idx="minor">
+                <a:schemeClr val="lt1"/>
+              </a:fontRef>
+            </p:style>
+            <p:txBody>
+              <a:bodyPr rtlCol="0" anchor="ctr"/>
+              <a:lstStyle/>
+              <a:p>
+                <a:pPr algn="ctr"/>
+                <a:endParaRPr lang="en-US"/>
+              </a:p>
+            </p:txBody>
+          </p:sp>
+          <p:cxnSp>
+            <p:nvCxnSpPr>
+              <p:cNvPr id="57" name="Straight Arrow Connector 56">
+                <a:extLst>
+                  <a:ext uri="{FF2B5EF4-FFF2-40B4-BE49-F238E27FC236}">
+                    <a16:creationId xmlns:a16="http://schemas.microsoft.com/office/drawing/2014/main" id="{22F3E4E9-9766-764F-8A15-07B23A6F2A36}"/>
+                  </a:ext>
+                </a:extLst>
+              </p:cNvPr>
+              <p:cNvCxnSpPr>
+                <a:cxnSpLocks/>
+                <a:stCxn id="56" idx="6"/>
+              </p:cNvCxnSpPr>
+              <p:nvPr/>
+            </p:nvCxnSpPr>
+            <p:spPr>
+              <a:xfrm>
+                <a:off x="1651114" y="2995870"/>
+                <a:ext cx="1388419" cy="0"/>
+              </a:xfrm>
+              <a:prstGeom prst="straightConnector1">
+                <a:avLst/>
+              </a:prstGeom>
+              <a:ln>
+                <a:prstDash val="dash"/>
+                <a:tailEnd type="triangle"/>
+              </a:ln>
+            </p:spPr>
+            <p:style>
+              <a:lnRef idx="1">
+                <a:schemeClr val="accent1"/>
+              </a:lnRef>
+              <a:fillRef idx="0">
+                <a:schemeClr val="accent1"/>
+              </a:fillRef>
+              <a:effectRef idx="0">
+                <a:schemeClr val="accent1"/>
+              </a:effectRef>
+              <a:fontRef idx="minor">
+                <a:schemeClr val="tx1"/>
+              </a:fontRef>
+            </p:style>
+          </p:cxnSp>
+          <p:cxnSp>
+            <p:nvCxnSpPr>
+              <p:cNvPr id="58" name="Straight Arrow Connector 57">
+                <a:extLst>
+                  <a:ext uri="{FF2B5EF4-FFF2-40B4-BE49-F238E27FC236}">
+                    <a16:creationId xmlns:a16="http://schemas.microsoft.com/office/drawing/2014/main" id="{A9B21103-A9C1-5F4F-902A-65713C889EBD}"/>
+                  </a:ext>
+                </a:extLst>
+              </p:cNvPr>
+              <p:cNvCxnSpPr>
+                <a:cxnSpLocks/>
+              </p:cNvCxnSpPr>
+              <p:nvPr/>
+            </p:nvCxnSpPr>
+            <p:spPr>
+              <a:xfrm>
+                <a:off x="1651114" y="3263903"/>
+                <a:ext cx="3716753" cy="0"/>
+              </a:xfrm>
+              <a:prstGeom prst="straightConnector1">
+                <a:avLst/>
+              </a:prstGeom>
+              <a:ln>
+                <a:prstDash val="dash"/>
+                <a:tailEnd type="triangle"/>
+              </a:ln>
+            </p:spPr>
+            <p:style>
+              <a:lnRef idx="1">
+                <a:schemeClr val="accent1"/>
+              </a:lnRef>
+              <a:fillRef idx="0">
+                <a:schemeClr val="accent1"/>
+              </a:fillRef>
+              <a:effectRef idx="0">
+                <a:schemeClr val="accent1"/>
+              </a:effectRef>
+              <a:fontRef idx="minor">
+                <a:schemeClr val="tx1"/>
+              </a:fontRef>
+            </p:style>
+          </p:cxnSp>
+          <p:sp>
+            <p:nvSpPr>
+              <p:cNvPr id="59" name="Oval 58">
+                <a:extLst>
+                  <a:ext uri="{FF2B5EF4-FFF2-40B4-BE49-F238E27FC236}">
+                    <a16:creationId xmlns:a16="http://schemas.microsoft.com/office/drawing/2014/main" id="{F57E8163-597F-2540-A51D-BC1C5AC46307}"/>
+                  </a:ext>
+                </a:extLst>
+              </p:cNvPr>
+              <p:cNvSpPr/>
+              <p:nvPr/>
+            </p:nvSpPr>
+            <p:spPr>
+              <a:xfrm>
+                <a:off x="1498714" y="3478090"/>
+                <a:ext cx="152400" cy="152400"/>
+              </a:xfrm>
+              <a:prstGeom prst="ellipse">
+                <a:avLst/>
+              </a:prstGeom>
+              <a:solidFill>
+                <a:schemeClr val="accent4">
+                  <a:lumMod val="60000"/>
+                  <a:lumOff val="40000"/>
+                </a:schemeClr>
+              </a:solidFill>
+            </p:spPr>
+            <p:style>
+              <a:lnRef idx="2">
+                <a:schemeClr val="accent1">
+                  <a:shade val="50000"/>
+                </a:schemeClr>
+              </a:lnRef>
+              <a:fillRef idx="1">
+                <a:schemeClr val="accent1"/>
+              </a:fillRef>
+              <a:effectRef idx="0">
+                <a:schemeClr val="accent1"/>
+              </a:effectRef>
+              <a:fontRef idx="minor">
+                <a:schemeClr val="lt1"/>
+              </a:fontRef>
+            </p:style>
+            <p:txBody>
+              <a:bodyPr rtlCol="0" anchor="ctr"/>
+              <a:lstStyle/>
+              <a:p>
+                <a:pPr algn="ctr"/>
+                <a:endParaRPr lang="en-US"/>
+              </a:p>
+            </p:txBody>
+          </p:sp>
+          <p:cxnSp>
+            <p:nvCxnSpPr>
+              <p:cNvPr id="60" name="Straight Arrow Connector 59">
+                <a:extLst>
+                  <a:ext uri="{FF2B5EF4-FFF2-40B4-BE49-F238E27FC236}">
+                    <a16:creationId xmlns:a16="http://schemas.microsoft.com/office/drawing/2014/main" id="{002E2350-931A-BE46-9A8F-61FF8063FE56}"/>
+                  </a:ext>
+                </a:extLst>
+              </p:cNvPr>
+              <p:cNvCxnSpPr>
+                <a:cxnSpLocks/>
+              </p:cNvCxnSpPr>
+              <p:nvPr/>
+            </p:nvCxnSpPr>
+            <p:spPr>
+              <a:xfrm>
+                <a:off x="1651114" y="3517909"/>
+                <a:ext cx="3716753" cy="0"/>
+              </a:xfrm>
+              <a:prstGeom prst="straightConnector1">
+                <a:avLst/>
+              </a:prstGeom>
+              <a:ln>
+                <a:prstDash val="dash"/>
+                <a:tailEnd type="triangle"/>
+              </a:ln>
+            </p:spPr>
+            <p:style>
+              <a:lnRef idx="1">
+                <a:schemeClr val="accent1"/>
+              </a:lnRef>
+              <a:fillRef idx="0">
+                <a:schemeClr val="accent1"/>
+              </a:fillRef>
+              <a:effectRef idx="0">
+                <a:schemeClr val="accent1"/>
+              </a:effectRef>
+              <a:fontRef idx="minor">
+                <a:schemeClr val="tx1"/>
+              </a:fontRef>
+            </p:style>
+          </p:cxnSp>
+          <p:sp>
+            <p:nvSpPr>
+              <p:cNvPr id="61" name="Oval 60">
+                <a:extLst>
+                  <a:ext uri="{FF2B5EF4-FFF2-40B4-BE49-F238E27FC236}">
+                    <a16:creationId xmlns:a16="http://schemas.microsoft.com/office/drawing/2014/main" id="{F8113A16-7D9C-414F-B395-609F96E833BC}"/>
+                  </a:ext>
+                </a:extLst>
+              </p:cNvPr>
+              <p:cNvSpPr/>
+              <p:nvPr/>
+            </p:nvSpPr>
+            <p:spPr>
+              <a:xfrm>
+                <a:off x="1498714" y="3757300"/>
+                <a:ext cx="152400" cy="152400"/>
+              </a:xfrm>
+              <a:prstGeom prst="ellipse">
+                <a:avLst/>
+              </a:prstGeom>
+              <a:solidFill>
+                <a:schemeClr val="accent4">
+                  <a:lumMod val="60000"/>
+                  <a:lumOff val="40000"/>
+                </a:schemeClr>
+              </a:solidFill>
+            </p:spPr>
+            <p:style>
+              <a:lnRef idx="2">
+                <a:schemeClr val="accent1">
+                  <a:shade val="50000"/>
+                </a:schemeClr>
+              </a:lnRef>
+              <a:fillRef idx="1">
+                <a:schemeClr val="accent1"/>
+              </a:fillRef>
+              <a:effectRef idx="0">
+                <a:schemeClr val="accent1"/>
+              </a:effectRef>
+              <a:fontRef idx="minor">
+                <a:schemeClr val="lt1"/>
+              </a:fontRef>
+            </p:style>
+            <p:txBody>
+              <a:bodyPr rtlCol="0" anchor="ctr"/>
+              <a:lstStyle/>
+              <a:p>
+                <a:pPr algn="ctr"/>
+                <a:endParaRPr lang="en-US"/>
+              </a:p>
+            </p:txBody>
+          </p:sp>
+          <p:cxnSp>
+            <p:nvCxnSpPr>
+              <p:cNvPr id="62" name="Straight Arrow Connector 61">
+                <a:extLst>
+                  <a:ext uri="{FF2B5EF4-FFF2-40B4-BE49-F238E27FC236}">
+                    <a16:creationId xmlns:a16="http://schemas.microsoft.com/office/drawing/2014/main" id="{48B70CC5-2068-D248-AB13-57EA6D2EF9FD}"/>
+                  </a:ext>
+                </a:extLst>
+              </p:cNvPr>
+              <p:cNvCxnSpPr>
+                <a:cxnSpLocks/>
+              </p:cNvCxnSpPr>
+              <p:nvPr/>
+            </p:nvCxnSpPr>
+            <p:spPr>
+              <a:xfrm>
+                <a:off x="1651114" y="3812131"/>
+                <a:ext cx="3716753" cy="0"/>
+              </a:xfrm>
+              <a:prstGeom prst="straightConnector1">
+                <a:avLst/>
+              </a:prstGeom>
+              <a:ln>
+                <a:prstDash val="dash"/>
+                <a:tailEnd type="triangle"/>
+              </a:ln>
+            </p:spPr>
+            <p:style>
+              <a:lnRef idx="1">
+                <a:schemeClr val="accent1"/>
+              </a:lnRef>
+              <a:fillRef idx="0">
+                <a:schemeClr val="accent1"/>
+              </a:fillRef>
+              <a:effectRef idx="0">
+                <a:schemeClr val="accent1"/>
+              </a:effectRef>
+              <a:fontRef idx="minor">
+                <a:schemeClr val="tx1"/>
+              </a:fontRef>
+            </p:style>
+          </p:cxnSp>
+          <p:sp>
+            <p:nvSpPr>
+              <p:cNvPr id="63" name="Oval 62">
+                <a:extLst>
+                  <a:ext uri="{FF2B5EF4-FFF2-40B4-BE49-F238E27FC236}">
+                    <a16:creationId xmlns:a16="http://schemas.microsoft.com/office/drawing/2014/main" id="{AB4463BE-82A4-3C4A-BE97-629B8F149045}"/>
+                  </a:ext>
+                </a:extLst>
+              </p:cNvPr>
+              <p:cNvSpPr/>
+              <p:nvPr/>
+            </p:nvSpPr>
+            <p:spPr>
+              <a:xfrm>
+                <a:off x="1498714" y="4036509"/>
+                <a:ext cx="152400" cy="152400"/>
+              </a:xfrm>
+              <a:prstGeom prst="ellipse">
+                <a:avLst/>
+              </a:prstGeom>
+              <a:solidFill>
+                <a:schemeClr val="accent4">
+                  <a:lumMod val="60000"/>
+                  <a:lumOff val="40000"/>
+                </a:schemeClr>
+              </a:solidFill>
+            </p:spPr>
+            <p:style>
+              <a:lnRef idx="2">
+                <a:schemeClr val="accent1">
+                  <a:shade val="50000"/>
+                </a:schemeClr>
+              </a:lnRef>
+              <a:fillRef idx="1">
+                <a:schemeClr val="accent1"/>
+              </a:fillRef>
+              <a:effectRef idx="0">
+                <a:schemeClr val="accent1"/>
+              </a:effectRef>
+              <a:fontRef idx="minor">
+                <a:schemeClr val="lt1"/>
+              </a:fontRef>
+            </p:style>
+            <p:txBody>
+              <a:bodyPr rtlCol="0" anchor="ctr"/>
+              <a:lstStyle/>
+              <a:p>
+                <a:pPr algn="ctr"/>
+                <a:endParaRPr lang="en-US"/>
+              </a:p>
+            </p:txBody>
+          </p:sp>
+          <p:cxnSp>
+            <p:nvCxnSpPr>
+              <p:cNvPr id="64" name="Straight Arrow Connector 63">
+                <a:extLst>
+                  <a:ext uri="{FF2B5EF4-FFF2-40B4-BE49-F238E27FC236}">
+                    <a16:creationId xmlns:a16="http://schemas.microsoft.com/office/drawing/2014/main" id="{0C8CA663-4322-CD4D-8A0C-661972CB059B}"/>
+                  </a:ext>
+                </a:extLst>
+              </p:cNvPr>
+              <p:cNvCxnSpPr>
+                <a:cxnSpLocks/>
+              </p:cNvCxnSpPr>
+              <p:nvPr/>
+            </p:nvCxnSpPr>
+            <p:spPr>
+              <a:xfrm>
+                <a:off x="1651114" y="4108478"/>
+                <a:ext cx="3716753" cy="0"/>
+              </a:xfrm>
+              <a:prstGeom prst="straightConnector1">
+                <a:avLst/>
+              </a:prstGeom>
+              <a:ln>
+                <a:prstDash val="dash"/>
+                <a:tailEnd type="triangle"/>
+              </a:ln>
+            </p:spPr>
+            <p:style>
+              <a:lnRef idx="1">
+                <a:schemeClr val="accent1"/>
+              </a:lnRef>
+              <a:fillRef idx="0">
+                <a:schemeClr val="accent1"/>
+              </a:fillRef>
+              <a:effectRef idx="0">
+                <a:schemeClr val="accent1"/>
+              </a:effectRef>
+              <a:fontRef idx="minor">
+                <a:schemeClr val="tx1"/>
+              </a:fontRef>
+            </p:style>
+          </p:cxnSp>
+          <p:sp>
+            <p:nvSpPr>
+              <p:cNvPr id="80" name="Cross 79">
+                <a:extLst>
+                  <a:ext uri="{FF2B5EF4-FFF2-40B4-BE49-F238E27FC236}">
+                    <a16:creationId xmlns:a16="http://schemas.microsoft.com/office/drawing/2014/main" id="{0F356C81-8DC2-7140-B20D-D9CF149FF391}"/>
+                  </a:ext>
+                </a:extLst>
+              </p:cNvPr>
+              <p:cNvSpPr/>
+              <p:nvPr/>
+            </p:nvSpPr>
+            <p:spPr>
+              <a:xfrm>
+                <a:off x="2116723" y="1527663"/>
+                <a:ext cx="152400" cy="152400"/>
+              </a:xfrm>
+              <a:prstGeom prst="plus">
+                <a:avLst>
+                  <a:gd name="adj" fmla="val 47525"/>
+                </a:avLst>
+              </a:prstGeom>
+            </p:spPr>
+            <p:style>
+              <a:lnRef idx="2">
+                <a:schemeClr val="accent1">
+                  <a:shade val="50000"/>
+                </a:schemeClr>
+              </a:lnRef>
+              <a:fillRef idx="1">
+                <a:schemeClr val="accent1"/>
+              </a:fillRef>
+              <a:effectRef idx="0">
+                <a:schemeClr val="accent1"/>
+              </a:effectRef>
+              <a:fontRef idx="minor">
+                <a:schemeClr val="lt1"/>
+              </a:fontRef>
+            </p:style>
+            <p:txBody>
+              <a:bodyPr rtlCol="0" anchor="ctr"/>
+              <a:lstStyle/>
+              <a:p>
+                <a:pPr algn="ctr"/>
+                <a:endParaRPr lang="en-US"/>
+              </a:p>
+            </p:txBody>
+          </p:sp>
+          <p:sp>
+            <p:nvSpPr>
+              <p:cNvPr id="81" name="Cross 80">
+                <a:extLst>
+                  <a:ext uri="{FF2B5EF4-FFF2-40B4-BE49-F238E27FC236}">
+                    <a16:creationId xmlns:a16="http://schemas.microsoft.com/office/drawing/2014/main" id="{371D9F62-77DF-AF46-9362-490A0BFDF447}"/>
+                  </a:ext>
+                </a:extLst>
+              </p:cNvPr>
+              <p:cNvSpPr/>
+              <p:nvPr/>
+            </p:nvSpPr>
+            <p:spPr>
+              <a:xfrm>
+                <a:off x="2582333" y="2087629"/>
+                <a:ext cx="152400" cy="152400"/>
+              </a:xfrm>
+              <a:prstGeom prst="plus">
+                <a:avLst>
+                  <a:gd name="adj" fmla="val 47525"/>
+                </a:avLst>
+              </a:prstGeom>
+            </p:spPr>
+            <p:style>
+              <a:lnRef idx="2">
+                <a:schemeClr val="accent1">
+                  <a:shade val="50000"/>
+                </a:schemeClr>
+              </a:lnRef>
+              <a:fillRef idx="1">
+                <a:schemeClr val="accent1"/>
+              </a:fillRef>
+              <a:effectRef idx="0">
+                <a:schemeClr val="accent1"/>
+              </a:effectRef>
+              <a:fontRef idx="minor">
+                <a:schemeClr val="lt1"/>
+              </a:fontRef>
+            </p:style>
+            <p:txBody>
+              <a:bodyPr rtlCol="0" anchor="ctr"/>
+              <a:lstStyle/>
+              <a:p>
+                <a:pPr algn="ctr"/>
+                <a:endParaRPr lang="en-US"/>
+              </a:p>
+            </p:txBody>
+          </p:sp>
+          <p:sp>
+            <p:nvSpPr>
+              <p:cNvPr id="82" name="Cross 81">
+                <a:extLst>
+                  <a:ext uri="{FF2B5EF4-FFF2-40B4-BE49-F238E27FC236}">
+                    <a16:creationId xmlns:a16="http://schemas.microsoft.com/office/drawing/2014/main" id="{6CBA2AD2-D978-AC44-AF2F-38D076B5E3F6}"/>
+                  </a:ext>
+                </a:extLst>
+              </p:cNvPr>
+              <p:cNvSpPr/>
+              <p:nvPr/>
+            </p:nvSpPr>
+            <p:spPr>
+              <a:xfrm>
+                <a:off x="3039533" y="2636228"/>
+                <a:ext cx="152400" cy="152400"/>
+              </a:xfrm>
+              <a:prstGeom prst="plus">
+                <a:avLst>
+                  <a:gd name="adj" fmla="val 47525"/>
+                </a:avLst>
+              </a:prstGeom>
+            </p:spPr>
+            <p:style>
+              <a:lnRef idx="2">
+                <a:schemeClr val="accent1">
+                  <a:shade val="50000"/>
+                </a:schemeClr>
+              </a:lnRef>
+              <a:fillRef idx="1">
+                <a:schemeClr val="accent1"/>
+              </a:fillRef>
+              <a:effectRef idx="0">
+                <a:schemeClr val="accent1"/>
+              </a:effectRef>
+              <a:fontRef idx="minor">
+                <a:schemeClr val="lt1"/>
+              </a:fontRef>
+            </p:style>
+            <p:txBody>
+              <a:bodyPr rtlCol="0" anchor="ctr"/>
+              <a:lstStyle/>
+              <a:p>
+                <a:pPr algn="ctr"/>
+                <a:endParaRPr lang="en-US"/>
+              </a:p>
+            </p:txBody>
+          </p:sp>
+          <p:sp>
+            <p:nvSpPr>
+              <p:cNvPr id="83" name="Cross 82">
+                <a:extLst>
+                  <a:ext uri="{FF2B5EF4-FFF2-40B4-BE49-F238E27FC236}">
+                    <a16:creationId xmlns:a16="http://schemas.microsoft.com/office/drawing/2014/main" id="{CD1B994C-AD2E-5749-8F91-50E473B2A629}"/>
+                  </a:ext>
+                </a:extLst>
+              </p:cNvPr>
+              <p:cNvSpPr/>
+              <p:nvPr/>
+            </p:nvSpPr>
+            <p:spPr>
+              <a:xfrm>
+                <a:off x="2116723" y="2928896"/>
+                <a:ext cx="152400" cy="152400"/>
+              </a:xfrm>
+              <a:prstGeom prst="plus">
+                <a:avLst>
+                  <a:gd name="adj" fmla="val 47525"/>
+                </a:avLst>
+              </a:prstGeom>
+            </p:spPr>
+            <p:style>
+              <a:lnRef idx="2">
+                <a:schemeClr val="accent1">
+                  <a:shade val="50000"/>
+                </a:schemeClr>
+              </a:lnRef>
+              <a:fillRef idx="1">
+                <a:schemeClr val="accent1"/>
+              </a:fillRef>
+              <a:effectRef idx="0">
+                <a:schemeClr val="accent1"/>
+              </a:effectRef>
+              <a:fontRef idx="minor">
+                <a:schemeClr val="lt1"/>
+              </a:fontRef>
+            </p:style>
+            <p:txBody>
+              <a:bodyPr rtlCol="0" anchor="ctr"/>
+              <a:lstStyle/>
+              <a:p>
+                <a:pPr algn="ctr"/>
+                <a:endParaRPr lang="en-US"/>
+              </a:p>
+            </p:txBody>
+          </p:sp>
+          <p:sp>
+            <p:nvSpPr>
+              <p:cNvPr id="84" name="Cross 83">
+                <a:extLst>
+                  <a:ext uri="{FF2B5EF4-FFF2-40B4-BE49-F238E27FC236}">
+                    <a16:creationId xmlns:a16="http://schemas.microsoft.com/office/drawing/2014/main" id="{5BD82DCB-E503-6444-8C66-37D22FEB8B23}"/>
+                  </a:ext>
+                </a:extLst>
+              </p:cNvPr>
+              <p:cNvSpPr/>
+              <p:nvPr/>
+            </p:nvSpPr>
+            <p:spPr>
+              <a:xfrm>
+                <a:off x="4938480" y="2361253"/>
+                <a:ext cx="152400" cy="152400"/>
+              </a:xfrm>
+              <a:prstGeom prst="plus">
+                <a:avLst>
+                  <a:gd name="adj" fmla="val 47525"/>
+                </a:avLst>
+              </a:prstGeom>
+            </p:spPr>
+            <p:style>
+              <a:lnRef idx="2">
+                <a:schemeClr val="accent1">
+                  <a:shade val="50000"/>
+                </a:schemeClr>
+              </a:lnRef>
+              <a:fillRef idx="1">
+                <a:schemeClr val="accent1"/>
+              </a:fillRef>
+              <a:effectRef idx="0">
+                <a:schemeClr val="accent1"/>
+              </a:effectRef>
+              <a:fontRef idx="minor">
+                <a:schemeClr val="lt1"/>
+              </a:fontRef>
+            </p:style>
+            <p:txBody>
+              <a:bodyPr rtlCol="0" anchor="ctr"/>
+              <a:lstStyle/>
+              <a:p>
+                <a:pPr algn="ctr"/>
+                <a:endParaRPr lang="en-US"/>
+              </a:p>
+            </p:txBody>
+          </p:sp>
+          <p:sp>
+            <p:nvSpPr>
+              <p:cNvPr id="85" name="TextBox 84">
+                <a:extLst>
+                  <a:ext uri="{FF2B5EF4-FFF2-40B4-BE49-F238E27FC236}">
+                    <a16:creationId xmlns:a16="http://schemas.microsoft.com/office/drawing/2014/main" id="{DE6496B8-8903-5C44-B507-AFA335384DB8}"/>
+                  </a:ext>
+                </a:extLst>
+              </p:cNvPr>
+              <p:cNvSpPr txBox="1"/>
+              <p:nvPr/>
+            </p:nvSpPr>
+            <p:spPr>
+              <a:xfrm>
+                <a:off x="3251201" y="4322106"/>
+                <a:ext cx="925253" cy="230832"/>
+              </a:xfrm>
+              <a:prstGeom prst="rect">
+                <a:avLst/>
+              </a:prstGeom>
+              <a:noFill/>
+            </p:spPr>
+            <p:txBody>
+              <a:bodyPr wrap="none" rtlCol="0">
+                <a:spAutoFit/>
+              </a:bodyPr>
+              <a:lstStyle/>
+              <a:p>
+                <a:r>
+                  <a:rPr lang="en-US" sz="900"/>
+                  <a:t>Follow-Up Time</a:t>
+                </a:r>
+                <a:endParaRPr lang="en-US"/>
+              </a:p>
+            </p:txBody>
+          </p:sp>
+          <p:sp>
+            <p:nvSpPr>
+              <p:cNvPr id="86" name="TextBox 85">
+                <a:extLst>
+                  <a:ext uri="{FF2B5EF4-FFF2-40B4-BE49-F238E27FC236}">
+                    <a16:creationId xmlns:a16="http://schemas.microsoft.com/office/drawing/2014/main" id="{A84742BA-1F75-E947-B8F8-20DA8B07733F}"/>
+                  </a:ext>
+                </a:extLst>
+              </p:cNvPr>
+              <p:cNvSpPr txBox="1"/>
+              <p:nvPr/>
+            </p:nvSpPr>
+            <p:spPr>
+              <a:xfrm>
+                <a:off x="1380219" y="4322106"/>
+                <a:ext cx="998991" cy="230832"/>
+              </a:xfrm>
+              <a:prstGeom prst="rect">
+                <a:avLst/>
+              </a:prstGeom>
+              <a:noFill/>
+            </p:spPr>
+            <p:txBody>
+              <a:bodyPr wrap="none" rtlCol="0">
+                <a:spAutoFit/>
+              </a:bodyPr>
+              <a:lstStyle/>
+              <a:p>
+                <a:r>
+                  <a:rPr lang="en-US" sz="900"/>
+                  <a:t>Study Enrollment</a:t>
+                </a:r>
+                <a:endParaRPr lang="en-US"/>
+              </a:p>
+            </p:txBody>
+          </p:sp>
+          <p:sp>
+            <p:nvSpPr>
+              <p:cNvPr id="87" name="TextBox 86">
+                <a:extLst>
+                  <a:ext uri="{FF2B5EF4-FFF2-40B4-BE49-F238E27FC236}">
+                    <a16:creationId xmlns:a16="http://schemas.microsoft.com/office/drawing/2014/main" id="{A733562A-8115-8344-B0E7-DCF4D9CD0AA9}"/>
+                  </a:ext>
+                </a:extLst>
+              </p:cNvPr>
+              <p:cNvSpPr txBox="1"/>
+              <p:nvPr/>
+            </p:nvSpPr>
+            <p:spPr>
+              <a:xfrm>
+                <a:off x="5139226" y="4215449"/>
+                <a:ext cx="998991" cy="507831"/>
+              </a:xfrm>
+              <a:prstGeom prst="rect">
+                <a:avLst/>
+              </a:prstGeom>
+              <a:noFill/>
+            </p:spPr>
+            <p:txBody>
+              <a:bodyPr wrap="square" rtlCol="0">
+                <a:spAutoFit/>
+              </a:bodyPr>
+              <a:lstStyle/>
+              <a:p>
+                <a:pPr algn="ctr"/>
+                <a:r>
+                  <a:rPr lang="en-US" sz="900"/>
+                  <a:t>Observed Outcome Distribution</a:t>
+                </a:r>
+                <a:endParaRPr lang="en-US"/>
+              </a:p>
+            </p:txBody>
+          </p:sp>
+          <p:sp>
+            <p:nvSpPr>
+              <p:cNvPr id="88" name="Oval 87">
+                <a:extLst>
+                  <a:ext uri="{FF2B5EF4-FFF2-40B4-BE49-F238E27FC236}">
+                    <a16:creationId xmlns:a16="http://schemas.microsoft.com/office/drawing/2014/main" id="{E04D9FE9-8E74-7746-9041-3028ECD9F87B}"/>
+                  </a:ext>
+                </a:extLst>
+              </p:cNvPr>
+              <p:cNvSpPr/>
+              <p:nvPr/>
+            </p:nvSpPr>
+            <p:spPr>
+              <a:xfrm>
+                <a:off x="5542640" y="956733"/>
+                <a:ext cx="152400" cy="152400"/>
+              </a:xfrm>
+              <a:prstGeom prst="ellipse">
+                <a:avLst/>
+              </a:prstGeom>
+              <a:solidFill>
+                <a:schemeClr val="bg2"/>
+              </a:solidFill>
+            </p:spPr>
+            <p:style>
+              <a:lnRef idx="2">
+                <a:schemeClr val="accent1">
+                  <a:shade val="50000"/>
+                </a:schemeClr>
+              </a:lnRef>
+              <a:fillRef idx="1">
+                <a:schemeClr val="accent1"/>
+              </a:fillRef>
+              <a:effectRef idx="0">
+                <a:schemeClr val="accent1"/>
+              </a:effectRef>
+              <a:fontRef idx="minor">
+                <a:schemeClr val="lt1"/>
+              </a:fontRef>
+            </p:style>
+            <p:txBody>
+              <a:bodyPr rtlCol="0" anchor="ctr"/>
+              <a:lstStyle/>
+              <a:p>
+                <a:pPr algn="ctr"/>
+                <a:endParaRPr lang="en-US"/>
+              </a:p>
+            </p:txBody>
+          </p:sp>
+          <p:sp>
+            <p:nvSpPr>
+              <p:cNvPr id="89" name="Oval 88">
+                <a:extLst>
+                  <a:ext uri="{FF2B5EF4-FFF2-40B4-BE49-F238E27FC236}">
+                    <a16:creationId xmlns:a16="http://schemas.microsoft.com/office/drawing/2014/main" id="{A19F4A98-C0AC-D147-9784-7B86C690B45F}"/>
+                  </a:ext>
+                </a:extLst>
+              </p:cNvPr>
+              <p:cNvSpPr/>
+              <p:nvPr/>
+            </p:nvSpPr>
+            <p:spPr>
+              <a:xfrm>
+                <a:off x="5542640" y="1244410"/>
+                <a:ext cx="152400" cy="152400"/>
+              </a:xfrm>
+              <a:prstGeom prst="ellipse">
+                <a:avLst/>
+              </a:prstGeom>
+              <a:solidFill>
+                <a:schemeClr val="bg2"/>
+              </a:solidFill>
+            </p:spPr>
+            <p:style>
+              <a:lnRef idx="2">
+                <a:schemeClr val="accent1">
+                  <a:shade val="50000"/>
+                </a:schemeClr>
+              </a:lnRef>
+              <a:fillRef idx="1">
+                <a:schemeClr val="accent1"/>
+              </a:fillRef>
+              <a:effectRef idx="0">
+                <a:schemeClr val="accent1"/>
+              </a:effectRef>
+              <a:fontRef idx="minor">
+                <a:schemeClr val="lt1"/>
+              </a:fontRef>
+            </p:style>
+            <p:txBody>
+              <a:bodyPr rtlCol="0" anchor="ctr"/>
+              <a:lstStyle/>
+              <a:p>
+                <a:pPr algn="ctr"/>
+                <a:endParaRPr lang="en-US"/>
+              </a:p>
+            </p:txBody>
+          </p:sp>
+          <p:sp>
+            <p:nvSpPr>
+              <p:cNvPr id="90" name="Oval 89">
+                <a:extLst>
+                  <a:ext uri="{FF2B5EF4-FFF2-40B4-BE49-F238E27FC236}">
+                    <a16:creationId xmlns:a16="http://schemas.microsoft.com/office/drawing/2014/main" id="{F94FF98D-51FD-DE48-A51D-7C8DAC74EA51}"/>
+                  </a:ext>
+                </a:extLst>
+              </p:cNvPr>
+              <p:cNvSpPr/>
+              <p:nvPr/>
+            </p:nvSpPr>
+            <p:spPr>
+              <a:xfrm>
+                <a:off x="5542640" y="1802830"/>
+                <a:ext cx="152400" cy="152400"/>
+              </a:xfrm>
+              <a:prstGeom prst="ellipse">
+                <a:avLst/>
+              </a:prstGeom>
+              <a:solidFill>
+                <a:schemeClr val="bg2"/>
+              </a:solidFill>
+            </p:spPr>
+            <p:style>
+              <a:lnRef idx="2">
+                <a:schemeClr val="accent1">
+                  <a:shade val="50000"/>
+                </a:schemeClr>
+              </a:lnRef>
+              <a:fillRef idx="1">
+                <a:schemeClr val="accent1"/>
+              </a:fillRef>
+              <a:effectRef idx="0">
+                <a:schemeClr val="accent1"/>
+              </a:effectRef>
+              <a:fontRef idx="minor">
+                <a:schemeClr val="lt1"/>
+              </a:fontRef>
+            </p:style>
+            <p:txBody>
+              <a:bodyPr rtlCol="0" anchor="ctr"/>
+              <a:lstStyle/>
+              <a:p>
+                <a:pPr algn="ctr"/>
+                <a:endParaRPr lang="en-US"/>
+              </a:p>
+            </p:txBody>
+          </p:sp>
+          <p:sp>
+            <p:nvSpPr>
+              <p:cNvPr id="91" name="Oval 90">
+                <a:extLst>
+                  <a:ext uri="{FF2B5EF4-FFF2-40B4-BE49-F238E27FC236}">
+                    <a16:creationId xmlns:a16="http://schemas.microsoft.com/office/drawing/2014/main" id="{5D12652F-A094-B44E-A801-0C68A52B4977}"/>
+                  </a:ext>
+                </a:extLst>
+              </p:cNvPr>
+              <p:cNvSpPr/>
+              <p:nvPr/>
+            </p:nvSpPr>
+            <p:spPr>
+              <a:xfrm>
+                <a:off x="5542640" y="2361250"/>
+                <a:ext cx="152400" cy="152400"/>
+              </a:xfrm>
+              <a:prstGeom prst="ellipse">
+                <a:avLst/>
+              </a:prstGeom>
+              <a:solidFill>
+                <a:schemeClr val="bg2"/>
+              </a:solidFill>
+            </p:spPr>
+            <p:style>
+              <a:lnRef idx="2">
+                <a:schemeClr val="accent1">
+                  <a:shade val="50000"/>
+                </a:schemeClr>
+              </a:lnRef>
+              <a:fillRef idx="1">
+                <a:schemeClr val="accent1"/>
+              </a:fillRef>
+              <a:effectRef idx="0">
+                <a:schemeClr val="accent1"/>
+              </a:effectRef>
+              <a:fontRef idx="minor">
+                <a:schemeClr val="lt1"/>
+              </a:fontRef>
+            </p:style>
+            <p:txBody>
+              <a:bodyPr rtlCol="0" anchor="ctr"/>
+              <a:lstStyle/>
+              <a:p>
+                <a:pPr algn="ctr"/>
+                <a:endParaRPr lang="en-US"/>
+              </a:p>
+            </p:txBody>
+          </p:sp>
+          <p:sp>
+            <p:nvSpPr>
+              <p:cNvPr id="93" name="Oval 92">
+                <a:extLst>
+                  <a:ext uri="{FF2B5EF4-FFF2-40B4-BE49-F238E27FC236}">
+                    <a16:creationId xmlns:a16="http://schemas.microsoft.com/office/drawing/2014/main" id="{62FDD968-0BBA-9446-AF64-F580C8ABCF0A}"/>
+                  </a:ext>
+                </a:extLst>
+              </p:cNvPr>
+              <p:cNvSpPr/>
+              <p:nvPr/>
+            </p:nvSpPr>
+            <p:spPr>
+              <a:xfrm>
+                <a:off x="5542640" y="3190413"/>
+                <a:ext cx="152400" cy="152400"/>
+              </a:xfrm>
+              <a:prstGeom prst="ellipse">
+                <a:avLst/>
+              </a:prstGeom>
+              <a:solidFill>
+                <a:schemeClr val="accent4">
+                  <a:lumMod val="60000"/>
+                  <a:lumOff val="40000"/>
+                </a:schemeClr>
+              </a:solidFill>
+            </p:spPr>
+            <p:style>
+              <a:lnRef idx="2">
+                <a:schemeClr val="accent1">
+                  <a:shade val="50000"/>
+                </a:schemeClr>
+              </a:lnRef>
+              <a:fillRef idx="1">
+                <a:schemeClr val="accent1"/>
+              </a:fillRef>
+              <a:effectRef idx="0">
+                <a:schemeClr val="accent1"/>
+              </a:effectRef>
+              <a:fontRef idx="minor">
+                <a:schemeClr val="lt1"/>
+              </a:fontRef>
+            </p:style>
+            <p:txBody>
+              <a:bodyPr rtlCol="0" anchor="ctr"/>
+              <a:lstStyle/>
+              <a:p>
+                <a:pPr algn="ctr"/>
+                <a:endParaRPr lang="en-US"/>
+              </a:p>
+            </p:txBody>
+          </p:sp>
+          <p:sp>
+            <p:nvSpPr>
+              <p:cNvPr id="94" name="Oval 93">
+                <a:extLst>
+                  <a:ext uri="{FF2B5EF4-FFF2-40B4-BE49-F238E27FC236}">
+                    <a16:creationId xmlns:a16="http://schemas.microsoft.com/office/drawing/2014/main" id="{B0893A7E-7CC0-8745-9944-6741C0841E58}"/>
+                  </a:ext>
+                </a:extLst>
+              </p:cNvPr>
+              <p:cNvSpPr/>
+              <p:nvPr/>
+            </p:nvSpPr>
+            <p:spPr>
+              <a:xfrm>
+                <a:off x="5542640" y="3472449"/>
+                <a:ext cx="152400" cy="152400"/>
+              </a:xfrm>
+              <a:prstGeom prst="ellipse">
+                <a:avLst/>
+              </a:prstGeom>
+              <a:solidFill>
+                <a:schemeClr val="accent4">
+                  <a:lumMod val="60000"/>
+                  <a:lumOff val="40000"/>
+                </a:schemeClr>
+              </a:solidFill>
+            </p:spPr>
+            <p:style>
+              <a:lnRef idx="2">
+                <a:schemeClr val="accent1">
+                  <a:shade val="50000"/>
+                </a:schemeClr>
+              </a:lnRef>
+              <a:fillRef idx="1">
+                <a:schemeClr val="accent1"/>
+              </a:fillRef>
+              <a:effectRef idx="0">
+                <a:schemeClr val="accent1"/>
+              </a:effectRef>
+              <a:fontRef idx="minor">
+                <a:schemeClr val="lt1"/>
+              </a:fontRef>
+            </p:style>
+            <p:txBody>
+              <a:bodyPr rtlCol="0" anchor="ctr"/>
+              <a:lstStyle/>
+              <a:p>
+                <a:pPr algn="ctr"/>
+                <a:endParaRPr lang="en-US"/>
+              </a:p>
+            </p:txBody>
+          </p:sp>
+          <p:sp>
+            <p:nvSpPr>
+              <p:cNvPr id="95" name="Oval 94">
+                <a:extLst>
+                  <a:ext uri="{FF2B5EF4-FFF2-40B4-BE49-F238E27FC236}">
+                    <a16:creationId xmlns:a16="http://schemas.microsoft.com/office/drawing/2014/main" id="{5E6A0179-C5AF-BA44-A014-DBAC6217C1D5}"/>
+                  </a:ext>
+                </a:extLst>
+              </p:cNvPr>
+              <p:cNvSpPr/>
+              <p:nvPr/>
+            </p:nvSpPr>
+            <p:spPr>
+              <a:xfrm>
+                <a:off x="5542640" y="3754485"/>
+                <a:ext cx="152400" cy="152400"/>
+              </a:xfrm>
+              <a:prstGeom prst="ellipse">
+                <a:avLst/>
+              </a:prstGeom>
+              <a:solidFill>
+                <a:schemeClr val="accent4">
+                  <a:lumMod val="60000"/>
+                  <a:lumOff val="40000"/>
+                </a:schemeClr>
+              </a:solidFill>
+            </p:spPr>
+            <p:style>
+              <a:lnRef idx="2">
+                <a:schemeClr val="accent1">
+                  <a:shade val="50000"/>
+                </a:schemeClr>
+              </a:lnRef>
+              <a:fillRef idx="1">
+                <a:schemeClr val="accent1"/>
+              </a:fillRef>
+              <a:effectRef idx="0">
+                <a:schemeClr val="accent1"/>
+              </a:effectRef>
+              <a:fontRef idx="minor">
+                <a:schemeClr val="lt1"/>
+              </a:fontRef>
+            </p:style>
+            <p:txBody>
+              <a:bodyPr rtlCol="0" anchor="ctr"/>
+              <a:lstStyle/>
+              <a:p>
+                <a:pPr algn="ctr"/>
+                <a:endParaRPr lang="en-US"/>
+              </a:p>
+            </p:txBody>
+          </p:sp>
+          <p:sp>
+            <p:nvSpPr>
+              <p:cNvPr id="96" name="Oval 95">
+                <a:extLst>
+                  <a:ext uri="{FF2B5EF4-FFF2-40B4-BE49-F238E27FC236}">
+                    <a16:creationId xmlns:a16="http://schemas.microsoft.com/office/drawing/2014/main" id="{996B1B03-F493-1745-935C-E1F8BF9EBD84}"/>
+                  </a:ext>
+                </a:extLst>
+              </p:cNvPr>
+              <p:cNvSpPr/>
+              <p:nvPr/>
+            </p:nvSpPr>
+            <p:spPr>
+              <a:xfrm>
+                <a:off x="5542640" y="4036521"/>
+                <a:ext cx="152400" cy="152400"/>
+              </a:xfrm>
+              <a:prstGeom prst="ellipse">
+                <a:avLst/>
+              </a:prstGeom>
+              <a:solidFill>
+                <a:schemeClr val="accent4">
+                  <a:lumMod val="60000"/>
+                  <a:lumOff val="40000"/>
+                </a:schemeClr>
+              </a:solidFill>
+            </p:spPr>
+            <p:style>
+              <a:lnRef idx="2">
+                <a:schemeClr val="accent1">
+                  <a:shade val="50000"/>
+                </a:schemeClr>
+              </a:lnRef>
+              <a:fillRef idx="1">
+                <a:schemeClr val="accent1"/>
+              </a:fillRef>
+              <a:effectRef idx="0">
+                <a:schemeClr val="accent1"/>
+              </a:effectRef>
+              <a:fontRef idx="minor">
+                <a:schemeClr val="lt1"/>
+              </a:fontRef>
+            </p:style>
+            <p:txBody>
+              <a:bodyPr rtlCol="0" anchor="ctr"/>
+              <a:lstStyle/>
+              <a:p>
+                <a:pPr algn="ctr"/>
+                <a:endParaRPr lang="en-US"/>
+              </a:p>
+            </p:txBody>
+          </p:sp>
+          <p:sp>
+            <p:nvSpPr>
+              <p:cNvPr id="98" name="Cross 97">
+                <a:extLst>
+                  <a:ext uri="{FF2B5EF4-FFF2-40B4-BE49-F238E27FC236}">
+                    <a16:creationId xmlns:a16="http://schemas.microsoft.com/office/drawing/2014/main" id="{EDBD7C09-4FBD-BB44-A483-57311F2D1FA6}"/>
+                  </a:ext>
+                </a:extLst>
+              </p:cNvPr>
+              <p:cNvSpPr/>
+              <p:nvPr/>
+            </p:nvSpPr>
+            <p:spPr>
+              <a:xfrm>
+                <a:off x="5542640" y="2361250"/>
+                <a:ext cx="152400" cy="152400"/>
+              </a:xfrm>
+              <a:prstGeom prst="plus">
+                <a:avLst>
+                  <a:gd name="adj" fmla="val 47525"/>
+                </a:avLst>
+              </a:prstGeom>
+            </p:spPr>
+            <p:style>
+              <a:lnRef idx="2">
+                <a:schemeClr val="accent1">
+                  <a:shade val="50000"/>
+                </a:schemeClr>
+              </a:lnRef>
+              <a:fillRef idx="1">
+                <a:schemeClr val="accent1"/>
+              </a:fillRef>
+              <a:effectRef idx="0">
+                <a:schemeClr val="accent1"/>
+              </a:effectRef>
+              <a:fontRef idx="minor">
+                <a:schemeClr val="lt1"/>
+              </a:fontRef>
+            </p:style>
+            <p:txBody>
+              <a:bodyPr rtlCol="0" anchor="ctr"/>
+              <a:lstStyle/>
+              <a:p>
+                <a:pPr algn="ctr"/>
+                <a:endParaRPr lang="en-US"/>
+              </a:p>
+            </p:txBody>
+          </p:sp>
+          <p:sp>
+            <p:nvSpPr>
+              <p:cNvPr id="99" name="Oval 98">
+                <a:extLst>
+                  <a:ext uri="{FF2B5EF4-FFF2-40B4-BE49-F238E27FC236}">
+                    <a16:creationId xmlns:a16="http://schemas.microsoft.com/office/drawing/2014/main" id="{D7AAF36B-8570-2543-87FD-883C7224EB02}"/>
+                  </a:ext>
+                </a:extLst>
+              </p:cNvPr>
+              <p:cNvSpPr/>
+              <p:nvPr/>
+            </p:nvSpPr>
+            <p:spPr>
+              <a:xfrm>
+                <a:off x="1240011" y="451120"/>
+                <a:ext cx="152400" cy="152400"/>
+              </a:xfrm>
+              <a:prstGeom prst="ellipse">
+                <a:avLst/>
+              </a:prstGeom>
+              <a:solidFill>
+                <a:schemeClr val="accent4">
+                  <a:lumMod val="60000"/>
+                  <a:lumOff val="40000"/>
+                </a:schemeClr>
+              </a:solidFill>
+            </p:spPr>
+            <p:style>
+              <a:lnRef idx="2">
+                <a:schemeClr val="accent1">
+                  <a:shade val="50000"/>
+                </a:schemeClr>
+              </a:lnRef>
+              <a:fillRef idx="1">
+                <a:schemeClr val="accent1"/>
+              </a:fillRef>
+              <a:effectRef idx="0">
+                <a:schemeClr val="accent1"/>
+              </a:effectRef>
+              <a:fontRef idx="minor">
+                <a:schemeClr val="lt1"/>
+              </a:fontRef>
+            </p:style>
+            <p:txBody>
+              <a:bodyPr rtlCol="0" anchor="ctr"/>
+              <a:lstStyle/>
+              <a:p>
+                <a:pPr algn="ctr"/>
+                <a:endParaRPr lang="en-US"/>
+              </a:p>
+            </p:txBody>
+          </p:sp>
+          <p:sp>
+            <p:nvSpPr>
+              <p:cNvPr id="100" name="TextBox 99">
+                <a:extLst>
+                  <a:ext uri="{FF2B5EF4-FFF2-40B4-BE49-F238E27FC236}">
+                    <a16:creationId xmlns:a16="http://schemas.microsoft.com/office/drawing/2014/main" id="{BDFFC434-C547-A74F-8F7B-A63A0C245D2B}"/>
+                  </a:ext>
+                </a:extLst>
+              </p:cNvPr>
+              <p:cNvSpPr txBox="1"/>
+              <p:nvPr/>
+            </p:nvSpPr>
+            <p:spPr>
+              <a:xfrm>
+                <a:off x="1423969" y="411904"/>
+                <a:ext cx="575799" cy="230832"/>
+              </a:xfrm>
+              <a:prstGeom prst="rect">
+                <a:avLst/>
+              </a:prstGeom>
+              <a:noFill/>
+            </p:spPr>
+            <p:txBody>
+              <a:bodyPr wrap="none" rtlCol="0">
+                <a:spAutoFit/>
+              </a:bodyPr>
+              <a:lstStyle/>
+              <a:p>
+                <a:r>
+                  <a:rPr lang="en-US" sz="900"/>
+                  <a:t>Exposed</a:t>
+                </a:r>
+                <a:endParaRPr lang="en-US"/>
+              </a:p>
+            </p:txBody>
+          </p:sp>
+          <p:sp>
+            <p:nvSpPr>
+              <p:cNvPr id="101" name="Oval 100">
+                <a:extLst>
+                  <a:ext uri="{FF2B5EF4-FFF2-40B4-BE49-F238E27FC236}">
+                    <a16:creationId xmlns:a16="http://schemas.microsoft.com/office/drawing/2014/main" id="{38C551B2-21F0-9C49-8324-3BC5DCD62160}"/>
+                  </a:ext>
+                </a:extLst>
+              </p:cNvPr>
+              <p:cNvSpPr/>
+              <p:nvPr/>
+            </p:nvSpPr>
+            <p:spPr>
+              <a:xfrm>
+                <a:off x="2099847" y="451120"/>
+                <a:ext cx="152400" cy="152400"/>
+              </a:xfrm>
+              <a:prstGeom prst="ellipse">
+                <a:avLst/>
+              </a:prstGeom>
+              <a:solidFill>
+                <a:schemeClr val="bg2"/>
+              </a:solidFill>
+            </p:spPr>
+            <p:style>
+              <a:lnRef idx="2">
+                <a:schemeClr val="accent1">
+                  <a:shade val="50000"/>
+                </a:schemeClr>
+              </a:lnRef>
+              <a:fillRef idx="1">
+                <a:schemeClr val="accent1"/>
+              </a:fillRef>
+              <a:effectRef idx="0">
+                <a:schemeClr val="accent1"/>
+              </a:effectRef>
+              <a:fontRef idx="minor">
+                <a:schemeClr val="lt1"/>
+              </a:fontRef>
+            </p:style>
+            <p:txBody>
+              <a:bodyPr rtlCol="0" anchor="ctr"/>
+              <a:lstStyle/>
+              <a:p>
+                <a:pPr algn="ctr"/>
+                <a:endParaRPr lang="en-US"/>
+              </a:p>
+            </p:txBody>
+          </p:sp>
+          <p:sp>
+            <p:nvSpPr>
+              <p:cNvPr id="102" name="TextBox 101">
+                <a:extLst>
+                  <a:ext uri="{FF2B5EF4-FFF2-40B4-BE49-F238E27FC236}">
+                    <a16:creationId xmlns:a16="http://schemas.microsoft.com/office/drawing/2014/main" id="{7A303845-01D8-AD49-A053-B5B1ABF12CC9}"/>
+                  </a:ext>
+                </a:extLst>
+              </p:cNvPr>
+              <p:cNvSpPr txBox="1"/>
+              <p:nvPr/>
+            </p:nvSpPr>
+            <p:spPr>
+              <a:xfrm>
+                <a:off x="2270359" y="411904"/>
+                <a:ext cx="712054" cy="230832"/>
+              </a:xfrm>
+              <a:prstGeom prst="rect">
+                <a:avLst/>
+              </a:prstGeom>
+              <a:noFill/>
+            </p:spPr>
+            <p:txBody>
+              <a:bodyPr wrap="none" rtlCol="0">
+                <a:spAutoFit/>
+              </a:bodyPr>
+              <a:lstStyle/>
+              <a:p>
+                <a:r>
+                  <a:rPr lang="en-US" sz="900"/>
+                  <a:t>Unexposed</a:t>
+                </a:r>
+                <a:endParaRPr lang="en-US"/>
+              </a:p>
+            </p:txBody>
+          </p:sp>
+          <p:sp>
+            <p:nvSpPr>
+              <p:cNvPr id="103" name="Cross 102">
+                <a:extLst>
+                  <a:ext uri="{FF2B5EF4-FFF2-40B4-BE49-F238E27FC236}">
+                    <a16:creationId xmlns:a16="http://schemas.microsoft.com/office/drawing/2014/main" id="{873437DD-FBDF-7D4B-9594-8360DA9DF963}"/>
+                  </a:ext>
+                </a:extLst>
+              </p:cNvPr>
+              <p:cNvSpPr/>
+              <p:nvPr/>
+            </p:nvSpPr>
+            <p:spPr>
+              <a:xfrm>
+                <a:off x="3098568" y="452451"/>
+                <a:ext cx="152400" cy="152400"/>
+              </a:xfrm>
+              <a:prstGeom prst="plus">
+                <a:avLst>
+                  <a:gd name="adj" fmla="val 47525"/>
+                </a:avLst>
+              </a:prstGeom>
+            </p:spPr>
+            <p:style>
+              <a:lnRef idx="2">
+                <a:schemeClr val="accent1">
+                  <a:shade val="50000"/>
+                </a:schemeClr>
+              </a:lnRef>
+              <a:fillRef idx="1">
+                <a:schemeClr val="accent1"/>
+              </a:fillRef>
+              <a:effectRef idx="0">
+                <a:schemeClr val="accent1"/>
+              </a:effectRef>
+              <a:fontRef idx="minor">
+                <a:schemeClr val="lt1"/>
+              </a:fontRef>
+            </p:style>
+            <p:txBody>
+              <a:bodyPr rtlCol="0" anchor="ctr"/>
+              <a:lstStyle/>
+              <a:p>
+                <a:pPr algn="ctr"/>
+                <a:endParaRPr lang="en-US"/>
+              </a:p>
+            </p:txBody>
+          </p:sp>
+          <p:sp>
+            <p:nvSpPr>
+              <p:cNvPr id="104" name="TextBox 103">
+                <a:extLst>
+                  <a:ext uri="{FF2B5EF4-FFF2-40B4-BE49-F238E27FC236}">
+                    <a16:creationId xmlns:a16="http://schemas.microsoft.com/office/drawing/2014/main" id="{E9CD5A60-AA93-664F-B151-9B675D152573}"/>
+                  </a:ext>
+                </a:extLst>
+              </p:cNvPr>
+              <p:cNvSpPr txBox="1"/>
+              <p:nvPr/>
+            </p:nvSpPr>
+            <p:spPr>
+              <a:xfrm>
+                <a:off x="3273173" y="411904"/>
+                <a:ext cx="801823" cy="230832"/>
+              </a:xfrm>
+              <a:prstGeom prst="rect">
+                <a:avLst/>
+              </a:prstGeom>
+              <a:noFill/>
+            </p:spPr>
+            <p:txBody>
+              <a:bodyPr wrap="none" rtlCol="0">
+                <a:spAutoFit/>
+              </a:bodyPr>
+              <a:lstStyle/>
+              <a:p>
+                <a:r>
+                  <a:rPr lang="en-US" sz="900"/>
+                  <a:t>Has outcome</a:t>
+                </a:r>
+                <a:endParaRPr lang="en-US"/>
+              </a:p>
+            </p:txBody>
+          </p:sp>
+        </p:grpSp>
+        <p:sp>
+          <p:nvSpPr>
+            <p:cNvPr id="315" name="Oval 314">
+              <a:extLst>
+                <a:ext uri="{FF2B5EF4-FFF2-40B4-BE49-F238E27FC236}">
+                  <a16:creationId xmlns:a16="http://schemas.microsoft.com/office/drawing/2014/main" id="{303CB46B-336D-6E4C-A6D9-09743CC48E9D}"/>
+                </a:ext>
+              </a:extLst>
+            </p:cNvPr>
+            <p:cNvSpPr/>
+            <p:nvPr/>
+          </p:nvSpPr>
+          <p:spPr>
+            <a:xfrm>
+              <a:off x="6434609" y="3190413"/>
+              <a:ext cx="152400" cy="152400"/>
+            </a:xfrm>
+            <a:prstGeom prst="ellipse">
+              <a:avLst/>
+            </a:prstGeom>
+            <a:solidFill>
+              <a:schemeClr val="accent4">
+                <a:lumMod val="60000"/>
+                <a:lumOff val="40000"/>
+              </a:schemeClr>
+            </a:solidFill>
+          </p:spPr>
+          <p:style>
+            <a:lnRef idx="2">
+              <a:schemeClr val="accent1">
+                <a:shade val="50000"/>
+              </a:schemeClr>
+            </a:lnRef>
+            <a:fillRef idx="1">
+              <a:schemeClr val="accent1"/>
+            </a:fillRef>
+            <a:effectRef idx="0">
+              <a:schemeClr val="accent1"/>
+            </a:effectRef>
+            <a:fontRef idx="minor">
+              <a:schemeClr val="lt1"/>
+            </a:fontRef>
+          </p:style>
+          <p:txBody>
+            <a:bodyPr rtlCol="0" anchor="ctr"/>
+            <a:lstStyle/>
+            <a:p>
+              <a:pPr algn="ctr"/>
+              <a:endParaRPr lang="en-US"/>
+            </a:p>
+          </p:txBody>
+        </p:sp>
+        <p:sp>
+          <p:nvSpPr>
+            <p:cNvPr id="316" name="Oval 315">
+              <a:extLst>
+                <a:ext uri="{FF2B5EF4-FFF2-40B4-BE49-F238E27FC236}">
+                  <a16:creationId xmlns:a16="http://schemas.microsoft.com/office/drawing/2014/main" id="{D40768A9-E234-4044-B46F-75269ABC77DE}"/>
+                </a:ext>
+              </a:extLst>
+            </p:cNvPr>
+            <p:cNvSpPr/>
+            <p:nvPr/>
+          </p:nvSpPr>
+          <p:spPr>
+            <a:xfrm>
+              <a:off x="6434609" y="3472449"/>
+              <a:ext cx="152400" cy="152400"/>
+            </a:xfrm>
+            <a:prstGeom prst="ellipse">
+              <a:avLst/>
+            </a:prstGeom>
+            <a:solidFill>
+              <a:schemeClr val="accent4">
+                <a:lumMod val="60000"/>
+                <a:lumOff val="40000"/>
+              </a:schemeClr>
+            </a:solidFill>
+          </p:spPr>
+          <p:style>
+            <a:lnRef idx="2">
+              <a:schemeClr val="accent1">
+                <a:shade val="50000"/>
+              </a:schemeClr>
+            </a:lnRef>
+            <a:fillRef idx="1">
+              <a:schemeClr val="accent1"/>
+            </a:fillRef>
+            <a:effectRef idx="0">
+              <a:schemeClr val="accent1"/>
+            </a:effectRef>
+            <a:fontRef idx="minor">
+              <a:schemeClr val="lt1"/>
+            </a:fontRef>
+          </p:style>
+          <p:txBody>
+            <a:bodyPr rtlCol="0" anchor="ctr"/>
+            <a:lstStyle/>
+            <a:p>
+              <a:pPr algn="ctr"/>
+              <a:endParaRPr lang="en-US"/>
+            </a:p>
+          </p:txBody>
+        </p:sp>
+        <p:sp>
+          <p:nvSpPr>
+            <p:cNvPr id="317" name="Oval 316">
+              <a:extLst>
+                <a:ext uri="{FF2B5EF4-FFF2-40B4-BE49-F238E27FC236}">
+                  <a16:creationId xmlns:a16="http://schemas.microsoft.com/office/drawing/2014/main" id="{3F84F776-70D7-1449-BA24-9215EEB9731B}"/>
+                </a:ext>
+              </a:extLst>
+            </p:cNvPr>
+            <p:cNvSpPr/>
+            <p:nvPr/>
+          </p:nvSpPr>
+          <p:spPr>
+            <a:xfrm>
+              <a:off x="6434609" y="3754485"/>
+              <a:ext cx="152400" cy="152400"/>
+            </a:xfrm>
+            <a:prstGeom prst="ellipse">
+              <a:avLst/>
+            </a:prstGeom>
+            <a:solidFill>
+              <a:schemeClr val="accent4">
+                <a:lumMod val="60000"/>
+                <a:lumOff val="40000"/>
+              </a:schemeClr>
+            </a:solidFill>
+          </p:spPr>
+          <p:style>
+            <a:lnRef idx="2">
+              <a:schemeClr val="accent1">
+                <a:shade val="50000"/>
+              </a:schemeClr>
+            </a:lnRef>
+            <a:fillRef idx="1">
+              <a:schemeClr val="accent1"/>
+            </a:fillRef>
+            <a:effectRef idx="0">
+              <a:schemeClr val="accent1"/>
+            </a:effectRef>
+            <a:fontRef idx="minor">
+              <a:schemeClr val="lt1"/>
+            </a:fontRef>
+          </p:style>
+          <p:txBody>
+            <a:bodyPr rtlCol="0" anchor="ctr"/>
+            <a:lstStyle/>
+            <a:p>
+              <a:pPr algn="ctr"/>
+              <a:endParaRPr lang="en-US"/>
+            </a:p>
+          </p:txBody>
+        </p:sp>
+        <p:sp>
+          <p:nvSpPr>
+            <p:cNvPr id="318" name="Oval 317">
+              <a:extLst>
+                <a:ext uri="{FF2B5EF4-FFF2-40B4-BE49-F238E27FC236}">
+                  <a16:creationId xmlns:a16="http://schemas.microsoft.com/office/drawing/2014/main" id="{95BAA2FC-A458-0C41-858A-8AAE2C9805D5}"/>
+                </a:ext>
+              </a:extLst>
+            </p:cNvPr>
+            <p:cNvSpPr/>
+            <p:nvPr/>
+          </p:nvSpPr>
+          <p:spPr>
+            <a:xfrm>
+              <a:off x="6434609" y="4036521"/>
+              <a:ext cx="152400" cy="152400"/>
+            </a:xfrm>
+            <a:prstGeom prst="ellipse">
+              <a:avLst/>
+            </a:prstGeom>
+            <a:solidFill>
+              <a:schemeClr val="accent4">
+                <a:lumMod val="60000"/>
+                <a:lumOff val="40000"/>
+              </a:schemeClr>
+            </a:solidFill>
+          </p:spPr>
+          <p:style>
+            <a:lnRef idx="2">
+              <a:schemeClr val="accent1">
+                <a:shade val="50000"/>
+              </a:schemeClr>
+            </a:lnRef>
+            <a:fillRef idx="1">
+              <a:schemeClr val="accent1"/>
+            </a:fillRef>
+            <a:effectRef idx="0">
+              <a:schemeClr val="accent1"/>
+            </a:effectRef>
+            <a:fontRef idx="minor">
+              <a:schemeClr val="lt1"/>
+            </a:fontRef>
+          </p:style>
+          <p:txBody>
+            <a:bodyPr rtlCol="0" anchor="ctr"/>
+            <a:lstStyle/>
+            <a:p>
+              <a:pPr algn="ctr"/>
+              <a:endParaRPr lang="en-US"/>
+            </a:p>
+          </p:txBody>
+        </p:sp>
+        <p:sp>
+          <p:nvSpPr>
+            <p:cNvPr id="320" name="TextBox 319">
+              <a:extLst>
+                <a:ext uri="{FF2B5EF4-FFF2-40B4-BE49-F238E27FC236}">
+                  <a16:creationId xmlns:a16="http://schemas.microsoft.com/office/drawing/2014/main" id="{4FEFC1B6-CBE6-E946-B4F9-B9F825B45185}"/>
+                </a:ext>
+              </a:extLst>
+            </p:cNvPr>
+            <p:cNvSpPr txBox="1"/>
+            <p:nvPr/>
+          </p:nvSpPr>
+          <p:spPr>
+            <a:xfrm>
+              <a:off x="6080242" y="4284699"/>
+              <a:ext cx="861133" cy="369332"/>
+            </a:xfrm>
+            <a:prstGeom prst="rect">
+              <a:avLst/>
+            </a:prstGeom>
+            <a:noFill/>
+          </p:spPr>
+          <p:txBody>
+            <a:bodyPr wrap="none" rtlCol="0">
+              <a:spAutoFit/>
+            </a:bodyPr>
+            <a:lstStyle/>
+            <a:p>
+              <a:r>
+                <a:rPr lang="en-US" sz="900"/>
+                <a:t>True Outcome</a:t>
+              </a:r>
+            </a:p>
+            <a:p>
+              <a:pPr algn="ctr"/>
+              <a:r>
+                <a:rPr lang="en-US" sz="900"/>
+                <a:t>Distribution</a:t>
+              </a:r>
+              <a:endParaRPr lang="en-US"/>
+            </a:p>
+          </p:txBody>
+        </p:sp>
+        <p:sp>
+          <p:nvSpPr>
+            <p:cNvPr id="321" name="Oval 320">
+              <a:extLst>
+                <a:ext uri="{FF2B5EF4-FFF2-40B4-BE49-F238E27FC236}">
+                  <a16:creationId xmlns:a16="http://schemas.microsoft.com/office/drawing/2014/main" id="{68F52C77-9FFF-2449-B7E3-8B6232D201AD}"/>
+                </a:ext>
+              </a:extLst>
+            </p:cNvPr>
+            <p:cNvSpPr/>
+            <p:nvPr/>
+          </p:nvSpPr>
+          <p:spPr>
+            <a:xfrm>
+              <a:off x="6436908" y="958334"/>
+              <a:ext cx="152400" cy="152400"/>
+            </a:xfrm>
+            <a:prstGeom prst="ellipse">
+              <a:avLst/>
+            </a:prstGeom>
+            <a:solidFill>
+              <a:schemeClr val="bg2"/>
+            </a:solidFill>
+          </p:spPr>
+          <p:style>
+            <a:lnRef idx="2">
+              <a:schemeClr val="accent1">
+                <a:shade val="50000"/>
+              </a:schemeClr>
+            </a:lnRef>
+            <a:fillRef idx="1">
+              <a:schemeClr val="accent1"/>
+            </a:fillRef>
+            <a:effectRef idx="0">
+              <a:schemeClr val="accent1"/>
+            </a:effectRef>
+            <a:fontRef idx="minor">
+              <a:schemeClr val="lt1"/>
+            </a:fontRef>
+          </p:style>
+          <p:txBody>
+            <a:bodyPr rtlCol="0" anchor="ctr"/>
+            <a:lstStyle/>
+            <a:p>
+              <a:pPr algn="ctr"/>
+              <a:endParaRPr lang="en-US"/>
+            </a:p>
+          </p:txBody>
+        </p:sp>
+        <p:sp>
+          <p:nvSpPr>
+            <p:cNvPr id="322" name="Oval 321">
+              <a:extLst>
+                <a:ext uri="{FF2B5EF4-FFF2-40B4-BE49-F238E27FC236}">
+                  <a16:creationId xmlns:a16="http://schemas.microsoft.com/office/drawing/2014/main" id="{76A3F126-015D-934B-9D23-A9FC9BEB7716}"/>
+                </a:ext>
+              </a:extLst>
+            </p:cNvPr>
+            <p:cNvSpPr/>
+            <p:nvPr/>
+          </p:nvSpPr>
+          <p:spPr>
+            <a:xfrm>
+              <a:off x="6436908" y="1237544"/>
+              <a:ext cx="152400" cy="152400"/>
+            </a:xfrm>
+            <a:prstGeom prst="ellipse">
+              <a:avLst/>
+            </a:prstGeom>
+            <a:solidFill>
+              <a:schemeClr val="bg2"/>
+            </a:solidFill>
+          </p:spPr>
+          <p:style>
+            <a:lnRef idx="2">
+              <a:schemeClr val="accent1">
+                <a:shade val="50000"/>
+              </a:schemeClr>
+            </a:lnRef>
+            <a:fillRef idx="1">
+              <a:schemeClr val="accent1"/>
+            </a:fillRef>
+            <a:effectRef idx="0">
+              <a:schemeClr val="accent1"/>
+            </a:effectRef>
+            <a:fontRef idx="minor">
+              <a:schemeClr val="lt1"/>
+            </a:fontRef>
+          </p:style>
+          <p:txBody>
+            <a:bodyPr rtlCol="0" anchor="ctr"/>
+            <a:lstStyle/>
+            <a:p>
+              <a:pPr algn="ctr"/>
+              <a:endParaRPr lang="en-US"/>
+            </a:p>
+          </p:txBody>
+        </p:sp>
+        <p:sp>
+          <p:nvSpPr>
+            <p:cNvPr id="323" name="Oval 322">
+              <a:extLst>
+                <a:ext uri="{FF2B5EF4-FFF2-40B4-BE49-F238E27FC236}">
+                  <a16:creationId xmlns:a16="http://schemas.microsoft.com/office/drawing/2014/main" id="{093EACB1-58E0-7243-BE67-8685E5C942FC}"/>
+                </a:ext>
+              </a:extLst>
+            </p:cNvPr>
+            <p:cNvSpPr/>
+            <p:nvPr/>
+          </p:nvSpPr>
+          <p:spPr>
+            <a:xfrm>
+              <a:off x="6436908" y="1516754"/>
+              <a:ext cx="152400" cy="152400"/>
+            </a:xfrm>
+            <a:prstGeom prst="ellipse">
+              <a:avLst/>
+            </a:prstGeom>
+            <a:solidFill>
+              <a:schemeClr val="bg2"/>
+            </a:solidFill>
+          </p:spPr>
+          <p:style>
+            <a:lnRef idx="2">
+              <a:schemeClr val="accent1">
+                <a:shade val="50000"/>
+              </a:schemeClr>
+            </a:lnRef>
+            <a:fillRef idx="1">
+              <a:schemeClr val="accent1"/>
+            </a:fillRef>
+            <a:effectRef idx="0">
+              <a:schemeClr val="accent1"/>
+            </a:effectRef>
+            <a:fontRef idx="minor">
+              <a:schemeClr val="lt1"/>
+            </a:fontRef>
+          </p:style>
+          <p:txBody>
+            <a:bodyPr rtlCol="0" anchor="ctr"/>
+            <a:lstStyle/>
+            <a:p>
+              <a:pPr algn="ctr"/>
+              <a:endParaRPr lang="en-US"/>
+            </a:p>
+          </p:txBody>
+        </p:sp>
+        <p:sp>
+          <p:nvSpPr>
+            <p:cNvPr id="324" name="Oval 323">
+              <a:extLst>
+                <a:ext uri="{FF2B5EF4-FFF2-40B4-BE49-F238E27FC236}">
+                  <a16:creationId xmlns:a16="http://schemas.microsoft.com/office/drawing/2014/main" id="{13A8F14A-3595-4244-A2D0-1CF4A3BAB661}"/>
+                </a:ext>
+              </a:extLst>
+            </p:cNvPr>
+            <p:cNvSpPr/>
+            <p:nvPr/>
+          </p:nvSpPr>
+          <p:spPr>
+            <a:xfrm>
+              <a:off x="6436908" y="1795964"/>
+              <a:ext cx="152400" cy="152400"/>
+            </a:xfrm>
+            <a:prstGeom prst="ellipse">
+              <a:avLst/>
+            </a:prstGeom>
+            <a:solidFill>
+              <a:schemeClr val="bg2"/>
+            </a:solidFill>
+          </p:spPr>
+          <p:style>
+            <a:lnRef idx="2">
+              <a:schemeClr val="accent1">
+                <a:shade val="50000"/>
+              </a:schemeClr>
+            </a:lnRef>
+            <a:fillRef idx="1">
+              <a:schemeClr val="accent1"/>
+            </a:fillRef>
+            <a:effectRef idx="0">
+              <a:schemeClr val="accent1"/>
+            </a:effectRef>
+            <a:fontRef idx="minor">
+              <a:schemeClr val="lt1"/>
+            </a:fontRef>
+          </p:style>
+          <p:txBody>
+            <a:bodyPr rtlCol="0" anchor="ctr"/>
+            <a:lstStyle/>
+            <a:p>
+              <a:pPr algn="ctr"/>
+              <a:endParaRPr lang="en-US"/>
+            </a:p>
+          </p:txBody>
+        </p:sp>
+        <p:sp>
+          <p:nvSpPr>
+            <p:cNvPr id="325" name="Oval 324">
+              <a:extLst>
+                <a:ext uri="{FF2B5EF4-FFF2-40B4-BE49-F238E27FC236}">
+                  <a16:creationId xmlns:a16="http://schemas.microsoft.com/office/drawing/2014/main" id="{91D61A58-C5DA-1349-AD62-A235C18D502E}"/>
+                </a:ext>
+              </a:extLst>
+            </p:cNvPr>
+            <p:cNvSpPr/>
+            <p:nvPr/>
+          </p:nvSpPr>
+          <p:spPr>
+            <a:xfrm>
+              <a:off x="6436908" y="2075174"/>
+              <a:ext cx="152400" cy="152400"/>
+            </a:xfrm>
+            <a:prstGeom prst="ellipse">
+              <a:avLst/>
+            </a:prstGeom>
+            <a:solidFill>
+              <a:schemeClr val="bg2"/>
+            </a:solidFill>
+          </p:spPr>
+          <p:style>
+            <a:lnRef idx="2">
+              <a:schemeClr val="accent1">
+                <a:shade val="50000"/>
+              </a:schemeClr>
+            </a:lnRef>
+            <a:fillRef idx="1">
+              <a:schemeClr val="accent1"/>
+            </a:fillRef>
+            <a:effectRef idx="0">
+              <a:schemeClr val="accent1"/>
+            </a:effectRef>
+            <a:fontRef idx="minor">
+              <a:schemeClr val="lt1"/>
+            </a:fontRef>
+          </p:style>
+          <p:txBody>
+            <a:bodyPr rtlCol="0" anchor="ctr"/>
+            <a:lstStyle/>
+            <a:p>
+              <a:pPr algn="ctr"/>
+              <a:endParaRPr lang="en-US"/>
+            </a:p>
+          </p:txBody>
+        </p:sp>
+        <p:sp>
+          <p:nvSpPr>
+            <p:cNvPr id="326" name="Oval 325">
+              <a:extLst>
+                <a:ext uri="{FF2B5EF4-FFF2-40B4-BE49-F238E27FC236}">
+                  <a16:creationId xmlns:a16="http://schemas.microsoft.com/office/drawing/2014/main" id="{84510327-3A3D-F64C-82CA-713B8B0C757B}"/>
+                </a:ext>
+              </a:extLst>
+            </p:cNvPr>
+            <p:cNvSpPr/>
+            <p:nvPr/>
+          </p:nvSpPr>
+          <p:spPr>
+            <a:xfrm>
+              <a:off x="6436908" y="2354384"/>
+              <a:ext cx="152400" cy="152400"/>
+            </a:xfrm>
+            <a:prstGeom prst="ellipse">
+              <a:avLst/>
+            </a:prstGeom>
+            <a:solidFill>
+              <a:schemeClr val="bg2"/>
+            </a:solidFill>
+          </p:spPr>
+          <p:style>
+            <a:lnRef idx="2">
+              <a:schemeClr val="accent1">
+                <a:shade val="50000"/>
+              </a:schemeClr>
+            </a:lnRef>
+            <a:fillRef idx="1">
+              <a:schemeClr val="accent1"/>
+            </a:fillRef>
+            <a:effectRef idx="0">
+              <a:schemeClr val="accent1"/>
+            </a:effectRef>
+            <a:fontRef idx="minor">
+              <a:schemeClr val="lt1"/>
+            </a:fontRef>
+          </p:style>
+          <p:txBody>
+            <a:bodyPr rtlCol="0" anchor="ctr"/>
+            <a:lstStyle/>
+            <a:p>
+              <a:pPr algn="ctr"/>
+              <a:endParaRPr lang="en-US"/>
+            </a:p>
+          </p:txBody>
+        </p:sp>
+        <p:sp>
+          <p:nvSpPr>
+            <p:cNvPr id="327" name="Oval 326">
+              <a:extLst>
+                <a:ext uri="{FF2B5EF4-FFF2-40B4-BE49-F238E27FC236}">
+                  <a16:creationId xmlns:a16="http://schemas.microsoft.com/office/drawing/2014/main" id="{25590E4E-047F-134B-86AF-9CF28A12967D}"/>
+                </a:ext>
+              </a:extLst>
+            </p:cNvPr>
+            <p:cNvSpPr/>
+            <p:nvPr/>
+          </p:nvSpPr>
+          <p:spPr>
+            <a:xfrm>
+              <a:off x="6436908" y="2633594"/>
+              <a:ext cx="152400" cy="152400"/>
+            </a:xfrm>
+            <a:prstGeom prst="ellipse">
+              <a:avLst/>
+            </a:prstGeom>
+            <a:solidFill>
+              <a:schemeClr val="bg2"/>
+            </a:solidFill>
+          </p:spPr>
+          <p:style>
+            <a:lnRef idx="2">
+              <a:schemeClr val="accent1">
+                <a:shade val="50000"/>
+              </a:schemeClr>
+            </a:lnRef>
+            <a:fillRef idx="1">
+              <a:schemeClr val="accent1"/>
+            </a:fillRef>
+            <a:effectRef idx="0">
+              <a:schemeClr val="accent1"/>
+            </a:effectRef>
+            <a:fontRef idx="minor">
+              <a:schemeClr val="lt1"/>
+            </a:fontRef>
+          </p:style>
+          <p:txBody>
+            <a:bodyPr rtlCol="0" anchor="ctr"/>
+            <a:lstStyle/>
+            <a:p>
+              <a:pPr algn="ctr"/>
+              <a:endParaRPr lang="en-US"/>
+            </a:p>
+          </p:txBody>
+        </p:sp>
+        <p:sp>
+          <p:nvSpPr>
+            <p:cNvPr id="328" name="Oval 327">
+              <a:extLst>
+                <a:ext uri="{FF2B5EF4-FFF2-40B4-BE49-F238E27FC236}">
+                  <a16:creationId xmlns:a16="http://schemas.microsoft.com/office/drawing/2014/main" id="{EA4BAA5A-A135-DF4B-91DC-20FE29AD209B}"/>
+                </a:ext>
+              </a:extLst>
+            </p:cNvPr>
+            <p:cNvSpPr/>
+            <p:nvPr/>
+          </p:nvSpPr>
+          <p:spPr>
+            <a:xfrm>
+              <a:off x="6436908" y="2912804"/>
+              <a:ext cx="152400" cy="152400"/>
+            </a:xfrm>
+            <a:prstGeom prst="ellipse">
+              <a:avLst/>
+            </a:prstGeom>
+            <a:solidFill>
+              <a:schemeClr val="bg2"/>
+            </a:solidFill>
+          </p:spPr>
+          <p:style>
+            <a:lnRef idx="2">
+              <a:schemeClr val="accent1">
+                <a:shade val="50000"/>
+              </a:schemeClr>
+            </a:lnRef>
+            <a:fillRef idx="1">
+              <a:schemeClr val="accent1"/>
+            </a:fillRef>
+            <a:effectRef idx="0">
+              <a:schemeClr val="accent1"/>
+            </a:effectRef>
+            <a:fontRef idx="minor">
+              <a:schemeClr val="lt1"/>
+            </a:fontRef>
+          </p:style>
+          <p:txBody>
+            <a:bodyPr rtlCol="0" anchor="ctr"/>
+            <a:lstStyle/>
+            <a:p>
+              <a:pPr algn="ctr"/>
+              <a:endParaRPr lang="en-US"/>
+            </a:p>
+          </p:txBody>
+        </p:sp>
+        <p:sp>
+          <p:nvSpPr>
+            <p:cNvPr id="329" name="Cross 328">
+              <a:extLst>
+                <a:ext uri="{FF2B5EF4-FFF2-40B4-BE49-F238E27FC236}">
+                  <a16:creationId xmlns:a16="http://schemas.microsoft.com/office/drawing/2014/main" id="{E811B566-34CE-724C-9A0C-88D1D7394C7B}"/>
+                </a:ext>
+              </a:extLst>
+            </p:cNvPr>
+            <p:cNvSpPr/>
+            <p:nvPr/>
+          </p:nvSpPr>
+          <p:spPr>
+            <a:xfrm>
+              <a:off x="6431468" y="2354384"/>
+              <a:ext cx="152400" cy="152400"/>
+            </a:xfrm>
+            <a:prstGeom prst="plus">
+              <a:avLst>
+                <a:gd name="adj" fmla="val 47525"/>
+              </a:avLst>
+            </a:prstGeom>
+          </p:spPr>
+          <p:style>
+            <a:lnRef idx="2">
+              <a:schemeClr val="accent1">
+                <a:shade val="50000"/>
+              </a:schemeClr>
+            </a:lnRef>
+            <a:fillRef idx="1">
+              <a:schemeClr val="accent1"/>
+            </a:fillRef>
+            <a:effectRef idx="0">
+              <a:schemeClr val="accent1"/>
+            </a:effectRef>
+            <a:fontRef idx="minor">
+              <a:schemeClr val="lt1"/>
+            </a:fontRef>
+          </p:style>
+          <p:txBody>
+            <a:bodyPr rtlCol="0" anchor="ctr"/>
+            <a:lstStyle/>
+            <a:p>
+              <a:pPr algn="ctr"/>
+              <a:endParaRPr lang="en-US"/>
+            </a:p>
+          </p:txBody>
+        </p:sp>
+        <p:sp>
+          <p:nvSpPr>
+            <p:cNvPr id="330" name="Cross 329">
+              <a:extLst>
+                <a:ext uri="{FF2B5EF4-FFF2-40B4-BE49-F238E27FC236}">
+                  <a16:creationId xmlns:a16="http://schemas.microsoft.com/office/drawing/2014/main" id="{BB404331-42C6-D647-8AF7-78CC746398D0}"/>
+                </a:ext>
+              </a:extLst>
+            </p:cNvPr>
+            <p:cNvSpPr/>
+            <p:nvPr/>
+          </p:nvSpPr>
+          <p:spPr>
+            <a:xfrm>
+              <a:off x="6435584" y="2071249"/>
+              <a:ext cx="152400" cy="152400"/>
+            </a:xfrm>
+            <a:prstGeom prst="plus">
+              <a:avLst>
+                <a:gd name="adj" fmla="val 47525"/>
+              </a:avLst>
+            </a:prstGeom>
+          </p:spPr>
+          <p:style>
+            <a:lnRef idx="2">
+              <a:schemeClr val="accent1">
+                <a:shade val="50000"/>
+              </a:schemeClr>
+            </a:lnRef>
+            <a:fillRef idx="1">
+              <a:schemeClr val="accent1"/>
+            </a:fillRef>
+            <a:effectRef idx="0">
+              <a:schemeClr val="accent1"/>
+            </a:effectRef>
+            <a:fontRef idx="minor">
+              <a:schemeClr val="lt1"/>
+            </a:fontRef>
+          </p:style>
+          <p:txBody>
+            <a:bodyPr rtlCol="0" anchor="ctr"/>
+            <a:lstStyle/>
+            <a:p>
+              <a:pPr algn="ctr"/>
+              <a:endParaRPr lang="en-US"/>
+            </a:p>
+          </p:txBody>
+        </p:sp>
+        <p:sp>
+          <p:nvSpPr>
+            <p:cNvPr id="331" name="Cross 330">
+              <a:extLst>
+                <a:ext uri="{FF2B5EF4-FFF2-40B4-BE49-F238E27FC236}">
+                  <a16:creationId xmlns:a16="http://schemas.microsoft.com/office/drawing/2014/main" id="{ACCA1A96-B387-EF4F-BF63-02E6EF60D442}"/>
+                </a:ext>
+              </a:extLst>
+            </p:cNvPr>
+            <p:cNvSpPr/>
+            <p:nvPr/>
+          </p:nvSpPr>
+          <p:spPr>
+            <a:xfrm>
+              <a:off x="6431468" y="1528031"/>
+              <a:ext cx="152400" cy="152400"/>
+            </a:xfrm>
+            <a:prstGeom prst="plus">
+              <a:avLst>
+                <a:gd name="adj" fmla="val 47525"/>
+              </a:avLst>
+            </a:prstGeom>
+          </p:spPr>
+          <p:style>
+            <a:lnRef idx="2">
+              <a:schemeClr val="accent1">
+                <a:shade val="50000"/>
+              </a:schemeClr>
+            </a:lnRef>
+            <a:fillRef idx="1">
+              <a:schemeClr val="accent1"/>
+            </a:fillRef>
+            <a:effectRef idx="0">
+              <a:schemeClr val="accent1"/>
+            </a:effectRef>
+            <a:fontRef idx="minor">
+              <a:schemeClr val="lt1"/>
+            </a:fontRef>
+          </p:style>
+          <p:txBody>
+            <a:bodyPr rtlCol="0" anchor="ctr"/>
+            <a:lstStyle/>
+            <a:p>
+              <a:pPr algn="ctr"/>
+              <a:endParaRPr lang="en-US"/>
+            </a:p>
+          </p:txBody>
+        </p:sp>
+        <p:sp>
+          <p:nvSpPr>
+            <p:cNvPr id="332" name="Cross 331">
+              <a:extLst>
+                <a:ext uri="{FF2B5EF4-FFF2-40B4-BE49-F238E27FC236}">
+                  <a16:creationId xmlns:a16="http://schemas.microsoft.com/office/drawing/2014/main" id="{CED51779-CFE6-2147-8740-9C9EB8CD940F}"/>
+                </a:ext>
+              </a:extLst>
+            </p:cNvPr>
+            <p:cNvSpPr/>
+            <p:nvPr/>
+          </p:nvSpPr>
+          <p:spPr>
+            <a:xfrm>
+              <a:off x="6431468" y="2630763"/>
+              <a:ext cx="152400" cy="152400"/>
+            </a:xfrm>
+            <a:prstGeom prst="plus">
+              <a:avLst>
+                <a:gd name="adj" fmla="val 47525"/>
+              </a:avLst>
+            </a:prstGeom>
+          </p:spPr>
+          <p:style>
+            <a:lnRef idx="2">
+              <a:schemeClr val="accent1">
+                <a:shade val="50000"/>
+              </a:schemeClr>
+            </a:lnRef>
+            <a:fillRef idx="1">
+              <a:schemeClr val="accent1"/>
+            </a:fillRef>
+            <a:effectRef idx="0">
+              <a:schemeClr val="accent1"/>
+            </a:effectRef>
+            <a:fontRef idx="minor">
+              <a:schemeClr val="lt1"/>
+            </a:fontRef>
+          </p:style>
+          <p:txBody>
+            <a:bodyPr rtlCol="0" anchor="ctr"/>
+            <a:lstStyle/>
+            <a:p>
+              <a:pPr algn="ctr"/>
+              <a:endParaRPr lang="en-US"/>
+            </a:p>
+          </p:txBody>
+        </p:sp>
+        <p:sp>
+          <p:nvSpPr>
+            <p:cNvPr id="333" name="Cross 332">
+              <a:extLst>
+                <a:ext uri="{FF2B5EF4-FFF2-40B4-BE49-F238E27FC236}">
+                  <a16:creationId xmlns:a16="http://schemas.microsoft.com/office/drawing/2014/main" id="{BC6E8208-265D-F044-8FBF-1E9EFDAF5277}"/>
+                </a:ext>
+              </a:extLst>
+            </p:cNvPr>
+            <p:cNvSpPr/>
+            <p:nvPr/>
+          </p:nvSpPr>
+          <p:spPr>
+            <a:xfrm>
+              <a:off x="6431468" y="2912238"/>
+              <a:ext cx="152400" cy="152400"/>
+            </a:xfrm>
+            <a:prstGeom prst="plus">
+              <a:avLst>
+                <a:gd name="adj" fmla="val 47525"/>
+              </a:avLst>
+            </a:prstGeom>
+          </p:spPr>
+          <p:style>
+            <a:lnRef idx="2">
+              <a:schemeClr val="accent1">
+                <a:shade val="50000"/>
+              </a:schemeClr>
+            </a:lnRef>
+            <a:fillRef idx="1">
+              <a:schemeClr val="accent1"/>
+            </a:fillRef>
+            <a:effectRef idx="0">
+              <a:schemeClr val="accent1"/>
+            </a:effectRef>
+            <a:fontRef idx="minor">
+              <a:schemeClr val="lt1"/>
+            </a:fontRef>
+          </p:style>
+          <p:txBody>
+            <a:bodyPr rtlCol="0" anchor="ctr"/>
+            <a:lstStyle/>
+            <a:p>
+              <a:pPr algn="ctr"/>
+              <a:endParaRPr lang="en-US"/>
+            </a:p>
+          </p:txBody>
+        </p:sp>
+      </p:grpSp>
+    </p:spTree>
+    <p:extLst>
+      <p:ext uri="{BB962C8B-B14F-4D97-AF65-F5344CB8AC3E}">
+        <p14:creationId xmlns:p14="http://schemas.microsoft.com/office/powerpoint/2010/main" val="2589766114"/>
+      </p:ext>
+    </p:extLst>
+  </p:cSld>
+  <p:clrMapOvr>
+    <a:masterClrMapping/>
+  </p:clrMapOvr>
+</p:sld>
+</file>
+
+<file path=ppt/slides/slide3.xml><?xml version="1.0" encoding="utf-8"?>
+<p:sld xmlns:a="http://schemas.openxmlformats.org/drawingml/2006/main" xmlns:r="http://schemas.openxmlformats.org/officeDocument/2006/relationships" xmlns:p="http://schemas.openxmlformats.org/presentationml/2006/main">
+  <p:cSld>
+    <p:spTree>
+      <p:nvGrpSpPr>
+        <p:cNvPr id="1" name=""/>
+        <p:cNvGrpSpPr/>
+        <p:nvPr/>
+      </p:nvGrpSpPr>
+      <p:grpSpPr>
+        <a:xfrm>
+          <a:off x="0" y="0"/>
+          <a:ext cx="0" cy="0"/>
+          <a:chOff x="0" y="0"/>
+          <a:chExt cx="0" cy="0"/>
+        </a:xfrm>
+      </p:grpSpPr>
+      <p:sp>
+        <p:nvSpPr>
+          <p:cNvPr id="5" name="TextBox 4">
+            <a:extLst>
+              <a:ext uri="{FF2B5EF4-FFF2-40B4-BE49-F238E27FC236}">
+                <a16:creationId xmlns:a16="http://schemas.microsoft.com/office/drawing/2014/main" id="{C2DC509D-9BBD-BC4A-83AA-762CCBB0AF5C}"/>
+              </a:ext>
+            </a:extLst>
+          </p:cNvPr>
+          <p:cNvSpPr txBox="1"/>
+          <p:nvPr/>
+        </p:nvSpPr>
+        <p:spPr>
+          <a:xfrm>
+            <a:off x="2600837" y="1444837"/>
+            <a:ext cx="1200696" cy="369332"/>
+          </a:xfrm>
+          <a:prstGeom prst="rect">
+            <a:avLst/>
+          </a:prstGeom>
+          <a:noFill/>
+        </p:spPr>
+        <p:txBody>
+          <a:bodyPr wrap="square" rtlCol="0">
+            <a:spAutoFit/>
+          </a:bodyPr>
+          <a:lstStyle/>
+          <a:p>
+            <a:pPr algn="ctr"/>
+            <a:r>
+              <a:rPr lang="en-US" sz="900"/>
+              <a:t>Experimental Treatment for Stroke</a:t>
+            </a:r>
+            <a:endParaRPr lang="en-US"/>
+          </a:p>
+        </p:txBody>
+      </p:sp>
+      <p:sp>
+        <p:nvSpPr>
+          <p:cNvPr id="6" name="TextBox 5">
+            <a:extLst>
+              <a:ext uri="{FF2B5EF4-FFF2-40B4-BE49-F238E27FC236}">
+                <a16:creationId xmlns:a16="http://schemas.microsoft.com/office/drawing/2014/main" id="{A5BBC19C-2FCC-4549-A251-5D0464178162}"/>
+              </a:ext>
+            </a:extLst>
+          </p:cNvPr>
+          <p:cNvSpPr txBox="1"/>
+          <p:nvPr/>
+        </p:nvSpPr>
+        <p:spPr>
+          <a:xfrm>
+            <a:off x="4658237" y="1444837"/>
+            <a:ext cx="997497" cy="369332"/>
+          </a:xfrm>
+          <a:prstGeom prst="rect">
+            <a:avLst/>
+          </a:prstGeom>
+          <a:noFill/>
+        </p:spPr>
+        <p:txBody>
+          <a:bodyPr wrap="square" rtlCol="0">
+            <a:spAutoFit/>
+          </a:bodyPr>
+          <a:lstStyle/>
+          <a:p>
+            <a:pPr algn="ctr"/>
+            <a:r>
+              <a:rPr lang="en-US" sz="900"/>
+              <a:t>Death from Stroke</a:t>
+            </a:r>
+            <a:endParaRPr lang="en-US"/>
+          </a:p>
+        </p:txBody>
+      </p:sp>
+      <p:sp>
+        <p:nvSpPr>
+          <p:cNvPr id="7" name="TextBox 6">
+            <a:extLst>
+              <a:ext uri="{FF2B5EF4-FFF2-40B4-BE49-F238E27FC236}">
+                <a16:creationId xmlns:a16="http://schemas.microsoft.com/office/drawing/2014/main" id="{BDD6E6CD-AC98-8944-84D3-CF8F3EEAC7A4}"/>
+              </a:ext>
+            </a:extLst>
+          </p:cNvPr>
+          <p:cNvSpPr txBox="1"/>
+          <p:nvPr/>
+        </p:nvSpPr>
+        <p:spPr>
+          <a:xfrm>
+            <a:off x="3660740" y="699770"/>
+            <a:ext cx="997497" cy="230832"/>
+          </a:xfrm>
+          <a:prstGeom prst="rect">
+            <a:avLst/>
+          </a:prstGeom>
+          <a:noFill/>
+        </p:spPr>
+        <p:txBody>
+          <a:bodyPr wrap="square" rtlCol="0">
+            <a:spAutoFit/>
+          </a:bodyPr>
+          <a:lstStyle/>
+          <a:p>
+            <a:pPr algn="ctr"/>
+            <a:r>
+              <a:rPr lang="en-US" sz="900"/>
+              <a:t>Stroke Severity</a:t>
+            </a:r>
+            <a:endParaRPr lang="en-US"/>
+          </a:p>
+        </p:txBody>
+      </p:sp>
+      <p:cxnSp>
+        <p:nvCxnSpPr>
+          <p:cNvPr id="9" name="Straight Arrow Connector 8">
+            <a:extLst>
+              <a:ext uri="{FF2B5EF4-FFF2-40B4-BE49-F238E27FC236}">
+                <a16:creationId xmlns:a16="http://schemas.microsoft.com/office/drawing/2014/main" id="{C7712683-9795-494D-8FF4-92C8D9F68D1A}"/>
+              </a:ext>
+            </a:extLst>
+          </p:cNvPr>
+          <p:cNvCxnSpPr>
+            <a:cxnSpLocks/>
+            <a:stCxn id="5" idx="3"/>
+            <a:endCxn id="6" idx="1"/>
+          </p:cNvCxnSpPr>
+          <p:nvPr/>
+        </p:nvCxnSpPr>
+        <p:spPr>
+          <a:xfrm>
+            <a:off x="3801533" y="1629503"/>
+            <a:ext cx="856704" cy="0"/>
+          </a:xfrm>
+          <a:prstGeom prst="straightConnector1">
+            <a:avLst/>
+          </a:prstGeom>
+          <a:ln>
+            <a:tailEnd type="triangle"/>
+          </a:ln>
+        </p:spPr>
+        <p:style>
+          <a:lnRef idx="1">
+            <a:schemeClr val="accent1"/>
+          </a:lnRef>
+          <a:fillRef idx="0">
+            <a:schemeClr val="accent1"/>
+          </a:fillRef>
+          <a:effectRef idx="0">
+            <a:schemeClr val="accent1"/>
+          </a:effectRef>
+          <a:fontRef idx="minor">
+            <a:schemeClr val="tx1"/>
+          </a:fontRef>
+        </p:style>
+      </p:cxnSp>
+      <p:cxnSp>
+        <p:nvCxnSpPr>
+          <p:cNvPr id="11" name="Straight Arrow Connector 10">
+            <a:extLst>
+              <a:ext uri="{FF2B5EF4-FFF2-40B4-BE49-F238E27FC236}">
+                <a16:creationId xmlns:a16="http://schemas.microsoft.com/office/drawing/2014/main" id="{E57990DE-CDBC-754B-88DB-0F7B37C325CD}"/>
+              </a:ext>
+            </a:extLst>
+          </p:cNvPr>
+          <p:cNvCxnSpPr>
+            <a:cxnSpLocks/>
+            <a:stCxn id="7" idx="2"/>
+            <a:endCxn id="5" idx="0"/>
+          </p:cNvCxnSpPr>
+          <p:nvPr/>
+        </p:nvCxnSpPr>
+        <p:spPr>
+          <a:xfrm flipH="1">
+            <a:off x="3201185" y="930602"/>
+            <a:ext cx="958304" cy="514235"/>
+          </a:xfrm>
+          <a:prstGeom prst="straightConnector1">
+            <a:avLst/>
+          </a:prstGeom>
+          <a:ln>
+            <a:prstDash val="dash"/>
+            <a:tailEnd type="triangle"/>
+          </a:ln>
+        </p:spPr>
+        <p:style>
+          <a:lnRef idx="1">
+            <a:schemeClr val="accent1"/>
+          </a:lnRef>
+          <a:fillRef idx="0">
+            <a:schemeClr val="accent1"/>
+          </a:fillRef>
+          <a:effectRef idx="0">
+            <a:schemeClr val="accent1"/>
+          </a:effectRef>
+          <a:fontRef idx="minor">
+            <a:schemeClr val="tx1"/>
+          </a:fontRef>
+        </p:style>
+      </p:cxnSp>
+      <p:cxnSp>
+        <p:nvCxnSpPr>
+          <p:cNvPr id="14" name="Straight Arrow Connector 13">
+            <a:extLst>
+              <a:ext uri="{FF2B5EF4-FFF2-40B4-BE49-F238E27FC236}">
+                <a16:creationId xmlns:a16="http://schemas.microsoft.com/office/drawing/2014/main" id="{90C901EF-46D2-E54B-9ADC-667B17504758}"/>
+              </a:ext>
+            </a:extLst>
+          </p:cNvPr>
+          <p:cNvCxnSpPr>
+            <a:stCxn id="7" idx="2"/>
+            <a:endCxn id="6" idx="0"/>
+          </p:cNvCxnSpPr>
+          <p:nvPr/>
+        </p:nvCxnSpPr>
+        <p:spPr>
+          <a:xfrm>
+            <a:off x="4159489" y="930602"/>
+            <a:ext cx="997497" cy="514235"/>
+          </a:xfrm>
+          <a:prstGeom prst="straightConnector1">
+            <a:avLst/>
+          </a:prstGeom>
+          <a:ln>
+            <a:prstDash val="dash"/>
+            <a:tailEnd type="triangle"/>
+          </a:ln>
+        </p:spPr>
+        <p:style>
+          <a:lnRef idx="1">
+            <a:schemeClr val="accent1"/>
+          </a:lnRef>
+          <a:fillRef idx="0">
+            <a:schemeClr val="accent1"/>
+          </a:fillRef>
+          <a:effectRef idx="0">
+            <a:schemeClr val="accent1"/>
+          </a:effectRef>
+          <a:fontRef idx="minor">
+            <a:schemeClr val="tx1"/>
+          </a:fontRef>
+        </p:style>
+      </p:cxnSp>
+    </p:spTree>
+    <p:extLst>
+      <p:ext uri="{BB962C8B-B14F-4D97-AF65-F5344CB8AC3E}">
+        <p14:creationId xmlns:p14="http://schemas.microsoft.com/office/powerpoint/2010/main" val="2277516832"/>
       </p:ext>
     </p:extLst>
   </p:cSld>

--- a/media/study-design.pptx
+++ b/media/study-design.pptx
@@ -262,7 +262,7 @@
           <a:lstStyle/>
           <a:p>
             <a:fld id="{4ED4112F-277A-1743-8B5D-080549921ADF}" type="datetimeFigureOut">
-              <a:t>7/19/20</a:t>
+              <a:t>7/20/20</a:t>
             </a:fld>
             <a:endParaRPr lang="en-US"/>
           </a:p>
@@ -458,7 +458,7 @@
           <a:lstStyle/>
           <a:p>
             <a:fld id="{4ED4112F-277A-1743-8B5D-080549921ADF}" type="datetimeFigureOut">
-              <a:t>7/19/20</a:t>
+              <a:t>7/20/20</a:t>
             </a:fld>
             <a:endParaRPr lang="en-US"/>
           </a:p>
@@ -664,7 +664,7 @@
           <a:lstStyle/>
           <a:p>
             <a:fld id="{4ED4112F-277A-1743-8B5D-080549921ADF}" type="datetimeFigureOut">
-              <a:t>7/19/20</a:t>
+              <a:t>7/20/20</a:t>
             </a:fld>
             <a:endParaRPr lang="en-US"/>
           </a:p>
@@ -860,7 +860,7 @@
           <a:lstStyle/>
           <a:p>
             <a:fld id="{4ED4112F-277A-1743-8B5D-080549921ADF}" type="datetimeFigureOut">
-              <a:t>7/19/20</a:t>
+              <a:t>7/20/20</a:t>
             </a:fld>
             <a:endParaRPr lang="en-US"/>
           </a:p>
@@ -1133,7 +1133,7 @@
           <a:lstStyle/>
           <a:p>
             <a:fld id="{4ED4112F-277A-1743-8B5D-080549921ADF}" type="datetimeFigureOut">
-              <a:t>7/19/20</a:t>
+              <a:t>7/20/20</a:t>
             </a:fld>
             <a:endParaRPr lang="en-US"/>
           </a:p>
@@ -1396,7 +1396,7 @@
           <a:lstStyle/>
           <a:p>
             <a:fld id="{4ED4112F-277A-1743-8B5D-080549921ADF}" type="datetimeFigureOut">
-              <a:t>7/19/20</a:t>
+              <a:t>7/20/20</a:t>
             </a:fld>
             <a:endParaRPr lang="en-US"/>
           </a:p>
@@ -1806,7 +1806,7 @@
           <a:lstStyle/>
           <a:p>
             <a:fld id="{4ED4112F-277A-1743-8B5D-080549921ADF}" type="datetimeFigureOut">
-              <a:t>7/19/20</a:t>
+              <a:t>7/20/20</a:t>
             </a:fld>
             <a:endParaRPr lang="en-US"/>
           </a:p>
@@ -1945,7 +1945,7 @@
           <a:lstStyle/>
           <a:p>
             <a:fld id="{4ED4112F-277A-1743-8B5D-080549921ADF}" type="datetimeFigureOut">
-              <a:t>7/19/20</a:t>
+              <a:t>7/20/20</a:t>
             </a:fld>
             <a:endParaRPr lang="en-US"/>
           </a:p>
@@ -2056,7 +2056,7 @@
           <a:lstStyle/>
           <a:p>
             <a:fld id="{4ED4112F-277A-1743-8B5D-080549921ADF}" type="datetimeFigureOut">
-              <a:t>7/19/20</a:t>
+              <a:t>7/20/20</a:t>
             </a:fld>
             <a:endParaRPr lang="en-US"/>
           </a:p>
@@ -2365,7 +2365,7 @@
           <a:lstStyle/>
           <a:p>
             <a:fld id="{4ED4112F-277A-1743-8B5D-080549921ADF}" type="datetimeFigureOut">
-              <a:t>7/19/20</a:t>
+              <a:t>7/20/20</a:t>
             </a:fld>
             <a:endParaRPr lang="en-US"/>
           </a:p>
@@ -2651,7 +2651,7 @@
           <a:lstStyle/>
           <a:p>
             <a:fld id="{4ED4112F-277A-1743-8B5D-080549921ADF}" type="datetimeFigureOut">
-              <a:t>7/19/20</a:t>
+              <a:t>7/20/20</a:t>
             </a:fld>
             <a:endParaRPr lang="en-US"/>
           </a:p>
@@ -2890,7 +2890,7 @@
           </a:lstStyle>
           <a:p>
             <a:fld id="{4ED4112F-277A-1743-8B5D-080549921ADF}" type="datetimeFigureOut">
-              <a:t>7/19/20</a:t>
+              <a:t>7/20/20</a:t>
             </a:fld>
             <a:endParaRPr lang="en-US"/>
           </a:p>
@@ -3308,10 +3308,10 @@
       </p:grpSpPr>
       <p:grpSp>
         <p:nvGrpSpPr>
-          <p:cNvPr id="14" name="Group 13">
+          <p:cNvPr id="41" name="Group 40">
             <a:extLst>
               <a:ext uri="{FF2B5EF4-FFF2-40B4-BE49-F238E27FC236}">
-                <a16:creationId xmlns:a16="http://schemas.microsoft.com/office/drawing/2014/main" id="{44580918-8D7C-2943-AA34-6EC57892EADE}"/>
+                <a16:creationId xmlns:a16="http://schemas.microsoft.com/office/drawing/2014/main" id="{CE003F40-A150-9B40-A193-A6DBF4EFC9BF}"/>
               </a:ext>
             </a:extLst>
           </p:cNvPr>
@@ -3320,18 +3320,976 @@
         </p:nvGrpSpPr>
         <p:grpSpPr>
           <a:xfrm>
-            <a:off x="981635" y="275665"/>
-            <a:ext cx="4995583" cy="3980329"/>
-            <a:chOff x="981635" y="275665"/>
-            <a:chExt cx="4995583" cy="3980329"/>
+            <a:off x="257832" y="300789"/>
+            <a:ext cx="3111010" cy="1627255"/>
+            <a:chOff x="257832" y="300789"/>
+            <a:chExt cx="3111010" cy="1627255"/>
           </a:xfrm>
         </p:grpSpPr>
+        <p:grpSp>
+          <p:nvGrpSpPr>
+            <p:cNvPr id="8" name="Group 7">
+              <a:extLst>
+                <a:ext uri="{FF2B5EF4-FFF2-40B4-BE49-F238E27FC236}">
+                  <a16:creationId xmlns:a16="http://schemas.microsoft.com/office/drawing/2014/main" id="{1A996D44-14B5-3845-92C5-73D3A01D07AB}"/>
+                </a:ext>
+              </a:extLst>
+            </p:cNvPr>
+            <p:cNvGrpSpPr/>
+            <p:nvPr/>
+          </p:nvGrpSpPr>
+          <p:grpSpPr>
+            <a:xfrm>
+              <a:off x="297708" y="421159"/>
+              <a:ext cx="2942613" cy="1225953"/>
+              <a:chOff x="1132383" y="1559024"/>
+              <a:chExt cx="2942613" cy="1225953"/>
+            </a:xfrm>
+          </p:grpSpPr>
+          <p:sp>
+            <p:nvSpPr>
+              <p:cNvPr id="51" name="Oval 50">
+                <a:extLst>
+                  <a:ext uri="{FF2B5EF4-FFF2-40B4-BE49-F238E27FC236}">
+                    <a16:creationId xmlns:a16="http://schemas.microsoft.com/office/drawing/2014/main" id="{1BCF6FB7-0A47-DB4E-A3A0-DF5DE7D9C745}"/>
+                  </a:ext>
+                </a:extLst>
+              </p:cNvPr>
+              <p:cNvSpPr/>
+              <p:nvPr/>
+            </p:nvSpPr>
+            <p:spPr>
+              <a:xfrm>
+                <a:off x="1240011" y="2316892"/>
+                <a:ext cx="152400" cy="152400"/>
+              </a:xfrm>
+              <a:prstGeom prst="ellipse">
+                <a:avLst/>
+              </a:prstGeom>
+              <a:solidFill>
+                <a:schemeClr val="bg2"/>
+              </a:solidFill>
+            </p:spPr>
+            <p:style>
+              <a:lnRef idx="2">
+                <a:schemeClr val="accent1">
+                  <a:shade val="50000"/>
+                </a:schemeClr>
+              </a:lnRef>
+              <a:fillRef idx="1">
+                <a:schemeClr val="accent1"/>
+              </a:fillRef>
+              <a:effectRef idx="0">
+                <a:schemeClr val="accent1"/>
+              </a:effectRef>
+              <a:fontRef idx="minor">
+                <a:schemeClr val="lt1"/>
+              </a:fontRef>
+            </p:style>
+            <p:txBody>
+              <a:bodyPr rtlCol="0" anchor="ctr"/>
+              <a:lstStyle/>
+              <a:p>
+                <a:pPr algn="ctr"/>
+                <a:endParaRPr lang="en-US"/>
+              </a:p>
+            </p:txBody>
+          </p:sp>
+          <p:sp>
+            <p:nvSpPr>
+              <p:cNvPr id="52" name="Oval 51">
+                <a:extLst>
+                  <a:ext uri="{FF2B5EF4-FFF2-40B4-BE49-F238E27FC236}">
+                    <a16:creationId xmlns:a16="http://schemas.microsoft.com/office/drawing/2014/main" id="{16DB875C-5107-D942-A40B-05B0AD48A557}"/>
+                  </a:ext>
+                </a:extLst>
+              </p:cNvPr>
+              <p:cNvSpPr/>
+              <p:nvPr/>
+            </p:nvSpPr>
+            <p:spPr>
+              <a:xfrm>
+                <a:off x="1240011" y="2632577"/>
+                <a:ext cx="152400" cy="152400"/>
+              </a:xfrm>
+              <a:prstGeom prst="ellipse">
+                <a:avLst/>
+              </a:prstGeom>
+              <a:solidFill>
+                <a:schemeClr val="accent4">
+                  <a:lumMod val="60000"/>
+                  <a:lumOff val="40000"/>
+                </a:schemeClr>
+              </a:solidFill>
+            </p:spPr>
+            <p:style>
+              <a:lnRef idx="2">
+                <a:schemeClr val="accent1">
+                  <a:shade val="50000"/>
+                </a:schemeClr>
+              </a:lnRef>
+              <a:fillRef idx="1">
+                <a:schemeClr val="accent1"/>
+              </a:fillRef>
+              <a:effectRef idx="0">
+                <a:schemeClr val="accent1"/>
+              </a:effectRef>
+              <a:fontRef idx="minor">
+                <a:schemeClr val="lt1"/>
+              </a:fontRef>
+            </p:style>
+            <p:txBody>
+              <a:bodyPr rtlCol="0" anchor="ctr"/>
+              <a:lstStyle/>
+              <a:p>
+                <a:pPr algn="ctr"/>
+                <a:endParaRPr lang="en-US"/>
+              </a:p>
+            </p:txBody>
+          </p:sp>
+          <p:sp>
+            <p:nvSpPr>
+              <p:cNvPr id="53" name="Oval 52">
+                <a:extLst>
+                  <a:ext uri="{FF2B5EF4-FFF2-40B4-BE49-F238E27FC236}">
+                    <a16:creationId xmlns:a16="http://schemas.microsoft.com/office/drawing/2014/main" id="{32472DFD-3D5C-3F43-B792-2522CE9A335E}"/>
+                  </a:ext>
+                </a:extLst>
+              </p:cNvPr>
+              <p:cNvSpPr/>
+              <p:nvPr/>
+            </p:nvSpPr>
+            <p:spPr>
+              <a:xfrm>
+                <a:off x="1523040" y="2632577"/>
+                <a:ext cx="152400" cy="152400"/>
+              </a:xfrm>
+              <a:prstGeom prst="ellipse">
+                <a:avLst/>
+              </a:prstGeom>
+              <a:solidFill>
+                <a:schemeClr val="bg2"/>
+              </a:solidFill>
+            </p:spPr>
+            <p:style>
+              <a:lnRef idx="2">
+                <a:schemeClr val="accent1">
+                  <a:shade val="50000"/>
+                </a:schemeClr>
+              </a:lnRef>
+              <a:fillRef idx="1">
+                <a:schemeClr val="accent1"/>
+              </a:fillRef>
+              <a:effectRef idx="0">
+                <a:schemeClr val="accent1"/>
+              </a:effectRef>
+              <a:fontRef idx="minor">
+                <a:schemeClr val="lt1"/>
+              </a:fontRef>
+            </p:style>
+            <p:txBody>
+              <a:bodyPr rtlCol="0" anchor="ctr"/>
+              <a:lstStyle/>
+              <a:p>
+                <a:pPr algn="ctr"/>
+                <a:endParaRPr lang="en-US"/>
+              </a:p>
+            </p:txBody>
+          </p:sp>
+          <p:sp>
+            <p:nvSpPr>
+              <p:cNvPr id="54" name="Oval 53">
+                <a:extLst>
+                  <a:ext uri="{FF2B5EF4-FFF2-40B4-BE49-F238E27FC236}">
+                    <a16:creationId xmlns:a16="http://schemas.microsoft.com/office/drawing/2014/main" id="{784D5AB1-34BF-1B4E-B323-F11401A0D316}"/>
+                  </a:ext>
+                </a:extLst>
+              </p:cNvPr>
+              <p:cNvSpPr/>
+              <p:nvPr/>
+            </p:nvSpPr>
+            <p:spPr>
+              <a:xfrm>
+                <a:off x="1523040" y="2316892"/>
+                <a:ext cx="152400" cy="152400"/>
+              </a:xfrm>
+              <a:prstGeom prst="ellipse">
+                <a:avLst/>
+              </a:prstGeom>
+              <a:solidFill>
+                <a:schemeClr val="accent4">
+                  <a:lumMod val="60000"/>
+                  <a:lumOff val="40000"/>
+                </a:schemeClr>
+              </a:solidFill>
+            </p:spPr>
+            <p:style>
+              <a:lnRef idx="2">
+                <a:schemeClr val="accent1">
+                  <a:shade val="50000"/>
+                </a:schemeClr>
+              </a:lnRef>
+              <a:fillRef idx="1">
+                <a:schemeClr val="accent1"/>
+              </a:fillRef>
+              <a:effectRef idx="0">
+                <a:schemeClr val="accent1"/>
+              </a:effectRef>
+              <a:fontRef idx="minor">
+                <a:schemeClr val="lt1"/>
+              </a:fontRef>
+            </p:style>
+            <p:txBody>
+              <a:bodyPr rtlCol="0" anchor="ctr"/>
+              <a:lstStyle/>
+              <a:p>
+                <a:pPr algn="ctr"/>
+                <a:endParaRPr lang="en-US"/>
+              </a:p>
+            </p:txBody>
+          </p:sp>
+          <p:cxnSp>
+            <p:nvCxnSpPr>
+              <p:cNvPr id="55" name="Straight Arrow Connector 54">
+                <a:extLst>
+                  <a:ext uri="{FF2B5EF4-FFF2-40B4-BE49-F238E27FC236}">
+                    <a16:creationId xmlns:a16="http://schemas.microsoft.com/office/drawing/2014/main" id="{1D02B39C-5969-E543-92E1-3E5769EAE9A7}"/>
+                  </a:ext>
+                </a:extLst>
+              </p:cNvPr>
+              <p:cNvCxnSpPr/>
+              <p:nvPr/>
+            </p:nvCxnSpPr>
+            <p:spPr>
+              <a:xfrm>
+                <a:off x="1893153" y="2545492"/>
+                <a:ext cx="1077686" cy="0"/>
+              </a:xfrm>
+              <a:prstGeom prst="straightConnector1">
+                <a:avLst/>
+              </a:prstGeom>
+              <a:ln>
+                <a:tailEnd type="triangle"/>
+              </a:ln>
+            </p:spPr>
+            <p:style>
+              <a:lnRef idx="1">
+                <a:schemeClr val="accent1"/>
+              </a:lnRef>
+              <a:fillRef idx="0">
+                <a:schemeClr val="accent1"/>
+              </a:fillRef>
+              <a:effectRef idx="0">
+                <a:schemeClr val="accent1"/>
+              </a:effectRef>
+              <a:fontRef idx="minor">
+                <a:schemeClr val="tx1"/>
+              </a:fontRef>
+            </p:style>
+          </p:cxnSp>
+          <p:sp>
+            <p:nvSpPr>
+              <p:cNvPr id="56" name="Oval 55">
+                <a:extLst>
+                  <a:ext uri="{FF2B5EF4-FFF2-40B4-BE49-F238E27FC236}">
+                    <a16:creationId xmlns:a16="http://schemas.microsoft.com/office/drawing/2014/main" id="{B9F158B9-2CA1-E543-B794-11B55888F786}"/>
+                  </a:ext>
+                </a:extLst>
+              </p:cNvPr>
+              <p:cNvSpPr/>
+              <p:nvPr/>
+            </p:nvSpPr>
+            <p:spPr>
+              <a:xfrm>
+                <a:off x="3166782" y="2316892"/>
+                <a:ext cx="152400" cy="152400"/>
+              </a:xfrm>
+              <a:prstGeom prst="ellipse">
+                <a:avLst/>
+              </a:prstGeom>
+              <a:solidFill>
+                <a:schemeClr val="bg2"/>
+              </a:solidFill>
+            </p:spPr>
+            <p:style>
+              <a:lnRef idx="2">
+                <a:schemeClr val="accent1">
+                  <a:shade val="50000"/>
+                </a:schemeClr>
+              </a:lnRef>
+              <a:fillRef idx="1">
+                <a:schemeClr val="accent1"/>
+              </a:fillRef>
+              <a:effectRef idx="0">
+                <a:schemeClr val="accent1"/>
+              </a:effectRef>
+              <a:fontRef idx="minor">
+                <a:schemeClr val="lt1"/>
+              </a:fontRef>
+            </p:style>
+            <p:txBody>
+              <a:bodyPr rtlCol="0" anchor="ctr"/>
+              <a:lstStyle/>
+              <a:p>
+                <a:pPr algn="ctr"/>
+                <a:endParaRPr lang="en-US"/>
+              </a:p>
+            </p:txBody>
+          </p:sp>
+          <p:sp>
+            <p:nvSpPr>
+              <p:cNvPr id="57" name="Oval 56">
+                <a:extLst>
+                  <a:ext uri="{FF2B5EF4-FFF2-40B4-BE49-F238E27FC236}">
+                    <a16:creationId xmlns:a16="http://schemas.microsoft.com/office/drawing/2014/main" id="{5A9A61F5-7BBB-0F48-9EBA-001CBBC0FFD5}"/>
+                  </a:ext>
+                </a:extLst>
+              </p:cNvPr>
+              <p:cNvSpPr/>
+              <p:nvPr/>
+            </p:nvSpPr>
+            <p:spPr>
+              <a:xfrm>
+                <a:off x="3166782" y="2632577"/>
+                <a:ext cx="152400" cy="152400"/>
+              </a:xfrm>
+              <a:prstGeom prst="ellipse">
+                <a:avLst/>
+              </a:prstGeom>
+              <a:solidFill>
+                <a:schemeClr val="accent4">
+                  <a:lumMod val="60000"/>
+                  <a:lumOff val="40000"/>
+                </a:schemeClr>
+              </a:solidFill>
+            </p:spPr>
+            <p:style>
+              <a:lnRef idx="2">
+                <a:schemeClr val="accent1">
+                  <a:shade val="50000"/>
+                </a:schemeClr>
+              </a:lnRef>
+              <a:fillRef idx="1">
+                <a:schemeClr val="accent1"/>
+              </a:fillRef>
+              <a:effectRef idx="0">
+                <a:schemeClr val="accent1"/>
+              </a:effectRef>
+              <a:fontRef idx="minor">
+                <a:schemeClr val="lt1"/>
+              </a:fontRef>
+            </p:style>
+            <p:txBody>
+              <a:bodyPr rtlCol="0" anchor="ctr"/>
+              <a:lstStyle/>
+              <a:p>
+                <a:pPr algn="ctr"/>
+                <a:endParaRPr lang="en-US"/>
+              </a:p>
+            </p:txBody>
+          </p:sp>
+          <p:sp>
+            <p:nvSpPr>
+              <p:cNvPr id="58" name="Oval 57">
+                <a:extLst>
+                  <a:ext uri="{FF2B5EF4-FFF2-40B4-BE49-F238E27FC236}">
+                    <a16:creationId xmlns:a16="http://schemas.microsoft.com/office/drawing/2014/main" id="{19617A77-C1A8-C247-B5B3-4EA0E352374B}"/>
+                  </a:ext>
+                </a:extLst>
+              </p:cNvPr>
+              <p:cNvSpPr/>
+              <p:nvPr/>
+            </p:nvSpPr>
+            <p:spPr>
+              <a:xfrm>
+                <a:off x="3449811" y="2632577"/>
+                <a:ext cx="152400" cy="152400"/>
+              </a:xfrm>
+              <a:prstGeom prst="ellipse">
+                <a:avLst/>
+              </a:prstGeom>
+              <a:solidFill>
+                <a:schemeClr val="bg2"/>
+              </a:solidFill>
+            </p:spPr>
+            <p:style>
+              <a:lnRef idx="2">
+                <a:schemeClr val="accent1">
+                  <a:shade val="50000"/>
+                </a:schemeClr>
+              </a:lnRef>
+              <a:fillRef idx="1">
+                <a:schemeClr val="accent1"/>
+              </a:fillRef>
+              <a:effectRef idx="0">
+                <a:schemeClr val="accent1"/>
+              </a:effectRef>
+              <a:fontRef idx="minor">
+                <a:schemeClr val="lt1"/>
+              </a:fontRef>
+            </p:style>
+            <p:txBody>
+              <a:bodyPr rtlCol="0" anchor="ctr"/>
+              <a:lstStyle/>
+              <a:p>
+                <a:pPr algn="ctr"/>
+                <a:endParaRPr lang="en-US"/>
+              </a:p>
+            </p:txBody>
+          </p:sp>
+          <p:sp>
+            <p:nvSpPr>
+              <p:cNvPr id="59" name="Oval 58">
+                <a:extLst>
+                  <a:ext uri="{FF2B5EF4-FFF2-40B4-BE49-F238E27FC236}">
+                    <a16:creationId xmlns:a16="http://schemas.microsoft.com/office/drawing/2014/main" id="{883E3549-3330-F848-A524-21512C47E31E}"/>
+                  </a:ext>
+                </a:extLst>
+              </p:cNvPr>
+              <p:cNvSpPr/>
+              <p:nvPr/>
+            </p:nvSpPr>
+            <p:spPr>
+              <a:xfrm>
+                <a:off x="3449811" y="2316892"/>
+                <a:ext cx="152400" cy="152400"/>
+              </a:xfrm>
+              <a:prstGeom prst="ellipse">
+                <a:avLst/>
+              </a:prstGeom>
+              <a:solidFill>
+                <a:schemeClr val="accent4">
+                  <a:lumMod val="60000"/>
+                  <a:lumOff val="40000"/>
+                </a:schemeClr>
+              </a:solidFill>
+            </p:spPr>
+            <p:style>
+              <a:lnRef idx="2">
+                <a:schemeClr val="accent1">
+                  <a:shade val="50000"/>
+                </a:schemeClr>
+              </a:lnRef>
+              <a:fillRef idx="1">
+                <a:schemeClr val="accent1"/>
+              </a:fillRef>
+              <a:effectRef idx="0">
+                <a:schemeClr val="accent1"/>
+              </a:effectRef>
+              <a:fontRef idx="minor">
+                <a:schemeClr val="lt1"/>
+              </a:fontRef>
+            </p:style>
+            <p:txBody>
+              <a:bodyPr rtlCol="0" anchor="ctr"/>
+              <a:lstStyle/>
+              <a:p>
+                <a:pPr algn="ctr"/>
+                <a:endParaRPr lang="en-US"/>
+              </a:p>
+            </p:txBody>
+          </p:sp>
+          <p:sp>
+            <p:nvSpPr>
+              <p:cNvPr id="68" name="TextBox 67">
+                <a:extLst>
+                  <a:ext uri="{FF2B5EF4-FFF2-40B4-BE49-F238E27FC236}">
+                    <a16:creationId xmlns:a16="http://schemas.microsoft.com/office/drawing/2014/main" id="{F25E5D8C-A792-B94A-802B-8AECE0DACCA3}"/>
+                  </a:ext>
+                </a:extLst>
+              </p:cNvPr>
+              <p:cNvSpPr txBox="1"/>
+              <p:nvPr/>
+            </p:nvSpPr>
+            <p:spPr>
+              <a:xfrm>
+                <a:off x="1132383" y="1945645"/>
+                <a:ext cx="899605" cy="253916"/>
+              </a:xfrm>
+              <a:prstGeom prst="rect">
+                <a:avLst/>
+              </a:prstGeom>
+              <a:noFill/>
+            </p:spPr>
+            <p:txBody>
+              <a:bodyPr wrap="none" rtlCol="0">
+                <a:spAutoFit/>
+              </a:bodyPr>
+              <a:lstStyle/>
+              <a:p>
+                <a:r>
+                  <a:rPr lang="en-US" sz="1050" u="sng"/>
+                  <a:t>Cohort Study</a:t>
+                </a:r>
+                <a:endParaRPr lang="en-US" sz="2400" u="sng"/>
+              </a:p>
+            </p:txBody>
+          </p:sp>
+          <p:sp>
+            <p:nvSpPr>
+              <p:cNvPr id="69" name="TextBox 68">
+                <a:extLst>
+                  <a:ext uri="{FF2B5EF4-FFF2-40B4-BE49-F238E27FC236}">
+                    <a16:creationId xmlns:a16="http://schemas.microsoft.com/office/drawing/2014/main" id="{3D97E924-793E-5F42-B5ED-A6ACB995AAA6}"/>
+                  </a:ext>
+                </a:extLst>
+              </p:cNvPr>
+              <p:cNvSpPr txBox="1"/>
+              <p:nvPr/>
+            </p:nvSpPr>
+            <p:spPr>
+              <a:xfrm>
+                <a:off x="2029389" y="2300653"/>
+                <a:ext cx="665567" cy="230832"/>
+              </a:xfrm>
+              <a:prstGeom prst="rect">
+                <a:avLst/>
+              </a:prstGeom>
+              <a:noFill/>
+            </p:spPr>
+            <p:txBody>
+              <a:bodyPr wrap="none" rtlCol="0">
+                <a:spAutoFit/>
+              </a:bodyPr>
+              <a:lstStyle/>
+              <a:p>
+                <a:r>
+                  <a:rPr lang="en-US" sz="900"/>
+                  <a:t>Follow-Up</a:t>
+                </a:r>
+                <a:endParaRPr lang="en-US"/>
+              </a:p>
+            </p:txBody>
+          </p:sp>
+          <p:sp>
+            <p:nvSpPr>
+              <p:cNvPr id="71" name="Cross 70">
+                <a:extLst>
+                  <a:ext uri="{FF2B5EF4-FFF2-40B4-BE49-F238E27FC236}">
+                    <a16:creationId xmlns:a16="http://schemas.microsoft.com/office/drawing/2014/main" id="{4E475663-BE83-E64B-B511-5816CDAE017A}"/>
+                  </a:ext>
+                </a:extLst>
+              </p:cNvPr>
+              <p:cNvSpPr/>
+              <p:nvPr/>
+            </p:nvSpPr>
+            <p:spPr>
+              <a:xfrm>
+                <a:off x="3169345" y="2316892"/>
+                <a:ext cx="152400" cy="152400"/>
+              </a:xfrm>
+              <a:prstGeom prst="plus">
+                <a:avLst>
+                  <a:gd name="adj" fmla="val 47525"/>
+                </a:avLst>
+              </a:prstGeom>
+            </p:spPr>
+            <p:style>
+              <a:lnRef idx="2">
+                <a:schemeClr val="accent1">
+                  <a:shade val="50000"/>
+                </a:schemeClr>
+              </a:lnRef>
+              <a:fillRef idx="1">
+                <a:schemeClr val="accent1"/>
+              </a:fillRef>
+              <a:effectRef idx="0">
+                <a:schemeClr val="accent1"/>
+              </a:effectRef>
+              <a:fontRef idx="minor">
+                <a:schemeClr val="lt1"/>
+              </a:fontRef>
+            </p:style>
+            <p:txBody>
+              <a:bodyPr rtlCol="0" anchor="ctr"/>
+              <a:lstStyle/>
+              <a:p>
+                <a:pPr algn="ctr"/>
+                <a:endParaRPr lang="en-US"/>
+              </a:p>
+            </p:txBody>
+          </p:sp>
+          <p:sp>
+            <p:nvSpPr>
+              <p:cNvPr id="72" name="Cross 71">
+                <a:extLst>
+                  <a:ext uri="{FF2B5EF4-FFF2-40B4-BE49-F238E27FC236}">
+                    <a16:creationId xmlns:a16="http://schemas.microsoft.com/office/drawing/2014/main" id="{B08A09ED-D716-5140-884E-F6B8B6474C65}"/>
+                  </a:ext>
+                </a:extLst>
+              </p:cNvPr>
+              <p:cNvSpPr/>
+              <p:nvPr/>
+            </p:nvSpPr>
+            <p:spPr>
+              <a:xfrm>
+                <a:off x="3447248" y="2316892"/>
+                <a:ext cx="152400" cy="152400"/>
+              </a:xfrm>
+              <a:prstGeom prst="plus">
+                <a:avLst>
+                  <a:gd name="adj" fmla="val 47525"/>
+                </a:avLst>
+              </a:prstGeom>
+            </p:spPr>
+            <p:style>
+              <a:lnRef idx="2">
+                <a:schemeClr val="accent1">
+                  <a:shade val="50000"/>
+                </a:schemeClr>
+              </a:lnRef>
+              <a:fillRef idx="1">
+                <a:schemeClr val="accent1"/>
+              </a:fillRef>
+              <a:effectRef idx="0">
+                <a:schemeClr val="accent1"/>
+              </a:effectRef>
+              <a:fontRef idx="minor">
+                <a:schemeClr val="lt1"/>
+              </a:fontRef>
+            </p:style>
+            <p:txBody>
+              <a:bodyPr rtlCol="0" anchor="ctr"/>
+              <a:lstStyle/>
+              <a:p>
+                <a:pPr algn="ctr"/>
+                <a:endParaRPr lang="en-US"/>
+              </a:p>
+            </p:txBody>
+          </p:sp>
+          <p:sp>
+            <p:nvSpPr>
+              <p:cNvPr id="73" name="Cross 72">
+                <a:extLst>
+                  <a:ext uri="{FF2B5EF4-FFF2-40B4-BE49-F238E27FC236}">
+                    <a16:creationId xmlns:a16="http://schemas.microsoft.com/office/drawing/2014/main" id="{B761C82E-A2C0-2F4F-98CC-0AFBF10E36C7}"/>
+                  </a:ext>
+                </a:extLst>
+              </p:cNvPr>
+              <p:cNvSpPr/>
+              <p:nvPr/>
+            </p:nvSpPr>
+            <p:spPr>
+              <a:xfrm>
+                <a:off x="3447248" y="2632577"/>
+                <a:ext cx="152400" cy="152400"/>
+              </a:xfrm>
+              <a:prstGeom prst="plus">
+                <a:avLst>
+                  <a:gd name="adj" fmla="val 47525"/>
+                </a:avLst>
+              </a:prstGeom>
+            </p:spPr>
+            <p:style>
+              <a:lnRef idx="2">
+                <a:schemeClr val="accent1">
+                  <a:shade val="50000"/>
+                </a:schemeClr>
+              </a:lnRef>
+              <a:fillRef idx="1">
+                <a:schemeClr val="accent1"/>
+              </a:fillRef>
+              <a:effectRef idx="0">
+                <a:schemeClr val="accent1"/>
+              </a:effectRef>
+              <a:fontRef idx="minor">
+                <a:schemeClr val="lt1"/>
+              </a:fontRef>
+            </p:style>
+            <p:txBody>
+              <a:bodyPr rtlCol="0" anchor="ctr"/>
+              <a:lstStyle/>
+              <a:p>
+                <a:pPr algn="ctr"/>
+                <a:endParaRPr lang="en-US"/>
+              </a:p>
+            </p:txBody>
+          </p:sp>
+          <p:grpSp>
+            <p:nvGrpSpPr>
+              <p:cNvPr id="2" name="Group 1">
+                <a:extLst>
+                  <a:ext uri="{FF2B5EF4-FFF2-40B4-BE49-F238E27FC236}">
+                    <a16:creationId xmlns:a16="http://schemas.microsoft.com/office/drawing/2014/main" id="{8FE8C0D4-631C-D54F-8823-4E7D0C7F00A1}"/>
+                  </a:ext>
+                </a:extLst>
+              </p:cNvPr>
+              <p:cNvGrpSpPr/>
+              <p:nvPr/>
+            </p:nvGrpSpPr>
+            <p:grpSpPr>
+              <a:xfrm>
+                <a:off x="1240011" y="1559024"/>
+                <a:ext cx="2834985" cy="230832"/>
+                <a:chOff x="6686305" y="488104"/>
+                <a:chExt cx="2834985" cy="230832"/>
+              </a:xfrm>
+            </p:grpSpPr>
+            <p:sp>
+              <p:nvSpPr>
+                <p:cNvPr id="70" name="Oval 69">
+                  <a:extLst>
+                    <a:ext uri="{FF2B5EF4-FFF2-40B4-BE49-F238E27FC236}">
+                      <a16:creationId xmlns:a16="http://schemas.microsoft.com/office/drawing/2014/main" id="{C3C1C94E-E34B-404E-8B5E-E3B18CD7D8DA}"/>
+                    </a:ext>
+                  </a:extLst>
+                </p:cNvPr>
+                <p:cNvSpPr/>
+                <p:nvPr/>
+              </p:nvSpPr>
+              <p:spPr>
+                <a:xfrm>
+                  <a:off x="6686305" y="527320"/>
+                  <a:ext cx="152400" cy="152400"/>
+                </a:xfrm>
+                <a:prstGeom prst="ellipse">
+                  <a:avLst/>
+                </a:prstGeom>
+                <a:solidFill>
+                  <a:schemeClr val="accent4">
+                    <a:lumMod val="60000"/>
+                    <a:lumOff val="40000"/>
+                  </a:schemeClr>
+                </a:solidFill>
+              </p:spPr>
+              <p:style>
+                <a:lnRef idx="2">
+                  <a:schemeClr val="accent1">
+                    <a:shade val="50000"/>
+                  </a:schemeClr>
+                </a:lnRef>
+                <a:fillRef idx="1">
+                  <a:schemeClr val="accent1"/>
+                </a:fillRef>
+                <a:effectRef idx="0">
+                  <a:schemeClr val="accent1"/>
+                </a:effectRef>
+                <a:fontRef idx="minor">
+                  <a:schemeClr val="lt1"/>
+                </a:fontRef>
+              </p:style>
+              <p:txBody>
+                <a:bodyPr rtlCol="0" anchor="ctr"/>
+                <a:lstStyle/>
+                <a:p>
+                  <a:pPr algn="ctr"/>
+                  <a:endParaRPr lang="en-US"/>
+                </a:p>
+              </p:txBody>
+            </p:sp>
+            <p:sp>
+              <p:nvSpPr>
+                <p:cNvPr id="87" name="TextBox 86">
+                  <a:extLst>
+                    <a:ext uri="{FF2B5EF4-FFF2-40B4-BE49-F238E27FC236}">
+                      <a16:creationId xmlns:a16="http://schemas.microsoft.com/office/drawing/2014/main" id="{D59B2C5E-F34C-984C-89C7-5BF75FB17B03}"/>
+                    </a:ext>
+                  </a:extLst>
+                </p:cNvPr>
+                <p:cNvSpPr txBox="1"/>
+                <p:nvPr/>
+              </p:nvSpPr>
+              <p:spPr>
+                <a:xfrm>
+                  <a:off x="6870263" y="488104"/>
+                  <a:ext cx="575799" cy="230832"/>
+                </a:xfrm>
+                <a:prstGeom prst="rect">
+                  <a:avLst/>
+                </a:prstGeom>
+                <a:noFill/>
+              </p:spPr>
+              <p:txBody>
+                <a:bodyPr wrap="none" rtlCol="0">
+                  <a:spAutoFit/>
+                </a:bodyPr>
+                <a:lstStyle/>
+                <a:p>
+                  <a:r>
+                    <a:rPr lang="en-US" sz="900"/>
+                    <a:t>Exposed</a:t>
+                  </a:r>
+                  <a:endParaRPr lang="en-US"/>
+                </a:p>
+              </p:txBody>
+            </p:sp>
+            <p:sp>
+              <p:nvSpPr>
+                <p:cNvPr id="90" name="Oval 89">
+                  <a:extLst>
+                    <a:ext uri="{FF2B5EF4-FFF2-40B4-BE49-F238E27FC236}">
+                      <a16:creationId xmlns:a16="http://schemas.microsoft.com/office/drawing/2014/main" id="{456BA9B5-D039-CA4B-84B3-F22AD72F2366}"/>
+                    </a:ext>
+                  </a:extLst>
+                </p:cNvPr>
+                <p:cNvSpPr/>
+                <p:nvPr/>
+              </p:nvSpPr>
+              <p:spPr>
+                <a:xfrm>
+                  <a:off x="7546141" y="527320"/>
+                  <a:ext cx="152400" cy="152400"/>
+                </a:xfrm>
+                <a:prstGeom prst="ellipse">
+                  <a:avLst/>
+                </a:prstGeom>
+                <a:solidFill>
+                  <a:schemeClr val="bg2"/>
+                </a:solidFill>
+              </p:spPr>
+              <p:style>
+                <a:lnRef idx="2">
+                  <a:schemeClr val="accent1">
+                    <a:shade val="50000"/>
+                  </a:schemeClr>
+                </a:lnRef>
+                <a:fillRef idx="1">
+                  <a:schemeClr val="accent1"/>
+                </a:fillRef>
+                <a:effectRef idx="0">
+                  <a:schemeClr val="accent1"/>
+                </a:effectRef>
+                <a:fontRef idx="minor">
+                  <a:schemeClr val="lt1"/>
+                </a:fontRef>
+              </p:style>
+              <p:txBody>
+                <a:bodyPr rtlCol="0" anchor="ctr"/>
+                <a:lstStyle/>
+                <a:p>
+                  <a:pPr algn="ctr"/>
+                  <a:endParaRPr lang="en-US"/>
+                </a:p>
+              </p:txBody>
+            </p:sp>
+            <p:sp>
+              <p:nvSpPr>
+                <p:cNvPr id="91" name="TextBox 90">
+                  <a:extLst>
+                    <a:ext uri="{FF2B5EF4-FFF2-40B4-BE49-F238E27FC236}">
+                      <a16:creationId xmlns:a16="http://schemas.microsoft.com/office/drawing/2014/main" id="{67F1D8FA-C1F3-CC42-A423-8A40151D421E}"/>
+                    </a:ext>
+                  </a:extLst>
+                </p:cNvPr>
+                <p:cNvSpPr txBox="1"/>
+                <p:nvPr/>
+              </p:nvSpPr>
+              <p:spPr>
+                <a:xfrm>
+                  <a:off x="7716653" y="488104"/>
+                  <a:ext cx="712054" cy="230832"/>
+                </a:xfrm>
+                <a:prstGeom prst="rect">
+                  <a:avLst/>
+                </a:prstGeom>
+                <a:noFill/>
+              </p:spPr>
+              <p:txBody>
+                <a:bodyPr wrap="none" rtlCol="0">
+                  <a:spAutoFit/>
+                </a:bodyPr>
+                <a:lstStyle/>
+                <a:p>
+                  <a:r>
+                    <a:rPr lang="en-US" sz="900"/>
+                    <a:t>Unexposed</a:t>
+                  </a:r>
+                  <a:endParaRPr lang="en-US"/>
+                </a:p>
+              </p:txBody>
+            </p:sp>
+            <p:sp>
+              <p:nvSpPr>
+                <p:cNvPr id="92" name="Cross 91">
+                  <a:extLst>
+                    <a:ext uri="{FF2B5EF4-FFF2-40B4-BE49-F238E27FC236}">
+                      <a16:creationId xmlns:a16="http://schemas.microsoft.com/office/drawing/2014/main" id="{79F48093-FC58-5946-AB9A-2B8841BFF1CF}"/>
+                    </a:ext>
+                  </a:extLst>
+                </p:cNvPr>
+                <p:cNvSpPr/>
+                <p:nvPr/>
+              </p:nvSpPr>
+              <p:spPr>
+                <a:xfrm>
+                  <a:off x="8544862" y="528651"/>
+                  <a:ext cx="152400" cy="152400"/>
+                </a:xfrm>
+                <a:prstGeom prst="plus">
+                  <a:avLst>
+                    <a:gd name="adj" fmla="val 47525"/>
+                  </a:avLst>
+                </a:prstGeom>
+              </p:spPr>
+              <p:style>
+                <a:lnRef idx="2">
+                  <a:schemeClr val="accent1">
+                    <a:shade val="50000"/>
+                  </a:schemeClr>
+                </a:lnRef>
+                <a:fillRef idx="1">
+                  <a:schemeClr val="accent1"/>
+                </a:fillRef>
+                <a:effectRef idx="0">
+                  <a:schemeClr val="accent1"/>
+                </a:effectRef>
+                <a:fontRef idx="minor">
+                  <a:schemeClr val="lt1"/>
+                </a:fontRef>
+              </p:style>
+              <p:txBody>
+                <a:bodyPr rtlCol="0" anchor="ctr"/>
+                <a:lstStyle/>
+                <a:p>
+                  <a:pPr algn="ctr"/>
+                  <a:endParaRPr lang="en-US"/>
+                </a:p>
+              </p:txBody>
+            </p:sp>
+            <p:sp>
+              <p:nvSpPr>
+                <p:cNvPr id="93" name="TextBox 92">
+                  <a:extLst>
+                    <a:ext uri="{FF2B5EF4-FFF2-40B4-BE49-F238E27FC236}">
+                      <a16:creationId xmlns:a16="http://schemas.microsoft.com/office/drawing/2014/main" id="{A2D5918E-2619-794D-802C-A0532705379E}"/>
+                    </a:ext>
+                  </a:extLst>
+                </p:cNvPr>
+                <p:cNvSpPr txBox="1"/>
+                <p:nvPr/>
+              </p:nvSpPr>
+              <p:spPr>
+                <a:xfrm>
+                  <a:off x="8719467" y="488104"/>
+                  <a:ext cx="801823" cy="230832"/>
+                </a:xfrm>
+                <a:prstGeom prst="rect">
+                  <a:avLst/>
+                </a:prstGeom>
+                <a:noFill/>
+              </p:spPr>
+              <p:txBody>
+                <a:bodyPr wrap="none" rtlCol="0">
+                  <a:spAutoFit/>
+                </a:bodyPr>
+                <a:lstStyle/>
+                <a:p>
+                  <a:r>
+                    <a:rPr lang="en-US" sz="900"/>
+                    <a:t>Has outcome</a:t>
+                  </a:r>
+                  <a:endParaRPr lang="en-US"/>
+                </a:p>
+              </p:txBody>
+            </p:sp>
+          </p:grpSp>
+        </p:grpSp>
         <p:sp>
           <p:nvSpPr>
-            <p:cNvPr id="113" name="Rectangle 112">
+            <p:cNvPr id="36" name="Rectangle 35">
               <a:extLst>
                 <a:ext uri="{FF2B5EF4-FFF2-40B4-BE49-F238E27FC236}">
-                  <a16:creationId xmlns:a16="http://schemas.microsoft.com/office/drawing/2014/main" id="{94A486BE-3F73-584C-B338-EE6EB2BA44ED}"/>
+                  <a16:creationId xmlns:a16="http://schemas.microsoft.com/office/drawing/2014/main" id="{CEEA744E-0218-3446-A0B2-78F3B636565D}"/>
                 </a:ext>
               </a:extLst>
             </p:cNvPr>
@@ -3340,15 +4298,13 @@
           </p:nvSpPr>
           <p:spPr>
             <a:xfrm>
-              <a:off x="981635" y="275665"/>
-              <a:ext cx="4995583" cy="3980329"/>
+              <a:off x="257832" y="300789"/>
+              <a:ext cx="3111010" cy="1627255"/>
             </a:xfrm>
             <a:prstGeom prst="rect">
               <a:avLst/>
             </a:prstGeom>
-            <a:solidFill>
-              <a:schemeClr val="bg1"/>
-            </a:solidFill>
+            <a:noFill/>
             <a:ln>
               <a:noFill/>
             </a:ln>
@@ -3378,12 +4334,1025 @@
             </a:p>
           </p:txBody>
         </p:sp>
+      </p:grpSp>
+      <p:grpSp>
+        <p:nvGrpSpPr>
+          <p:cNvPr id="40" name="Group 39">
+            <a:extLst>
+              <a:ext uri="{FF2B5EF4-FFF2-40B4-BE49-F238E27FC236}">
+                <a16:creationId xmlns:a16="http://schemas.microsoft.com/office/drawing/2014/main" id="{F444FC26-9F8B-DF45-A227-45A058BA4093}"/>
+              </a:ext>
+            </a:extLst>
+          </p:cNvPr>
+          <p:cNvGrpSpPr/>
+          <p:nvPr/>
+        </p:nvGrpSpPr>
+        <p:grpSpPr>
+          <a:xfrm>
+            <a:off x="185745" y="2271858"/>
+            <a:ext cx="3111010" cy="1627255"/>
+            <a:chOff x="185745" y="2271858"/>
+            <a:chExt cx="3111010" cy="1627255"/>
+          </a:xfrm>
+        </p:grpSpPr>
+        <p:grpSp>
+          <p:nvGrpSpPr>
+            <p:cNvPr id="32" name="Group 31">
+              <a:extLst>
+                <a:ext uri="{FF2B5EF4-FFF2-40B4-BE49-F238E27FC236}">
+                  <a16:creationId xmlns:a16="http://schemas.microsoft.com/office/drawing/2014/main" id="{34F4468C-1FA5-4E41-9774-EB2137F25E0E}"/>
+                </a:ext>
+              </a:extLst>
+            </p:cNvPr>
+            <p:cNvGrpSpPr/>
+            <p:nvPr/>
+          </p:nvGrpSpPr>
+          <p:grpSpPr>
+            <a:xfrm>
+              <a:off x="257832" y="2417208"/>
+              <a:ext cx="2967774" cy="1245039"/>
+              <a:chOff x="1132383" y="2732893"/>
+              <a:chExt cx="2967774" cy="1245039"/>
+            </a:xfrm>
+          </p:grpSpPr>
+          <p:sp>
+            <p:nvSpPr>
+              <p:cNvPr id="74" name="Oval 73">
+                <a:extLst>
+                  <a:ext uri="{FF2B5EF4-FFF2-40B4-BE49-F238E27FC236}">
+                    <a16:creationId xmlns:a16="http://schemas.microsoft.com/office/drawing/2014/main" id="{E1BF636E-EFE4-9F4C-9454-342718769497}"/>
+                  </a:ext>
+                </a:extLst>
+              </p:cNvPr>
+              <p:cNvSpPr/>
+              <p:nvPr/>
+            </p:nvSpPr>
+            <p:spPr>
+              <a:xfrm>
+                <a:off x="3166684" y="3509847"/>
+                <a:ext cx="152400" cy="152400"/>
+              </a:xfrm>
+              <a:prstGeom prst="ellipse">
+                <a:avLst/>
+              </a:prstGeom>
+              <a:noFill/>
+            </p:spPr>
+            <p:style>
+              <a:lnRef idx="2">
+                <a:schemeClr val="accent1">
+                  <a:shade val="50000"/>
+                </a:schemeClr>
+              </a:lnRef>
+              <a:fillRef idx="1">
+                <a:schemeClr val="accent1"/>
+              </a:fillRef>
+              <a:effectRef idx="0">
+                <a:schemeClr val="accent1"/>
+              </a:effectRef>
+              <a:fontRef idx="minor">
+                <a:schemeClr val="lt1"/>
+              </a:fontRef>
+            </p:style>
+            <p:txBody>
+              <a:bodyPr rtlCol="0" anchor="ctr"/>
+              <a:lstStyle/>
+              <a:p>
+                <a:pPr algn="ctr"/>
+                <a:endParaRPr lang="en-US"/>
+              </a:p>
+            </p:txBody>
+          </p:sp>
+          <p:sp>
+            <p:nvSpPr>
+              <p:cNvPr id="75" name="Oval 74">
+                <a:extLst>
+                  <a:ext uri="{FF2B5EF4-FFF2-40B4-BE49-F238E27FC236}">
+                    <a16:creationId xmlns:a16="http://schemas.microsoft.com/office/drawing/2014/main" id="{1208142C-606B-7F49-AA9B-5E01862F5171}"/>
+                  </a:ext>
+                </a:extLst>
+              </p:cNvPr>
+              <p:cNvSpPr/>
+              <p:nvPr/>
+            </p:nvSpPr>
+            <p:spPr>
+              <a:xfrm>
+                <a:off x="3166684" y="3825532"/>
+                <a:ext cx="152400" cy="152400"/>
+              </a:xfrm>
+              <a:prstGeom prst="ellipse">
+                <a:avLst/>
+              </a:prstGeom>
+              <a:noFill/>
+            </p:spPr>
+            <p:style>
+              <a:lnRef idx="2">
+                <a:schemeClr val="accent1">
+                  <a:shade val="50000"/>
+                </a:schemeClr>
+              </a:lnRef>
+              <a:fillRef idx="1">
+                <a:schemeClr val="accent1"/>
+              </a:fillRef>
+              <a:effectRef idx="0">
+                <a:schemeClr val="accent1"/>
+              </a:effectRef>
+              <a:fontRef idx="minor">
+                <a:schemeClr val="lt1"/>
+              </a:fontRef>
+            </p:style>
+            <p:txBody>
+              <a:bodyPr rtlCol="0" anchor="ctr"/>
+              <a:lstStyle/>
+              <a:p>
+                <a:pPr algn="ctr"/>
+                <a:endParaRPr lang="en-US"/>
+              </a:p>
+            </p:txBody>
+          </p:sp>
+          <p:sp>
+            <p:nvSpPr>
+              <p:cNvPr id="76" name="Oval 75">
+                <a:extLst>
+                  <a:ext uri="{FF2B5EF4-FFF2-40B4-BE49-F238E27FC236}">
+                    <a16:creationId xmlns:a16="http://schemas.microsoft.com/office/drawing/2014/main" id="{5CBC1B72-868F-AA45-BFD1-DDC18438A272}"/>
+                  </a:ext>
+                </a:extLst>
+              </p:cNvPr>
+              <p:cNvSpPr/>
+              <p:nvPr/>
+            </p:nvSpPr>
+            <p:spPr>
+              <a:xfrm>
+                <a:off x="3449713" y="3825532"/>
+                <a:ext cx="152400" cy="152400"/>
+              </a:xfrm>
+              <a:prstGeom prst="ellipse">
+                <a:avLst/>
+              </a:prstGeom>
+              <a:noFill/>
+            </p:spPr>
+            <p:style>
+              <a:lnRef idx="2">
+                <a:schemeClr val="accent1">
+                  <a:shade val="50000"/>
+                </a:schemeClr>
+              </a:lnRef>
+              <a:fillRef idx="1">
+                <a:schemeClr val="accent1"/>
+              </a:fillRef>
+              <a:effectRef idx="0">
+                <a:schemeClr val="accent1"/>
+              </a:effectRef>
+              <a:fontRef idx="minor">
+                <a:schemeClr val="lt1"/>
+              </a:fontRef>
+            </p:style>
+            <p:txBody>
+              <a:bodyPr rtlCol="0" anchor="ctr"/>
+              <a:lstStyle/>
+              <a:p>
+                <a:pPr algn="ctr"/>
+                <a:endParaRPr lang="en-US"/>
+              </a:p>
+            </p:txBody>
+          </p:sp>
+          <p:sp>
+            <p:nvSpPr>
+              <p:cNvPr id="77" name="Oval 76">
+                <a:extLst>
+                  <a:ext uri="{FF2B5EF4-FFF2-40B4-BE49-F238E27FC236}">
+                    <a16:creationId xmlns:a16="http://schemas.microsoft.com/office/drawing/2014/main" id="{DE3F3DCC-C6A6-5F4B-8175-7F3A80A063E7}"/>
+                  </a:ext>
+                </a:extLst>
+              </p:cNvPr>
+              <p:cNvSpPr/>
+              <p:nvPr/>
+            </p:nvSpPr>
+            <p:spPr>
+              <a:xfrm>
+                <a:off x="3449713" y="3509847"/>
+                <a:ext cx="152400" cy="152400"/>
+              </a:xfrm>
+              <a:prstGeom prst="ellipse">
+                <a:avLst/>
+              </a:prstGeom>
+              <a:noFill/>
+            </p:spPr>
+            <p:style>
+              <a:lnRef idx="2">
+                <a:schemeClr val="accent1">
+                  <a:shade val="50000"/>
+                </a:schemeClr>
+              </a:lnRef>
+              <a:fillRef idx="1">
+                <a:schemeClr val="accent1"/>
+              </a:fillRef>
+              <a:effectRef idx="0">
+                <a:schemeClr val="accent1"/>
+              </a:effectRef>
+              <a:fontRef idx="minor">
+                <a:schemeClr val="lt1"/>
+              </a:fontRef>
+            </p:style>
+            <p:txBody>
+              <a:bodyPr rtlCol="0" anchor="ctr"/>
+              <a:lstStyle/>
+              <a:p>
+                <a:pPr algn="ctr"/>
+                <a:endParaRPr lang="en-US"/>
+              </a:p>
+            </p:txBody>
+          </p:sp>
+          <p:cxnSp>
+            <p:nvCxnSpPr>
+              <p:cNvPr id="78" name="Straight Arrow Connector 77">
+                <a:extLst>
+                  <a:ext uri="{FF2B5EF4-FFF2-40B4-BE49-F238E27FC236}">
+                    <a16:creationId xmlns:a16="http://schemas.microsoft.com/office/drawing/2014/main" id="{85BD2FF6-517F-4147-B97E-E44A2EBB16DA}"/>
+                  </a:ext>
+                </a:extLst>
+              </p:cNvPr>
+              <p:cNvCxnSpPr>
+                <a:cxnSpLocks/>
+              </p:cNvCxnSpPr>
+              <p:nvPr/>
+            </p:nvCxnSpPr>
+            <p:spPr>
+              <a:xfrm flipH="1">
+                <a:off x="1814600" y="3742266"/>
+                <a:ext cx="1156239" cy="0"/>
+              </a:xfrm>
+              <a:prstGeom prst="straightConnector1">
+                <a:avLst/>
+              </a:prstGeom>
+              <a:ln>
+                <a:tailEnd type="triangle"/>
+              </a:ln>
+            </p:spPr>
+            <p:style>
+              <a:lnRef idx="1">
+                <a:schemeClr val="accent1"/>
+              </a:lnRef>
+              <a:fillRef idx="0">
+                <a:schemeClr val="accent1"/>
+              </a:fillRef>
+              <a:effectRef idx="0">
+                <a:schemeClr val="accent1"/>
+              </a:effectRef>
+              <a:fontRef idx="minor">
+                <a:schemeClr val="tx1"/>
+              </a:fontRef>
+            </p:style>
+          </p:cxnSp>
+          <p:sp>
+            <p:nvSpPr>
+              <p:cNvPr id="79" name="Oval 78">
+                <a:extLst>
+                  <a:ext uri="{FF2B5EF4-FFF2-40B4-BE49-F238E27FC236}">
+                    <a16:creationId xmlns:a16="http://schemas.microsoft.com/office/drawing/2014/main" id="{FD46CD0A-ADD8-2744-BA24-7FA2542BFE14}"/>
+                  </a:ext>
+                </a:extLst>
+              </p:cNvPr>
+              <p:cNvSpPr/>
+              <p:nvPr/>
+            </p:nvSpPr>
+            <p:spPr>
+              <a:xfrm>
+                <a:off x="1242188" y="3509847"/>
+                <a:ext cx="152400" cy="152400"/>
+              </a:xfrm>
+              <a:prstGeom prst="ellipse">
+                <a:avLst/>
+              </a:prstGeom>
+              <a:solidFill>
+                <a:schemeClr val="bg2"/>
+              </a:solidFill>
+            </p:spPr>
+            <p:style>
+              <a:lnRef idx="2">
+                <a:schemeClr val="accent1">
+                  <a:shade val="50000"/>
+                </a:schemeClr>
+              </a:lnRef>
+              <a:fillRef idx="1">
+                <a:schemeClr val="accent1"/>
+              </a:fillRef>
+              <a:effectRef idx="0">
+                <a:schemeClr val="accent1"/>
+              </a:effectRef>
+              <a:fontRef idx="minor">
+                <a:schemeClr val="lt1"/>
+              </a:fontRef>
+            </p:style>
+            <p:txBody>
+              <a:bodyPr rtlCol="0" anchor="ctr"/>
+              <a:lstStyle/>
+              <a:p>
+                <a:pPr algn="ctr"/>
+                <a:endParaRPr lang="en-US"/>
+              </a:p>
+            </p:txBody>
+          </p:sp>
+          <p:sp>
+            <p:nvSpPr>
+              <p:cNvPr id="80" name="Oval 79">
+                <a:extLst>
+                  <a:ext uri="{FF2B5EF4-FFF2-40B4-BE49-F238E27FC236}">
+                    <a16:creationId xmlns:a16="http://schemas.microsoft.com/office/drawing/2014/main" id="{335A81B9-CCB4-B74D-A481-05E18FBF7201}"/>
+                  </a:ext>
+                </a:extLst>
+              </p:cNvPr>
+              <p:cNvSpPr/>
+              <p:nvPr/>
+            </p:nvSpPr>
+            <p:spPr>
+              <a:xfrm>
+                <a:off x="1242188" y="3825532"/>
+                <a:ext cx="152400" cy="152400"/>
+              </a:xfrm>
+              <a:prstGeom prst="ellipse">
+                <a:avLst/>
+              </a:prstGeom>
+              <a:solidFill>
+                <a:schemeClr val="accent4">
+                  <a:lumMod val="60000"/>
+                  <a:lumOff val="40000"/>
+                </a:schemeClr>
+              </a:solidFill>
+            </p:spPr>
+            <p:style>
+              <a:lnRef idx="2">
+                <a:schemeClr val="accent1">
+                  <a:shade val="50000"/>
+                </a:schemeClr>
+              </a:lnRef>
+              <a:fillRef idx="1">
+                <a:schemeClr val="accent1"/>
+              </a:fillRef>
+              <a:effectRef idx="0">
+                <a:schemeClr val="accent1"/>
+              </a:effectRef>
+              <a:fontRef idx="minor">
+                <a:schemeClr val="lt1"/>
+              </a:fontRef>
+            </p:style>
+            <p:txBody>
+              <a:bodyPr rtlCol="0" anchor="ctr"/>
+              <a:lstStyle/>
+              <a:p>
+                <a:pPr algn="ctr"/>
+                <a:endParaRPr lang="en-US"/>
+              </a:p>
+            </p:txBody>
+          </p:sp>
+          <p:sp>
+            <p:nvSpPr>
+              <p:cNvPr id="81" name="Oval 80">
+                <a:extLst>
+                  <a:ext uri="{FF2B5EF4-FFF2-40B4-BE49-F238E27FC236}">
+                    <a16:creationId xmlns:a16="http://schemas.microsoft.com/office/drawing/2014/main" id="{23DBBC78-65E4-E842-A6AF-86C6DFA6E1D8}"/>
+                  </a:ext>
+                </a:extLst>
+              </p:cNvPr>
+              <p:cNvSpPr/>
+              <p:nvPr/>
+            </p:nvSpPr>
+            <p:spPr>
+              <a:xfrm>
+                <a:off x="1525217" y="3825532"/>
+                <a:ext cx="152400" cy="152400"/>
+              </a:xfrm>
+              <a:prstGeom prst="ellipse">
+                <a:avLst/>
+              </a:prstGeom>
+              <a:solidFill>
+                <a:schemeClr val="bg2"/>
+              </a:solidFill>
+            </p:spPr>
+            <p:style>
+              <a:lnRef idx="2">
+                <a:schemeClr val="accent1">
+                  <a:shade val="50000"/>
+                </a:schemeClr>
+              </a:lnRef>
+              <a:fillRef idx="1">
+                <a:schemeClr val="accent1"/>
+              </a:fillRef>
+              <a:effectRef idx="0">
+                <a:schemeClr val="accent1"/>
+              </a:effectRef>
+              <a:fontRef idx="minor">
+                <a:schemeClr val="lt1"/>
+              </a:fontRef>
+            </p:style>
+            <p:txBody>
+              <a:bodyPr rtlCol="0" anchor="ctr"/>
+              <a:lstStyle/>
+              <a:p>
+                <a:pPr algn="ctr"/>
+                <a:endParaRPr lang="en-US"/>
+              </a:p>
+            </p:txBody>
+          </p:sp>
+          <p:sp>
+            <p:nvSpPr>
+              <p:cNvPr id="82" name="Oval 81">
+                <a:extLst>
+                  <a:ext uri="{FF2B5EF4-FFF2-40B4-BE49-F238E27FC236}">
+                    <a16:creationId xmlns:a16="http://schemas.microsoft.com/office/drawing/2014/main" id="{AF15953D-0C08-9B4B-853E-E77A75A5D0FB}"/>
+                  </a:ext>
+                </a:extLst>
+              </p:cNvPr>
+              <p:cNvSpPr/>
+              <p:nvPr/>
+            </p:nvSpPr>
+            <p:spPr>
+              <a:xfrm>
+                <a:off x="1525217" y="3509847"/>
+                <a:ext cx="152400" cy="152400"/>
+              </a:xfrm>
+              <a:prstGeom prst="ellipse">
+                <a:avLst/>
+              </a:prstGeom>
+              <a:solidFill>
+                <a:schemeClr val="bg2"/>
+              </a:solidFill>
+            </p:spPr>
+            <p:style>
+              <a:lnRef idx="2">
+                <a:schemeClr val="accent1">
+                  <a:shade val="50000"/>
+                </a:schemeClr>
+              </a:lnRef>
+              <a:fillRef idx="1">
+                <a:schemeClr val="accent1"/>
+              </a:fillRef>
+              <a:effectRef idx="0">
+                <a:schemeClr val="accent1"/>
+              </a:effectRef>
+              <a:fontRef idx="minor">
+                <a:schemeClr val="lt1"/>
+              </a:fontRef>
+            </p:style>
+            <p:txBody>
+              <a:bodyPr rtlCol="0" anchor="ctr"/>
+              <a:lstStyle/>
+              <a:p>
+                <a:pPr algn="ctr"/>
+                <a:endParaRPr lang="en-US"/>
+              </a:p>
+            </p:txBody>
+          </p:sp>
+          <p:sp>
+            <p:nvSpPr>
+              <p:cNvPr id="83" name="TextBox 82">
+                <a:extLst>
+                  <a:ext uri="{FF2B5EF4-FFF2-40B4-BE49-F238E27FC236}">
+                    <a16:creationId xmlns:a16="http://schemas.microsoft.com/office/drawing/2014/main" id="{F3592A11-D0B9-6846-8429-98643FF02912}"/>
+                  </a:ext>
+                </a:extLst>
+              </p:cNvPr>
+              <p:cNvSpPr txBox="1"/>
+              <p:nvPr/>
+            </p:nvSpPr>
+            <p:spPr>
+              <a:xfrm>
+                <a:off x="1132383" y="3138600"/>
+                <a:ext cx="1217000" cy="253916"/>
+              </a:xfrm>
+              <a:prstGeom prst="rect">
+                <a:avLst/>
+              </a:prstGeom>
+              <a:noFill/>
+            </p:spPr>
+            <p:txBody>
+              <a:bodyPr wrap="none" rtlCol="0">
+                <a:spAutoFit/>
+              </a:bodyPr>
+              <a:lstStyle/>
+              <a:p>
+                <a:r>
+                  <a:rPr lang="en-US" sz="1050" u="sng"/>
+                  <a:t>Case Control Study</a:t>
+                </a:r>
+                <a:endParaRPr lang="en-US" sz="2400" u="sng"/>
+              </a:p>
+            </p:txBody>
+          </p:sp>
+          <p:sp>
+            <p:nvSpPr>
+              <p:cNvPr id="84" name="TextBox 83">
+                <a:extLst>
+                  <a:ext uri="{FF2B5EF4-FFF2-40B4-BE49-F238E27FC236}">
+                    <a16:creationId xmlns:a16="http://schemas.microsoft.com/office/drawing/2014/main" id="{2E380F89-9F5B-5C41-B1C6-D81BFF841921}"/>
+                  </a:ext>
+                </a:extLst>
+              </p:cNvPr>
+              <p:cNvSpPr txBox="1"/>
+              <p:nvPr/>
+            </p:nvSpPr>
+            <p:spPr>
+              <a:xfrm>
+                <a:off x="1870899" y="3367442"/>
+                <a:ext cx="1077686" cy="369332"/>
+              </a:xfrm>
+              <a:prstGeom prst="rect">
+                <a:avLst/>
+              </a:prstGeom>
+              <a:noFill/>
+            </p:spPr>
+            <p:txBody>
+              <a:bodyPr wrap="square" rtlCol="0">
+                <a:spAutoFit/>
+              </a:bodyPr>
+              <a:lstStyle/>
+              <a:p>
+                <a:pPr algn="ctr"/>
+                <a:r>
+                  <a:rPr lang="en-US" sz="900"/>
+                  <a:t>Retrospective Ascertainment</a:t>
+                </a:r>
+                <a:endParaRPr lang="en-US"/>
+              </a:p>
+            </p:txBody>
+          </p:sp>
+          <p:sp>
+            <p:nvSpPr>
+              <p:cNvPr id="85" name="Cross 84">
+                <a:extLst>
+                  <a:ext uri="{FF2B5EF4-FFF2-40B4-BE49-F238E27FC236}">
+                    <a16:creationId xmlns:a16="http://schemas.microsoft.com/office/drawing/2014/main" id="{0B3DB8DE-7090-3949-8FE9-143947F5C5B9}"/>
+                  </a:ext>
+                </a:extLst>
+              </p:cNvPr>
+              <p:cNvSpPr/>
+              <p:nvPr/>
+            </p:nvSpPr>
+            <p:spPr>
+              <a:xfrm>
+                <a:off x="1244751" y="3509847"/>
+                <a:ext cx="152400" cy="152400"/>
+              </a:xfrm>
+              <a:prstGeom prst="plus">
+                <a:avLst>
+                  <a:gd name="adj" fmla="val 47525"/>
+                </a:avLst>
+              </a:prstGeom>
+            </p:spPr>
+            <p:style>
+              <a:lnRef idx="2">
+                <a:schemeClr val="accent1">
+                  <a:shade val="50000"/>
+                </a:schemeClr>
+              </a:lnRef>
+              <a:fillRef idx="1">
+                <a:schemeClr val="accent1"/>
+              </a:fillRef>
+              <a:effectRef idx="0">
+                <a:schemeClr val="accent1"/>
+              </a:effectRef>
+              <a:fontRef idx="minor">
+                <a:schemeClr val="lt1"/>
+              </a:fontRef>
+            </p:style>
+            <p:txBody>
+              <a:bodyPr rtlCol="0" anchor="ctr"/>
+              <a:lstStyle/>
+              <a:p>
+                <a:pPr algn="ctr"/>
+                <a:endParaRPr lang="en-US"/>
+              </a:p>
+            </p:txBody>
+          </p:sp>
+          <p:sp>
+            <p:nvSpPr>
+              <p:cNvPr id="86" name="Cross 85">
+                <a:extLst>
+                  <a:ext uri="{FF2B5EF4-FFF2-40B4-BE49-F238E27FC236}">
+                    <a16:creationId xmlns:a16="http://schemas.microsoft.com/office/drawing/2014/main" id="{BF8E500D-CBFA-C24F-8459-EE3C9755E8A7}"/>
+                  </a:ext>
+                </a:extLst>
+              </p:cNvPr>
+              <p:cNvSpPr/>
+              <p:nvPr/>
+            </p:nvSpPr>
+            <p:spPr>
+              <a:xfrm>
+                <a:off x="1522654" y="3509847"/>
+                <a:ext cx="152400" cy="152400"/>
+              </a:xfrm>
+              <a:prstGeom prst="plus">
+                <a:avLst>
+                  <a:gd name="adj" fmla="val 47525"/>
+                </a:avLst>
+              </a:prstGeom>
+            </p:spPr>
+            <p:style>
+              <a:lnRef idx="2">
+                <a:schemeClr val="accent1">
+                  <a:shade val="50000"/>
+                </a:schemeClr>
+              </a:lnRef>
+              <a:fillRef idx="1">
+                <a:schemeClr val="accent1"/>
+              </a:fillRef>
+              <a:effectRef idx="0">
+                <a:schemeClr val="accent1"/>
+              </a:effectRef>
+              <a:fontRef idx="minor">
+                <a:schemeClr val="lt1"/>
+              </a:fontRef>
+            </p:style>
+            <p:txBody>
+              <a:bodyPr rtlCol="0" anchor="ctr"/>
+              <a:lstStyle/>
+              <a:p>
+                <a:pPr algn="ctr"/>
+                <a:endParaRPr lang="en-US"/>
+              </a:p>
+            </p:txBody>
+          </p:sp>
+          <p:sp>
+            <p:nvSpPr>
+              <p:cNvPr id="88" name="Cross 87">
+                <a:extLst>
+                  <a:ext uri="{FF2B5EF4-FFF2-40B4-BE49-F238E27FC236}">
+                    <a16:creationId xmlns:a16="http://schemas.microsoft.com/office/drawing/2014/main" id="{221EAD41-9CA4-EE40-B750-95E7C6344312}"/>
+                  </a:ext>
+                </a:extLst>
+              </p:cNvPr>
+              <p:cNvSpPr/>
+              <p:nvPr/>
+            </p:nvSpPr>
+            <p:spPr>
+              <a:xfrm>
+                <a:off x="3164121" y="3509847"/>
+                <a:ext cx="152400" cy="152400"/>
+              </a:xfrm>
+              <a:prstGeom prst="plus">
+                <a:avLst>
+                  <a:gd name="adj" fmla="val 47525"/>
+                </a:avLst>
+              </a:prstGeom>
+            </p:spPr>
+            <p:style>
+              <a:lnRef idx="2">
+                <a:schemeClr val="accent1">
+                  <a:shade val="50000"/>
+                </a:schemeClr>
+              </a:lnRef>
+              <a:fillRef idx="1">
+                <a:schemeClr val="accent1"/>
+              </a:fillRef>
+              <a:effectRef idx="0">
+                <a:schemeClr val="accent1"/>
+              </a:effectRef>
+              <a:fontRef idx="minor">
+                <a:schemeClr val="lt1"/>
+              </a:fontRef>
+            </p:style>
+            <p:txBody>
+              <a:bodyPr rtlCol="0" anchor="ctr"/>
+              <a:lstStyle/>
+              <a:p>
+                <a:pPr algn="ctr"/>
+                <a:endParaRPr lang="en-US"/>
+              </a:p>
+            </p:txBody>
+          </p:sp>
+          <p:sp>
+            <p:nvSpPr>
+              <p:cNvPr id="89" name="Cross 88">
+                <a:extLst>
+                  <a:ext uri="{FF2B5EF4-FFF2-40B4-BE49-F238E27FC236}">
+                    <a16:creationId xmlns:a16="http://schemas.microsoft.com/office/drawing/2014/main" id="{BDE05B3D-32DA-2E45-AA11-525F56CF892D}"/>
+                  </a:ext>
+                </a:extLst>
+              </p:cNvPr>
+              <p:cNvSpPr/>
+              <p:nvPr/>
+            </p:nvSpPr>
+            <p:spPr>
+              <a:xfrm>
+                <a:off x="3455472" y="3509847"/>
+                <a:ext cx="152400" cy="152400"/>
+              </a:xfrm>
+              <a:prstGeom prst="plus">
+                <a:avLst>
+                  <a:gd name="adj" fmla="val 47525"/>
+                </a:avLst>
+              </a:prstGeom>
+            </p:spPr>
+            <p:style>
+              <a:lnRef idx="2">
+                <a:schemeClr val="accent1">
+                  <a:shade val="50000"/>
+                </a:schemeClr>
+              </a:lnRef>
+              <a:fillRef idx="1">
+                <a:schemeClr val="accent1"/>
+              </a:fillRef>
+              <a:effectRef idx="0">
+                <a:schemeClr val="accent1"/>
+              </a:effectRef>
+              <a:fontRef idx="minor">
+                <a:schemeClr val="lt1"/>
+              </a:fontRef>
+            </p:style>
+            <p:txBody>
+              <a:bodyPr rtlCol="0" anchor="ctr"/>
+              <a:lstStyle/>
+              <a:p>
+                <a:pPr algn="ctr"/>
+                <a:endParaRPr lang="en-US"/>
+              </a:p>
+            </p:txBody>
+          </p:sp>
+          <p:grpSp>
+            <p:nvGrpSpPr>
+              <p:cNvPr id="94" name="Group 93">
+                <a:extLst>
+                  <a:ext uri="{FF2B5EF4-FFF2-40B4-BE49-F238E27FC236}">
+                    <a16:creationId xmlns:a16="http://schemas.microsoft.com/office/drawing/2014/main" id="{B66DA1D4-DD59-4A4F-9E1D-C957075A1D80}"/>
+                  </a:ext>
+                </a:extLst>
+              </p:cNvPr>
+              <p:cNvGrpSpPr/>
+              <p:nvPr/>
+            </p:nvGrpSpPr>
+            <p:grpSpPr>
+              <a:xfrm>
+                <a:off x="1265172" y="2732893"/>
+                <a:ext cx="2834985" cy="230832"/>
+                <a:chOff x="6686305" y="488104"/>
+                <a:chExt cx="2834985" cy="230832"/>
+              </a:xfrm>
+            </p:grpSpPr>
+            <p:sp>
+              <p:nvSpPr>
+                <p:cNvPr id="100" name="Oval 99">
+                  <a:extLst>
+                    <a:ext uri="{FF2B5EF4-FFF2-40B4-BE49-F238E27FC236}">
+                      <a16:creationId xmlns:a16="http://schemas.microsoft.com/office/drawing/2014/main" id="{1CD47AF1-BBD5-9743-9711-A16AFFC22F25}"/>
+                    </a:ext>
+                  </a:extLst>
+                </p:cNvPr>
+                <p:cNvSpPr/>
+                <p:nvPr/>
+              </p:nvSpPr>
+              <p:spPr>
+                <a:xfrm>
+                  <a:off x="6686305" y="527320"/>
+                  <a:ext cx="152400" cy="152400"/>
+                </a:xfrm>
+                <a:prstGeom prst="ellipse">
+                  <a:avLst/>
+                </a:prstGeom>
+                <a:solidFill>
+                  <a:schemeClr val="accent4">
+                    <a:lumMod val="60000"/>
+                    <a:lumOff val="40000"/>
+                  </a:schemeClr>
+                </a:solidFill>
+              </p:spPr>
+              <p:style>
+                <a:lnRef idx="2">
+                  <a:schemeClr val="accent1">
+                    <a:shade val="50000"/>
+                  </a:schemeClr>
+                </a:lnRef>
+                <a:fillRef idx="1">
+                  <a:schemeClr val="accent1"/>
+                </a:fillRef>
+                <a:effectRef idx="0">
+                  <a:schemeClr val="accent1"/>
+                </a:effectRef>
+                <a:fontRef idx="minor">
+                  <a:schemeClr val="lt1"/>
+                </a:fontRef>
+              </p:style>
+              <p:txBody>
+                <a:bodyPr rtlCol="0" anchor="ctr"/>
+                <a:lstStyle/>
+                <a:p>
+                  <a:pPr algn="ctr"/>
+                  <a:endParaRPr lang="en-US"/>
+                </a:p>
+              </p:txBody>
+            </p:sp>
+            <p:sp>
+              <p:nvSpPr>
+                <p:cNvPr id="105" name="TextBox 104">
+                  <a:extLst>
+                    <a:ext uri="{FF2B5EF4-FFF2-40B4-BE49-F238E27FC236}">
+                      <a16:creationId xmlns:a16="http://schemas.microsoft.com/office/drawing/2014/main" id="{CC0A489A-5FFD-C145-8DB7-E1054A91359A}"/>
+                    </a:ext>
+                  </a:extLst>
+                </p:cNvPr>
+                <p:cNvSpPr txBox="1"/>
+                <p:nvPr/>
+              </p:nvSpPr>
+              <p:spPr>
+                <a:xfrm>
+                  <a:off x="6870263" y="488104"/>
+                  <a:ext cx="575799" cy="230832"/>
+                </a:xfrm>
+                <a:prstGeom prst="rect">
+                  <a:avLst/>
+                </a:prstGeom>
+                <a:noFill/>
+              </p:spPr>
+              <p:txBody>
+                <a:bodyPr wrap="none" rtlCol="0">
+                  <a:spAutoFit/>
+                </a:bodyPr>
+                <a:lstStyle/>
+                <a:p>
+                  <a:r>
+                    <a:rPr lang="en-US" sz="900"/>
+                    <a:t>Exposed</a:t>
+                  </a:r>
+                  <a:endParaRPr lang="en-US"/>
+                </a:p>
+              </p:txBody>
+            </p:sp>
+            <p:sp>
+              <p:nvSpPr>
+                <p:cNvPr id="106" name="Oval 105">
+                  <a:extLst>
+                    <a:ext uri="{FF2B5EF4-FFF2-40B4-BE49-F238E27FC236}">
+                      <a16:creationId xmlns:a16="http://schemas.microsoft.com/office/drawing/2014/main" id="{E8441F28-322B-9B45-93C5-35FBE4390520}"/>
+                    </a:ext>
+                  </a:extLst>
+                </p:cNvPr>
+                <p:cNvSpPr/>
+                <p:nvPr/>
+              </p:nvSpPr>
+              <p:spPr>
+                <a:xfrm>
+                  <a:off x="7546141" y="527320"/>
+                  <a:ext cx="152400" cy="152400"/>
+                </a:xfrm>
+                <a:prstGeom prst="ellipse">
+                  <a:avLst/>
+                </a:prstGeom>
+                <a:solidFill>
+                  <a:schemeClr val="bg2"/>
+                </a:solidFill>
+              </p:spPr>
+              <p:style>
+                <a:lnRef idx="2">
+                  <a:schemeClr val="accent1">
+                    <a:shade val="50000"/>
+                  </a:schemeClr>
+                </a:lnRef>
+                <a:fillRef idx="1">
+                  <a:schemeClr val="accent1"/>
+                </a:fillRef>
+                <a:effectRef idx="0">
+                  <a:schemeClr val="accent1"/>
+                </a:effectRef>
+                <a:fontRef idx="minor">
+                  <a:schemeClr val="lt1"/>
+                </a:fontRef>
+              </p:style>
+              <p:txBody>
+                <a:bodyPr rtlCol="0" anchor="ctr"/>
+                <a:lstStyle/>
+                <a:p>
+                  <a:pPr algn="ctr"/>
+                  <a:endParaRPr lang="en-US"/>
+                </a:p>
+              </p:txBody>
+            </p:sp>
+            <p:sp>
+              <p:nvSpPr>
+                <p:cNvPr id="107" name="TextBox 106">
+                  <a:extLst>
+                    <a:ext uri="{FF2B5EF4-FFF2-40B4-BE49-F238E27FC236}">
+                      <a16:creationId xmlns:a16="http://schemas.microsoft.com/office/drawing/2014/main" id="{37512B5D-5FE0-A84A-A1D7-5D547896F555}"/>
+                    </a:ext>
+                  </a:extLst>
+                </p:cNvPr>
+                <p:cNvSpPr txBox="1"/>
+                <p:nvPr/>
+              </p:nvSpPr>
+              <p:spPr>
+                <a:xfrm>
+                  <a:off x="7716653" y="488104"/>
+                  <a:ext cx="712054" cy="230832"/>
+                </a:xfrm>
+                <a:prstGeom prst="rect">
+                  <a:avLst/>
+                </a:prstGeom>
+                <a:noFill/>
+              </p:spPr>
+              <p:txBody>
+                <a:bodyPr wrap="none" rtlCol="0">
+                  <a:spAutoFit/>
+                </a:bodyPr>
+                <a:lstStyle/>
+                <a:p>
+                  <a:r>
+                    <a:rPr lang="en-US" sz="900"/>
+                    <a:t>Unexposed</a:t>
+                  </a:r>
+                  <a:endParaRPr lang="en-US"/>
+                </a:p>
+              </p:txBody>
+            </p:sp>
+            <p:sp>
+              <p:nvSpPr>
+                <p:cNvPr id="110" name="Cross 109">
+                  <a:extLst>
+                    <a:ext uri="{FF2B5EF4-FFF2-40B4-BE49-F238E27FC236}">
+                      <a16:creationId xmlns:a16="http://schemas.microsoft.com/office/drawing/2014/main" id="{A6077D91-B46F-E34D-B0F3-2201AF9D1168}"/>
+                    </a:ext>
+                  </a:extLst>
+                </p:cNvPr>
+                <p:cNvSpPr/>
+                <p:nvPr/>
+              </p:nvSpPr>
+              <p:spPr>
+                <a:xfrm>
+                  <a:off x="8544862" y="528651"/>
+                  <a:ext cx="152400" cy="152400"/>
+                </a:xfrm>
+                <a:prstGeom prst="plus">
+                  <a:avLst>
+                    <a:gd name="adj" fmla="val 47525"/>
+                  </a:avLst>
+                </a:prstGeom>
+              </p:spPr>
+              <p:style>
+                <a:lnRef idx="2">
+                  <a:schemeClr val="accent1">
+                    <a:shade val="50000"/>
+                  </a:schemeClr>
+                </a:lnRef>
+                <a:fillRef idx="1">
+                  <a:schemeClr val="accent1"/>
+                </a:fillRef>
+                <a:effectRef idx="0">
+                  <a:schemeClr val="accent1"/>
+                </a:effectRef>
+                <a:fontRef idx="minor">
+                  <a:schemeClr val="lt1"/>
+                </a:fontRef>
+              </p:style>
+              <p:txBody>
+                <a:bodyPr rtlCol="0" anchor="ctr"/>
+                <a:lstStyle/>
+                <a:p>
+                  <a:pPr algn="ctr"/>
+                  <a:endParaRPr lang="en-US"/>
+                </a:p>
+              </p:txBody>
+            </p:sp>
+            <p:sp>
+              <p:nvSpPr>
+                <p:cNvPr id="111" name="TextBox 110">
+                  <a:extLst>
+                    <a:ext uri="{FF2B5EF4-FFF2-40B4-BE49-F238E27FC236}">
+                      <a16:creationId xmlns:a16="http://schemas.microsoft.com/office/drawing/2014/main" id="{5BD719CD-F289-214A-AF67-774968FFCB3B}"/>
+                    </a:ext>
+                  </a:extLst>
+                </p:cNvPr>
+                <p:cNvSpPr txBox="1"/>
+                <p:nvPr/>
+              </p:nvSpPr>
+              <p:spPr>
+                <a:xfrm>
+                  <a:off x="8719467" y="488104"/>
+                  <a:ext cx="801823" cy="230832"/>
+                </a:xfrm>
+                <a:prstGeom prst="rect">
+                  <a:avLst/>
+                </a:prstGeom>
+                <a:noFill/>
+              </p:spPr>
+              <p:txBody>
+                <a:bodyPr wrap="none" rtlCol="0">
+                  <a:spAutoFit/>
+                </a:bodyPr>
+                <a:lstStyle/>
+                <a:p>
+                  <a:r>
+                    <a:rPr lang="en-US" sz="900"/>
+                    <a:t>Has outcome</a:t>
+                  </a:r>
+                  <a:endParaRPr lang="en-US"/>
+                </a:p>
+              </p:txBody>
+            </p:sp>
+          </p:grpSp>
+        </p:grpSp>
         <p:sp>
           <p:nvSpPr>
-            <p:cNvPr id="4" name="Oval 3">
+            <p:cNvPr id="127" name="Rectangle 126">
               <a:extLst>
                 <a:ext uri="{FF2B5EF4-FFF2-40B4-BE49-F238E27FC236}">
-                  <a16:creationId xmlns:a16="http://schemas.microsoft.com/office/drawing/2014/main" id="{A507F312-7C5D-FF43-8FB4-553A74B7B6EE}"/>
+                  <a16:creationId xmlns:a16="http://schemas.microsoft.com/office/drawing/2014/main" id="{6EC313FF-C570-D148-9B72-505D14441135}"/>
                 </a:ext>
               </a:extLst>
             </p:cNvPr>
@@ -3392,15 +5361,16 @@
           </p:nvSpPr>
           <p:spPr>
             <a:xfrm>
-              <a:off x="1240011" y="1179499"/>
-              <a:ext cx="152400" cy="152400"/>
+              <a:off x="185745" y="2271858"/>
+              <a:ext cx="3111010" cy="1627255"/>
             </a:xfrm>
-            <a:prstGeom prst="ellipse">
+            <a:prstGeom prst="rect">
               <a:avLst/>
             </a:prstGeom>
-            <a:solidFill>
-              <a:schemeClr val="bg2"/>
-            </a:solidFill>
+            <a:noFill/>
+            <a:ln>
+              <a:noFill/>
+            </a:ln>
           </p:spPr>
           <p:style>
             <a:lnRef idx="2">
@@ -3427,12 +5397,714 @@
             </a:p>
           </p:txBody>
         </p:sp>
+      </p:grpSp>
+      <p:grpSp>
+        <p:nvGrpSpPr>
+          <p:cNvPr id="39" name="Group 38">
+            <a:extLst>
+              <a:ext uri="{FF2B5EF4-FFF2-40B4-BE49-F238E27FC236}">
+                <a16:creationId xmlns:a16="http://schemas.microsoft.com/office/drawing/2014/main" id="{55CF2CB9-5A0E-0C40-87A2-36D59E2FD052}"/>
+              </a:ext>
+            </a:extLst>
+          </p:cNvPr>
+          <p:cNvGrpSpPr/>
+          <p:nvPr/>
+        </p:nvGrpSpPr>
+        <p:grpSpPr>
+          <a:xfrm>
+            <a:off x="3309929" y="4120244"/>
+            <a:ext cx="3111010" cy="1627255"/>
+            <a:chOff x="3309929" y="4120244"/>
+            <a:chExt cx="3111010" cy="1627255"/>
+          </a:xfrm>
+        </p:grpSpPr>
+        <p:grpSp>
+          <p:nvGrpSpPr>
+            <p:cNvPr id="33" name="Group 32">
+              <a:extLst>
+                <a:ext uri="{FF2B5EF4-FFF2-40B4-BE49-F238E27FC236}">
+                  <a16:creationId xmlns:a16="http://schemas.microsoft.com/office/drawing/2014/main" id="{C47ADBBB-E2C9-BE4B-BB40-1B316D819DB2}"/>
+                </a:ext>
+              </a:extLst>
+            </p:cNvPr>
+            <p:cNvGrpSpPr/>
+            <p:nvPr/>
+          </p:nvGrpSpPr>
+          <p:grpSpPr>
+            <a:xfrm>
+              <a:off x="3457386" y="4329797"/>
+              <a:ext cx="2848740" cy="1168748"/>
+              <a:chOff x="3457386" y="4329797"/>
+              <a:chExt cx="2848740" cy="1168748"/>
+            </a:xfrm>
+          </p:grpSpPr>
+          <p:sp>
+            <p:nvSpPr>
+              <p:cNvPr id="95" name="Oval 94">
+                <a:extLst>
+                  <a:ext uri="{FF2B5EF4-FFF2-40B4-BE49-F238E27FC236}">
+                    <a16:creationId xmlns:a16="http://schemas.microsoft.com/office/drawing/2014/main" id="{47B29EC9-A4DE-8747-ABC9-B690AEFE9FD1}"/>
+                  </a:ext>
+                </a:extLst>
+              </p:cNvPr>
+              <p:cNvSpPr/>
+              <p:nvPr/>
+            </p:nvSpPr>
+            <p:spPr>
+              <a:xfrm>
+                <a:off x="3748574" y="5030460"/>
+                <a:ext cx="152400" cy="152400"/>
+              </a:xfrm>
+              <a:prstGeom prst="ellipse">
+                <a:avLst/>
+              </a:prstGeom>
+              <a:solidFill>
+                <a:schemeClr val="bg2"/>
+              </a:solidFill>
+            </p:spPr>
+            <p:style>
+              <a:lnRef idx="2">
+                <a:schemeClr val="accent1">
+                  <a:shade val="50000"/>
+                </a:schemeClr>
+              </a:lnRef>
+              <a:fillRef idx="1">
+                <a:schemeClr val="accent1"/>
+              </a:fillRef>
+              <a:effectRef idx="0">
+                <a:schemeClr val="accent1"/>
+              </a:effectRef>
+              <a:fontRef idx="minor">
+                <a:schemeClr val="lt1"/>
+              </a:fontRef>
+            </p:style>
+            <p:txBody>
+              <a:bodyPr rtlCol="0" anchor="ctr"/>
+              <a:lstStyle/>
+              <a:p>
+                <a:pPr algn="ctr"/>
+                <a:endParaRPr lang="en-US"/>
+              </a:p>
+            </p:txBody>
+          </p:sp>
+          <p:sp>
+            <p:nvSpPr>
+              <p:cNvPr id="96" name="Oval 95">
+                <a:extLst>
+                  <a:ext uri="{FF2B5EF4-FFF2-40B4-BE49-F238E27FC236}">
+                    <a16:creationId xmlns:a16="http://schemas.microsoft.com/office/drawing/2014/main" id="{7091EA7D-6A3D-FB4E-9F06-208D685A8C4A}"/>
+                  </a:ext>
+                </a:extLst>
+              </p:cNvPr>
+              <p:cNvSpPr/>
+              <p:nvPr/>
+            </p:nvSpPr>
+            <p:spPr>
+              <a:xfrm>
+                <a:off x="3748574" y="5346145"/>
+                <a:ext cx="152400" cy="152400"/>
+              </a:xfrm>
+              <a:prstGeom prst="ellipse">
+                <a:avLst/>
+              </a:prstGeom>
+              <a:solidFill>
+                <a:schemeClr val="accent4">
+                  <a:lumMod val="60000"/>
+                  <a:lumOff val="40000"/>
+                </a:schemeClr>
+              </a:solidFill>
+            </p:spPr>
+            <p:style>
+              <a:lnRef idx="2">
+                <a:schemeClr val="accent1">
+                  <a:shade val="50000"/>
+                </a:schemeClr>
+              </a:lnRef>
+              <a:fillRef idx="1">
+                <a:schemeClr val="accent1"/>
+              </a:fillRef>
+              <a:effectRef idx="0">
+                <a:schemeClr val="accent1"/>
+              </a:effectRef>
+              <a:fontRef idx="minor">
+                <a:schemeClr val="lt1"/>
+              </a:fontRef>
+            </p:style>
+            <p:txBody>
+              <a:bodyPr rtlCol="0" anchor="ctr"/>
+              <a:lstStyle/>
+              <a:p>
+                <a:pPr algn="ctr"/>
+                <a:endParaRPr lang="en-US"/>
+              </a:p>
+            </p:txBody>
+          </p:sp>
+          <p:sp>
+            <p:nvSpPr>
+              <p:cNvPr id="97" name="Oval 96">
+                <a:extLst>
+                  <a:ext uri="{FF2B5EF4-FFF2-40B4-BE49-F238E27FC236}">
+                    <a16:creationId xmlns:a16="http://schemas.microsoft.com/office/drawing/2014/main" id="{10AA4A81-2975-EE43-8327-0E654CF27F3E}"/>
+                  </a:ext>
+                </a:extLst>
+              </p:cNvPr>
+              <p:cNvSpPr/>
+              <p:nvPr/>
+            </p:nvSpPr>
+            <p:spPr>
+              <a:xfrm>
+                <a:off x="4031603" y="5346145"/>
+                <a:ext cx="152400" cy="152400"/>
+              </a:xfrm>
+              <a:prstGeom prst="ellipse">
+                <a:avLst/>
+              </a:prstGeom>
+              <a:solidFill>
+                <a:schemeClr val="bg2"/>
+              </a:solidFill>
+            </p:spPr>
+            <p:style>
+              <a:lnRef idx="2">
+                <a:schemeClr val="accent1">
+                  <a:shade val="50000"/>
+                </a:schemeClr>
+              </a:lnRef>
+              <a:fillRef idx="1">
+                <a:schemeClr val="accent1"/>
+              </a:fillRef>
+              <a:effectRef idx="0">
+                <a:schemeClr val="accent1"/>
+              </a:effectRef>
+              <a:fontRef idx="minor">
+                <a:schemeClr val="lt1"/>
+              </a:fontRef>
+            </p:style>
+            <p:txBody>
+              <a:bodyPr rtlCol="0" anchor="ctr"/>
+              <a:lstStyle/>
+              <a:p>
+                <a:pPr algn="ctr"/>
+                <a:endParaRPr lang="en-US"/>
+              </a:p>
+            </p:txBody>
+          </p:sp>
+          <p:sp>
+            <p:nvSpPr>
+              <p:cNvPr id="98" name="Oval 97">
+                <a:extLst>
+                  <a:ext uri="{FF2B5EF4-FFF2-40B4-BE49-F238E27FC236}">
+                    <a16:creationId xmlns:a16="http://schemas.microsoft.com/office/drawing/2014/main" id="{52A5BD2D-E81F-1F43-B8DB-E584486E22C5}"/>
+                  </a:ext>
+                </a:extLst>
+              </p:cNvPr>
+              <p:cNvSpPr/>
+              <p:nvPr/>
+            </p:nvSpPr>
+            <p:spPr>
+              <a:xfrm>
+                <a:off x="4031603" y="5030460"/>
+                <a:ext cx="152400" cy="152400"/>
+              </a:xfrm>
+              <a:prstGeom prst="ellipse">
+                <a:avLst/>
+              </a:prstGeom>
+              <a:solidFill>
+                <a:schemeClr val="accent4">
+                  <a:lumMod val="60000"/>
+                  <a:lumOff val="40000"/>
+                </a:schemeClr>
+              </a:solidFill>
+            </p:spPr>
+            <p:style>
+              <a:lnRef idx="2">
+                <a:schemeClr val="accent1">
+                  <a:shade val="50000"/>
+                </a:schemeClr>
+              </a:lnRef>
+              <a:fillRef idx="1">
+                <a:schemeClr val="accent1"/>
+              </a:fillRef>
+              <a:effectRef idx="0">
+                <a:schemeClr val="accent1"/>
+              </a:effectRef>
+              <a:fontRef idx="minor">
+                <a:schemeClr val="lt1"/>
+              </a:fontRef>
+            </p:style>
+            <p:txBody>
+              <a:bodyPr rtlCol="0" anchor="ctr"/>
+              <a:lstStyle/>
+              <a:p>
+                <a:pPr algn="ctr"/>
+                <a:endParaRPr lang="en-US"/>
+              </a:p>
+            </p:txBody>
+          </p:sp>
+          <p:sp>
+            <p:nvSpPr>
+              <p:cNvPr id="99" name="TextBox 98">
+                <a:extLst>
+                  <a:ext uri="{FF2B5EF4-FFF2-40B4-BE49-F238E27FC236}">
+                    <a16:creationId xmlns:a16="http://schemas.microsoft.com/office/drawing/2014/main" id="{22554ED4-13F3-9E42-A6B6-F2BE8537F5E9}"/>
+                  </a:ext>
+                </a:extLst>
+              </p:cNvPr>
+              <p:cNvSpPr txBox="1"/>
+              <p:nvPr/>
+            </p:nvSpPr>
+            <p:spPr>
+              <a:xfrm>
+                <a:off x="3457386" y="4676814"/>
+                <a:ext cx="1019831" cy="253916"/>
+              </a:xfrm>
+              <a:prstGeom prst="rect">
+                <a:avLst/>
+              </a:prstGeom>
+              <a:noFill/>
+            </p:spPr>
+            <p:txBody>
+              <a:bodyPr wrap="none" rtlCol="0">
+                <a:spAutoFit/>
+              </a:bodyPr>
+              <a:lstStyle/>
+              <a:p>
+                <a:r>
+                  <a:rPr lang="en-US" sz="1050" u="sng"/>
+                  <a:t>Cross-Sectional</a:t>
+                </a:r>
+                <a:endParaRPr lang="en-US" sz="2400" u="sng"/>
+              </a:p>
+            </p:txBody>
+          </p:sp>
+          <p:sp>
+            <p:nvSpPr>
+              <p:cNvPr id="101" name="Cross 100">
+                <a:extLst>
+                  <a:ext uri="{FF2B5EF4-FFF2-40B4-BE49-F238E27FC236}">
+                    <a16:creationId xmlns:a16="http://schemas.microsoft.com/office/drawing/2014/main" id="{C81C60B8-8630-8049-B3A0-B13D23895185}"/>
+                  </a:ext>
+                </a:extLst>
+              </p:cNvPr>
+              <p:cNvSpPr/>
+              <p:nvPr/>
+            </p:nvSpPr>
+            <p:spPr>
+              <a:xfrm>
+                <a:off x="3751137" y="5030460"/>
+                <a:ext cx="152400" cy="152400"/>
+              </a:xfrm>
+              <a:prstGeom prst="plus">
+                <a:avLst>
+                  <a:gd name="adj" fmla="val 47525"/>
+                </a:avLst>
+              </a:prstGeom>
+            </p:spPr>
+            <p:style>
+              <a:lnRef idx="2">
+                <a:schemeClr val="accent1">
+                  <a:shade val="50000"/>
+                </a:schemeClr>
+              </a:lnRef>
+              <a:fillRef idx="1">
+                <a:schemeClr val="accent1"/>
+              </a:fillRef>
+              <a:effectRef idx="0">
+                <a:schemeClr val="accent1"/>
+              </a:effectRef>
+              <a:fontRef idx="minor">
+                <a:schemeClr val="lt1"/>
+              </a:fontRef>
+            </p:style>
+            <p:txBody>
+              <a:bodyPr rtlCol="0" anchor="ctr"/>
+              <a:lstStyle/>
+              <a:p>
+                <a:pPr algn="ctr"/>
+                <a:endParaRPr lang="en-US"/>
+              </a:p>
+            </p:txBody>
+          </p:sp>
+          <p:sp>
+            <p:nvSpPr>
+              <p:cNvPr id="102" name="Cross 101">
+                <a:extLst>
+                  <a:ext uri="{FF2B5EF4-FFF2-40B4-BE49-F238E27FC236}">
+                    <a16:creationId xmlns:a16="http://schemas.microsoft.com/office/drawing/2014/main" id="{26D8D1E9-AEAA-5843-974A-0F5605F30FEB}"/>
+                  </a:ext>
+                </a:extLst>
+              </p:cNvPr>
+              <p:cNvSpPr/>
+              <p:nvPr/>
+            </p:nvSpPr>
+            <p:spPr>
+              <a:xfrm>
+                <a:off x="4029040" y="5030460"/>
+                <a:ext cx="152400" cy="152400"/>
+              </a:xfrm>
+              <a:prstGeom prst="plus">
+                <a:avLst>
+                  <a:gd name="adj" fmla="val 47525"/>
+                </a:avLst>
+              </a:prstGeom>
+            </p:spPr>
+            <p:style>
+              <a:lnRef idx="2">
+                <a:schemeClr val="accent1">
+                  <a:shade val="50000"/>
+                </a:schemeClr>
+              </a:lnRef>
+              <a:fillRef idx="1">
+                <a:schemeClr val="accent1"/>
+              </a:fillRef>
+              <a:effectRef idx="0">
+                <a:schemeClr val="accent1"/>
+              </a:effectRef>
+              <a:fontRef idx="minor">
+                <a:schemeClr val="lt1"/>
+              </a:fontRef>
+            </p:style>
+            <p:txBody>
+              <a:bodyPr rtlCol="0" anchor="ctr"/>
+              <a:lstStyle/>
+              <a:p>
+                <a:pPr algn="ctr"/>
+                <a:endParaRPr lang="en-US"/>
+              </a:p>
+            </p:txBody>
+          </p:sp>
+          <p:sp>
+            <p:nvSpPr>
+              <p:cNvPr id="103" name="Cross 102">
+                <a:extLst>
+                  <a:ext uri="{FF2B5EF4-FFF2-40B4-BE49-F238E27FC236}">
+                    <a16:creationId xmlns:a16="http://schemas.microsoft.com/office/drawing/2014/main" id="{DE7C1389-DFA4-BA4C-82F2-36D84A5D3457}"/>
+                  </a:ext>
+                </a:extLst>
+              </p:cNvPr>
+              <p:cNvSpPr/>
+              <p:nvPr/>
+            </p:nvSpPr>
+            <p:spPr>
+              <a:xfrm>
+                <a:off x="4029040" y="5346145"/>
+                <a:ext cx="152400" cy="152400"/>
+              </a:xfrm>
+              <a:prstGeom prst="plus">
+                <a:avLst>
+                  <a:gd name="adj" fmla="val 47525"/>
+                </a:avLst>
+              </a:prstGeom>
+            </p:spPr>
+            <p:style>
+              <a:lnRef idx="2">
+                <a:schemeClr val="accent1">
+                  <a:shade val="50000"/>
+                </a:schemeClr>
+              </a:lnRef>
+              <a:fillRef idx="1">
+                <a:schemeClr val="accent1"/>
+              </a:fillRef>
+              <a:effectRef idx="0">
+                <a:schemeClr val="accent1"/>
+              </a:effectRef>
+              <a:fontRef idx="minor">
+                <a:schemeClr val="lt1"/>
+              </a:fontRef>
+            </p:style>
+            <p:txBody>
+              <a:bodyPr rtlCol="0" anchor="ctr"/>
+              <a:lstStyle/>
+              <a:p>
+                <a:pPr algn="ctr"/>
+                <a:endParaRPr lang="en-US"/>
+              </a:p>
+            </p:txBody>
+          </p:sp>
+          <p:grpSp>
+            <p:nvGrpSpPr>
+              <p:cNvPr id="112" name="Group 111">
+                <a:extLst>
+                  <a:ext uri="{FF2B5EF4-FFF2-40B4-BE49-F238E27FC236}">
+                    <a16:creationId xmlns:a16="http://schemas.microsoft.com/office/drawing/2014/main" id="{4091B299-FAA1-DD47-917D-EC5625470F48}"/>
+                  </a:ext>
+                </a:extLst>
+              </p:cNvPr>
+              <p:cNvGrpSpPr/>
+              <p:nvPr/>
+            </p:nvGrpSpPr>
+            <p:grpSpPr>
+              <a:xfrm>
+                <a:off x="3471141" y="4329797"/>
+                <a:ext cx="2834985" cy="230832"/>
+                <a:chOff x="6686305" y="488104"/>
+                <a:chExt cx="2834985" cy="230832"/>
+              </a:xfrm>
+            </p:grpSpPr>
+            <p:sp>
+              <p:nvSpPr>
+                <p:cNvPr id="114" name="Oval 113">
+                  <a:extLst>
+                    <a:ext uri="{FF2B5EF4-FFF2-40B4-BE49-F238E27FC236}">
+                      <a16:creationId xmlns:a16="http://schemas.microsoft.com/office/drawing/2014/main" id="{9D7EFD76-9AF7-5C42-8273-9AB6A82CE63C}"/>
+                    </a:ext>
+                  </a:extLst>
+                </p:cNvPr>
+                <p:cNvSpPr/>
+                <p:nvPr/>
+              </p:nvSpPr>
+              <p:spPr>
+                <a:xfrm>
+                  <a:off x="6686305" y="527320"/>
+                  <a:ext cx="152400" cy="152400"/>
+                </a:xfrm>
+                <a:prstGeom prst="ellipse">
+                  <a:avLst/>
+                </a:prstGeom>
+                <a:solidFill>
+                  <a:schemeClr val="accent4">
+                    <a:lumMod val="60000"/>
+                    <a:lumOff val="40000"/>
+                  </a:schemeClr>
+                </a:solidFill>
+              </p:spPr>
+              <p:style>
+                <a:lnRef idx="2">
+                  <a:schemeClr val="accent1">
+                    <a:shade val="50000"/>
+                  </a:schemeClr>
+                </a:lnRef>
+                <a:fillRef idx="1">
+                  <a:schemeClr val="accent1"/>
+                </a:fillRef>
+                <a:effectRef idx="0">
+                  <a:schemeClr val="accent1"/>
+                </a:effectRef>
+                <a:fontRef idx="minor">
+                  <a:schemeClr val="lt1"/>
+                </a:fontRef>
+              </p:style>
+              <p:txBody>
+                <a:bodyPr rtlCol="0" anchor="ctr"/>
+                <a:lstStyle/>
+                <a:p>
+                  <a:pPr algn="ctr"/>
+                  <a:endParaRPr lang="en-US"/>
+                </a:p>
+              </p:txBody>
+            </p:sp>
+            <p:sp>
+              <p:nvSpPr>
+                <p:cNvPr id="115" name="TextBox 114">
+                  <a:extLst>
+                    <a:ext uri="{FF2B5EF4-FFF2-40B4-BE49-F238E27FC236}">
+                      <a16:creationId xmlns:a16="http://schemas.microsoft.com/office/drawing/2014/main" id="{F26FC15D-8692-F64E-BD18-DD5C666993CA}"/>
+                    </a:ext>
+                  </a:extLst>
+                </p:cNvPr>
+                <p:cNvSpPr txBox="1"/>
+                <p:nvPr/>
+              </p:nvSpPr>
+              <p:spPr>
+                <a:xfrm>
+                  <a:off x="6870263" y="488104"/>
+                  <a:ext cx="575799" cy="230832"/>
+                </a:xfrm>
+                <a:prstGeom prst="rect">
+                  <a:avLst/>
+                </a:prstGeom>
+                <a:noFill/>
+              </p:spPr>
+              <p:txBody>
+                <a:bodyPr wrap="none" rtlCol="0">
+                  <a:spAutoFit/>
+                </a:bodyPr>
+                <a:lstStyle/>
+                <a:p>
+                  <a:r>
+                    <a:rPr lang="en-US" sz="900"/>
+                    <a:t>Exposed</a:t>
+                  </a:r>
+                  <a:endParaRPr lang="en-US"/>
+                </a:p>
+              </p:txBody>
+            </p:sp>
+            <p:sp>
+              <p:nvSpPr>
+                <p:cNvPr id="116" name="Oval 115">
+                  <a:extLst>
+                    <a:ext uri="{FF2B5EF4-FFF2-40B4-BE49-F238E27FC236}">
+                      <a16:creationId xmlns:a16="http://schemas.microsoft.com/office/drawing/2014/main" id="{2D56C2F9-6BD5-FE43-AD3E-FDBB4EB15E82}"/>
+                    </a:ext>
+                  </a:extLst>
+                </p:cNvPr>
+                <p:cNvSpPr/>
+                <p:nvPr/>
+              </p:nvSpPr>
+              <p:spPr>
+                <a:xfrm>
+                  <a:off x="7546141" y="527320"/>
+                  <a:ext cx="152400" cy="152400"/>
+                </a:xfrm>
+                <a:prstGeom prst="ellipse">
+                  <a:avLst/>
+                </a:prstGeom>
+                <a:solidFill>
+                  <a:schemeClr val="bg2"/>
+                </a:solidFill>
+              </p:spPr>
+              <p:style>
+                <a:lnRef idx="2">
+                  <a:schemeClr val="accent1">
+                    <a:shade val="50000"/>
+                  </a:schemeClr>
+                </a:lnRef>
+                <a:fillRef idx="1">
+                  <a:schemeClr val="accent1"/>
+                </a:fillRef>
+                <a:effectRef idx="0">
+                  <a:schemeClr val="accent1"/>
+                </a:effectRef>
+                <a:fontRef idx="minor">
+                  <a:schemeClr val="lt1"/>
+                </a:fontRef>
+              </p:style>
+              <p:txBody>
+                <a:bodyPr rtlCol="0" anchor="ctr"/>
+                <a:lstStyle/>
+                <a:p>
+                  <a:pPr algn="ctr"/>
+                  <a:endParaRPr lang="en-US"/>
+                </a:p>
+              </p:txBody>
+            </p:sp>
+            <p:sp>
+              <p:nvSpPr>
+                <p:cNvPr id="117" name="TextBox 116">
+                  <a:extLst>
+                    <a:ext uri="{FF2B5EF4-FFF2-40B4-BE49-F238E27FC236}">
+                      <a16:creationId xmlns:a16="http://schemas.microsoft.com/office/drawing/2014/main" id="{93CB66E9-CFBE-E447-8305-BF2A3AA76514}"/>
+                    </a:ext>
+                  </a:extLst>
+                </p:cNvPr>
+                <p:cNvSpPr txBox="1"/>
+                <p:nvPr/>
+              </p:nvSpPr>
+              <p:spPr>
+                <a:xfrm>
+                  <a:off x="7716653" y="488104"/>
+                  <a:ext cx="712054" cy="230832"/>
+                </a:xfrm>
+                <a:prstGeom prst="rect">
+                  <a:avLst/>
+                </a:prstGeom>
+                <a:noFill/>
+              </p:spPr>
+              <p:txBody>
+                <a:bodyPr wrap="none" rtlCol="0">
+                  <a:spAutoFit/>
+                </a:bodyPr>
+                <a:lstStyle/>
+                <a:p>
+                  <a:r>
+                    <a:rPr lang="en-US" sz="900"/>
+                    <a:t>Unexposed</a:t>
+                  </a:r>
+                  <a:endParaRPr lang="en-US"/>
+                </a:p>
+              </p:txBody>
+            </p:sp>
+            <p:sp>
+              <p:nvSpPr>
+                <p:cNvPr id="118" name="Cross 117">
+                  <a:extLst>
+                    <a:ext uri="{FF2B5EF4-FFF2-40B4-BE49-F238E27FC236}">
+                      <a16:creationId xmlns:a16="http://schemas.microsoft.com/office/drawing/2014/main" id="{1E226F54-289D-B842-A5B7-391B102DFF8A}"/>
+                    </a:ext>
+                  </a:extLst>
+                </p:cNvPr>
+                <p:cNvSpPr/>
+                <p:nvPr/>
+              </p:nvSpPr>
+              <p:spPr>
+                <a:xfrm>
+                  <a:off x="8544862" y="528651"/>
+                  <a:ext cx="152400" cy="152400"/>
+                </a:xfrm>
+                <a:prstGeom prst="plus">
+                  <a:avLst>
+                    <a:gd name="adj" fmla="val 47525"/>
+                  </a:avLst>
+                </a:prstGeom>
+              </p:spPr>
+              <p:style>
+                <a:lnRef idx="2">
+                  <a:schemeClr val="accent1">
+                    <a:shade val="50000"/>
+                  </a:schemeClr>
+                </a:lnRef>
+                <a:fillRef idx="1">
+                  <a:schemeClr val="accent1"/>
+                </a:fillRef>
+                <a:effectRef idx="0">
+                  <a:schemeClr val="accent1"/>
+                </a:effectRef>
+                <a:fontRef idx="minor">
+                  <a:schemeClr val="lt1"/>
+                </a:fontRef>
+              </p:style>
+              <p:txBody>
+                <a:bodyPr rtlCol="0" anchor="ctr"/>
+                <a:lstStyle/>
+                <a:p>
+                  <a:pPr algn="ctr"/>
+                  <a:endParaRPr lang="en-US"/>
+                </a:p>
+              </p:txBody>
+            </p:sp>
+            <p:sp>
+              <p:nvSpPr>
+                <p:cNvPr id="119" name="TextBox 118">
+                  <a:extLst>
+                    <a:ext uri="{FF2B5EF4-FFF2-40B4-BE49-F238E27FC236}">
+                      <a16:creationId xmlns:a16="http://schemas.microsoft.com/office/drawing/2014/main" id="{285B123D-F21A-D341-90D5-80B6F7C91847}"/>
+                    </a:ext>
+                  </a:extLst>
+                </p:cNvPr>
+                <p:cNvSpPr txBox="1"/>
+                <p:nvPr/>
+              </p:nvSpPr>
+              <p:spPr>
+                <a:xfrm>
+                  <a:off x="8719467" y="488104"/>
+                  <a:ext cx="801823" cy="230832"/>
+                </a:xfrm>
+                <a:prstGeom prst="rect">
+                  <a:avLst/>
+                </a:prstGeom>
+                <a:noFill/>
+              </p:spPr>
+              <p:txBody>
+                <a:bodyPr wrap="none" rtlCol="0">
+                  <a:spAutoFit/>
+                </a:bodyPr>
+                <a:lstStyle/>
+                <a:p>
+                  <a:r>
+                    <a:rPr lang="en-US" sz="900"/>
+                    <a:t>Has outcome</a:t>
+                  </a:r>
+                  <a:endParaRPr lang="en-US"/>
+                </a:p>
+              </p:txBody>
+            </p:sp>
+          </p:grpSp>
+        </p:grpSp>
         <p:sp>
           <p:nvSpPr>
-            <p:cNvPr id="5" name="Oval 4">
+            <p:cNvPr id="128" name="Rectangle 127">
               <a:extLst>
                 <a:ext uri="{FF2B5EF4-FFF2-40B4-BE49-F238E27FC236}">
-                  <a16:creationId xmlns:a16="http://schemas.microsoft.com/office/drawing/2014/main" id="{1A447667-6DD0-1F47-9A18-C1DA3AFD3A23}"/>
+                  <a16:creationId xmlns:a16="http://schemas.microsoft.com/office/drawing/2014/main" id="{1C45896F-11F6-C14B-83FD-F3F8D530B71D}"/>
                 </a:ext>
               </a:extLst>
             </p:cNvPr>
@@ -3441,15 +6113,16 @@
           </p:nvSpPr>
           <p:spPr>
             <a:xfrm>
-              <a:off x="1240011" y="1495184"/>
-              <a:ext cx="152400" cy="152400"/>
+              <a:off x="3309929" y="4120244"/>
+              <a:ext cx="3111010" cy="1627255"/>
             </a:xfrm>
-            <a:prstGeom prst="ellipse">
+            <a:prstGeom prst="rect">
               <a:avLst/>
             </a:prstGeom>
-            <a:solidFill>
-              <a:schemeClr val="bg2"/>
-            </a:solidFill>
+            <a:noFill/>
+            <a:ln>
+              <a:noFill/>
+            </a:ln>
           </p:spPr>
           <p:style>
             <a:lnRef idx="2">
@@ -3476,12 +6149,1241 @@
             </a:p>
           </p:txBody>
         </p:sp>
+      </p:grpSp>
+      <p:grpSp>
+        <p:nvGrpSpPr>
+          <p:cNvPr id="38" name="Group 37">
+            <a:extLst>
+              <a:ext uri="{FF2B5EF4-FFF2-40B4-BE49-F238E27FC236}">
+                <a16:creationId xmlns:a16="http://schemas.microsoft.com/office/drawing/2014/main" id="{5AB1A0E0-681B-1949-8414-36BC294289D2}"/>
+              </a:ext>
+            </a:extLst>
+          </p:cNvPr>
+          <p:cNvGrpSpPr/>
+          <p:nvPr/>
+        </p:nvGrpSpPr>
+        <p:grpSpPr>
+          <a:xfrm>
+            <a:off x="6957573" y="1368332"/>
+            <a:ext cx="4546061" cy="1627255"/>
+            <a:chOff x="6957573" y="1368332"/>
+            <a:chExt cx="4546061" cy="1627255"/>
+          </a:xfrm>
+        </p:grpSpPr>
+        <p:grpSp>
+          <p:nvGrpSpPr>
+            <p:cNvPr id="3" name="Group 2">
+              <a:extLst>
+                <a:ext uri="{FF2B5EF4-FFF2-40B4-BE49-F238E27FC236}">
+                  <a16:creationId xmlns:a16="http://schemas.microsoft.com/office/drawing/2014/main" id="{AD4EC2AB-8E29-CD45-8CEE-6663CE398DAA}"/>
+                </a:ext>
+              </a:extLst>
+            </p:cNvPr>
+            <p:cNvGrpSpPr/>
+            <p:nvPr/>
+          </p:nvGrpSpPr>
+          <p:grpSpPr>
+            <a:xfrm>
+              <a:off x="7033961" y="1531696"/>
+              <a:ext cx="4320400" cy="1235680"/>
+              <a:chOff x="1132383" y="411904"/>
+              <a:chExt cx="4320400" cy="1235680"/>
+            </a:xfrm>
+          </p:grpSpPr>
+          <p:sp>
+            <p:nvSpPr>
+              <p:cNvPr id="4" name="Oval 3">
+                <a:extLst>
+                  <a:ext uri="{FF2B5EF4-FFF2-40B4-BE49-F238E27FC236}">
+                    <a16:creationId xmlns:a16="http://schemas.microsoft.com/office/drawing/2014/main" id="{A507F312-7C5D-FF43-8FB4-553A74B7B6EE}"/>
+                  </a:ext>
+                </a:extLst>
+              </p:cNvPr>
+              <p:cNvSpPr/>
+              <p:nvPr/>
+            </p:nvSpPr>
+            <p:spPr>
+              <a:xfrm>
+                <a:off x="1240011" y="1179499"/>
+                <a:ext cx="152400" cy="152400"/>
+              </a:xfrm>
+              <a:prstGeom prst="ellipse">
+                <a:avLst/>
+              </a:prstGeom>
+              <a:solidFill>
+                <a:schemeClr val="bg2"/>
+              </a:solidFill>
+            </p:spPr>
+            <p:style>
+              <a:lnRef idx="2">
+                <a:schemeClr val="accent1">
+                  <a:shade val="50000"/>
+                </a:schemeClr>
+              </a:lnRef>
+              <a:fillRef idx="1">
+                <a:schemeClr val="accent1"/>
+              </a:fillRef>
+              <a:effectRef idx="0">
+                <a:schemeClr val="accent1"/>
+              </a:effectRef>
+              <a:fontRef idx="minor">
+                <a:schemeClr val="lt1"/>
+              </a:fontRef>
+            </p:style>
+            <p:txBody>
+              <a:bodyPr rtlCol="0" anchor="ctr"/>
+              <a:lstStyle/>
+              <a:p>
+                <a:pPr algn="ctr"/>
+                <a:endParaRPr lang="en-US"/>
+              </a:p>
+            </p:txBody>
+          </p:sp>
+          <p:sp>
+            <p:nvSpPr>
+              <p:cNvPr id="5" name="Oval 4">
+                <a:extLst>
+                  <a:ext uri="{FF2B5EF4-FFF2-40B4-BE49-F238E27FC236}">
+                    <a16:creationId xmlns:a16="http://schemas.microsoft.com/office/drawing/2014/main" id="{1A447667-6DD0-1F47-9A18-C1DA3AFD3A23}"/>
+                  </a:ext>
+                </a:extLst>
+              </p:cNvPr>
+              <p:cNvSpPr/>
+              <p:nvPr/>
+            </p:nvSpPr>
+            <p:spPr>
+              <a:xfrm>
+                <a:off x="1240011" y="1495184"/>
+                <a:ext cx="152400" cy="152400"/>
+              </a:xfrm>
+              <a:prstGeom prst="ellipse">
+                <a:avLst/>
+              </a:prstGeom>
+              <a:solidFill>
+                <a:schemeClr val="bg2"/>
+              </a:solidFill>
+            </p:spPr>
+            <p:style>
+              <a:lnRef idx="2">
+                <a:schemeClr val="accent1">
+                  <a:shade val="50000"/>
+                </a:schemeClr>
+              </a:lnRef>
+              <a:fillRef idx="1">
+                <a:schemeClr val="accent1"/>
+              </a:fillRef>
+              <a:effectRef idx="0">
+                <a:schemeClr val="accent1"/>
+              </a:effectRef>
+              <a:fontRef idx="minor">
+                <a:schemeClr val="lt1"/>
+              </a:fontRef>
+            </p:style>
+            <p:txBody>
+              <a:bodyPr rtlCol="0" anchor="ctr"/>
+              <a:lstStyle/>
+              <a:p>
+                <a:pPr algn="ctr"/>
+                <a:endParaRPr lang="en-US"/>
+              </a:p>
+            </p:txBody>
+          </p:sp>
+          <p:sp>
+            <p:nvSpPr>
+              <p:cNvPr id="6" name="Oval 5">
+                <a:extLst>
+                  <a:ext uri="{FF2B5EF4-FFF2-40B4-BE49-F238E27FC236}">
+                    <a16:creationId xmlns:a16="http://schemas.microsoft.com/office/drawing/2014/main" id="{18266FF2-CAFC-D34D-AB8A-6048561D4112}"/>
+                  </a:ext>
+                </a:extLst>
+              </p:cNvPr>
+              <p:cNvSpPr/>
+              <p:nvPr/>
+            </p:nvSpPr>
+            <p:spPr>
+              <a:xfrm>
+                <a:off x="1523040" y="1495184"/>
+                <a:ext cx="152400" cy="152400"/>
+              </a:xfrm>
+              <a:prstGeom prst="ellipse">
+                <a:avLst/>
+              </a:prstGeom>
+              <a:solidFill>
+                <a:schemeClr val="bg2"/>
+              </a:solidFill>
+            </p:spPr>
+            <p:style>
+              <a:lnRef idx="2">
+                <a:schemeClr val="accent1">
+                  <a:shade val="50000"/>
+                </a:schemeClr>
+              </a:lnRef>
+              <a:fillRef idx="1">
+                <a:schemeClr val="accent1"/>
+              </a:fillRef>
+              <a:effectRef idx="0">
+                <a:schemeClr val="accent1"/>
+              </a:effectRef>
+              <a:fontRef idx="minor">
+                <a:schemeClr val="lt1"/>
+              </a:fontRef>
+            </p:style>
+            <p:txBody>
+              <a:bodyPr rtlCol="0" anchor="ctr"/>
+              <a:lstStyle/>
+              <a:p>
+                <a:pPr algn="ctr"/>
+                <a:endParaRPr lang="en-US"/>
+              </a:p>
+            </p:txBody>
+          </p:sp>
+          <p:sp>
+            <p:nvSpPr>
+              <p:cNvPr id="7" name="Oval 6">
+                <a:extLst>
+                  <a:ext uri="{FF2B5EF4-FFF2-40B4-BE49-F238E27FC236}">
+                    <a16:creationId xmlns:a16="http://schemas.microsoft.com/office/drawing/2014/main" id="{D20210D9-8D75-8243-95CE-077EA4969848}"/>
+                  </a:ext>
+                </a:extLst>
+              </p:cNvPr>
+              <p:cNvSpPr/>
+              <p:nvPr/>
+            </p:nvSpPr>
+            <p:spPr>
+              <a:xfrm>
+                <a:off x="1523040" y="1179499"/>
+                <a:ext cx="152400" cy="152400"/>
+              </a:xfrm>
+              <a:prstGeom prst="ellipse">
+                <a:avLst/>
+              </a:prstGeom>
+              <a:solidFill>
+                <a:schemeClr val="bg2"/>
+              </a:solidFill>
+            </p:spPr>
+            <p:style>
+              <a:lnRef idx="2">
+                <a:schemeClr val="accent1">
+                  <a:shade val="50000"/>
+                </a:schemeClr>
+              </a:lnRef>
+              <a:fillRef idx="1">
+                <a:schemeClr val="accent1"/>
+              </a:fillRef>
+              <a:effectRef idx="0">
+                <a:schemeClr val="accent1"/>
+              </a:effectRef>
+              <a:fontRef idx="minor">
+                <a:schemeClr val="lt1"/>
+              </a:fontRef>
+            </p:style>
+            <p:txBody>
+              <a:bodyPr rtlCol="0" anchor="ctr"/>
+              <a:lstStyle/>
+              <a:p>
+                <a:pPr algn="ctr"/>
+                <a:endParaRPr lang="en-US"/>
+              </a:p>
+            </p:txBody>
+          </p:sp>
+          <p:cxnSp>
+            <p:nvCxnSpPr>
+              <p:cNvPr id="9" name="Straight Arrow Connector 8">
+                <a:extLst>
+                  <a:ext uri="{FF2B5EF4-FFF2-40B4-BE49-F238E27FC236}">
+                    <a16:creationId xmlns:a16="http://schemas.microsoft.com/office/drawing/2014/main" id="{D551F709-E43E-554A-A1A7-B63827674B46}"/>
+                  </a:ext>
+                </a:extLst>
+              </p:cNvPr>
+              <p:cNvCxnSpPr/>
+              <p:nvPr/>
+            </p:nvCxnSpPr>
+            <p:spPr>
+              <a:xfrm>
+                <a:off x="1893153" y="1408099"/>
+                <a:ext cx="1077686" cy="0"/>
+              </a:xfrm>
+              <a:prstGeom prst="straightConnector1">
+                <a:avLst/>
+              </a:prstGeom>
+              <a:ln>
+                <a:tailEnd type="triangle"/>
+              </a:ln>
+            </p:spPr>
+            <p:style>
+              <a:lnRef idx="1">
+                <a:schemeClr val="accent1"/>
+              </a:lnRef>
+              <a:fillRef idx="0">
+                <a:schemeClr val="accent1"/>
+              </a:fillRef>
+              <a:effectRef idx="0">
+                <a:schemeClr val="accent1"/>
+              </a:effectRef>
+              <a:fontRef idx="minor">
+                <a:schemeClr val="tx1"/>
+              </a:fontRef>
+            </p:style>
+          </p:cxnSp>
+          <p:sp>
+            <p:nvSpPr>
+              <p:cNvPr id="10" name="Oval 9">
+                <a:extLst>
+                  <a:ext uri="{FF2B5EF4-FFF2-40B4-BE49-F238E27FC236}">
+                    <a16:creationId xmlns:a16="http://schemas.microsoft.com/office/drawing/2014/main" id="{BD6803F7-B5AD-1C4D-A6DF-9D7425383582}"/>
+                  </a:ext>
+                </a:extLst>
+              </p:cNvPr>
+              <p:cNvSpPr/>
+              <p:nvPr/>
+            </p:nvSpPr>
+            <p:spPr>
+              <a:xfrm>
+                <a:off x="3166782" y="1179499"/>
+                <a:ext cx="152400" cy="152400"/>
+              </a:xfrm>
+              <a:prstGeom prst="ellipse">
+                <a:avLst/>
+              </a:prstGeom>
+              <a:solidFill>
+                <a:schemeClr val="bg2"/>
+              </a:solidFill>
+            </p:spPr>
+            <p:style>
+              <a:lnRef idx="2">
+                <a:schemeClr val="accent1">
+                  <a:shade val="50000"/>
+                </a:schemeClr>
+              </a:lnRef>
+              <a:fillRef idx="1">
+                <a:schemeClr val="accent1"/>
+              </a:fillRef>
+              <a:effectRef idx="0">
+                <a:schemeClr val="accent1"/>
+              </a:effectRef>
+              <a:fontRef idx="minor">
+                <a:schemeClr val="lt1"/>
+              </a:fontRef>
+            </p:style>
+            <p:txBody>
+              <a:bodyPr rtlCol="0" anchor="ctr"/>
+              <a:lstStyle/>
+              <a:p>
+                <a:pPr algn="ctr"/>
+                <a:endParaRPr lang="en-US"/>
+              </a:p>
+            </p:txBody>
+          </p:sp>
+          <p:sp>
+            <p:nvSpPr>
+              <p:cNvPr id="11" name="Oval 10">
+                <a:extLst>
+                  <a:ext uri="{FF2B5EF4-FFF2-40B4-BE49-F238E27FC236}">
+                    <a16:creationId xmlns:a16="http://schemas.microsoft.com/office/drawing/2014/main" id="{89D55C9D-B773-8747-A61C-C5436B233426}"/>
+                  </a:ext>
+                </a:extLst>
+              </p:cNvPr>
+              <p:cNvSpPr/>
+              <p:nvPr/>
+            </p:nvSpPr>
+            <p:spPr>
+              <a:xfrm>
+                <a:off x="3166782" y="1495184"/>
+                <a:ext cx="152400" cy="152400"/>
+              </a:xfrm>
+              <a:prstGeom prst="ellipse">
+                <a:avLst/>
+              </a:prstGeom>
+              <a:solidFill>
+                <a:schemeClr val="accent4">
+                  <a:lumMod val="60000"/>
+                  <a:lumOff val="40000"/>
+                </a:schemeClr>
+              </a:solidFill>
+            </p:spPr>
+            <p:style>
+              <a:lnRef idx="2">
+                <a:schemeClr val="accent1">
+                  <a:shade val="50000"/>
+                </a:schemeClr>
+              </a:lnRef>
+              <a:fillRef idx="1">
+                <a:schemeClr val="accent1"/>
+              </a:fillRef>
+              <a:effectRef idx="0">
+                <a:schemeClr val="accent1"/>
+              </a:effectRef>
+              <a:fontRef idx="minor">
+                <a:schemeClr val="lt1"/>
+              </a:fontRef>
+            </p:style>
+            <p:txBody>
+              <a:bodyPr rtlCol="0" anchor="ctr"/>
+              <a:lstStyle/>
+              <a:p>
+                <a:pPr algn="ctr"/>
+                <a:endParaRPr lang="en-US"/>
+              </a:p>
+            </p:txBody>
+          </p:sp>
+          <p:sp>
+            <p:nvSpPr>
+              <p:cNvPr id="12" name="Oval 11">
+                <a:extLst>
+                  <a:ext uri="{FF2B5EF4-FFF2-40B4-BE49-F238E27FC236}">
+                    <a16:creationId xmlns:a16="http://schemas.microsoft.com/office/drawing/2014/main" id="{438461E2-E36C-8148-9A6A-5C267DE9CB57}"/>
+                  </a:ext>
+                </a:extLst>
+              </p:cNvPr>
+              <p:cNvSpPr/>
+              <p:nvPr/>
+            </p:nvSpPr>
+            <p:spPr>
+              <a:xfrm>
+                <a:off x="3449811" y="1495184"/>
+                <a:ext cx="152400" cy="152400"/>
+              </a:xfrm>
+              <a:prstGeom prst="ellipse">
+                <a:avLst/>
+              </a:prstGeom>
+              <a:solidFill>
+                <a:schemeClr val="bg2"/>
+              </a:solidFill>
+            </p:spPr>
+            <p:style>
+              <a:lnRef idx="2">
+                <a:schemeClr val="accent1">
+                  <a:shade val="50000"/>
+                </a:schemeClr>
+              </a:lnRef>
+              <a:fillRef idx="1">
+                <a:schemeClr val="accent1"/>
+              </a:fillRef>
+              <a:effectRef idx="0">
+                <a:schemeClr val="accent1"/>
+              </a:effectRef>
+              <a:fontRef idx="minor">
+                <a:schemeClr val="lt1"/>
+              </a:fontRef>
+            </p:style>
+            <p:txBody>
+              <a:bodyPr rtlCol="0" anchor="ctr"/>
+              <a:lstStyle/>
+              <a:p>
+                <a:pPr algn="ctr"/>
+                <a:endParaRPr lang="en-US"/>
+              </a:p>
+            </p:txBody>
+          </p:sp>
+          <p:sp>
+            <p:nvSpPr>
+              <p:cNvPr id="13" name="Oval 12">
+                <a:extLst>
+                  <a:ext uri="{FF2B5EF4-FFF2-40B4-BE49-F238E27FC236}">
+                    <a16:creationId xmlns:a16="http://schemas.microsoft.com/office/drawing/2014/main" id="{5CB394F8-6936-8D40-AAD6-4A3477C8C8AE}"/>
+                  </a:ext>
+                </a:extLst>
+              </p:cNvPr>
+              <p:cNvSpPr/>
+              <p:nvPr/>
+            </p:nvSpPr>
+            <p:spPr>
+              <a:xfrm>
+                <a:off x="3449811" y="1179499"/>
+                <a:ext cx="152400" cy="152400"/>
+              </a:xfrm>
+              <a:prstGeom prst="ellipse">
+                <a:avLst/>
+              </a:prstGeom>
+              <a:solidFill>
+                <a:schemeClr val="accent4">
+                  <a:lumMod val="60000"/>
+                  <a:lumOff val="40000"/>
+                </a:schemeClr>
+              </a:solidFill>
+            </p:spPr>
+            <p:style>
+              <a:lnRef idx="2">
+                <a:schemeClr val="accent1">
+                  <a:shade val="50000"/>
+                </a:schemeClr>
+              </a:lnRef>
+              <a:fillRef idx="1">
+                <a:schemeClr val="accent1"/>
+              </a:fillRef>
+              <a:effectRef idx="0">
+                <a:schemeClr val="accent1"/>
+              </a:effectRef>
+              <a:fontRef idx="minor">
+                <a:schemeClr val="lt1"/>
+              </a:fontRef>
+            </p:style>
+            <p:txBody>
+              <a:bodyPr rtlCol="0" anchor="ctr"/>
+              <a:lstStyle/>
+              <a:p>
+                <a:pPr algn="ctr"/>
+                <a:endParaRPr lang="en-US"/>
+              </a:p>
+            </p:txBody>
+          </p:sp>
+          <p:cxnSp>
+            <p:nvCxnSpPr>
+              <p:cNvPr id="15" name="Straight Arrow Connector 14">
+                <a:extLst>
+                  <a:ext uri="{FF2B5EF4-FFF2-40B4-BE49-F238E27FC236}">
+                    <a16:creationId xmlns:a16="http://schemas.microsoft.com/office/drawing/2014/main" id="{B6469FA1-1144-5741-A375-04D0E4EE953A}"/>
+                  </a:ext>
+                </a:extLst>
+              </p:cNvPr>
+              <p:cNvCxnSpPr/>
+              <p:nvPr/>
+            </p:nvCxnSpPr>
+            <p:spPr>
+              <a:xfrm>
+                <a:off x="3776381" y="1408099"/>
+                <a:ext cx="1077686" cy="0"/>
+              </a:xfrm>
+              <a:prstGeom prst="straightConnector1">
+                <a:avLst/>
+              </a:prstGeom>
+              <a:ln>
+                <a:tailEnd type="triangle"/>
+              </a:ln>
+            </p:spPr>
+            <p:style>
+              <a:lnRef idx="1">
+                <a:schemeClr val="accent1"/>
+              </a:lnRef>
+              <a:fillRef idx="0">
+                <a:schemeClr val="accent1"/>
+              </a:fillRef>
+              <a:effectRef idx="0">
+                <a:schemeClr val="accent1"/>
+              </a:effectRef>
+              <a:fontRef idx="minor">
+                <a:schemeClr val="tx1"/>
+              </a:fontRef>
+            </p:style>
+          </p:cxnSp>
+          <p:sp>
+            <p:nvSpPr>
+              <p:cNvPr id="16" name="Oval 15">
+                <a:extLst>
+                  <a:ext uri="{FF2B5EF4-FFF2-40B4-BE49-F238E27FC236}">
+                    <a16:creationId xmlns:a16="http://schemas.microsoft.com/office/drawing/2014/main" id="{EBEE3D20-1F56-B144-A1FA-44C4FAA2B69F}"/>
+                  </a:ext>
+                </a:extLst>
+              </p:cNvPr>
+              <p:cNvSpPr/>
+              <p:nvPr/>
+            </p:nvSpPr>
+            <p:spPr>
+              <a:xfrm>
+                <a:off x="5017354" y="1179499"/>
+                <a:ext cx="152400" cy="152400"/>
+              </a:xfrm>
+              <a:prstGeom prst="ellipse">
+                <a:avLst/>
+              </a:prstGeom>
+              <a:solidFill>
+                <a:schemeClr val="bg2"/>
+              </a:solidFill>
+            </p:spPr>
+            <p:style>
+              <a:lnRef idx="2">
+                <a:schemeClr val="accent1">
+                  <a:shade val="50000"/>
+                </a:schemeClr>
+              </a:lnRef>
+              <a:fillRef idx="1">
+                <a:schemeClr val="accent1"/>
+              </a:fillRef>
+              <a:effectRef idx="0">
+                <a:schemeClr val="accent1"/>
+              </a:effectRef>
+              <a:fontRef idx="minor">
+                <a:schemeClr val="lt1"/>
+              </a:fontRef>
+            </p:style>
+            <p:txBody>
+              <a:bodyPr rtlCol="0" anchor="ctr"/>
+              <a:lstStyle/>
+              <a:p>
+                <a:pPr algn="ctr"/>
+                <a:endParaRPr lang="en-US"/>
+              </a:p>
+            </p:txBody>
+          </p:sp>
+          <p:sp>
+            <p:nvSpPr>
+              <p:cNvPr id="17" name="Oval 16">
+                <a:extLst>
+                  <a:ext uri="{FF2B5EF4-FFF2-40B4-BE49-F238E27FC236}">
+                    <a16:creationId xmlns:a16="http://schemas.microsoft.com/office/drawing/2014/main" id="{94208D67-C76F-2046-82A8-EF584E60F918}"/>
+                  </a:ext>
+                </a:extLst>
+              </p:cNvPr>
+              <p:cNvSpPr/>
+              <p:nvPr/>
+            </p:nvSpPr>
+            <p:spPr>
+              <a:xfrm>
+                <a:off x="5017354" y="1495184"/>
+                <a:ext cx="152400" cy="152400"/>
+              </a:xfrm>
+              <a:prstGeom prst="ellipse">
+                <a:avLst/>
+              </a:prstGeom>
+              <a:solidFill>
+                <a:schemeClr val="accent4">
+                  <a:lumMod val="60000"/>
+                  <a:lumOff val="40000"/>
+                </a:schemeClr>
+              </a:solidFill>
+            </p:spPr>
+            <p:style>
+              <a:lnRef idx="2">
+                <a:schemeClr val="accent1">
+                  <a:shade val="50000"/>
+                </a:schemeClr>
+              </a:lnRef>
+              <a:fillRef idx="1">
+                <a:schemeClr val="accent1"/>
+              </a:fillRef>
+              <a:effectRef idx="0">
+                <a:schemeClr val="accent1"/>
+              </a:effectRef>
+              <a:fontRef idx="minor">
+                <a:schemeClr val="lt1"/>
+              </a:fontRef>
+            </p:style>
+            <p:txBody>
+              <a:bodyPr rtlCol="0" anchor="ctr"/>
+              <a:lstStyle/>
+              <a:p>
+                <a:pPr algn="ctr"/>
+                <a:endParaRPr lang="en-US"/>
+              </a:p>
+            </p:txBody>
+          </p:sp>
+          <p:sp>
+            <p:nvSpPr>
+              <p:cNvPr id="18" name="Oval 17">
+                <a:extLst>
+                  <a:ext uri="{FF2B5EF4-FFF2-40B4-BE49-F238E27FC236}">
+                    <a16:creationId xmlns:a16="http://schemas.microsoft.com/office/drawing/2014/main" id="{949B93DA-1ADC-AE42-8D62-81E2A93FAE0F}"/>
+                  </a:ext>
+                </a:extLst>
+              </p:cNvPr>
+              <p:cNvSpPr/>
+              <p:nvPr/>
+            </p:nvSpPr>
+            <p:spPr>
+              <a:xfrm>
+                <a:off x="5300383" y="1495184"/>
+                <a:ext cx="152400" cy="152400"/>
+              </a:xfrm>
+              <a:prstGeom prst="ellipse">
+                <a:avLst/>
+              </a:prstGeom>
+              <a:solidFill>
+                <a:schemeClr val="bg2"/>
+              </a:solidFill>
+            </p:spPr>
+            <p:style>
+              <a:lnRef idx="2">
+                <a:schemeClr val="accent1">
+                  <a:shade val="50000"/>
+                </a:schemeClr>
+              </a:lnRef>
+              <a:fillRef idx="1">
+                <a:schemeClr val="accent1"/>
+              </a:fillRef>
+              <a:effectRef idx="0">
+                <a:schemeClr val="accent1"/>
+              </a:effectRef>
+              <a:fontRef idx="minor">
+                <a:schemeClr val="lt1"/>
+              </a:fontRef>
+            </p:style>
+            <p:txBody>
+              <a:bodyPr rtlCol="0" anchor="ctr"/>
+              <a:lstStyle/>
+              <a:p>
+                <a:pPr algn="ctr"/>
+                <a:endParaRPr lang="en-US"/>
+              </a:p>
+            </p:txBody>
+          </p:sp>
+          <p:sp>
+            <p:nvSpPr>
+              <p:cNvPr id="19" name="Oval 18">
+                <a:extLst>
+                  <a:ext uri="{FF2B5EF4-FFF2-40B4-BE49-F238E27FC236}">
+                    <a16:creationId xmlns:a16="http://schemas.microsoft.com/office/drawing/2014/main" id="{106A1721-AF57-1A4A-8F5E-EC6F805B42BA}"/>
+                  </a:ext>
+                </a:extLst>
+              </p:cNvPr>
+              <p:cNvSpPr/>
+              <p:nvPr/>
+            </p:nvSpPr>
+            <p:spPr>
+              <a:xfrm>
+                <a:off x="5300383" y="1179499"/>
+                <a:ext cx="152400" cy="152400"/>
+              </a:xfrm>
+              <a:prstGeom prst="ellipse">
+                <a:avLst/>
+              </a:prstGeom>
+              <a:solidFill>
+                <a:schemeClr val="accent4">
+                  <a:lumMod val="60000"/>
+                  <a:lumOff val="40000"/>
+                </a:schemeClr>
+              </a:solidFill>
+            </p:spPr>
+            <p:style>
+              <a:lnRef idx="2">
+                <a:schemeClr val="accent1">
+                  <a:shade val="50000"/>
+                </a:schemeClr>
+              </a:lnRef>
+              <a:fillRef idx="1">
+                <a:schemeClr val="accent1"/>
+              </a:fillRef>
+              <a:effectRef idx="0">
+                <a:schemeClr val="accent1"/>
+              </a:effectRef>
+              <a:fontRef idx="minor">
+                <a:schemeClr val="lt1"/>
+              </a:fontRef>
+            </p:style>
+            <p:txBody>
+              <a:bodyPr rtlCol="0" anchor="ctr"/>
+              <a:lstStyle/>
+              <a:p>
+                <a:pPr algn="ctr"/>
+                <a:endParaRPr lang="en-US"/>
+              </a:p>
+            </p:txBody>
+          </p:sp>
+          <p:sp>
+            <p:nvSpPr>
+              <p:cNvPr id="20" name="Cross 19">
+                <a:extLst>
+                  <a:ext uri="{FF2B5EF4-FFF2-40B4-BE49-F238E27FC236}">
+                    <a16:creationId xmlns:a16="http://schemas.microsoft.com/office/drawing/2014/main" id="{C0361E73-0497-B046-A0AA-453E7933CF67}"/>
+                  </a:ext>
+                </a:extLst>
+              </p:cNvPr>
+              <p:cNvSpPr/>
+              <p:nvPr/>
+            </p:nvSpPr>
+            <p:spPr>
+              <a:xfrm>
+                <a:off x="5017354" y="1179500"/>
+                <a:ext cx="152400" cy="152400"/>
+              </a:xfrm>
+              <a:prstGeom prst="plus">
+                <a:avLst>
+                  <a:gd name="adj" fmla="val 47525"/>
+                </a:avLst>
+              </a:prstGeom>
+            </p:spPr>
+            <p:style>
+              <a:lnRef idx="2">
+                <a:schemeClr val="accent1">
+                  <a:shade val="50000"/>
+                </a:schemeClr>
+              </a:lnRef>
+              <a:fillRef idx="1">
+                <a:schemeClr val="accent1"/>
+              </a:fillRef>
+              <a:effectRef idx="0">
+                <a:schemeClr val="accent1"/>
+              </a:effectRef>
+              <a:fontRef idx="minor">
+                <a:schemeClr val="lt1"/>
+              </a:fontRef>
+            </p:style>
+            <p:txBody>
+              <a:bodyPr rtlCol="0" anchor="ctr"/>
+              <a:lstStyle/>
+              <a:p>
+                <a:pPr algn="ctr"/>
+                <a:endParaRPr lang="en-US"/>
+              </a:p>
+            </p:txBody>
+          </p:sp>
+          <p:sp>
+            <p:nvSpPr>
+              <p:cNvPr id="21" name="Cross 20">
+                <a:extLst>
+                  <a:ext uri="{FF2B5EF4-FFF2-40B4-BE49-F238E27FC236}">
+                    <a16:creationId xmlns:a16="http://schemas.microsoft.com/office/drawing/2014/main" id="{9360E978-6B35-6749-8DCA-4071967DAAA9}"/>
+                  </a:ext>
+                </a:extLst>
+              </p:cNvPr>
+              <p:cNvSpPr/>
+              <p:nvPr/>
+            </p:nvSpPr>
+            <p:spPr>
+              <a:xfrm>
+                <a:off x="5300383" y="1495184"/>
+                <a:ext cx="152400" cy="152400"/>
+              </a:xfrm>
+              <a:prstGeom prst="plus">
+                <a:avLst>
+                  <a:gd name="adj" fmla="val 47525"/>
+                </a:avLst>
+              </a:prstGeom>
+            </p:spPr>
+            <p:style>
+              <a:lnRef idx="2">
+                <a:schemeClr val="accent1">
+                  <a:shade val="50000"/>
+                </a:schemeClr>
+              </a:lnRef>
+              <a:fillRef idx="1">
+                <a:schemeClr val="accent1"/>
+              </a:fillRef>
+              <a:effectRef idx="0">
+                <a:schemeClr val="accent1"/>
+              </a:effectRef>
+              <a:fontRef idx="minor">
+                <a:schemeClr val="lt1"/>
+              </a:fontRef>
+            </p:style>
+            <p:txBody>
+              <a:bodyPr rtlCol="0" anchor="ctr"/>
+              <a:lstStyle/>
+              <a:p>
+                <a:pPr algn="ctr"/>
+                <a:endParaRPr lang="en-US"/>
+              </a:p>
+            </p:txBody>
+          </p:sp>
+          <p:sp>
+            <p:nvSpPr>
+              <p:cNvPr id="22" name="Cross 21">
+                <a:extLst>
+                  <a:ext uri="{FF2B5EF4-FFF2-40B4-BE49-F238E27FC236}">
+                    <a16:creationId xmlns:a16="http://schemas.microsoft.com/office/drawing/2014/main" id="{E760CB9A-D2B3-E34C-A606-AA33511CF070}"/>
+                  </a:ext>
+                </a:extLst>
+              </p:cNvPr>
+              <p:cNvSpPr/>
+              <p:nvPr/>
+            </p:nvSpPr>
+            <p:spPr>
+              <a:xfrm>
+                <a:off x="5300383" y="1179499"/>
+                <a:ext cx="152400" cy="152400"/>
+              </a:xfrm>
+              <a:prstGeom prst="plus">
+                <a:avLst>
+                  <a:gd name="adj" fmla="val 47525"/>
+                </a:avLst>
+              </a:prstGeom>
+            </p:spPr>
+            <p:style>
+              <a:lnRef idx="2">
+                <a:schemeClr val="accent1">
+                  <a:shade val="50000"/>
+                </a:schemeClr>
+              </a:lnRef>
+              <a:fillRef idx="1">
+                <a:schemeClr val="accent1"/>
+              </a:fillRef>
+              <a:effectRef idx="0">
+                <a:schemeClr val="accent1"/>
+              </a:effectRef>
+              <a:fontRef idx="minor">
+                <a:schemeClr val="lt1"/>
+              </a:fontRef>
+            </p:style>
+            <p:txBody>
+              <a:bodyPr rtlCol="0" anchor="ctr"/>
+              <a:lstStyle/>
+              <a:p>
+                <a:pPr algn="ctr"/>
+                <a:endParaRPr lang="en-US"/>
+              </a:p>
+            </p:txBody>
+          </p:sp>
+          <p:sp>
+            <p:nvSpPr>
+              <p:cNvPr id="23" name="Oval 22">
+                <a:extLst>
+                  <a:ext uri="{FF2B5EF4-FFF2-40B4-BE49-F238E27FC236}">
+                    <a16:creationId xmlns:a16="http://schemas.microsoft.com/office/drawing/2014/main" id="{3C77F0FB-9321-6E4E-9B74-E88C7A8633DE}"/>
+                  </a:ext>
+                </a:extLst>
+              </p:cNvPr>
+              <p:cNvSpPr/>
+              <p:nvPr/>
+            </p:nvSpPr>
+            <p:spPr>
+              <a:xfrm>
+                <a:off x="1240011" y="451120"/>
+                <a:ext cx="152400" cy="152400"/>
+              </a:xfrm>
+              <a:prstGeom prst="ellipse">
+                <a:avLst/>
+              </a:prstGeom>
+              <a:solidFill>
+                <a:schemeClr val="accent4">
+                  <a:lumMod val="60000"/>
+                  <a:lumOff val="40000"/>
+                </a:schemeClr>
+              </a:solidFill>
+            </p:spPr>
+            <p:style>
+              <a:lnRef idx="2">
+                <a:schemeClr val="accent1">
+                  <a:shade val="50000"/>
+                </a:schemeClr>
+              </a:lnRef>
+              <a:fillRef idx="1">
+                <a:schemeClr val="accent1"/>
+              </a:fillRef>
+              <a:effectRef idx="0">
+                <a:schemeClr val="accent1"/>
+              </a:effectRef>
+              <a:fontRef idx="minor">
+                <a:schemeClr val="lt1"/>
+              </a:fontRef>
+            </p:style>
+            <p:txBody>
+              <a:bodyPr rtlCol="0" anchor="ctr"/>
+              <a:lstStyle/>
+              <a:p>
+                <a:pPr algn="ctr"/>
+                <a:endParaRPr lang="en-US"/>
+              </a:p>
+            </p:txBody>
+          </p:sp>
+          <p:sp>
+            <p:nvSpPr>
+              <p:cNvPr id="24" name="TextBox 23">
+                <a:extLst>
+                  <a:ext uri="{FF2B5EF4-FFF2-40B4-BE49-F238E27FC236}">
+                    <a16:creationId xmlns:a16="http://schemas.microsoft.com/office/drawing/2014/main" id="{4E6F9927-DAA2-CB41-8280-F7F8D5117988}"/>
+                  </a:ext>
+                </a:extLst>
+              </p:cNvPr>
+              <p:cNvSpPr txBox="1"/>
+              <p:nvPr/>
+            </p:nvSpPr>
+            <p:spPr>
+              <a:xfrm>
+                <a:off x="1423969" y="411904"/>
+                <a:ext cx="575799" cy="230832"/>
+              </a:xfrm>
+              <a:prstGeom prst="rect">
+                <a:avLst/>
+              </a:prstGeom>
+              <a:noFill/>
+            </p:spPr>
+            <p:txBody>
+              <a:bodyPr wrap="none" rtlCol="0">
+                <a:spAutoFit/>
+              </a:bodyPr>
+              <a:lstStyle/>
+              <a:p>
+                <a:r>
+                  <a:rPr lang="en-US" sz="900"/>
+                  <a:t>Exposed</a:t>
+                </a:r>
+                <a:endParaRPr lang="en-US"/>
+              </a:p>
+            </p:txBody>
+          </p:sp>
+          <p:sp>
+            <p:nvSpPr>
+              <p:cNvPr id="25" name="Oval 24">
+                <a:extLst>
+                  <a:ext uri="{FF2B5EF4-FFF2-40B4-BE49-F238E27FC236}">
+                    <a16:creationId xmlns:a16="http://schemas.microsoft.com/office/drawing/2014/main" id="{6A1ACA8B-EC0F-444D-9B62-5D7568653BBA}"/>
+                  </a:ext>
+                </a:extLst>
+              </p:cNvPr>
+              <p:cNvSpPr/>
+              <p:nvPr/>
+            </p:nvSpPr>
+            <p:spPr>
+              <a:xfrm>
+                <a:off x="2099847" y="451120"/>
+                <a:ext cx="152400" cy="152400"/>
+              </a:xfrm>
+              <a:prstGeom prst="ellipse">
+                <a:avLst/>
+              </a:prstGeom>
+              <a:solidFill>
+                <a:schemeClr val="bg2"/>
+              </a:solidFill>
+            </p:spPr>
+            <p:style>
+              <a:lnRef idx="2">
+                <a:schemeClr val="accent1">
+                  <a:shade val="50000"/>
+                </a:schemeClr>
+              </a:lnRef>
+              <a:fillRef idx="1">
+                <a:schemeClr val="accent1"/>
+              </a:fillRef>
+              <a:effectRef idx="0">
+                <a:schemeClr val="accent1"/>
+              </a:effectRef>
+              <a:fontRef idx="minor">
+                <a:schemeClr val="lt1"/>
+              </a:fontRef>
+            </p:style>
+            <p:txBody>
+              <a:bodyPr rtlCol="0" anchor="ctr"/>
+              <a:lstStyle/>
+              <a:p>
+                <a:pPr algn="ctr"/>
+                <a:endParaRPr lang="en-US"/>
+              </a:p>
+            </p:txBody>
+          </p:sp>
+          <p:sp>
+            <p:nvSpPr>
+              <p:cNvPr id="26" name="TextBox 25">
+                <a:extLst>
+                  <a:ext uri="{FF2B5EF4-FFF2-40B4-BE49-F238E27FC236}">
+                    <a16:creationId xmlns:a16="http://schemas.microsoft.com/office/drawing/2014/main" id="{D8D4550F-1F86-5A48-A55B-7E94089F2610}"/>
+                  </a:ext>
+                </a:extLst>
+              </p:cNvPr>
+              <p:cNvSpPr txBox="1"/>
+              <p:nvPr/>
+            </p:nvSpPr>
+            <p:spPr>
+              <a:xfrm>
+                <a:off x="2270359" y="411904"/>
+                <a:ext cx="712054" cy="230832"/>
+              </a:xfrm>
+              <a:prstGeom prst="rect">
+                <a:avLst/>
+              </a:prstGeom>
+              <a:noFill/>
+            </p:spPr>
+            <p:txBody>
+              <a:bodyPr wrap="none" rtlCol="0">
+                <a:spAutoFit/>
+              </a:bodyPr>
+              <a:lstStyle/>
+              <a:p>
+                <a:r>
+                  <a:rPr lang="en-US" sz="900"/>
+                  <a:t>Unexposed</a:t>
+                </a:r>
+                <a:endParaRPr lang="en-US"/>
+              </a:p>
+            </p:txBody>
+          </p:sp>
+          <p:sp>
+            <p:nvSpPr>
+              <p:cNvPr id="27" name="Cross 26">
+                <a:extLst>
+                  <a:ext uri="{FF2B5EF4-FFF2-40B4-BE49-F238E27FC236}">
+                    <a16:creationId xmlns:a16="http://schemas.microsoft.com/office/drawing/2014/main" id="{2AED7705-7DC7-0247-89B8-CF249FA665DE}"/>
+                  </a:ext>
+                </a:extLst>
+              </p:cNvPr>
+              <p:cNvSpPr/>
+              <p:nvPr/>
+            </p:nvSpPr>
+            <p:spPr>
+              <a:xfrm>
+                <a:off x="3098568" y="452451"/>
+                <a:ext cx="152400" cy="152400"/>
+              </a:xfrm>
+              <a:prstGeom prst="plus">
+                <a:avLst>
+                  <a:gd name="adj" fmla="val 47525"/>
+                </a:avLst>
+              </a:prstGeom>
+            </p:spPr>
+            <p:style>
+              <a:lnRef idx="2">
+                <a:schemeClr val="accent1">
+                  <a:shade val="50000"/>
+                </a:schemeClr>
+              </a:lnRef>
+              <a:fillRef idx="1">
+                <a:schemeClr val="accent1"/>
+              </a:fillRef>
+              <a:effectRef idx="0">
+                <a:schemeClr val="accent1"/>
+              </a:effectRef>
+              <a:fontRef idx="minor">
+                <a:schemeClr val="lt1"/>
+              </a:fontRef>
+            </p:style>
+            <p:txBody>
+              <a:bodyPr rtlCol="0" anchor="ctr"/>
+              <a:lstStyle/>
+              <a:p>
+                <a:pPr algn="ctr"/>
+                <a:endParaRPr lang="en-US"/>
+              </a:p>
+            </p:txBody>
+          </p:sp>
+          <p:sp>
+            <p:nvSpPr>
+              <p:cNvPr id="28" name="TextBox 27">
+                <a:extLst>
+                  <a:ext uri="{FF2B5EF4-FFF2-40B4-BE49-F238E27FC236}">
+                    <a16:creationId xmlns:a16="http://schemas.microsoft.com/office/drawing/2014/main" id="{F2B5A246-A3B8-354A-AEB3-A08AD55F4E53}"/>
+                  </a:ext>
+                </a:extLst>
+              </p:cNvPr>
+              <p:cNvSpPr txBox="1"/>
+              <p:nvPr/>
+            </p:nvSpPr>
+            <p:spPr>
+              <a:xfrm>
+                <a:off x="3273173" y="411904"/>
+                <a:ext cx="801823" cy="230832"/>
+              </a:xfrm>
+              <a:prstGeom prst="rect">
+                <a:avLst/>
+              </a:prstGeom>
+              <a:noFill/>
+            </p:spPr>
+            <p:txBody>
+              <a:bodyPr wrap="none" rtlCol="0">
+                <a:spAutoFit/>
+              </a:bodyPr>
+              <a:lstStyle/>
+              <a:p>
+                <a:r>
+                  <a:rPr lang="en-US" sz="900"/>
+                  <a:t>Has outcome</a:t>
+                </a:r>
+                <a:endParaRPr lang="en-US"/>
+              </a:p>
+            </p:txBody>
+          </p:sp>
+          <p:sp>
+            <p:nvSpPr>
+              <p:cNvPr id="29" name="TextBox 28">
+                <a:extLst>
+                  <a:ext uri="{FF2B5EF4-FFF2-40B4-BE49-F238E27FC236}">
+                    <a16:creationId xmlns:a16="http://schemas.microsoft.com/office/drawing/2014/main" id="{54674508-3399-B64B-9C17-C980C07CE9A2}"/>
+                  </a:ext>
+                </a:extLst>
+              </p:cNvPr>
+              <p:cNvSpPr txBox="1"/>
+              <p:nvPr/>
+            </p:nvSpPr>
+            <p:spPr>
+              <a:xfrm>
+                <a:off x="1132383" y="808252"/>
+                <a:ext cx="1734770" cy="253916"/>
+              </a:xfrm>
+              <a:prstGeom prst="rect">
+                <a:avLst/>
+              </a:prstGeom>
+              <a:noFill/>
+            </p:spPr>
+            <p:txBody>
+              <a:bodyPr wrap="none" rtlCol="0">
+                <a:spAutoFit/>
+              </a:bodyPr>
+              <a:lstStyle/>
+              <a:p>
+                <a:r>
+                  <a:rPr lang="en-US" sz="1050" u="sng"/>
+                  <a:t>Randomized Controlled Trial</a:t>
+                </a:r>
+                <a:endParaRPr lang="en-US" sz="2400" u="sng"/>
+              </a:p>
+            </p:txBody>
+          </p:sp>
+          <p:sp>
+            <p:nvSpPr>
+              <p:cNvPr id="30" name="TextBox 29">
+                <a:extLst>
+                  <a:ext uri="{FF2B5EF4-FFF2-40B4-BE49-F238E27FC236}">
+                    <a16:creationId xmlns:a16="http://schemas.microsoft.com/office/drawing/2014/main" id="{C95FC9E7-5EE1-0F4B-87EE-FA2064C5BB34}"/>
+                  </a:ext>
+                </a:extLst>
+              </p:cNvPr>
+              <p:cNvSpPr txBox="1"/>
+              <p:nvPr/>
+            </p:nvSpPr>
+            <p:spPr>
+              <a:xfrm>
+                <a:off x="2029389" y="1163260"/>
+                <a:ext cx="707245" cy="230832"/>
+              </a:xfrm>
+              <a:prstGeom prst="rect">
+                <a:avLst/>
+              </a:prstGeom>
+              <a:noFill/>
+            </p:spPr>
+            <p:txBody>
+              <a:bodyPr wrap="none" rtlCol="0">
+                <a:spAutoFit/>
+              </a:bodyPr>
+              <a:lstStyle/>
+              <a:p>
+                <a:r>
+                  <a:rPr lang="en-US" sz="900"/>
+                  <a:t>Randomize</a:t>
+                </a:r>
+                <a:endParaRPr lang="en-US"/>
+              </a:p>
+            </p:txBody>
+          </p:sp>
+          <p:sp>
+            <p:nvSpPr>
+              <p:cNvPr id="31" name="TextBox 30">
+                <a:extLst>
+                  <a:ext uri="{FF2B5EF4-FFF2-40B4-BE49-F238E27FC236}">
+                    <a16:creationId xmlns:a16="http://schemas.microsoft.com/office/drawing/2014/main" id="{1F9973B3-3FC8-794B-9DDF-38AB60AAA159}"/>
+                  </a:ext>
+                </a:extLst>
+              </p:cNvPr>
+              <p:cNvSpPr txBox="1"/>
+              <p:nvPr/>
+            </p:nvSpPr>
+            <p:spPr>
+              <a:xfrm>
+                <a:off x="3956160" y="1161898"/>
+                <a:ext cx="665567" cy="230832"/>
+              </a:xfrm>
+              <a:prstGeom prst="rect">
+                <a:avLst/>
+              </a:prstGeom>
+              <a:noFill/>
+            </p:spPr>
+            <p:txBody>
+              <a:bodyPr wrap="none" rtlCol="0">
+                <a:spAutoFit/>
+              </a:bodyPr>
+              <a:lstStyle/>
+              <a:p>
+                <a:r>
+                  <a:rPr lang="en-US" sz="900"/>
+                  <a:t>Follow-Up</a:t>
+                </a:r>
+                <a:endParaRPr lang="en-US"/>
+              </a:p>
+            </p:txBody>
+          </p:sp>
+        </p:grpSp>
         <p:sp>
           <p:nvSpPr>
-            <p:cNvPr id="6" name="Oval 5">
+            <p:cNvPr id="129" name="Rectangle 128">
               <a:extLst>
                 <a:ext uri="{FF2B5EF4-FFF2-40B4-BE49-F238E27FC236}">
-                  <a16:creationId xmlns:a16="http://schemas.microsoft.com/office/drawing/2014/main" id="{18266FF2-CAFC-D34D-AB8A-6048561D4112}"/>
+                  <a16:creationId xmlns:a16="http://schemas.microsoft.com/office/drawing/2014/main" id="{7C7E69B5-EF05-5542-BF24-4F3343C4DA1A}"/>
                 </a:ext>
               </a:extLst>
             </p:cNvPr>
@@ -3490,15 +7392,16 @@
           </p:nvSpPr>
           <p:spPr>
             <a:xfrm>
-              <a:off x="1523040" y="1495184"/>
-              <a:ext cx="152400" cy="152400"/>
+              <a:off x="6957573" y="1368332"/>
+              <a:ext cx="4546061" cy="1627255"/>
             </a:xfrm>
-            <a:prstGeom prst="ellipse">
+            <a:prstGeom prst="rect">
               <a:avLst/>
             </a:prstGeom>
-            <a:solidFill>
-              <a:schemeClr val="bg2"/>
-            </a:solidFill>
+            <a:noFill/>
+            <a:ln>
+              <a:noFill/>
+            </a:ln>
           </p:spPr>
           <p:style>
             <a:lnRef idx="2">
@@ -3525,12 +7428,465 @@
             </a:p>
           </p:txBody>
         </p:sp>
+      </p:grpSp>
+      <p:grpSp>
+        <p:nvGrpSpPr>
+          <p:cNvPr id="37" name="Group 36">
+            <a:extLst>
+              <a:ext uri="{FF2B5EF4-FFF2-40B4-BE49-F238E27FC236}">
+                <a16:creationId xmlns:a16="http://schemas.microsoft.com/office/drawing/2014/main" id="{7A134CE5-87A2-054B-95ED-F5710FE5A76F}"/>
+              </a:ext>
+            </a:extLst>
+          </p:cNvPr>
+          <p:cNvGrpSpPr/>
+          <p:nvPr/>
+        </p:nvGrpSpPr>
+        <p:grpSpPr>
+          <a:xfrm>
+            <a:off x="7489191" y="3403206"/>
+            <a:ext cx="3111010" cy="1373332"/>
+            <a:chOff x="7489191" y="3403206"/>
+            <a:chExt cx="3111010" cy="1373332"/>
+          </a:xfrm>
+        </p:grpSpPr>
+        <p:grpSp>
+          <p:nvGrpSpPr>
+            <p:cNvPr id="34" name="Group 33">
+              <a:extLst>
+                <a:ext uri="{FF2B5EF4-FFF2-40B4-BE49-F238E27FC236}">
+                  <a16:creationId xmlns:a16="http://schemas.microsoft.com/office/drawing/2014/main" id="{745A2FE8-EAE6-0440-85C5-1E59DC5F0B29}"/>
+                </a:ext>
+              </a:extLst>
+            </p:cNvPr>
+            <p:cNvGrpSpPr/>
+            <p:nvPr/>
+          </p:nvGrpSpPr>
+          <p:grpSpPr>
+            <a:xfrm>
+              <a:off x="7667976" y="3595861"/>
+              <a:ext cx="2855329" cy="901489"/>
+              <a:chOff x="7667976" y="3595861"/>
+              <a:chExt cx="2855329" cy="901489"/>
+            </a:xfrm>
+          </p:grpSpPr>
+          <p:sp>
+            <p:nvSpPr>
+              <p:cNvPr id="104" name="Oval 103">
+                <a:extLst>
+                  <a:ext uri="{FF2B5EF4-FFF2-40B4-BE49-F238E27FC236}">
+                    <a16:creationId xmlns:a16="http://schemas.microsoft.com/office/drawing/2014/main" id="{D2B5A8B7-937F-1144-A46B-4A082EA11715}"/>
+                  </a:ext>
+                </a:extLst>
+              </p:cNvPr>
+              <p:cNvSpPr/>
+              <p:nvPr/>
+            </p:nvSpPr>
+            <p:spPr>
+              <a:xfrm>
+                <a:off x="7960163" y="4344950"/>
+                <a:ext cx="152400" cy="152400"/>
+              </a:xfrm>
+              <a:prstGeom prst="ellipse">
+                <a:avLst/>
+              </a:prstGeom>
+              <a:solidFill>
+                <a:schemeClr val="bg2"/>
+              </a:solidFill>
+            </p:spPr>
+            <p:style>
+              <a:lnRef idx="2">
+                <a:schemeClr val="accent1">
+                  <a:shade val="50000"/>
+                </a:schemeClr>
+              </a:lnRef>
+              <a:fillRef idx="1">
+                <a:schemeClr val="accent1"/>
+              </a:fillRef>
+              <a:effectRef idx="0">
+                <a:schemeClr val="accent1"/>
+              </a:effectRef>
+              <a:fontRef idx="minor">
+                <a:schemeClr val="lt1"/>
+              </a:fontRef>
+            </p:style>
+            <p:txBody>
+              <a:bodyPr rtlCol="0" anchor="ctr"/>
+              <a:lstStyle/>
+              <a:p>
+                <a:pPr algn="ctr"/>
+                <a:endParaRPr lang="en-US"/>
+              </a:p>
+            </p:txBody>
+          </p:sp>
+          <p:sp>
+            <p:nvSpPr>
+              <p:cNvPr id="108" name="TextBox 107">
+                <a:extLst>
+                  <a:ext uri="{FF2B5EF4-FFF2-40B4-BE49-F238E27FC236}">
+                    <a16:creationId xmlns:a16="http://schemas.microsoft.com/office/drawing/2014/main" id="{CBCFFEB5-D086-9041-8422-565F3278021B}"/>
+                  </a:ext>
+                </a:extLst>
+              </p:cNvPr>
+              <p:cNvSpPr txBox="1"/>
+              <p:nvPr/>
+            </p:nvSpPr>
+            <p:spPr>
+              <a:xfrm>
+                <a:off x="7667976" y="3991304"/>
+                <a:ext cx="845103" cy="253916"/>
+              </a:xfrm>
+              <a:prstGeom prst="rect">
+                <a:avLst/>
+              </a:prstGeom>
+              <a:noFill/>
+            </p:spPr>
+            <p:txBody>
+              <a:bodyPr wrap="none" rtlCol="0">
+                <a:spAutoFit/>
+              </a:bodyPr>
+              <a:lstStyle/>
+              <a:p>
+                <a:r>
+                  <a:rPr lang="en-US" sz="1050" u="sng"/>
+                  <a:t>Case Report</a:t>
+                </a:r>
+                <a:endParaRPr lang="en-US" sz="2400" u="sng"/>
+              </a:p>
+            </p:txBody>
+          </p:sp>
+          <p:sp>
+            <p:nvSpPr>
+              <p:cNvPr id="109" name="Cross 108">
+                <a:extLst>
+                  <a:ext uri="{FF2B5EF4-FFF2-40B4-BE49-F238E27FC236}">
+                    <a16:creationId xmlns:a16="http://schemas.microsoft.com/office/drawing/2014/main" id="{11CACB17-5DA8-A64F-AF33-9ECFBEFC4EEE}"/>
+                  </a:ext>
+                </a:extLst>
+              </p:cNvPr>
+              <p:cNvSpPr/>
+              <p:nvPr/>
+            </p:nvSpPr>
+            <p:spPr>
+              <a:xfrm>
+                <a:off x="7962726" y="4344950"/>
+                <a:ext cx="152400" cy="152400"/>
+              </a:xfrm>
+              <a:prstGeom prst="plus">
+                <a:avLst>
+                  <a:gd name="adj" fmla="val 47525"/>
+                </a:avLst>
+              </a:prstGeom>
+            </p:spPr>
+            <p:style>
+              <a:lnRef idx="2">
+                <a:schemeClr val="accent1">
+                  <a:shade val="50000"/>
+                </a:schemeClr>
+              </a:lnRef>
+              <a:fillRef idx="1">
+                <a:schemeClr val="accent1"/>
+              </a:fillRef>
+              <a:effectRef idx="0">
+                <a:schemeClr val="accent1"/>
+              </a:effectRef>
+              <a:fontRef idx="minor">
+                <a:schemeClr val="lt1"/>
+              </a:fontRef>
+            </p:style>
+            <p:txBody>
+              <a:bodyPr rtlCol="0" anchor="ctr"/>
+              <a:lstStyle/>
+              <a:p>
+                <a:pPr algn="ctr"/>
+                <a:endParaRPr lang="en-US"/>
+              </a:p>
+            </p:txBody>
+          </p:sp>
+          <p:grpSp>
+            <p:nvGrpSpPr>
+              <p:cNvPr id="120" name="Group 119">
+                <a:extLst>
+                  <a:ext uri="{FF2B5EF4-FFF2-40B4-BE49-F238E27FC236}">
+                    <a16:creationId xmlns:a16="http://schemas.microsoft.com/office/drawing/2014/main" id="{CE2A775F-A992-D942-A339-E70CE67D1E26}"/>
+                  </a:ext>
+                </a:extLst>
+              </p:cNvPr>
+              <p:cNvGrpSpPr/>
+              <p:nvPr/>
+            </p:nvGrpSpPr>
+            <p:grpSpPr>
+              <a:xfrm>
+                <a:off x="7688320" y="3595861"/>
+                <a:ext cx="2834985" cy="230832"/>
+                <a:chOff x="6686305" y="488104"/>
+                <a:chExt cx="2834985" cy="230832"/>
+              </a:xfrm>
+            </p:grpSpPr>
+            <p:sp>
+              <p:nvSpPr>
+                <p:cNvPr id="121" name="Oval 120">
+                  <a:extLst>
+                    <a:ext uri="{FF2B5EF4-FFF2-40B4-BE49-F238E27FC236}">
+                      <a16:creationId xmlns:a16="http://schemas.microsoft.com/office/drawing/2014/main" id="{78C48F12-D044-2D4D-9E19-D6D2B6E724D4}"/>
+                    </a:ext>
+                  </a:extLst>
+                </p:cNvPr>
+                <p:cNvSpPr/>
+                <p:nvPr/>
+              </p:nvSpPr>
+              <p:spPr>
+                <a:xfrm>
+                  <a:off x="6686305" y="527320"/>
+                  <a:ext cx="152400" cy="152400"/>
+                </a:xfrm>
+                <a:prstGeom prst="ellipse">
+                  <a:avLst/>
+                </a:prstGeom>
+                <a:solidFill>
+                  <a:schemeClr val="accent4">
+                    <a:lumMod val="60000"/>
+                    <a:lumOff val="40000"/>
+                  </a:schemeClr>
+                </a:solidFill>
+              </p:spPr>
+              <p:style>
+                <a:lnRef idx="2">
+                  <a:schemeClr val="accent1">
+                    <a:shade val="50000"/>
+                  </a:schemeClr>
+                </a:lnRef>
+                <a:fillRef idx="1">
+                  <a:schemeClr val="accent1"/>
+                </a:fillRef>
+                <a:effectRef idx="0">
+                  <a:schemeClr val="accent1"/>
+                </a:effectRef>
+                <a:fontRef idx="minor">
+                  <a:schemeClr val="lt1"/>
+                </a:fontRef>
+              </p:style>
+              <p:txBody>
+                <a:bodyPr rtlCol="0" anchor="ctr"/>
+                <a:lstStyle/>
+                <a:p>
+                  <a:pPr algn="ctr"/>
+                  <a:endParaRPr lang="en-US"/>
+                </a:p>
+              </p:txBody>
+            </p:sp>
+            <p:sp>
+              <p:nvSpPr>
+                <p:cNvPr id="122" name="TextBox 121">
+                  <a:extLst>
+                    <a:ext uri="{FF2B5EF4-FFF2-40B4-BE49-F238E27FC236}">
+                      <a16:creationId xmlns:a16="http://schemas.microsoft.com/office/drawing/2014/main" id="{D68B2EBD-1793-034E-A566-3623C90B0A29}"/>
+                    </a:ext>
+                  </a:extLst>
+                </p:cNvPr>
+                <p:cNvSpPr txBox="1"/>
+                <p:nvPr/>
+              </p:nvSpPr>
+              <p:spPr>
+                <a:xfrm>
+                  <a:off x="6870263" y="488104"/>
+                  <a:ext cx="575799" cy="230832"/>
+                </a:xfrm>
+                <a:prstGeom prst="rect">
+                  <a:avLst/>
+                </a:prstGeom>
+                <a:noFill/>
+              </p:spPr>
+              <p:txBody>
+                <a:bodyPr wrap="none" rtlCol="0">
+                  <a:spAutoFit/>
+                </a:bodyPr>
+                <a:lstStyle/>
+                <a:p>
+                  <a:r>
+                    <a:rPr lang="en-US" sz="900"/>
+                    <a:t>Exposed</a:t>
+                  </a:r>
+                  <a:endParaRPr lang="en-US"/>
+                </a:p>
+              </p:txBody>
+            </p:sp>
+            <p:sp>
+              <p:nvSpPr>
+                <p:cNvPr id="123" name="Oval 122">
+                  <a:extLst>
+                    <a:ext uri="{FF2B5EF4-FFF2-40B4-BE49-F238E27FC236}">
+                      <a16:creationId xmlns:a16="http://schemas.microsoft.com/office/drawing/2014/main" id="{63BA61D3-DE14-354E-8215-21543363A87A}"/>
+                    </a:ext>
+                  </a:extLst>
+                </p:cNvPr>
+                <p:cNvSpPr/>
+                <p:nvPr/>
+              </p:nvSpPr>
+              <p:spPr>
+                <a:xfrm>
+                  <a:off x="7546141" y="527320"/>
+                  <a:ext cx="152400" cy="152400"/>
+                </a:xfrm>
+                <a:prstGeom prst="ellipse">
+                  <a:avLst/>
+                </a:prstGeom>
+                <a:solidFill>
+                  <a:schemeClr val="bg2"/>
+                </a:solidFill>
+              </p:spPr>
+              <p:style>
+                <a:lnRef idx="2">
+                  <a:schemeClr val="accent1">
+                    <a:shade val="50000"/>
+                  </a:schemeClr>
+                </a:lnRef>
+                <a:fillRef idx="1">
+                  <a:schemeClr val="accent1"/>
+                </a:fillRef>
+                <a:effectRef idx="0">
+                  <a:schemeClr val="accent1"/>
+                </a:effectRef>
+                <a:fontRef idx="minor">
+                  <a:schemeClr val="lt1"/>
+                </a:fontRef>
+              </p:style>
+              <p:txBody>
+                <a:bodyPr rtlCol="0" anchor="ctr"/>
+                <a:lstStyle/>
+                <a:p>
+                  <a:pPr algn="ctr"/>
+                  <a:endParaRPr lang="en-US"/>
+                </a:p>
+              </p:txBody>
+            </p:sp>
+            <p:sp>
+              <p:nvSpPr>
+                <p:cNvPr id="124" name="TextBox 123">
+                  <a:extLst>
+                    <a:ext uri="{FF2B5EF4-FFF2-40B4-BE49-F238E27FC236}">
+                      <a16:creationId xmlns:a16="http://schemas.microsoft.com/office/drawing/2014/main" id="{659F1513-E1FF-C842-8D7A-3D7197396413}"/>
+                    </a:ext>
+                  </a:extLst>
+                </p:cNvPr>
+                <p:cNvSpPr txBox="1"/>
+                <p:nvPr/>
+              </p:nvSpPr>
+              <p:spPr>
+                <a:xfrm>
+                  <a:off x="7716653" y="488104"/>
+                  <a:ext cx="712054" cy="230832"/>
+                </a:xfrm>
+                <a:prstGeom prst="rect">
+                  <a:avLst/>
+                </a:prstGeom>
+                <a:noFill/>
+              </p:spPr>
+              <p:txBody>
+                <a:bodyPr wrap="none" rtlCol="0">
+                  <a:spAutoFit/>
+                </a:bodyPr>
+                <a:lstStyle/>
+                <a:p>
+                  <a:r>
+                    <a:rPr lang="en-US" sz="900"/>
+                    <a:t>Unexposed</a:t>
+                  </a:r>
+                  <a:endParaRPr lang="en-US"/>
+                </a:p>
+              </p:txBody>
+            </p:sp>
+            <p:sp>
+              <p:nvSpPr>
+                <p:cNvPr id="125" name="Cross 124">
+                  <a:extLst>
+                    <a:ext uri="{FF2B5EF4-FFF2-40B4-BE49-F238E27FC236}">
+                      <a16:creationId xmlns:a16="http://schemas.microsoft.com/office/drawing/2014/main" id="{E2067818-7B1E-A54E-B8C6-1B02FD9E1D97}"/>
+                    </a:ext>
+                  </a:extLst>
+                </p:cNvPr>
+                <p:cNvSpPr/>
+                <p:nvPr/>
+              </p:nvSpPr>
+              <p:spPr>
+                <a:xfrm>
+                  <a:off x="8544862" y="528651"/>
+                  <a:ext cx="152400" cy="152400"/>
+                </a:xfrm>
+                <a:prstGeom prst="plus">
+                  <a:avLst>
+                    <a:gd name="adj" fmla="val 47525"/>
+                  </a:avLst>
+                </a:prstGeom>
+              </p:spPr>
+              <p:style>
+                <a:lnRef idx="2">
+                  <a:schemeClr val="accent1">
+                    <a:shade val="50000"/>
+                  </a:schemeClr>
+                </a:lnRef>
+                <a:fillRef idx="1">
+                  <a:schemeClr val="accent1"/>
+                </a:fillRef>
+                <a:effectRef idx="0">
+                  <a:schemeClr val="accent1"/>
+                </a:effectRef>
+                <a:fontRef idx="minor">
+                  <a:schemeClr val="lt1"/>
+                </a:fontRef>
+              </p:style>
+              <p:txBody>
+                <a:bodyPr rtlCol="0" anchor="ctr"/>
+                <a:lstStyle/>
+                <a:p>
+                  <a:pPr algn="ctr"/>
+                  <a:endParaRPr lang="en-US"/>
+                </a:p>
+              </p:txBody>
+            </p:sp>
+            <p:sp>
+              <p:nvSpPr>
+                <p:cNvPr id="126" name="TextBox 125">
+                  <a:extLst>
+                    <a:ext uri="{FF2B5EF4-FFF2-40B4-BE49-F238E27FC236}">
+                      <a16:creationId xmlns:a16="http://schemas.microsoft.com/office/drawing/2014/main" id="{173D937B-153F-0B4E-8C97-09B325057F50}"/>
+                    </a:ext>
+                  </a:extLst>
+                </p:cNvPr>
+                <p:cNvSpPr txBox="1"/>
+                <p:nvPr/>
+              </p:nvSpPr>
+              <p:spPr>
+                <a:xfrm>
+                  <a:off x="8719467" y="488104"/>
+                  <a:ext cx="801823" cy="230832"/>
+                </a:xfrm>
+                <a:prstGeom prst="rect">
+                  <a:avLst/>
+                </a:prstGeom>
+                <a:noFill/>
+              </p:spPr>
+              <p:txBody>
+                <a:bodyPr wrap="none" rtlCol="0">
+                  <a:spAutoFit/>
+                </a:bodyPr>
+                <a:lstStyle/>
+                <a:p>
+                  <a:r>
+                    <a:rPr lang="en-US" sz="900"/>
+                    <a:t>Has outcome</a:t>
+                  </a:r>
+                  <a:endParaRPr lang="en-US"/>
+                </a:p>
+              </p:txBody>
+            </p:sp>
+          </p:grpSp>
+        </p:grpSp>
         <p:sp>
           <p:nvSpPr>
-            <p:cNvPr id="7" name="Oval 6">
+            <p:cNvPr id="130" name="Rectangle 129">
               <a:extLst>
                 <a:ext uri="{FF2B5EF4-FFF2-40B4-BE49-F238E27FC236}">
-                  <a16:creationId xmlns:a16="http://schemas.microsoft.com/office/drawing/2014/main" id="{D20210D9-8D75-8243-95CE-077EA4969848}"/>
+                  <a16:creationId xmlns:a16="http://schemas.microsoft.com/office/drawing/2014/main" id="{473A5AE0-6DC8-684A-B0BA-D1F45E4B3C84}"/>
                 </a:ext>
               </a:extLst>
             </p:cNvPr>
@@ -3539,2873 +7895,16 @@
           </p:nvSpPr>
           <p:spPr>
             <a:xfrm>
-              <a:off x="1523040" y="1179499"/>
-              <a:ext cx="152400" cy="152400"/>
-            </a:xfrm>
-            <a:prstGeom prst="ellipse">
-              <a:avLst/>
-            </a:prstGeom>
-            <a:solidFill>
-              <a:schemeClr val="bg2"/>
-            </a:solidFill>
-          </p:spPr>
-          <p:style>
-            <a:lnRef idx="2">
-              <a:schemeClr val="accent1">
-                <a:shade val="50000"/>
-              </a:schemeClr>
-            </a:lnRef>
-            <a:fillRef idx="1">
-              <a:schemeClr val="accent1"/>
-            </a:fillRef>
-            <a:effectRef idx="0">
-              <a:schemeClr val="accent1"/>
-            </a:effectRef>
-            <a:fontRef idx="minor">
-              <a:schemeClr val="lt1"/>
-            </a:fontRef>
-          </p:style>
-          <p:txBody>
-            <a:bodyPr rtlCol="0" anchor="ctr"/>
-            <a:lstStyle/>
-            <a:p>
-              <a:pPr algn="ctr"/>
-              <a:endParaRPr lang="en-US"/>
-            </a:p>
-          </p:txBody>
-        </p:sp>
-        <p:cxnSp>
-          <p:nvCxnSpPr>
-            <p:cNvPr id="9" name="Straight Arrow Connector 8">
-              <a:extLst>
-                <a:ext uri="{FF2B5EF4-FFF2-40B4-BE49-F238E27FC236}">
-                  <a16:creationId xmlns:a16="http://schemas.microsoft.com/office/drawing/2014/main" id="{D551F709-E43E-554A-A1A7-B63827674B46}"/>
-                </a:ext>
-              </a:extLst>
-            </p:cNvPr>
-            <p:cNvCxnSpPr/>
-            <p:nvPr/>
-          </p:nvCxnSpPr>
-          <p:spPr>
-            <a:xfrm>
-              <a:off x="1893153" y="1408099"/>
-              <a:ext cx="1077686" cy="0"/>
-            </a:xfrm>
-            <a:prstGeom prst="straightConnector1">
-              <a:avLst/>
-            </a:prstGeom>
-            <a:ln>
-              <a:tailEnd type="triangle"/>
-            </a:ln>
-          </p:spPr>
-          <p:style>
-            <a:lnRef idx="1">
-              <a:schemeClr val="accent1"/>
-            </a:lnRef>
-            <a:fillRef idx="0">
-              <a:schemeClr val="accent1"/>
-            </a:fillRef>
-            <a:effectRef idx="0">
-              <a:schemeClr val="accent1"/>
-            </a:effectRef>
-            <a:fontRef idx="minor">
-              <a:schemeClr val="tx1"/>
-            </a:fontRef>
-          </p:style>
-        </p:cxnSp>
-        <p:sp>
-          <p:nvSpPr>
-            <p:cNvPr id="10" name="Oval 9">
-              <a:extLst>
-                <a:ext uri="{FF2B5EF4-FFF2-40B4-BE49-F238E27FC236}">
-                  <a16:creationId xmlns:a16="http://schemas.microsoft.com/office/drawing/2014/main" id="{BD6803F7-B5AD-1C4D-A6DF-9D7425383582}"/>
-                </a:ext>
-              </a:extLst>
-            </p:cNvPr>
-            <p:cNvSpPr/>
-            <p:nvPr/>
-          </p:nvSpPr>
-          <p:spPr>
-            <a:xfrm>
-              <a:off x="3166782" y="1179499"/>
-              <a:ext cx="152400" cy="152400"/>
-            </a:xfrm>
-            <a:prstGeom prst="ellipse">
-              <a:avLst/>
-            </a:prstGeom>
-            <a:solidFill>
-              <a:schemeClr val="bg2"/>
-            </a:solidFill>
-          </p:spPr>
-          <p:style>
-            <a:lnRef idx="2">
-              <a:schemeClr val="accent1">
-                <a:shade val="50000"/>
-              </a:schemeClr>
-            </a:lnRef>
-            <a:fillRef idx="1">
-              <a:schemeClr val="accent1"/>
-            </a:fillRef>
-            <a:effectRef idx="0">
-              <a:schemeClr val="accent1"/>
-            </a:effectRef>
-            <a:fontRef idx="minor">
-              <a:schemeClr val="lt1"/>
-            </a:fontRef>
-          </p:style>
-          <p:txBody>
-            <a:bodyPr rtlCol="0" anchor="ctr"/>
-            <a:lstStyle/>
-            <a:p>
-              <a:pPr algn="ctr"/>
-              <a:endParaRPr lang="en-US"/>
-            </a:p>
-          </p:txBody>
-        </p:sp>
-        <p:sp>
-          <p:nvSpPr>
-            <p:cNvPr id="11" name="Oval 10">
-              <a:extLst>
-                <a:ext uri="{FF2B5EF4-FFF2-40B4-BE49-F238E27FC236}">
-                  <a16:creationId xmlns:a16="http://schemas.microsoft.com/office/drawing/2014/main" id="{89D55C9D-B773-8747-A61C-C5436B233426}"/>
-                </a:ext>
-              </a:extLst>
-            </p:cNvPr>
-            <p:cNvSpPr/>
-            <p:nvPr/>
-          </p:nvSpPr>
-          <p:spPr>
-            <a:xfrm>
-              <a:off x="3166782" y="1495184"/>
-              <a:ext cx="152400" cy="152400"/>
-            </a:xfrm>
-            <a:prstGeom prst="ellipse">
-              <a:avLst/>
-            </a:prstGeom>
-            <a:solidFill>
-              <a:schemeClr val="accent4">
-                <a:lumMod val="60000"/>
-                <a:lumOff val="40000"/>
-              </a:schemeClr>
-            </a:solidFill>
-          </p:spPr>
-          <p:style>
-            <a:lnRef idx="2">
-              <a:schemeClr val="accent1">
-                <a:shade val="50000"/>
-              </a:schemeClr>
-            </a:lnRef>
-            <a:fillRef idx="1">
-              <a:schemeClr val="accent1"/>
-            </a:fillRef>
-            <a:effectRef idx="0">
-              <a:schemeClr val="accent1"/>
-            </a:effectRef>
-            <a:fontRef idx="minor">
-              <a:schemeClr val="lt1"/>
-            </a:fontRef>
-          </p:style>
-          <p:txBody>
-            <a:bodyPr rtlCol="0" anchor="ctr"/>
-            <a:lstStyle/>
-            <a:p>
-              <a:pPr algn="ctr"/>
-              <a:endParaRPr lang="en-US"/>
-            </a:p>
-          </p:txBody>
-        </p:sp>
-        <p:sp>
-          <p:nvSpPr>
-            <p:cNvPr id="12" name="Oval 11">
-              <a:extLst>
-                <a:ext uri="{FF2B5EF4-FFF2-40B4-BE49-F238E27FC236}">
-                  <a16:creationId xmlns:a16="http://schemas.microsoft.com/office/drawing/2014/main" id="{438461E2-E36C-8148-9A6A-5C267DE9CB57}"/>
-                </a:ext>
-              </a:extLst>
-            </p:cNvPr>
-            <p:cNvSpPr/>
-            <p:nvPr/>
-          </p:nvSpPr>
-          <p:spPr>
-            <a:xfrm>
-              <a:off x="3449811" y="1495184"/>
-              <a:ext cx="152400" cy="152400"/>
-            </a:xfrm>
-            <a:prstGeom prst="ellipse">
-              <a:avLst/>
-            </a:prstGeom>
-            <a:solidFill>
-              <a:schemeClr val="bg2"/>
-            </a:solidFill>
-          </p:spPr>
-          <p:style>
-            <a:lnRef idx="2">
-              <a:schemeClr val="accent1">
-                <a:shade val="50000"/>
-              </a:schemeClr>
-            </a:lnRef>
-            <a:fillRef idx="1">
-              <a:schemeClr val="accent1"/>
-            </a:fillRef>
-            <a:effectRef idx="0">
-              <a:schemeClr val="accent1"/>
-            </a:effectRef>
-            <a:fontRef idx="minor">
-              <a:schemeClr val="lt1"/>
-            </a:fontRef>
-          </p:style>
-          <p:txBody>
-            <a:bodyPr rtlCol="0" anchor="ctr"/>
-            <a:lstStyle/>
-            <a:p>
-              <a:pPr algn="ctr"/>
-              <a:endParaRPr lang="en-US"/>
-            </a:p>
-          </p:txBody>
-        </p:sp>
-        <p:sp>
-          <p:nvSpPr>
-            <p:cNvPr id="13" name="Oval 12">
-              <a:extLst>
-                <a:ext uri="{FF2B5EF4-FFF2-40B4-BE49-F238E27FC236}">
-                  <a16:creationId xmlns:a16="http://schemas.microsoft.com/office/drawing/2014/main" id="{5CB394F8-6936-8D40-AAD6-4A3477C8C8AE}"/>
-                </a:ext>
-              </a:extLst>
-            </p:cNvPr>
-            <p:cNvSpPr/>
-            <p:nvPr/>
-          </p:nvSpPr>
-          <p:spPr>
-            <a:xfrm>
-              <a:off x="3449811" y="1179499"/>
-              <a:ext cx="152400" cy="152400"/>
-            </a:xfrm>
-            <a:prstGeom prst="ellipse">
-              <a:avLst/>
-            </a:prstGeom>
-            <a:solidFill>
-              <a:schemeClr val="accent4">
-                <a:lumMod val="60000"/>
-                <a:lumOff val="40000"/>
-              </a:schemeClr>
-            </a:solidFill>
-          </p:spPr>
-          <p:style>
-            <a:lnRef idx="2">
-              <a:schemeClr val="accent1">
-                <a:shade val="50000"/>
-              </a:schemeClr>
-            </a:lnRef>
-            <a:fillRef idx="1">
-              <a:schemeClr val="accent1"/>
-            </a:fillRef>
-            <a:effectRef idx="0">
-              <a:schemeClr val="accent1"/>
-            </a:effectRef>
-            <a:fontRef idx="minor">
-              <a:schemeClr val="lt1"/>
-            </a:fontRef>
-          </p:style>
-          <p:txBody>
-            <a:bodyPr rtlCol="0" anchor="ctr"/>
-            <a:lstStyle/>
-            <a:p>
-              <a:pPr algn="ctr"/>
-              <a:endParaRPr lang="en-US"/>
-            </a:p>
-          </p:txBody>
-        </p:sp>
-        <p:cxnSp>
-          <p:nvCxnSpPr>
-            <p:cNvPr id="15" name="Straight Arrow Connector 14">
-              <a:extLst>
-                <a:ext uri="{FF2B5EF4-FFF2-40B4-BE49-F238E27FC236}">
-                  <a16:creationId xmlns:a16="http://schemas.microsoft.com/office/drawing/2014/main" id="{B6469FA1-1144-5741-A375-04D0E4EE953A}"/>
-                </a:ext>
-              </a:extLst>
-            </p:cNvPr>
-            <p:cNvCxnSpPr/>
-            <p:nvPr/>
-          </p:nvCxnSpPr>
-          <p:spPr>
-            <a:xfrm>
-              <a:off x="3776381" y="1408099"/>
-              <a:ext cx="1077686" cy="0"/>
-            </a:xfrm>
-            <a:prstGeom prst="straightConnector1">
-              <a:avLst/>
-            </a:prstGeom>
-            <a:ln>
-              <a:tailEnd type="triangle"/>
-            </a:ln>
-          </p:spPr>
-          <p:style>
-            <a:lnRef idx="1">
-              <a:schemeClr val="accent1"/>
-            </a:lnRef>
-            <a:fillRef idx="0">
-              <a:schemeClr val="accent1"/>
-            </a:fillRef>
-            <a:effectRef idx="0">
-              <a:schemeClr val="accent1"/>
-            </a:effectRef>
-            <a:fontRef idx="minor">
-              <a:schemeClr val="tx1"/>
-            </a:fontRef>
-          </p:style>
-        </p:cxnSp>
-        <p:sp>
-          <p:nvSpPr>
-            <p:cNvPr id="16" name="Oval 15">
-              <a:extLst>
-                <a:ext uri="{FF2B5EF4-FFF2-40B4-BE49-F238E27FC236}">
-                  <a16:creationId xmlns:a16="http://schemas.microsoft.com/office/drawing/2014/main" id="{EBEE3D20-1F56-B144-A1FA-44C4FAA2B69F}"/>
-                </a:ext>
-              </a:extLst>
-            </p:cNvPr>
-            <p:cNvSpPr/>
-            <p:nvPr/>
-          </p:nvSpPr>
-          <p:spPr>
-            <a:xfrm>
-              <a:off x="5017354" y="1179499"/>
-              <a:ext cx="152400" cy="152400"/>
-            </a:xfrm>
-            <a:prstGeom prst="ellipse">
-              <a:avLst/>
-            </a:prstGeom>
-            <a:solidFill>
-              <a:schemeClr val="bg2"/>
-            </a:solidFill>
-          </p:spPr>
-          <p:style>
-            <a:lnRef idx="2">
-              <a:schemeClr val="accent1">
-                <a:shade val="50000"/>
-              </a:schemeClr>
-            </a:lnRef>
-            <a:fillRef idx="1">
-              <a:schemeClr val="accent1"/>
-            </a:fillRef>
-            <a:effectRef idx="0">
-              <a:schemeClr val="accent1"/>
-            </a:effectRef>
-            <a:fontRef idx="minor">
-              <a:schemeClr val="lt1"/>
-            </a:fontRef>
-          </p:style>
-          <p:txBody>
-            <a:bodyPr rtlCol="0" anchor="ctr"/>
-            <a:lstStyle/>
-            <a:p>
-              <a:pPr algn="ctr"/>
-              <a:endParaRPr lang="en-US"/>
-            </a:p>
-          </p:txBody>
-        </p:sp>
-        <p:sp>
-          <p:nvSpPr>
-            <p:cNvPr id="17" name="Oval 16">
-              <a:extLst>
-                <a:ext uri="{FF2B5EF4-FFF2-40B4-BE49-F238E27FC236}">
-                  <a16:creationId xmlns:a16="http://schemas.microsoft.com/office/drawing/2014/main" id="{94208D67-C76F-2046-82A8-EF584E60F918}"/>
-                </a:ext>
-              </a:extLst>
-            </p:cNvPr>
-            <p:cNvSpPr/>
-            <p:nvPr/>
-          </p:nvSpPr>
-          <p:spPr>
-            <a:xfrm>
-              <a:off x="5017354" y="1495184"/>
-              <a:ext cx="152400" cy="152400"/>
-            </a:xfrm>
-            <a:prstGeom prst="ellipse">
-              <a:avLst/>
-            </a:prstGeom>
-            <a:solidFill>
-              <a:schemeClr val="accent4">
-                <a:lumMod val="60000"/>
-                <a:lumOff val="40000"/>
-              </a:schemeClr>
-            </a:solidFill>
-          </p:spPr>
-          <p:style>
-            <a:lnRef idx="2">
-              <a:schemeClr val="accent1">
-                <a:shade val="50000"/>
-              </a:schemeClr>
-            </a:lnRef>
-            <a:fillRef idx="1">
-              <a:schemeClr val="accent1"/>
-            </a:fillRef>
-            <a:effectRef idx="0">
-              <a:schemeClr val="accent1"/>
-            </a:effectRef>
-            <a:fontRef idx="minor">
-              <a:schemeClr val="lt1"/>
-            </a:fontRef>
-          </p:style>
-          <p:txBody>
-            <a:bodyPr rtlCol="0" anchor="ctr"/>
-            <a:lstStyle/>
-            <a:p>
-              <a:pPr algn="ctr"/>
-              <a:endParaRPr lang="en-US"/>
-            </a:p>
-          </p:txBody>
-        </p:sp>
-        <p:sp>
-          <p:nvSpPr>
-            <p:cNvPr id="18" name="Oval 17">
-              <a:extLst>
-                <a:ext uri="{FF2B5EF4-FFF2-40B4-BE49-F238E27FC236}">
-                  <a16:creationId xmlns:a16="http://schemas.microsoft.com/office/drawing/2014/main" id="{949B93DA-1ADC-AE42-8D62-81E2A93FAE0F}"/>
-                </a:ext>
-              </a:extLst>
-            </p:cNvPr>
-            <p:cNvSpPr/>
-            <p:nvPr/>
-          </p:nvSpPr>
-          <p:spPr>
-            <a:xfrm>
-              <a:off x="5300383" y="1495184"/>
-              <a:ext cx="152400" cy="152400"/>
-            </a:xfrm>
-            <a:prstGeom prst="ellipse">
-              <a:avLst/>
-            </a:prstGeom>
-            <a:solidFill>
-              <a:schemeClr val="bg2"/>
-            </a:solidFill>
-          </p:spPr>
-          <p:style>
-            <a:lnRef idx="2">
-              <a:schemeClr val="accent1">
-                <a:shade val="50000"/>
-              </a:schemeClr>
-            </a:lnRef>
-            <a:fillRef idx="1">
-              <a:schemeClr val="accent1"/>
-            </a:fillRef>
-            <a:effectRef idx="0">
-              <a:schemeClr val="accent1"/>
-            </a:effectRef>
-            <a:fontRef idx="minor">
-              <a:schemeClr val="lt1"/>
-            </a:fontRef>
-          </p:style>
-          <p:txBody>
-            <a:bodyPr rtlCol="0" anchor="ctr"/>
-            <a:lstStyle/>
-            <a:p>
-              <a:pPr algn="ctr"/>
-              <a:endParaRPr lang="en-US"/>
-            </a:p>
-          </p:txBody>
-        </p:sp>
-        <p:sp>
-          <p:nvSpPr>
-            <p:cNvPr id="19" name="Oval 18">
-              <a:extLst>
-                <a:ext uri="{FF2B5EF4-FFF2-40B4-BE49-F238E27FC236}">
-                  <a16:creationId xmlns:a16="http://schemas.microsoft.com/office/drawing/2014/main" id="{106A1721-AF57-1A4A-8F5E-EC6F805B42BA}"/>
-                </a:ext>
-              </a:extLst>
-            </p:cNvPr>
-            <p:cNvSpPr/>
-            <p:nvPr/>
-          </p:nvSpPr>
-          <p:spPr>
-            <a:xfrm>
-              <a:off x="5300383" y="1179499"/>
-              <a:ext cx="152400" cy="152400"/>
-            </a:xfrm>
-            <a:prstGeom prst="ellipse">
-              <a:avLst/>
-            </a:prstGeom>
-            <a:solidFill>
-              <a:schemeClr val="accent4">
-                <a:lumMod val="60000"/>
-                <a:lumOff val="40000"/>
-              </a:schemeClr>
-            </a:solidFill>
-          </p:spPr>
-          <p:style>
-            <a:lnRef idx="2">
-              <a:schemeClr val="accent1">
-                <a:shade val="50000"/>
-              </a:schemeClr>
-            </a:lnRef>
-            <a:fillRef idx="1">
-              <a:schemeClr val="accent1"/>
-            </a:fillRef>
-            <a:effectRef idx="0">
-              <a:schemeClr val="accent1"/>
-            </a:effectRef>
-            <a:fontRef idx="minor">
-              <a:schemeClr val="lt1"/>
-            </a:fontRef>
-          </p:style>
-          <p:txBody>
-            <a:bodyPr rtlCol="0" anchor="ctr"/>
-            <a:lstStyle/>
-            <a:p>
-              <a:pPr algn="ctr"/>
-              <a:endParaRPr lang="en-US"/>
-            </a:p>
-          </p:txBody>
-        </p:sp>
-        <p:sp>
-          <p:nvSpPr>
-            <p:cNvPr id="20" name="Cross 19">
-              <a:extLst>
-                <a:ext uri="{FF2B5EF4-FFF2-40B4-BE49-F238E27FC236}">
-                  <a16:creationId xmlns:a16="http://schemas.microsoft.com/office/drawing/2014/main" id="{C0361E73-0497-B046-A0AA-453E7933CF67}"/>
-                </a:ext>
-              </a:extLst>
-            </p:cNvPr>
-            <p:cNvSpPr/>
-            <p:nvPr/>
-          </p:nvSpPr>
-          <p:spPr>
-            <a:xfrm>
-              <a:off x="5017354" y="1179500"/>
-              <a:ext cx="152400" cy="152400"/>
-            </a:xfrm>
-            <a:prstGeom prst="plus">
-              <a:avLst>
-                <a:gd name="adj" fmla="val 47525"/>
-              </a:avLst>
-            </a:prstGeom>
-          </p:spPr>
-          <p:style>
-            <a:lnRef idx="2">
-              <a:schemeClr val="accent1">
-                <a:shade val="50000"/>
-              </a:schemeClr>
-            </a:lnRef>
-            <a:fillRef idx="1">
-              <a:schemeClr val="accent1"/>
-            </a:fillRef>
-            <a:effectRef idx="0">
-              <a:schemeClr val="accent1"/>
-            </a:effectRef>
-            <a:fontRef idx="minor">
-              <a:schemeClr val="lt1"/>
-            </a:fontRef>
-          </p:style>
-          <p:txBody>
-            <a:bodyPr rtlCol="0" anchor="ctr"/>
-            <a:lstStyle/>
-            <a:p>
-              <a:pPr algn="ctr"/>
-              <a:endParaRPr lang="en-US"/>
-            </a:p>
-          </p:txBody>
-        </p:sp>
-        <p:sp>
-          <p:nvSpPr>
-            <p:cNvPr id="21" name="Cross 20">
-              <a:extLst>
-                <a:ext uri="{FF2B5EF4-FFF2-40B4-BE49-F238E27FC236}">
-                  <a16:creationId xmlns:a16="http://schemas.microsoft.com/office/drawing/2014/main" id="{9360E978-6B35-6749-8DCA-4071967DAAA9}"/>
-                </a:ext>
-              </a:extLst>
-            </p:cNvPr>
-            <p:cNvSpPr/>
-            <p:nvPr/>
-          </p:nvSpPr>
-          <p:spPr>
-            <a:xfrm>
-              <a:off x="5300383" y="1495184"/>
-              <a:ext cx="152400" cy="152400"/>
-            </a:xfrm>
-            <a:prstGeom prst="plus">
-              <a:avLst>
-                <a:gd name="adj" fmla="val 47525"/>
-              </a:avLst>
-            </a:prstGeom>
-          </p:spPr>
-          <p:style>
-            <a:lnRef idx="2">
-              <a:schemeClr val="accent1">
-                <a:shade val="50000"/>
-              </a:schemeClr>
-            </a:lnRef>
-            <a:fillRef idx="1">
-              <a:schemeClr val="accent1"/>
-            </a:fillRef>
-            <a:effectRef idx="0">
-              <a:schemeClr val="accent1"/>
-            </a:effectRef>
-            <a:fontRef idx="minor">
-              <a:schemeClr val="lt1"/>
-            </a:fontRef>
-          </p:style>
-          <p:txBody>
-            <a:bodyPr rtlCol="0" anchor="ctr"/>
-            <a:lstStyle/>
-            <a:p>
-              <a:pPr algn="ctr"/>
-              <a:endParaRPr lang="en-US"/>
-            </a:p>
-          </p:txBody>
-        </p:sp>
-        <p:sp>
-          <p:nvSpPr>
-            <p:cNvPr id="22" name="Cross 21">
-              <a:extLst>
-                <a:ext uri="{FF2B5EF4-FFF2-40B4-BE49-F238E27FC236}">
-                  <a16:creationId xmlns:a16="http://schemas.microsoft.com/office/drawing/2014/main" id="{E760CB9A-D2B3-E34C-A606-AA33511CF070}"/>
-                </a:ext>
-              </a:extLst>
-            </p:cNvPr>
-            <p:cNvSpPr/>
-            <p:nvPr/>
-          </p:nvSpPr>
-          <p:spPr>
-            <a:xfrm>
-              <a:off x="5300383" y="1179499"/>
-              <a:ext cx="152400" cy="152400"/>
-            </a:xfrm>
-            <a:prstGeom prst="plus">
-              <a:avLst>
-                <a:gd name="adj" fmla="val 47525"/>
-              </a:avLst>
-            </a:prstGeom>
-          </p:spPr>
-          <p:style>
-            <a:lnRef idx="2">
-              <a:schemeClr val="accent1">
-                <a:shade val="50000"/>
-              </a:schemeClr>
-            </a:lnRef>
-            <a:fillRef idx="1">
-              <a:schemeClr val="accent1"/>
-            </a:fillRef>
-            <a:effectRef idx="0">
-              <a:schemeClr val="accent1"/>
-            </a:effectRef>
-            <a:fontRef idx="minor">
-              <a:schemeClr val="lt1"/>
-            </a:fontRef>
-          </p:style>
-          <p:txBody>
-            <a:bodyPr rtlCol="0" anchor="ctr"/>
-            <a:lstStyle/>
-            <a:p>
-              <a:pPr algn="ctr"/>
-              <a:endParaRPr lang="en-US"/>
-            </a:p>
-          </p:txBody>
-        </p:sp>
-        <p:sp>
-          <p:nvSpPr>
-            <p:cNvPr id="23" name="Oval 22">
-              <a:extLst>
-                <a:ext uri="{FF2B5EF4-FFF2-40B4-BE49-F238E27FC236}">
-                  <a16:creationId xmlns:a16="http://schemas.microsoft.com/office/drawing/2014/main" id="{3C77F0FB-9321-6E4E-9B74-E88C7A8633DE}"/>
-                </a:ext>
-              </a:extLst>
-            </p:cNvPr>
-            <p:cNvSpPr/>
-            <p:nvPr/>
-          </p:nvSpPr>
-          <p:spPr>
-            <a:xfrm>
-              <a:off x="1240011" y="451120"/>
-              <a:ext cx="152400" cy="152400"/>
-            </a:xfrm>
-            <a:prstGeom prst="ellipse">
-              <a:avLst/>
-            </a:prstGeom>
-            <a:solidFill>
-              <a:schemeClr val="accent4">
-                <a:lumMod val="60000"/>
-                <a:lumOff val="40000"/>
-              </a:schemeClr>
-            </a:solidFill>
-          </p:spPr>
-          <p:style>
-            <a:lnRef idx="2">
-              <a:schemeClr val="accent1">
-                <a:shade val="50000"/>
-              </a:schemeClr>
-            </a:lnRef>
-            <a:fillRef idx="1">
-              <a:schemeClr val="accent1"/>
-            </a:fillRef>
-            <a:effectRef idx="0">
-              <a:schemeClr val="accent1"/>
-            </a:effectRef>
-            <a:fontRef idx="minor">
-              <a:schemeClr val="lt1"/>
-            </a:fontRef>
-          </p:style>
-          <p:txBody>
-            <a:bodyPr rtlCol="0" anchor="ctr"/>
-            <a:lstStyle/>
-            <a:p>
-              <a:pPr algn="ctr"/>
-              <a:endParaRPr lang="en-US"/>
-            </a:p>
-          </p:txBody>
-        </p:sp>
-        <p:sp>
-          <p:nvSpPr>
-            <p:cNvPr id="24" name="TextBox 23">
-              <a:extLst>
-                <a:ext uri="{FF2B5EF4-FFF2-40B4-BE49-F238E27FC236}">
-                  <a16:creationId xmlns:a16="http://schemas.microsoft.com/office/drawing/2014/main" id="{4E6F9927-DAA2-CB41-8280-F7F8D5117988}"/>
-                </a:ext>
-              </a:extLst>
-            </p:cNvPr>
-            <p:cNvSpPr txBox="1"/>
-            <p:nvPr/>
-          </p:nvSpPr>
-          <p:spPr>
-            <a:xfrm>
-              <a:off x="1423969" y="411904"/>
-              <a:ext cx="575799" cy="230832"/>
+              <a:off x="7489191" y="3403206"/>
+              <a:ext cx="3111010" cy="1373332"/>
             </a:xfrm>
             <a:prstGeom prst="rect">
               <a:avLst/>
             </a:prstGeom>
             <a:noFill/>
-          </p:spPr>
-          <p:txBody>
-            <a:bodyPr wrap="none" rtlCol="0">
-              <a:spAutoFit/>
-            </a:bodyPr>
-            <a:lstStyle/>
-            <a:p>
-              <a:r>
-                <a:rPr lang="en-US" sz="900"/>
-                <a:t>Exposed</a:t>
-              </a:r>
-              <a:endParaRPr lang="en-US"/>
-            </a:p>
-          </p:txBody>
-        </p:sp>
-        <p:sp>
-          <p:nvSpPr>
-            <p:cNvPr id="25" name="Oval 24">
-              <a:extLst>
-                <a:ext uri="{FF2B5EF4-FFF2-40B4-BE49-F238E27FC236}">
-                  <a16:creationId xmlns:a16="http://schemas.microsoft.com/office/drawing/2014/main" id="{6A1ACA8B-EC0F-444D-9B62-5D7568653BBA}"/>
-                </a:ext>
-              </a:extLst>
-            </p:cNvPr>
-            <p:cNvSpPr/>
-            <p:nvPr/>
-          </p:nvSpPr>
-          <p:spPr>
-            <a:xfrm>
-              <a:off x="2099847" y="451120"/>
-              <a:ext cx="152400" cy="152400"/>
-            </a:xfrm>
-            <a:prstGeom prst="ellipse">
-              <a:avLst/>
-            </a:prstGeom>
-            <a:solidFill>
-              <a:schemeClr val="bg2"/>
-            </a:solidFill>
-          </p:spPr>
-          <p:style>
-            <a:lnRef idx="2">
-              <a:schemeClr val="accent1">
-                <a:shade val="50000"/>
-              </a:schemeClr>
-            </a:lnRef>
-            <a:fillRef idx="1">
-              <a:schemeClr val="accent1"/>
-            </a:fillRef>
-            <a:effectRef idx="0">
-              <a:schemeClr val="accent1"/>
-            </a:effectRef>
-            <a:fontRef idx="minor">
-              <a:schemeClr val="lt1"/>
-            </a:fontRef>
-          </p:style>
-          <p:txBody>
-            <a:bodyPr rtlCol="0" anchor="ctr"/>
-            <a:lstStyle/>
-            <a:p>
-              <a:pPr algn="ctr"/>
-              <a:endParaRPr lang="en-US"/>
-            </a:p>
-          </p:txBody>
-        </p:sp>
-        <p:sp>
-          <p:nvSpPr>
-            <p:cNvPr id="26" name="TextBox 25">
-              <a:extLst>
-                <a:ext uri="{FF2B5EF4-FFF2-40B4-BE49-F238E27FC236}">
-                  <a16:creationId xmlns:a16="http://schemas.microsoft.com/office/drawing/2014/main" id="{D8D4550F-1F86-5A48-A55B-7E94089F2610}"/>
-                </a:ext>
-              </a:extLst>
-            </p:cNvPr>
-            <p:cNvSpPr txBox="1"/>
-            <p:nvPr/>
-          </p:nvSpPr>
-          <p:spPr>
-            <a:xfrm>
-              <a:off x="2270359" y="411904"/>
-              <a:ext cx="712054" cy="230832"/>
-            </a:xfrm>
-            <a:prstGeom prst="rect">
-              <a:avLst/>
-            </a:prstGeom>
-            <a:noFill/>
-          </p:spPr>
-          <p:txBody>
-            <a:bodyPr wrap="none" rtlCol="0">
-              <a:spAutoFit/>
-            </a:bodyPr>
-            <a:lstStyle/>
-            <a:p>
-              <a:r>
-                <a:rPr lang="en-US" sz="900"/>
-                <a:t>Unexposed</a:t>
-              </a:r>
-              <a:endParaRPr lang="en-US"/>
-            </a:p>
-          </p:txBody>
-        </p:sp>
-        <p:sp>
-          <p:nvSpPr>
-            <p:cNvPr id="27" name="Cross 26">
-              <a:extLst>
-                <a:ext uri="{FF2B5EF4-FFF2-40B4-BE49-F238E27FC236}">
-                  <a16:creationId xmlns:a16="http://schemas.microsoft.com/office/drawing/2014/main" id="{2AED7705-7DC7-0247-89B8-CF249FA665DE}"/>
-                </a:ext>
-              </a:extLst>
-            </p:cNvPr>
-            <p:cNvSpPr/>
-            <p:nvPr/>
-          </p:nvSpPr>
-          <p:spPr>
-            <a:xfrm>
-              <a:off x="3098568" y="452451"/>
-              <a:ext cx="152400" cy="152400"/>
-            </a:xfrm>
-            <a:prstGeom prst="plus">
-              <a:avLst>
-                <a:gd name="adj" fmla="val 47525"/>
-              </a:avLst>
-            </a:prstGeom>
-          </p:spPr>
-          <p:style>
-            <a:lnRef idx="2">
-              <a:schemeClr val="accent1">
-                <a:shade val="50000"/>
-              </a:schemeClr>
-            </a:lnRef>
-            <a:fillRef idx="1">
-              <a:schemeClr val="accent1"/>
-            </a:fillRef>
-            <a:effectRef idx="0">
-              <a:schemeClr val="accent1"/>
-            </a:effectRef>
-            <a:fontRef idx="minor">
-              <a:schemeClr val="lt1"/>
-            </a:fontRef>
-          </p:style>
-          <p:txBody>
-            <a:bodyPr rtlCol="0" anchor="ctr"/>
-            <a:lstStyle/>
-            <a:p>
-              <a:pPr algn="ctr"/>
-              <a:endParaRPr lang="en-US"/>
-            </a:p>
-          </p:txBody>
-        </p:sp>
-        <p:sp>
-          <p:nvSpPr>
-            <p:cNvPr id="28" name="TextBox 27">
-              <a:extLst>
-                <a:ext uri="{FF2B5EF4-FFF2-40B4-BE49-F238E27FC236}">
-                  <a16:creationId xmlns:a16="http://schemas.microsoft.com/office/drawing/2014/main" id="{F2B5A246-A3B8-354A-AEB3-A08AD55F4E53}"/>
-                </a:ext>
-              </a:extLst>
-            </p:cNvPr>
-            <p:cNvSpPr txBox="1"/>
-            <p:nvPr/>
-          </p:nvSpPr>
-          <p:spPr>
-            <a:xfrm>
-              <a:off x="3273173" y="411904"/>
-              <a:ext cx="801823" cy="230832"/>
-            </a:xfrm>
-            <a:prstGeom prst="rect">
-              <a:avLst/>
-            </a:prstGeom>
-            <a:noFill/>
-          </p:spPr>
-          <p:txBody>
-            <a:bodyPr wrap="none" rtlCol="0">
-              <a:spAutoFit/>
-            </a:bodyPr>
-            <a:lstStyle/>
-            <a:p>
-              <a:r>
-                <a:rPr lang="en-US" sz="900"/>
-                <a:t>Has outcome</a:t>
-              </a:r>
-              <a:endParaRPr lang="en-US"/>
-            </a:p>
-          </p:txBody>
-        </p:sp>
-        <p:sp>
-          <p:nvSpPr>
-            <p:cNvPr id="29" name="TextBox 28">
-              <a:extLst>
-                <a:ext uri="{FF2B5EF4-FFF2-40B4-BE49-F238E27FC236}">
-                  <a16:creationId xmlns:a16="http://schemas.microsoft.com/office/drawing/2014/main" id="{54674508-3399-B64B-9C17-C980C07CE9A2}"/>
-                </a:ext>
-              </a:extLst>
-            </p:cNvPr>
-            <p:cNvSpPr txBox="1"/>
-            <p:nvPr/>
-          </p:nvSpPr>
-          <p:spPr>
-            <a:xfrm>
-              <a:off x="1132383" y="808252"/>
-              <a:ext cx="1734770" cy="253916"/>
-            </a:xfrm>
-            <a:prstGeom prst="rect">
-              <a:avLst/>
-            </a:prstGeom>
-            <a:noFill/>
-          </p:spPr>
-          <p:txBody>
-            <a:bodyPr wrap="none" rtlCol="0">
-              <a:spAutoFit/>
-            </a:bodyPr>
-            <a:lstStyle/>
-            <a:p>
-              <a:r>
-                <a:rPr lang="en-US" sz="1050" u="sng"/>
-                <a:t>Randomized Controlled Trial</a:t>
-              </a:r>
-              <a:endParaRPr lang="en-US" sz="2400" u="sng"/>
-            </a:p>
-          </p:txBody>
-        </p:sp>
-        <p:sp>
-          <p:nvSpPr>
-            <p:cNvPr id="30" name="TextBox 29">
-              <a:extLst>
-                <a:ext uri="{FF2B5EF4-FFF2-40B4-BE49-F238E27FC236}">
-                  <a16:creationId xmlns:a16="http://schemas.microsoft.com/office/drawing/2014/main" id="{C95FC9E7-5EE1-0F4B-87EE-FA2064C5BB34}"/>
-                </a:ext>
-              </a:extLst>
-            </p:cNvPr>
-            <p:cNvSpPr txBox="1"/>
-            <p:nvPr/>
-          </p:nvSpPr>
-          <p:spPr>
-            <a:xfrm>
-              <a:off x="2029389" y="1163260"/>
-              <a:ext cx="707245" cy="230832"/>
-            </a:xfrm>
-            <a:prstGeom prst="rect">
-              <a:avLst/>
-            </a:prstGeom>
-            <a:noFill/>
-          </p:spPr>
-          <p:txBody>
-            <a:bodyPr wrap="none" rtlCol="0">
-              <a:spAutoFit/>
-            </a:bodyPr>
-            <a:lstStyle/>
-            <a:p>
-              <a:r>
-                <a:rPr lang="en-US" sz="900"/>
-                <a:t>Randomize</a:t>
-              </a:r>
-              <a:endParaRPr lang="en-US"/>
-            </a:p>
-          </p:txBody>
-        </p:sp>
-        <p:sp>
-          <p:nvSpPr>
-            <p:cNvPr id="31" name="TextBox 30">
-              <a:extLst>
-                <a:ext uri="{FF2B5EF4-FFF2-40B4-BE49-F238E27FC236}">
-                  <a16:creationId xmlns:a16="http://schemas.microsoft.com/office/drawing/2014/main" id="{1F9973B3-3FC8-794B-9DDF-38AB60AAA159}"/>
-                </a:ext>
-              </a:extLst>
-            </p:cNvPr>
-            <p:cNvSpPr txBox="1"/>
-            <p:nvPr/>
-          </p:nvSpPr>
-          <p:spPr>
-            <a:xfrm>
-              <a:off x="3956160" y="1161898"/>
-              <a:ext cx="665567" cy="230832"/>
-            </a:xfrm>
-            <a:prstGeom prst="rect">
-              <a:avLst/>
-            </a:prstGeom>
-            <a:noFill/>
-          </p:spPr>
-          <p:txBody>
-            <a:bodyPr wrap="none" rtlCol="0">
-              <a:spAutoFit/>
-            </a:bodyPr>
-            <a:lstStyle/>
-            <a:p>
-              <a:r>
-                <a:rPr lang="en-US" sz="900"/>
-                <a:t>Follow-Up</a:t>
-              </a:r>
-              <a:endParaRPr lang="en-US"/>
-            </a:p>
-          </p:txBody>
-        </p:sp>
-        <p:sp>
-          <p:nvSpPr>
-            <p:cNvPr id="51" name="Oval 50">
-              <a:extLst>
-                <a:ext uri="{FF2B5EF4-FFF2-40B4-BE49-F238E27FC236}">
-                  <a16:creationId xmlns:a16="http://schemas.microsoft.com/office/drawing/2014/main" id="{1BCF6FB7-0A47-DB4E-A3A0-DF5DE7D9C745}"/>
-                </a:ext>
-              </a:extLst>
-            </p:cNvPr>
-            <p:cNvSpPr/>
-            <p:nvPr/>
-          </p:nvSpPr>
-          <p:spPr>
-            <a:xfrm>
-              <a:off x="1240011" y="2316892"/>
-              <a:ext cx="152400" cy="152400"/>
-            </a:xfrm>
-            <a:prstGeom prst="ellipse">
-              <a:avLst/>
-            </a:prstGeom>
-            <a:solidFill>
-              <a:schemeClr val="bg2"/>
-            </a:solidFill>
-          </p:spPr>
-          <p:style>
-            <a:lnRef idx="2">
-              <a:schemeClr val="accent1">
-                <a:shade val="50000"/>
-              </a:schemeClr>
-            </a:lnRef>
-            <a:fillRef idx="1">
-              <a:schemeClr val="accent1"/>
-            </a:fillRef>
-            <a:effectRef idx="0">
-              <a:schemeClr val="accent1"/>
-            </a:effectRef>
-            <a:fontRef idx="minor">
-              <a:schemeClr val="lt1"/>
-            </a:fontRef>
-          </p:style>
-          <p:txBody>
-            <a:bodyPr rtlCol="0" anchor="ctr"/>
-            <a:lstStyle/>
-            <a:p>
-              <a:pPr algn="ctr"/>
-              <a:endParaRPr lang="en-US"/>
-            </a:p>
-          </p:txBody>
-        </p:sp>
-        <p:sp>
-          <p:nvSpPr>
-            <p:cNvPr id="52" name="Oval 51">
-              <a:extLst>
-                <a:ext uri="{FF2B5EF4-FFF2-40B4-BE49-F238E27FC236}">
-                  <a16:creationId xmlns:a16="http://schemas.microsoft.com/office/drawing/2014/main" id="{16DB875C-5107-D942-A40B-05B0AD48A557}"/>
-                </a:ext>
-              </a:extLst>
-            </p:cNvPr>
-            <p:cNvSpPr/>
-            <p:nvPr/>
-          </p:nvSpPr>
-          <p:spPr>
-            <a:xfrm>
-              <a:off x="1240011" y="2632577"/>
-              <a:ext cx="152400" cy="152400"/>
-            </a:xfrm>
-            <a:prstGeom prst="ellipse">
-              <a:avLst/>
-            </a:prstGeom>
-            <a:solidFill>
-              <a:schemeClr val="accent4">
-                <a:lumMod val="60000"/>
-                <a:lumOff val="40000"/>
-              </a:schemeClr>
-            </a:solidFill>
-          </p:spPr>
-          <p:style>
-            <a:lnRef idx="2">
-              <a:schemeClr val="accent1">
-                <a:shade val="50000"/>
-              </a:schemeClr>
-            </a:lnRef>
-            <a:fillRef idx="1">
-              <a:schemeClr val="accent1"/>
-            </a:fillRef>
-            <a:effectRef idx="0">
-              <a:schemeClr val="accent1"/>
-            </a:effectRef>
-            <a:fontRef idx="minor">
-              <a:schemeClr val="lt1"/>
-            </a:fontRef>
-          </p:style>
-          <p:txBody>
-            <a:bodyPr rtlCol="0" anchor="ctr"/>
-            <a:lstStyle/>
-            <a:p>
-              <a:pPr algn="ctr"/>
-              <a:endParaRPr lang="en-US"/>
-            </a:p>
-          </p:txBody>
-        </p:sp>
-        <p:sp>
-          <p:nvSpPr>
-            <p:cNvPr id="53" name="Oval 52">
-              <a:extLst>
-                <a:ext uri="{FF2B5EF4-FFF2-40B4-BE49-F238E27FC236}">
-                  <a16:creationId xmlns:a16="http://schemas.microsoft.com/office/drawing/2014/main" id="{32472DFD-3D5C-3F43-B792-2522CE9A335E}"/>
-                </a:ext>
-              </a:extLst>
-            </p:cNvPr>
-            <p:cNvSpPr/>
-            <p:nvPr/>
-          </p:nvSpPr>
-          <p:spPr>
-            <a:xfrm>
-              <a:off x="1523040" y="2632577"/>
-              <a:ext cx="152400" cy="152400"/>
-            </a:xfrm>
-            <a:prstGeom prst="ellipse">
-              <a:avLst/>
-            </a:prstGeom>
-            <a:solidFill>
-              <a:schemeClr val="bg2"/>
-            </a:solidFill>
-          </p:spPr>
-          <p:style>
-            <a:lnRef idx="2">
-              <a:schemeClr val="accent1">
-                <a:shade val="50000"/>
-              </a:schemeClr>
-            </a:lnRef>
-            <a:fillRef idx="1">
-              <a:schemeClr val="accent1"/>
-            </a:fillRef>
-            <a:effectRef idx="0">
-              <a:schemeClr val="accent1"/>
-            </a:effectRef>
-            <a:fontRef idx="minor">
-              <a:schemeClr val="lt1"/>
-            </a:fontRef>
-          </p:style>
-          <p:txBody>
-            <a:bodyPr rtlCol="0" anchor="ctr"/>
-            <a:lstStyle/>
-            <a:p>
-              <a:pPr algn="ctr"/>
-              <a:endParaRPr lang="en-US"/>
-            </a:p>
-          </p:txBody>
-        </p:sp>
-        <p:sp>
-          <p:nvSpPr>
-            <p:cNvPr id="54" name="Oval 53">
-              <a:extLst>
-                <a:ext uri="{FF2B5EF4-FFF2-40B4-BE49-F238E27FC236}">
-                  <a16:creationId xmlns:a16="http://schemas.microsoft.com/office/drawing/2014/main" id="{784D5AB1-34BF-1B4E-B323-F11401A0D316}"/>
-                </a:ext>
-              </a:extLst>
-            </p:cNvPr>
-            <p:cNvSpPr/>
-            <p:nvPr/>
-          </p:nvSpPr>
-          <p:spPr>
-            <a:xfrm>
-              <a:off x="1523040" y="2316892"/>
-              <a:ext cx="152400" cy="152400"/>
-            </a:xfrm>
-            <a:prstGeom prst="ellipse">
-              <a:avLst/>
-            </a:prstGeom>
-            <a:solidFill>
-              <a:schemeClr val="accent4">
-                <a:lumMod val="60000"/>
-                <a:lumOff val="40000"/>
-              </a:schemeClr>
-            </a:solidFill>
-          </p:spPr>
-          <p:style>
-            <a:lnRef idx="2">
-              <a:schemeClr val="accent1">
-                <a:shade val="50000"/>
-              </a:schemeClr>
-            </a:lnRef>
-            <a:fillRef idx="1">
-              <a:schemeClr val="accent1"/>
-            </a:fillRef>
-            <a:effectRef idx="0">
-              <a:schemeClr val="accent1"/>
-            </a:effectRef>
-            <a:fontRef idx="minor">
-              <a:schemeClr val="lt1"/>
-            </a:fontRef>
-          </p:style>
-          <p:txBody>
-            <a:bodyPr rtlCol="0" anchor="ctr"/>
-            <a:lstStyle/>
-            <a:p>
-              <a:pPr algn="ctr"/>
-              <a:endParaRPr lang="en-US"/>
-            </a:p>
-          </p:txBody>
-        </p:sp>
-        <p:cxnSp>
-          <p:nvCxnSpPr>
-            <p:cNvPr id="55" name="Straight Arrow Connector 54">
-              <a:extLst>
-                <a:ext uri="{FF2B5EF4-FFF2-40B4-BE49-F238E27FC236}">
-                  <a16:creationId xmlns:a16="http://schemas.microsoft.com/office/drawing/2014/main" id="{1D02B39C-5969-E543-92E1-3E5769EAE9A7}"/>
-                </a:ext>
-              </a:extLst>
-            </p:cNvPr>
-            <p:cNvCxnSpPr/>
-            <p:nvPr/>
-          </p:nvCxnSpPr>
-          <p:spPr>
-            <a:xfrm>
-              <a:off x="1893153" y="2545492"/>
-              <a:ext cx="1077686" cy="0"/>
-            </a:xfrm>
-            <a:prstGeom prst="straightConnector1">
-              <a:avLst/>
-            </a:prstGeom>
             <a:ln>
-              <a:tailEnd type="triangle"/>
+              <a:noFill/>
             </a:ln>
-          </p:spPr>
-          <p:style>
-            <a:lnRef idx="1">
-              <a:schemeClr val="accent1"/>
-            </a:lnRef>
-            <a:fillRef idx="0">
-              <a:schemeClr val="accent1"/>
-            </a:fillRef>
-            <a:effectRef idx="0">
-              <a:schemeClr val="accent1"/>
-            </a:effectRef>
-            <a:fontRef idx="minor">
-              <a:schemeClr val="tx1"/>
-            </a:fontRef>
-          </p:style>
-        </p:cxnSp>
-        <p:sp>
-          <p:nvSpPr>
-            <p:cNvPr id="56" name="Oval 55">
-              <a:extLst>
-                <a:ext uri="{FF2B5EF4-FFF2-40B4-BE49-F238E27FC236}">
-                  <a16:creationId xmlns:a16="http://schemas.microsoft.com/office/drawing/2014/main" id="{B9F158B9-2CA1-E543-B794-11B55888F786}"/>
-                </a:ext>
-              </a:extLst>
-            </p:cNvPr>
-            <p:cNvSpPr/>
-            <p:nvPr/>
-          </p:nvSpPr>
-          <p:spPr>
-            <a:xfrm>
-              <a:off x="3166782" y="2316892"/>
-              <a:ext cx="152400" cy="152400"/>
-            </a:xfrm>
-            <a:prstGeom prst="ellipse">
-              <a:avLst/>
-            </a:prstGeom>
-            <a:solidFill>
-              <a:schemeClr val="bg2"/>
-            </a:solidFill>
-          </p:spPr>
-          <p:style>
-            <a:lnRef idx="2">
-              <a:schemeClr val="accent1">
-                <a:shade val="50000"/>
-              </a:schemeClr>
-            </a:lnRef>
-            <a:fillRef idx="1">
-              <a:schemeClr val="accent1"/>
-            </a:fillRef>
-            <a:effectRef idx="0">
-              <a:schemeClr val="accent1"/>
-            </a:effectRef>
-            <a:fontRef idx="minor">
-              <a:schemeClr val="lt1"/>
-            </a:fontRef>
-          </p:style>
-          <p:txBody>
-            <a:bodyPr rtlCol="0" anchor="ctr"/>
-            <a:lstStyle/>
-            <a:p>
-              <a:pPr algn="ctr"/>
-              <a:endParaRPr lang="en-US"/>
-            </a:p>
-          </p:txBody>
-        </p:sp>
-        <p:sp>
-          <p:nvSpPr>
-            <p:cNvPr id="57" name="Oval 56">
-              <a:extLst>
-                <a:ext uri="{FF2B5EF4-FFF2-40B4-BE49-F238E27FC236}">
-                  <a16:creationId xmlns:a16="http://schemas.microsoft.com/office/drawing/2014/main" id="{5A9A61F5-7BBB-0F48-9EBA-001CBBC0FFD5}"/>
-                </a:ext>
-              </a:extLst>
-            </p:cNvPr>
-            <p:cNvSpPr/>
-            <p:nvPr/>
-          </p:nvSpPr>
-          <p:spPr>
-            <a:xfrm>
-              <a:off x="3166782" y="2632577"/>
-              <a:ext cx="152400" cy="152400"/>
-            </a:xfrm>
-            <a:prstGeom prst="ellipse">
-              <a:avLst/>
-            </a:prstGeom>
-            <a:solidFill>
-              <a:schemeClr val="accent4">
-                <a:lumMod val="60000"/>
-                <a:lumOff val="40000"/>
-              </a:schemeClr>
-            </a:solidFill>
-          </p:spPr>
-          <p:style>
-            <a:lnRef idx="2">
-              <a:schemeClr val="accent1">
-                <a:shade val="50000"/>
-              </a:schemeClr>
-            </a:lnRef>
-            <a:fillRef idx="1">
-              <a:schemeClr val="accent1"/>
-            </a:fillRef>
-            <a:effectRef idx="0">
-              <a:schemeClr val="accent1"/>
-            </a:effectRef>
-            <a:fontRef idx="minor">
-              <a:schemeClr val="lt1"/>
-            </a:fontRef>
-          </p:style>
-          <p:txBody>
-            <a:bodyPr rtlCol="0" anchor="ctr"/>
-            <a:lstStyle/>
-            <a:p>
-              <a:pPr algn="ctr"/>
-              <a:endParaRPr lang="en-US"/>
-            </a:p>
-          </p:txBody>
-        </p:sp>
-        <p:sp>
-          <p:nvSpPr>
-            <p:cNvPr id="58" name="Oval 57">
-              <a:extLst>
-                <a:ext uri="{FF2B5EF4-FFF2-40B4-BE49-F238E27FC236}">
-                  <a16:creationId xmlns:a16="http://schemas.microsoft.com/office/drawing/2014/main" id="{19617A77-C1A8-C247-B5B3-4EA0E352374B}"/>
-                </a:ext>
-              </a:extLst>
-            </p:cNvPr>
-            <p:cNvSpPr/>
-            <p:nvPr/>
-          </p:nvSpPr>
-          <p:spPr>
-            <a:xfrm>
-              <a:off x="3449811" y="2632577"/>
-              <a:ext cx="152400" cy="152400"/>
-            </a:xfrm>
-            <a:prstGeom prst="ellipse">
-              <a:avLst/>
-            </a:prstGeom>
-            <a:solidFill>
-              <a:schemeClr val="bg2"/>
-            </a:solidFill>
-          </p:spPr>
-          <p:style>
-            <a:lnRef idx="2">
-              <a:schemeClr val="accent1">
-                <a:shade val="50000"/>
-              </a:schemeClr>
-            </a:lnRef>
-            <a:fillRef idx="1">
-              <a:schemeClr val="accent1"/>
-            </a:fillRef>
-            <a:effectRef idx="0">
-              <a:schemeClr val="accent1"/>
-            </a:effectRef>
-            <a:fontRef idx="minor">
-              <a:schemeClr val="lt1"/>
-            </a:fontRef>
-          </p:style>
-          <p:txBody>
-            <a:bodyPr rtlCol="0" anchor="ctr"/>
-            <a:lstStyle/>
-            <a:p>
-              <a:pPr algn="ctr"/>
-              <a:endParaRPr lang="en-US"/>
-            </a:p>
-          </p:txBody>
-        </p:sp>
-        <p:sp>
-          <p:nvSpPr>
-            <p:cNvPr id="59" name="Oval 58">
-              <a:extLst>
-                <a:ext uri="{FF2B5EF4-FFF2-40B4-BE49-F238E27FC236}">
-                  <a16:creationId xmlns:a16="http://schemas.microsoft.com/office/drawing/2014/main" id="{883E3549-3330-F848-A524-21512C47E31E}"/>
-                </a:ext>
-              </a:extLst>
-            </p:cNvPr>
-            <p:cNvSpPr/>
-            <p:nvPr/>
-          </p:nvSpPr>
-          <p:spPr>
-            <a:xfrm>
-              <a:off x="3449811" y="2316892"/>
-              <a:ext cx="152400" cy="152400"/>
-            </a:xfrm>
-            <a:prstGeom prst="ellipse">
-              <a:avLst/>
-            </a:prstGeom>
-            <a:solidFill>
-              <a:schemeClr val="accent4">
-                <a:lumMod val="60000"/>
-                <a:lumOff val="40000"/>
-              </a:schemeClr>
-            </a:solidFill>
-          </p:spPr>
-          <p:style>
-            <a:lnRef idx="2">
-              <a:schemeClr val="accent1">
-                <a:shade val="50000"/>
-              </a:schemeClr>
-            </a:lnRef>
-            <a:fillRef idx="1">
-              <a:schemeClr val="accent1"/>
-            </a:fillRef>
-            <a:effectRef idx="0">
-              <a:schemeClr val="accent1"/>
-            </a:effectRef>
-            <a:fontRef idx="minor">
-              <a:schemeClr val="lt1"/>
-            </a:fontRef>
-          </p:style>
-          <p:txBody>
-            <a:bodyPr rtlCol="0" anchor="ctr"/>
-            <a:lstStyle/>
-            <a:p>
-              <a:pPr algn="ctr"/>
-              <a:endParaRPr lang="en-US"/>
-            </a:p>
-          </p:txBody>
-        </p:sp>
-        <p:sp>
-          <p:nvSpPr>
-            <p:cNvPr id="68" name="TextBox 67">
-              <a:extLst>
-                <a:ext uri="{FF2B5EF4-FFF2-40B4-BE49-F238E27FC236}">
-                  <a16:creationId xmlns:a16="http://schemas.microsoft.com/office/drawing/2014/main" id="{F25E5D8C-A792-B94A-802B-8AECE0DACCA3}"/>
-                </a:ext>
-              </a:extLst>
-            </p:cNvPr>
-            <p:cNvSpPr txBox="1"/>
-            <p:nvPr/>
-          </p:nvSpPr>
-          <p:spPr>
-            <a:xfrm>
-              <a:off x="1132383" y="1945645"/>
-              <a:ext cx="899605" cy="253916"/>
-            </a:xfrm>
-            <a:prstGeom prst="rect">
-              <a:avLst/>
-            </a:prstGeom>
-            <a:noFill/>
-          </p:spPr>
-          <p:txBody>
-            <a:bodyPr wrap="none" rtlCol="0">
-              <a:spAutoFit/>
-            </a:bodyPr>
-            <a:lstStyle/>
-            <a:p>
-              <a:r>
-                <a:rPr lang="en-US" sz="1050" u="sng"/>
-                <a:t>Cohort Study</a:t>
-              </a:r>
-              <a:endParaRPr lang="en-US" sz="2400" u="sng"/>
-            </a:p>
-          </p:txBody>
-        </p:sp>
-        <p:sp>
-          <p:nvSpPr>
-            <p:cNvPr id="69" name="TextBox 68">
-              <a:extLst>
-                <a:ext uri="{FF2B5EF4-FFF2-40B4-BE49-F238E27FC236}">
-                  <a16:creationId xmlns:a16="http://schemas.microsoft.com/office/drawing/2014/main" id="{3D97E924-793E-5F42-B5ED-A6ACB995AAA6}"/>
-                </a:ext>
-              </a:extLst>
-            </p:cNvPr>
-            <p:cNvSpPr txBox="1"/>
-            <p:nvPr/>
-          </p:nvSpPr>
-          <p:spPr>
-            <a:xfrm>
-              <a:off x="2029389" y="2300653"/>
-              <a:ext cx="665567" cy="230832"/>
-            </a:xfrm>
-            <a:prstGeom prst="rect">
-              <a:avLst/>
-            </a:prstGeom>
-            <a:noFill/>
-          </p:spPr>
-          <p:txBody>
-            <a:bodyPr wrap="none" rtlCol="0">
-              <a:spAutoFit/>
-            </a:bodyPr>
-            <a:lstStyle/>
-            <a:p>
-              <a:r>
-                <a:rPr lang="en-US" sz="900"/>
-                <a:t>Follow-Up</a:t>
-              </a:r>
-              <a:endParaRPr lang="en-US"/>
-            </a:p>
-          </p:txBody>
-        </p:sp>
-        <p:sp>
-          <p:nvSpPr>
-            <p:cNvPr id="71" name="Cross 70">
-              <a:extLst>
-                <a:ext uri="{FF2B5EF4-FFF2-40B4-BE49-F238E27FC236}">
-                  <a16:creationId xmlns:a16="http://schemas.microsoft.com/office/drawing/2014/main" id="{4E475663-BE83-E64B-B511-5816CDAE017A}"/>
-                </a:ext>
-              </a:extLst>
-            </p:cNvPr>
-            <p:cNvSpPr/>
-            <p:nvPr/>
-          </p:nvSpPr>
-          <p:spPr>
-            <a:xfrm>
-              <a:off x="3169345" y="2316892"/>
-              <a:ext cx="152400" cy="152400"/>
-            </a:xfrm>
-            <a:prstGeom prst="plus">
-              <a:avLst>
-                <a:gd name="adj" fmla="val 47525"/>
-              </a:avLst>
-            </a:prstGeom>
-          </p:spPr>
-          <p:style>
-            <a:lnRef idx="2">
-              <a:schemeClr val="accent1">
-                <a:shade val="50000"/>
-              </a:schemeClr>
-            </a:lnRef>
-            <a:fillRef idx="1">
-              <a:schemeClr val="accent1"/>
-            </a:fillRef>
-            <a:effectRef idx="0">
-              <a:schemeClr val="accent1"/>
-            </a:effectRef>
-            <a:fontRef idx="minor">
-              <a:schemeClr val="lt1"/>
-            </a:fontRef>
-          </p:style>
-          <p:txBody>
-            <a:bodyPr rtlCol="0" anchor="ctr"/>
-            <a:lstStyle/>
-            <a:p>
-              <a:pPr algn="ctr"/>
-              <a:endParaRPr lang="en-US"/>
-            </a:p>
-          </p:txBody>
-        </p:sp>
-        <p:sp>
-          <p:nvSpPr>
-            <p:cNvPr id="72" name="Cross 71">
-              <a:extLst>
-                <a:ext uri="{FF2B5EF4-FFF2-40B4-BE49-F238E27FC236}">
-                  <a16:creationId xmlns:a16="http://schemas.microsoft.com/office/drawing/2014/main" id="{B08A09ED-D716-5140-884E-F6B8B6474C65}"/>
-                </a:ext>
-              </a:extLst>
-            </p:cNvPr>
-            <p:cNvSpPr/>
-            <p:nvPr/>
-          </p:nvSpPr>
-          <p:spPr>
-            <a:xfrm>
-              <a:off x="3447248" y="2316892"/>
-              <a:ext cx="152400" cy="152400"/>
-            </a:xfrm>
-            <a:prstGeom prst="plus">
-              <a:avLst>
-                <a:gd name="adj" fmla="val 47525"/>
-              </a:avLst>
-            </a:prstGeom>
-          </p:spPr>
-          <p:style>
-            <a:lnRef idx="2">
-              <a:schemeClr val="accent1">
-                <a:shade val="50000"/>
-              </a:schemeClr>
-            </a:lnRef>
-            <a:fillRef idx="1">
-              <a:schemeClr val="accent1"/>
-            </a:fillRef>
-            <a:effectRef idx="0">
-              <a:schemeClr val="accent1"/>
-            </a:effectRef>
-            <a:fontRef idx="minor">
-              <a:schemeClr val="lt1"/>
-            </a:fontRef>
-          </p:style>
-          <p:txBody>
-            <a:bodyPr rtlCol="0" anchor="ctr"/>
-            <a:lstStyle/>
-            <a:p>
-              <a:pPr algn="ctr"/>
-              <a:endParaRPr lang="en-US"/>
-            </a:p>
-          </p:txBody>
-        </p:sp>
-        <p:sp>
-          <p:nvSpPr>
-            <p:cNvPr id="73" name="Cross 72">
-              <a:extLst>
-                <a:ext uri="{FF2B5EF4-FFF2-40B4-BE49-F238E27FC236}">
-                  <a16:creationId xmlns:a16="http://schemas.microsoft.com/office/drawing/2014/main" id="{B761C82E-A2C0-2F4F-98CC-0AFBF10E36C7}"/>
-                </a:ext>
-              </a:extLst>
-            </p:cNvPr>
-            <p:cNvSpPr/>
-            <p:nvPr/>
-          </p:nvSpPr>
-          <p:spPr>
-            <a:xfrm>
-              <a:off x="3447248" y="2632577"/>
-              <a:ext cx="152400" cy="152400"/>
-            </a:xfrm>
-            <a:prstGeom prst="plus">
-              <a:avLst>
-                <a:gd name="adj" fmla="val 47525"/>
-              </a:avLst>
-            </a:prstGeom>
-          </p:spPr>
-          <p:style>
-            <a:lnRef idx="2">
-              <a:schemeClr val="accent1">
-                <a:shade val="50000"/>
-              </a:schemeClr>
-            </a:lnRef>
-            <a:fillRef idx="1">
-              <a:schemeClr val="accent1"/>
-            </a:fillRef>
-            <a:effectRef idx="0">
-              <a:schemeClr val="accent1"/>
-            </a:effectRef>
-            <a:fontRef idx="minor">
-              <a:schemeClr val="lt1"/>
-            </a:fontRef>
-          </p:style>
-          <p:txBody>
-            <a:bodyPr rtlCol="0" anchor="ctr"/>
-            <a:lstStyle/>
-            <a:p>
-              <a:pPr algn="ctr"/>
-              <a:endParaRPr lang="en-US"/>
-            </a:p>
-          </p:txBody>
-        </p:sp>
-        <p:sp>
-          <p:nvSpPr>
-            <p:cNvPr id="74" name="Oval 73">
-              <a:extLst>
-                <a:ext uri="{FF2B5EF4-FFF2-40B4-BE49-F238E27FC236}">
-                  <a16:creationId xmlns:a16="http://schemas.microsoft.com/office/drawing/2014/main" id="{E1BF636E-EFE4-9F4C-9454-342718769497}"/>
-                </a:ext>
-              </a:extLst>
-            </p:cNvPr>
-            <p:cNvSpPr/>
-            <p:nvPr/>
-          </p:nvSpPr>
-          <p:spPr>
-            <a:xfrm>
-              <a:off x="3166684" y="3509847"/>
-              <a:ext cx="152400" cy="152400"/>
-            </a:xfrm>
-            <a:prstGeom prst="ellipse">
-              <a:avLst/>
-            </a:prstGeom>
-            <a:noFill/>
-          </p:spPr>
-          <p:style>
-            <a:lnRef idx="2">
-              <a:schemeClr val="accent1">
-                <a:shade val="50000"/>
-              </a:schemeClr>
-            </a:lnRef>
-            <a:fillRef idx="1">
-              <a:schemeClr val="accent1"/>
-            </a:fillRef>
-            <a:effectRef idx="0">
-              <a:schemeClr val="accent1"/>
-            </a:effectRef>
-            <a:fontRef idx="minor">
-              <a:schemeClr val="lt1"/>
-            </a:fontRef>
-          </p:style>
-          <p:txBody>
-            <a:bodyPr rtlCol="0" anchor="ctr"/>
-            <a:lstStyle/>
-            <a:p>
-              <a:pPr algn="ctr"/>
-              <a:endParaRPr lang="en-US"/>
-            </a:p>
-          </p:txBody>
-        </p:sp>
-        <p:sp>
-          <p:nvSpPr>
-            <p:cNvPr id="75" name="Oval 74">
-              <a:extLst>
-                <a:ext uri="{FF2B5EF4-FFF2-40B4-BE49-F238E27FC236}">
-                  <a16:creationId xmlns:a16="http://schemas.microsoft.com/office/drawing/2014/main" id="{1208142C-606B-7F49-AA9B-5E01862F5171}"/>
-                </a:ext>
-              </a:extLst>
-            </p:cNvPr>
-            <p:cNvSpPr/>
-            <p:nvPr/>
-          </p:nvSpPr>
-          <p:spPr>
-            <a:xfrm>
-              <a:off x="3166684" y="3825532"/>
-              <a:ext cx="152400" cy="152400"/>
-            </a:xfrm>
-            <a:prstGeom prst="ellipse">
-              <a:avLst/>
-            </a:prstGeom>
-            <a:noFill/>
-          </p:spPr>
-          <p:style>
-            <a:lnRef idx="2">
-              <a:schemeClr val="accent1">
-                <a:shade val="50000"/>
-              </a:schemeClr>
-            </a:lnRef>
-            <a:fillRef idx="1">
-              <a:schemeClr val="accent1"/>
-            </a:fillRef>
-            <a:effectRef idx="0">
-              <a:schemeClr val="accent1"/>
-            </a:effectRef>
-            <a:fontRef idx="minor">
-              <a:schemeClr val="lt1"/>
-            </a:fontRef>
-          </p:style>
-          <p:txBody>
-            <a:bodyPr rtlCol="0" anchor="ctr"/>
-            <a:lstStyle/>
-            <a:p>
-              <a:pPr algn="ctr"/>
-              <a:endParaRPr lang="en-US"/>
-            </a:p>
-          </p:txBody>
-        </p:sp>
-        <p:sp>
-          <p:nvSpPr>
-            <p:cNvPr id="76" name="Oval 75">
-              <a:extLst>
-                <a:ext uri="{FF2B5EF4-FFF2-40B4-BE49-F238E27FC236}">
-                  <a16:creationId xmlns:a16="http://schemas.microsoft.com/office/drawing/2014/main" id="{5CBC1B72-868F-AA45-BFD1-DDC18438A272}"/>
-                </a:ext>
-              </a:extLst>
-            </p:cNvPr>
-            <p:cNvSpPr/>
-            <p:nvPr/>
-          </p:nvSpPr>
-          <p:spPr>
-            <a:xfrm>
-              <a:off x="3449713" y="3825532"/>
-              <a:ext cx="152400" cy="152400"/>
-            </a:xfrm>
-            <a:prstGeom prst="ellipse">
-              <a:avLst/>
-            </a:prstGeom>
-            <a:noFill/>
-          </p:spPr>
-          <p:style>
-            <a:lnRef idx="2">
-              <a:schemeClr val="accent1">
-                <a:shade val="50000"/>
-              </a:schemeClr>
-            </a:lnRef>
-            <a:fillRef idx="1">
-              <a:schemeClr val="accent1"/>
-            </a:fillRef>
-            <a:effectRef idx="0">
-              <a:schemeClr val="accent1"/>
-            </a:effectRef>
-            <a:fontRef idx="minor">
-              <a:schemeClr val="lt1"/>
-            </a:fontRef>
-          </p:style>
-          <p:txBody>
-            <a:bodyPr rtlCol="0" anchor="ctr"/>
-            <a:lstStyle/>
-            <a:p>
-              <a:pPr algn="ctr"/>
-              <a:endParaRPr lang="en-US"/>
-            </a:p>
-          </p:txBody>
-        </p:sp>
-        <p:sp>
-          <p:nvSpPr>
-            <p:cNvPr id="77" name="Oval 76">
-              <a:extLst>
-                <a:ext uri="{FF2B5EF4-FFF2-40B4-BE49-F238E27FC236}">
-                  <a16:creationId xmlns:a16="http://schemas.microsoft.com/office/drawing/2014/main" id="{DE3F3DCC-C6A6-5F4B-8175-7F3A80A063E7}"/>
-                </a:ext>
-              </a:extLst>
-            </p:cNvPr>
-            <p:cNvSpPr/>
-            <p:nvPr/>
-          </p:nvSpPr>
-          <p:spPr>
-            <a:xfrm>
-              <a:off x="3449713" y="3509847"/>
-              <a:ext cx="152400" cy="152400"/>
-            </a:xfrm>
-            <a:prstGeom prst="ellipse">
-              <a:avLst/>
-            </a:prstGeom>
-            <a:noFill/>
-          </p:spPr>
-          <p:style>
-            <a:lnRef idx="2">
-              <a:schemeClr val="accent1">
-                <a:shade val="50000"/>
-              </a:schemeClr>
-            </a:lnRef>
-            <a:fillRef idx="1">
-              <a:schemeClr val="accent1"/>
-            </a:fillRef>
-            <a:effectRef idx="0">
-              <a:schemeClr val="accent1"/>
-            </a:effectRef>
-            <a:fontRef idx="minor">
-              <a:schemeClr val="lt1"/>
-            </a:fontRef>
-          </p:style>
-          <p:txBody>
-            <a:bodyPr rtlCol="0" anchor="ctr"/>
-            <a:lstStyle/>
-            <a:p>
-              <a:pPr algn="ctr"/>
-              <a:endParaRPr lang="en-US"/>
-            </a:p>
-          </p:txBody>
-        </p:sp>
-        <p:cxnSp>
-          <p:nvCxnSpPr>
-            <p:cNvPr id="78" name="Straight Arrow Connector 77">
-              <a:extLst>
-                <a:ext uri="{FF2B5EF4-FFF2-40B4-BE49-F238E27FC236}">
-                  <a16:creationId xmlns:a16="http://schemas.microsoft.com/office/drawing/2014/main" id="{85BD2FF6-517F-4147-B97E-E44A2EBB16DA}"/>
-                </a:ext>
-              </a:extLst>
-            </p:cNvPr>
-            <p:cNvCxnSpPr>
-              <a:cxnSpLocks/>
-            </p:cNvCxnSpPr>
-            <p:nvPr/>
-          </p:nvCxnSpPr>
-          <p:spPr>
-            <a:xfrm flipH="1">
-              <a:off x="1814600" y="3742266"/>
-              <a:ext cx="1156239" cy="0"/>
-            </a:xfrm>
-            <a:prstGeom prst="straightConnector1">
-              <a:avLst/>
-            </a:prstGeom>
-            <a:ln>
-              <a:tailEnd type="triangle"/>
-            </a:ln>
-          </p:spPr>
-          <p:style>
-            <a:lnRef idx="1">
-              <a:schemeClr val="accent1"/>
-            </a:lnRef>
-            <a:fillRef idx="0">
-              <a:schemeClr val="accent1"/>
-            </a:fillRef>
-            <a:effectRef idx="0">
-              <a:schemeClr val="accent1"/>
-            </a:effectRef>
-            <a:fontRef idx="minor">
-              <a:schemeClr val="tx1"/>
-            </a:fontRef>
-          </p:style>
-        </p:cxnSp>
-        <p:sp>
-          <p:nvSpPr>
-            <p:cNvPr id="79" name="Oval 78">
-              <a:extLst>
-                <a:ext uri="{FF2B5EF4-FFF2-40B4-BE49-F238E27FC236}">
-                  <a16:creationId xmlns:a16="http://schemas.microsoft.com/office/drawing/2014/main" id="{FD46CD0A-ADD8-2744-BA24-7FA2542BFE14}"/>
-                </a:ext>
-              </a:extLst>
-            </p:cNvPr>
-            <p:cNvSpPr/>
-            <p:nvPr/>
-          </p:nvSpPr>
-          <p:spPr>
-            <a:xfrm>
-              <a:off x="1242188" y="3509847"/>
-              <a:ext cx="152400" cy="152400"/>
-            </a:xfrm>
-            <a:prstGeom prst="ellipse">
-              <a:avLst/>
-            </a:prstGeom>
-            <a:solidFill>
-              <a:schemeClr val="bg2"/>
-            </a:solidFill>
-          </p:spPr>
-          <p:style>
-            <a:lnRef idx="2">
-              <a:schemeClr val="accent1">
-                <a:shade val="50000"/>
-              </a:schemeClr>
-            </a:lnRef>
-            <a:fillRef idx="1">
-              <a:schemeClr val="accent1"/>
-            </a:fillRef>
-            <a:effectRef idx="0">
-              <a:schemeClr val="accent1"/>
-            </a:effectRef>
-            <a:fontRef idx="minor">
-              <a:schemeClr val="lt1"/>
-            </a:fontRef>
-          </p:style>
-          <p:txBody>
-            <a:bodyPr rtlCol="0" anchor="ctr"/>
-            <a:lstStyle/>
-            <a:p>
-              <a:pPr algn="ctr"/>
-              <a:endParaRPr lang="en-US"/>
-            </a:p>
-          </p:txBody>
-        </p:sp>
-        <p:sp>
-          <p:nvSpPr>
-            <p:cNvPr id="80" name="Oval 79">
-              <a:extLst>
-                <a:ext uri="{FF2B5EF4-FFF2-40B4-BE49-F238E27FC236}">
-                  <a16:creationId xmlns:a16="http://schemas.microsoft.com/office/drawing/2014/main" id="{335A81B9-CCB4-B74D-A481-05E18FBF7201}"/>
-                </a:ext>
-              </a:extLst>
-            </p:cNvPr>
-            <p:cNvSpPr/>
-            <p:nvPr/>
-          </p:nvSpPr>
-          <p:spPr>
-            <a:xfrm>
-              <a:off x="1242188" y="3825532"/>
-              <a:ext cx="152400" cy="152400"/>
-            </a:xfrm>
-            <a:prstGeom prst="ellipse">
-              <a:avLst/>
-            </a:prstGeom>
-            <a:solidFill>
-              <a:schemeClr val="accent4">
-                <a:lumMod val="60000"/>
-                <a:lumOff val="40000"/>
-              </a:schemeClr>
-            </a:solidFill>
-          </p:spPr>
-          <p:style>
-            <a:lnRef idx="2">
-              <a:schemeClr val="accent1">
-                <a:shade val="50000"/>
-              </a:schemeClr>
-            </a:lnRef>
-            <a:fillRef idx="1">
-              <a:schemeClr val="accent1"/>
-            </a:fillRef>
-            <a:effectRef idx="0">
-              <a:schemeClr val="accent1"/>
-            </a:effectRef>
-            <a:fontRef idx="minor">
-              <a:schemeClr val="lt1"/>
-            </a:fontRef>
-          </p:style>
-          <p:txBody>
-            <a:bodyPr rtlCol="0" anchor="ctr"/>
-            <a:lstStyle/>
-            <a:p>
-              <a:pPr algn="ctr"/>
-              <a:endParaRPr lang="en-US"/>
-            </a:p>
-          </p:txBody>
-        </p:sp>
-        <p:sp>
-          <p:nvSpPr>
-            <p:cNvPr id="81" name="Oval 80">
-              <a:extLst>
-                <a:ext uri="{FF2B5EF4-FFF2-40B4-BE49-F238E27FC236}">
-                  <a16:creationId xmlns:a16="http://schemas.microsoft.com/office/drawing/2014/main" id="{23DBBC78-65E4-E842-A6AF-86C6DFA6E1D8}"/>
-                </a:ext>
-              </a:extLst>
-            </p:cNvPr>
-            <p:cNvSpPr/>
-            <p:nvPr/>
-          </p:nvSpPr>
-          <p:spPr>
-            <a:xfrm>
-              <a:off x="1525217" y="3825532"/>
-              <a:ext cx="152400" cy="152400"/>
-            </a:xfrm>
-            <a:prstGeom prst="ellipse">
-              <a:avLst/>
-            </a:prstGeom>
-            <a:solidFill>
-              <a:schemeClr val="bg2"/>
-            </a:solidFill>
-          </p:spPr>
-          <p:style>
-            <a:lnRef idx="2">
-              <a:schemeClr val="accent1">
-                <a:shade val="50000"/>
-              </a:schemeClr>
-            </a:lnRef>
-            <a:fillRef idx="1">
-              <a:schemeClr val="accent1"/>
-            </a:fillRef>
-            <a:effectRef idx="0">
-              <a:schemeClr val="accent1"/>
-            </a:effectRef>
-            <a:fontRef idx="minor">
-              <a:schemeClr val="lt1"/>
-            </a:fontRef>
-          </p:style>
-          <p:txBody>
-            <a:bodyPr rtlCol="0" anchor="ctr"/>
-            <a:lstStyle/>
-            <a:p>
-              <a:pPr algn="ctr"/>
-              <a:endParaRPr lang="en-US"/>
-            </a:p>
-          </p:txBody>
-        </p:sp>
-        <p:sp>
-          <p:nvSpPr>
-            <p:cNvPr id="82" name="Oval 81">
-              <a:extLst>
-                <a:ext uri="{FF2B5EF4-FFF2-40B4-BE49-F238E27FC236}">
-                  <a16:creationId xmlns:a16="http://schemas.microsoft.com/office/drawing/2014/main" id="{AF15953D-0C08-9B4B-853E-E77A75A5D0FB}"/>
-                </a:ext>
-              </a:extLst>
-            </p:cNvPr>
-            <p:cNvSpPr/>
-            <p:nvPr/>
-          </p:nvSpPr>
-          <p:spPr>
-            <a:xfrm>
-              <a:off x="1525217" y="3509847"/>
-              <a:ext cx="152400" cy="152400"/>
-            </a:xfrm>
-            <a:prstGeom prst="ellipse">
-              <a:avLst/>
-            </a:prstGeom>
-            <a:solidFill>
-              <a:schemeClr val="bg2"/>
-            </a:solidFill>
-          </p:spPr>
-          <p:style>
-            <a:lnRef idx="2">
-              <a:schemeClr val="accent1">
-                <a:shade val="50000"/>
-              </a:schemeClr>
-            </a:lnRef>
-            <a:fillRef idx="1">
-              <a:schemeClr val="accent1"/>
-            </a:fillRef>
-            <a:effectRef idx="0">
-              <a:schemeClr val="accent1"/>
-            </a:effectRef>
-            <a:fontRef idx="minor">
-              <a:schemeClr val="lt1"/>
-            </a:fontRef>
-          </p:style>
-          <p:txBody>
-            <a:bodyPr rtlCol="0" anchor="ctr"/>
-            <a:lstStyle/>
-            <a:p>
-              <a:pPr algn="ctr"/>
-              <a:endParaRPr lang="en-US"/>
-            </a:p>
-          </p:txBody>
-        </p:sp>
-        <p:sp>
-          <p:nvSpPr>
-            <p:cNvPr id="83" name="TextBox 82">
-              <a:extLst>
-                <a:ext uri="{FF2B5EF4-FFF2-40B4-BE49-F238E27FC236}">
-                  <a16:creationId xmlns:a16="http://schemas.microsoft.com/office/drawing/2014/main" id="{F3592A11-D0B9-6846-8429-98643FF02912}"/>
-                </a:ext>
-              </a:extLst>
-            </p:cNvPr>
-            <p:cNvSpPr txBox="1"/>
-            <p:nvPr/>
-          </p:nvSpPr>
-          <p:spPr>
-            <a:xfrm>
-              <a:off x="1132383" y="3138600"/>
-              <a:ext cx="1217000" cy="253916"/>
-            </a:xfrm>
-            <a:prstGeom prst="rect">
-              <a:avLst/>
-            </a:prstGeom>
-            <a:noFill/>
-          </p:spPr>
-          <p:txBody>
-            <a:bodyPr wrap="none" rtlCol="0">
-              <a:spAutoFit/>
-            </a:bodyPr>
-            <a:lstStyle/>
-            <a:p>
-              <a:r>
-                <a:rPr lang="en-US" sz="1050" u="sng"/>
-                <a:t>Case Control Study</a:t>
-              </a:r>
-              <a:endParaRPr lang="en-US" sz="2400" u="sng"/>
-            </a:p>
-          </p:txBody>
-        </p:sp>
-        <p:sp>
-          <p:nvSpPr>
-            <p:cNvPr id="84" name="TextBox 83">
-              <a:extLst>
-                <a:ext uri="{FF2B5EF4-FFF2-40B4-BE49-F238E27FC236}">
-                  <a16:creationId xmlns:a16="http://schemas.microsoft.com/office/drawing/2014/main" id="{2E380F89-9F5B-5C41-B1C6-D81BFF841921}"/>
-                </a:ext>
-              </a:extLst>
-            </p:cNvPr>
-            <p:cNvSpPr txBox="1"/>
-            <p:nvPr/>
-          </p:nvSpPr>
-          <p:spPr>
-            <a:xfrm>
-              <a:off x="1870899" y="3367442"/>
-              <a:ext cx="1077686" cy="369332"/>
-            </a:xfrm>
-            <a:prstGeom prst="rect">
-              <a:avLst/>
-            </a:prstGeom>
-            <a:noFill/>
-          </p:spPr>
-          <p:txBody>
-            <a:bodyPr wrap="square" rtlCol="0">
-              <a:spAutoFit/>
-            </a:bodyPr>
-            <a:lstStyle/>
-            <a:p>
-              <a:pPr algn="ctr"/>
-              <a:r>
-                <a:rPr lang="en-US" sz="900"/>
-                <a:t>Retrospective Ascertainment</a:t>
-              </a:r>
-              <a:endParaRPr lang="en-US"/>
-            </a:p>
-          </p:txBody>
-        </p:sp>
-        <p:sp>
-          <p:nvSpPr>
-            <p:cNvPr id="85" name="Cross 84">
-              <a:extLst>
-                <a:ext uri="{FF2B5EF4-FFF2-40B4-BE49-F238E27FC236}">
-                  <a16:creationId xmlns:a16="http://schemas.microsoft.com/office/drawing/2014/main" id="{0B3DB8DE-7090-3949-8FE9-143947F5C5B9}"/>
-                </a:ext>
-              </a:extLst>
-            </p:cNvPr>
-            <p:cNvSpPr/>
-            <p:nvPr/>
-          </p:nvSpPr>
-          <p:spPr>
-            <a:xfrm>
-              <a:off x="1244751" y="3509847"/>
-              <a:ext cx="152400" cy="152400"/>
-            </a:xfrm>
-            <a:prstGeom prst="plus">
-              <a:avLst>
-                <a:gd name="adj" fmla="val 47525"/>
-              </a:avLst>
-            </a:prstGeom>
-          </p:spPr>
-          <p:style>
-            <a:lnRef idx="2">
-              <a:schemeClr val="accent1">
-                <a:shade val="50000"/>
-              </a:schemeClr>
-            </a:lnRef>
-            <a:fillRef idx="1">
-              <a:schemeClr val="accent1"/>
-            </a:fillRef>
-            <a:effectRef idx="0">
-              <a:schemeClr val="accent1"/>
-            </a:effectRef>
-            <a:fontRef idx="minor">
-              <a:schemeClr val="lt1"/>
-            </a:fontRef>
-          </p:style>
-          <p:txBody>
-            <a:bodyPr rtlCol="0" anchor="ctr"/>
-            <a:lstStyle/>
-            <a:p>
-              <a:pPr algn="ctr"/>
-              <a:endParaRPr lang="en-US"/>
-            </a:p>
-          </p:txBody>
-        </p:sp>
-        <p:sp>
-          <p:nvSpPr>
-            <p:cNvPr id="86" name="Cross 85">
-              <a:extLst>
-                <a:ext uri="{FF2B5EF4-FFF2-40B4-BE49-F238E27FC236}">
-                  <a16:creationId xmlns:a16="http://schemas.microsoft.com/office/drawing/2014/main" id="{BF8E500D-CBFA-C24F-8459-EE3C9755E8A7}"/>
-                </a:ext>
-              </a:extLst>
-            </p:cNvPr>
-            <p:cNvSpPr/>
-            <p:nvPr/>
-          </p:nvSpPr>
-          <p:spPr>
-            <a:xfrm>
-              <a:off x="1522654" y="3509847"/>
-              <a:ext cx="152400" cy="152400"/>
-            </a:xfrm>
-            <a:prstGeom prst="plus">
-              <a:avLst>
-                <a:gd name="adj" fmla="val 47525"/>
-              </a:avLst>
-            </a:prstGeom>
-          </p:spPr>
-          <p:style>
-            <a:lnRef idx="2">
-              <a:schemeClr val="accent1">
-                <a:shade val="50000"/>
-              </a:schemeClr>
-            </a:lnRef>
-            <a:fillRef idx="1">
-              <a:schemeClr val="accent1"/>
-            </a:fillRef>
-            <a:effectRef idx="0">
-              <a:schemeClr val="accent1"/>
-            </a:effectRef>
-            <a:fontRef idx="minor">
-              <a:schemeClr val="lt1"/>
-            </a:fontRef>
-          </p:style>
-          <p:txBody>
-            <a:bodyPr rtlCol="0" anchor="ctr"/>
-            <a:lstStyle/>
-            <a:p>
-              <a:pPr algn="ctr"/>
-              <a:endParaRPr lang="en-US"/>
-            </a:p>
-          </p:txBody>
-        </p:sp>
-        <p:sp>
-          <p:nvSpPr>
-            <p:cNvPr id="88" name="Cross 87">
-              <a:extLst>
-                <a:ext uri="{FF2B5EF4-FFF2-40B4-BE49-F238E27FC236}">
-                  <a16:creationId xmlns:a16="http://schemas.microsoft.com/office/drawing/2014/main" id="{221EAD41-9CA4-EE40-B750-95E7C6344312}"/>
-                </a:ext>
-              </a:extLst>
-            </p:cNvPr>
-            <p:cNvSpPr/>
-            <p:nvPr/>
-          </p:nvSpPr>
-          <p:spPr>
-            <a:xfrm>
-              <a:off x="3164121" y="3509847"/>
-              <a:ext cx="152400" cy="152400"/>
-            </a:xfrm>
-            <a:prstGeom prst="plus">
-              <a:avLst>
-                <a:gd name="adj" fmla="val 47525"/>
-              </a:avLst>
-            </a:prstGeom>
-          </p:spPr>
-          <p:style>
-            <a:lnRef idx="2">
-              <a:schemeClr val="accent1">
-                <a:shade val="50000"/>
-              </a:schemeClr>
-            </a:lnRef>
-            <a:fillRef idx="1">
-              <a:schemeClr val="accent1"/>
-            </a:fillRef>
-            <a:effectRef idx="0">
-              <a:schemeClr val="accent1"/>
-            </a:effectRef>
-            <a:fontRef idx="minor">
-              <a:schemeClr val="lt1"/>
-            </a:fontRef>
-          </p:style>
-          <p:txBody>
-            <a:bodyPr rtlCol="0" anchor="ctr"/>
-            <a:lstStyle/>
-            <a:p>
-              <a:pPr algn="ctr"/>
-              <a:endParaRPr lang="en-US"/>
-            </a:p>
-          </p:txBody>
-        </p:sp>
-        <p:sp>
-          <p:nvSpPr>
-            <p:cNvPr id="89" name="Cross 88">
-              <a:extLst>
-                <a:ext uri="{FF2B5EF4-FFF2-40B4-BE49-F238E27FC236}">
-                  <a16:creationId xmlns:a16="http://schemas.microsoft.com/office/drawing/2014/main" id="{BDE05B3D-32DA-2E45-AA11-525F56CF892D}"/>
-                </a:ext>
-              </a:extLst>
-            </p:cNvPr>
-            <p:cNvSpPr/>
-            <p:nvPr/>
-          </p:nvSpPr>
-          <p:spPr>
-            <a:xfrm>
-              <a:off x="3455472" y="3509847"/>
-              <a:ext cx="152400" cy="152400"/>
-            </a:xfrm>
-            <a:prstGeom prst="plus">
-              <a:avLst>
-                <a:gd name="adj" fmla="val 47525"/>
-              </a:avLst>
-            </a:prstGeom>
-          </p:spPr>
-          <p:style>
-            <a:lnRef idx="2">
-              <a:schemeClr val="accent1">
-                <a:shade val="50000"/>
-              </a:schemeClr>
-            </a:lnRef>
-            <a:fillRef idx="1">
-              <a:schemeClr val="accent1"/>
-            </a:fillRef>
-            <a:effectRef idx="0">
-              <a:schemeClr val="accent1"/>
-            </a:effectRef>
-            <a:fontRef idx="minor">
-              <a:schemeClr val="lt1"/>
-            </a:fontRef>
-          </p:style>
-          <p:txBody>
-            <a:bodyPr rtlCol="0" anchor="ctr"/>
-            <a:lstStyle/>
-            <a:p>
-              <a:pPr algn="ctr"/>
-              <a:endParaRPr lang="en-US"/>
-            </a:p>
-          </p:txBody>
-        </p:sp>
-        <p:sp>
-          <p:nvSpPr>
-            <p:cNvPr id="95" name="Oval 94">
-              <a:extLst>
-                <a:ext uri="{FF2B5EF4-FFF2-40B4-BE49-F238E27FC236}">
-                  <a16:creationId xmlns:a16="http://schemas.microsoft.com/office/drawing/2014/main" id="{47B29EC9-A4DE-8747-ABC9-B690AEFE9FD1}"/>
-                </a:ext>
-              </a:extLst>
-            </p:cNvPr>
-            <p:cNvSpPr/>
-            <p:nvPr/>
-          </p:nvSpPr>
-          <p:spPr>
-            <a:xfrm>
-              <a:off x="5011698" y="2299291"/>
-              <a:ext cx="152400" cy="152400"/>
-            </a:xfrm>
-            <a:prstGeom prst="ellipse">
-              <a:avLst/>
-            </a:prstGeom>
-            <a:solidFill>
-              <a:schemeClr val="bg2"/>
-            </a:solidFill>
-          </p:spPr>
-          <p:style>
-            <a:lnRef idx="2">
-              <a:schemeClr val="accent1">
-                <a:shade val="50000"/>
-              </a:schemeClr>
-            </a:lnRef>
-            <a:fillRef idx="1">
-              <a:schemeClr val="accent1"/>
-            </a:fillRef>
-            <a:effectRef idx="0">
-              <a:schemeClr val="accent1"/>
-            </a:effectRef>
-            <a:fontRef idx="minor">
-              <a:schemeClr val="lt1"/>
-            </a:fontRef>
-          </p:style>
-          <p:txBody>
-            <a:bodyPr rtlCol="0" anchor="ctr"/>
-            <a:lstStyle/>
-            <a:p>
-              <a:pPr algn="ctr"/>
-              <a:endParaRPr lang="en-US"/>
-            </a:p>
-          </p:txBody>
-        </p:sp>
-        <p:sp>
-          <p:nvSpPr>
-            <p:cNvPr id="96" name="Oval 95">
-              <a:extLst>
-                <a:ext uri="{FF2B5EF4-FFF2-40B4-BE49-F238E27FC236}">
-                  <a16:creationId xmlns:a16="http://schemas.microsoft.com/office/drawing/2014/main" id="{7091EA7D-6A3D-FB4E-9F06-208D685A8C4A}"/>
-                </a:ext>
-              </a:extLst>
-            </p:cNvPr>
-            <p:cNvSpPr/>
-            <p:nvPr/>
-          </p:nvSpPr>
-          <p:spPr>
-            <a:xfrm>
-              <a:off x="5011698" y="2614976"/>
-              <a:ext cx="152400" cy="152400"/>
-            </a:xfrm>
-            <a:prstGeom prst="ellipse">
-              <a:avLst/>
-            </a:prstGeom>
-            <a:solidFill>
-              <a:schemeClr val="accent4">
-                <a:lumMod val="60000"/>
-                <a:lumOff val="40000"/>
-              </a:schemeClr>
-            </a:solidFill>
-          </p:spPr>
-          <p:style>
-            <a:lnRef idx="2">
-              <a:schemeClr val="accent1">
-                <a:shade val="50000"/>
-              </a:schemeClr>
-            </a:lnRef>
-            <a:fillRef idx="1">
-              <a:schemeClr val="accent1"/>
-            </a:fillRef>
-            <a:effectRef idx="0">
-              <a:schemeClr val="accent1"/>
-            </a:effectRef>
-            <a:fontRef idx="minor">
-              <a:schemeClr val="lt1"/>
-            </a:fontRef>
-          </p:style>
-          <p:txBody>
-            <a:bodyPr rtlCol="0" anchor="ctr"/>
-            <a:lstStyle/>
-            <a:p>
-              <a:pPr algn="ctr"/>
-              <a:endParaRPr lang="en-US"/>
-            </a:p>
-          </p:txBody>
-        </p:sp>
-        <p:sp>
-          <p:nvSpPr>
-            <p:cNvPr id="97" name="Oval 96">
-              <a:extLst>
-                <a:ext uri="{FF2B5EF4-FFF2-40B4-BE49-F238E27FC236}">
-                  <a16:creationId xmlns:a16="http://schemas.microsoft.com/office/drawing/2014/main" id="{10AA4A81-2975-EE43-8327-0E654CF27F3E}"/>
-                </a:ext>
-              </a:extLst>
-            </p:cNvPr>
-            <p:cNvSpPr/>
-            <p:nvPr/>
-          </p:nvSpPr>
-          <p:spPr>
-            <a:xfrm>
-              <a:off x="5294727" y="2614976"/>
-              <a:ext cx="152400" cy="152400"/>
-            </a:xfrm>
-            <a:prstGeom prst="ellipse">
-              <a:avLst/>
-            </a:prstGeom>
-            <a:solidFill>
-              <a:schemeClr val="bg2"/>
-            </a:solidFill>
-          </p:spPr>
-          <p:style>
-            <a:lnRef idx="2">
-              <a:schemeClr val="accent1">
-                <a:shade val="50000"/>
-              </a:schemeClr>
-            </a:lnRef>
-            <a:fillRef idx="1">
-              <a:schemeClr val="accent1"/>
-            </a:fillRef>
-            <a:effectRef idx="0">
-              <a:schemeClr val="accent1"/>
-            </a:effectRef>
-            <a:fontRef idx="minor">
-              <a:schemeClr val="lt1"/>
-            </a:fontRef>
-          </p:style>
-          <p:txBody>
-            <a:bodyPr rtlCol="0" anchor="ctr"/>
-            <a:lstStyle/>
-            <a:p>
-              <a:pPr algn="ctr"/>
-              <a:endParaRPr lang="en-US"/>
-            </a:p>
-          </p:txBody>
-        </p:sp>
-        <p:sp>
-          <p:nvSpPr>
-            <p:cNvPr id="98" name="Oval 97">
-              <a:extLst>
-                <a:ext uri="{FF2B5EF4-FFF2-40B4-BE49-F238E27FC236}">
-                  <a16:creationId xmlns:a16="http://schemas.microsoft.com/office/drawing/2014/main" id="{52A5BD2D-E81F-1F43-B8DB-E584486E22C5}"/>
-                </a:ext>
-              </a:extLst>
-            </p:cNvPr>
-            <p:cNvSpPr/>
-            <p:nvPr/>
-          </p:nvSpPr>
-          <p:spPr>
-            <a:xfrm>
-              <a:off x="5294727" y="2299291"/>
-              <a:ext cx="152400" cy="152400"/>
-            </a:xfrm>
-            <a:prstGeom prst="ellipse">
-              <a:avLst/>
-            </a:prstGeom>
-            <a:solidFill>
-              <a:schemeClr val="accent4">
-                <a:lumMod val="60000"/>
-                <a:lumOff val="40000"/>
-              </a:schemeClr>
-            </a:solidFill>
-          </p:spPr>
-          <p:style>
-            <a:lnRef idx="2">
-              <a:schemeClr val="accent1">
-                <a:shade val="50000"/>
-              </a:schemeClr>
-            </a:lnRef>
-            <a:fillRef idx="1">
-              <a:schemeClr val="accent1"/>
-            </a:fillRef>
-            <a:effectRef idx="0">
-              <a:schemeClr val="accent1"/>
-            </a:effectRef>
-            <a:fontRef idx="minor">
-              <a:schemeClr val="lt1"/>
-            </a:fontRef>
-          </p:style>
-          <p:txBody>
-            <a:bodyPr rtlCol="0" anchor="ctr"/>
-            <a:lstStyle/>
-            <a:p>
-              <a:pPr algn="ctr"/>
-              <a:endParaRPr lang="en-US"/>
-            </a:p>
-          </p:txBody>
-        </p:sp>
-        <p:sp>
-          <p:nvSpPr>
-            <p:cNvPr id="99" name="TextBox 98">
-              <a:extLst>
-                <a:ext uri="{FF2B5EF4-FFF2-40B4-BE49-F238E27FC236}">
-                  <a16:creationId xmlns:a16="http://schemas.microsoft.com/office/drawing/2014/main" id="{22554ED4-13F3-9E42-A6B6-F2BE8537F5E9}"/>
-                </a:ext>
-              </a:extLst>
-            </p:cNvPr>
-            <p:cNvSpPr txBox="1"/>
-            <p:nvPr/>
-          </p:nvSpPr>
-          <p:spPr>
-            <a:xfrm>
-              <a:off x="4720510" y="1945645"/>
-              <a:ext cx="1019831" cy="253916"/>
-            </a:xfrm>
-            <a:prstGeom prst="rect">
-              <a:avLst/>
-            </a:prstGeom>
-            <a:noFill/>
-          </p:spPr>
-          <p:txBody>
-            <a:bodyPr wrap="none" rtlCol="0">
-              <a:spAutoFit/>
-            </a:bodyPr>
-            <a:lstStyle/>
-            <a:p>
-              <a:r>
-                <a:rPr lang="en-US" sz="1050" u="sng"/>
-                <a:t>Cross-Sectional</a:t>
-              </a:r>
-              <a:endParaRPr lang="en-US" sz="2400" u="sng"/>
-            </a:p>
-          </p:txBody>
-        </p:sp>
-        <p:sp>
-          <p:nvSpPr>
-            <p:cNvPr id="101" name="Cross 100">
-              <a:extLst>
-                <a:ext uri="{FF2B5EF4-FFF2-40B4-BE49-F238E27FC236}">
-                  <a16:creationId xmlns:a16="http://schemas.microsoft.com/office/drawing/2014/main" id="{C81C60B8-8630-8049-B3A0-B13D23895185}"/>
-                </a:ext>
-              </a:extLst>
-            </p:cNvPr>
-            <p:cNvSpPr/>
-            <p:nvPr/>
-          </p:nvSpPr>
-          <p:spPr>
-            <a:xfrm>
-              <a:off x="5014261" y="2299291"/>
-              <a:ext cx="152400" cy="152400"/>
-            </a:xfrm>
-            <a:prstGeom prst="plus">
-              <a:avLst>
-                <a:gd name="adj" fmla="val 47525"/>
-              </a:avLst>
-            </a:prstGeom>
-          </p:spPr>
-          <p:style>
-            <a:lnRef idx="2">
-              <a:schemeClr val="accent1">
-                <a:shade val="50000"/>
-              </a:schemeClr>
-            </a:lnRef>
-            <a:fillRef idx="1">
-              <a:schemeClr val="accent1"/>
-            </a:fillRef>
-            <a:effectRef idx="0">
-              <a:schemeClr val="accent1"/>
-            </a:effectRef>
-            <a:fontRef idx="minor">
-              <a:schemeClr val="lt1"/>
-            </a:fontRef>
-          </p:style>
-          <p:txBody>
-            <a:bodyPr rtlCol="0" anchor="ctr"/>
-            <a:lstStyle/>
-            <a:p>
-              <a:pPr algn="ctr"/>
-              <a:endParaRPr lang="en-US"/>
-            </a:p>
-          </p:txBody>
-        </p:sp>
-        <p:sp>
-          <p:nvSpPr>
-            <p:cNvPr id="102" name="Cross 101">
-              <a:extLst>
-                <a:ext uri="{FF2B5EF4-FFF2-40B4-BE49-F238E27FC236}">
-                  <a16:creationId xmlns:a16="http://schemas.microsoft.com/office/drawing/2014/main" id="{26D8D1E9-AEAA-5843-974A-0F5605F30FEB}"/>
-                </a:ext>
-              </a:extLst>
-            </p:cNvPr>
-            <p:cNvSpPr/>
-            <p:nvPr/>
-          </p:nvSpPr>
-          <p:spPr>
-            <a:xfrm>
-              <a:off x="5292164" y="2299291"/>
-              <a:ext cx="152400" cy="152400"/>
-            </a:xfrm>
-            <a:prstGeom prst="plus">
-              <a:avLst>
-                <a:gd name="adj" fmla="val 47525"/>
-              </a:avLst>
-            </a:prstGeom>
-          </p:spPr>
-          <p:style>
-            <a:lnRef idx="2">
-              <a:schemeClr val="accent1">
-                <a:shade val="50000"/>
-              </a:schemeClr>
-            </a:lnRef>
-            <a:fillRef idx="1">
-              <a:schemeClr val="accent1"/>
-            </a:fillRef>
-            <a:effectRef idx="0">
-              <a:schemeClr val="accent1"/>
-            </a:effectRef>
-            <a:fontRef idx="minor">
-              <a:schemeClr val="lt1"/>
-            </a:fontRef>
-          </p:style>
-          <p:txBody>
-            <a:bodyPr rtlCol="0" anchor="ctr"/>
-            <a:lstStyle/>
-            <a:p>
-              <a:pPr algn="ctr"/>
-              <a:endParaRPr lang="en-US"/>
-            </a:p>
-          </p:txBody>
-        </p:sp>
-        <p:sp>
-          <p:nvSpPr>
-            <p:cNvPr id="103" name="Cross 102">
-              <a:extLst>
-                <a:ext uri="{FF2B5EF4-FFF2-40B4-BE49-F238E27FC236}">
-                  <a16:creationId xmlns:a16="http://schemas.microsoft.com/office/drawing/2014/main" id="{DE7C1389-DFA4-BA4C-82F2-36D84A5D3457}"/>
-                </a:ext>
-              </a:extLst>
-            </p:cNvPr>
-            <p:cNvSpPr/>
-            <p:nvPr/>
-          </p:nvSpPr>
-          <p:spPr>
-            <a:xfrm>
-              <a:off x="5292164" y="2614976"/>
-              <a:ext cx="152400" cy="152400"/>
-            </a:xfrm>
-            <a:prstGeom prst="plus">
-              <a:avLst>
-                <a:gd name="adj" fmla="val 47525"/>
-              </a:avLst>
-            </a:prstGeom>
-          </p:spPr>
-          <p:style>
-            <a:lnRef idx="2">
-              <a:schemeClr val="accent1">
-                <a:shade val="50000"/>
-              </a:schemeClr>
-            </a:lnRef>
-            <a:fillRef idx="1">
-              <a:schemeClr val="accent1"/>
-            </a:fillRef>
-            <a:effectRef idx="0">
-              <a:schemeClr val="accent1"/>
-            </a:effectRef>
-            <a:fontRef idx="minor">
-              <a:schemeClr val="lt1"/>
-            </a:fontRef>
-          </p:style>
-          <p:txBody>
-            <a:bodyPr rtlCol="0" anchor="ctr"/>
-            <a:lstStyle/>
-            <a:p>
-              <a:pPr algn="ctr"/>
-              <a:endParaRPr lang="en-US"/>
-            </a:p>
-          </p:txBody>
-        </p:sp>
-        <p:sp>
-          <p:nvSpPr>
-            <p:cNvPr id="104" name="Oval 103">
-              <a:extLst>
-                <a:ext uri="{FF2B5EF4-FFF2-40B4-BE49-F238E27FC236}">
-                  <a16:creationId xmlns:a16="http://schemas.microsoft.com/office/drawing/2014/main" id="{D2B5A8B7-937F-1144-A46B-4A082EA11715}"/>
-                </a:ext>
-              </a:extLst>
-            </p:cNvPr>
-            <p:cNvSpPr/>
-            <p:nvPr/>
-          </p:nvSpPr>
-          <p:spPr>
-            <a:xfrm>
-              <a:off x="5009135" y="3509847"/>
-              <a:ext cx="152400" cy="152400"/>
-            </a:xfrm>
-            <a:prstGeom prst="ellipse">
-              <a:avLst/>
-            </a:prstGeom>
-            <a:solidFill>
-              <a:schemeClr val="bg2"/>
-            </a:solidFill>
-          </p:spPr>
-          <p:style>
-            <a:lnRef idx="2">
-              <a:schemeClr val="accent1">
-                <a:shade val="50000"/>
-              </a:schemeClr>
-            </a:lnRef>
-            <a:fillRef idx="1">
-              <a:schemeClr val="accent1"/>
-            </a:fillRef>
-            <a:effectRef idx="0">
-              <a:schemeClr val="accent1"/>
-            </a:effectRef>
-            <a:fontRef idx="minor">
-              <a:schemeClr val="lt1"/>
-            </a:fontRef>
-          </p:style>
-          <p:txBody>
-            <a:bodyPr rtlCol="0" anchor="ctr"/>
-            <a:lstStyle/>
-            <a:p>
-              <a:pPr algn="ctr"/>
-              <a:endParaRPr lang="en-US"/>
-            </a:p>
-          </p:txBody>
-        </p:sp>
-        <p:sp>
-          <p:nvSpPr>
-            <p:cNvPr id="108" name="TextBox 107">
-              <a:extLst>
-                <a:ext uri="{FF2B5EF4-FFF2-40B4-BE49-F238E27FC236}">
-                  <a16:creationId xmlns:a16="http://schemas.microsoft.com/office/drawing/2014/main" id="{CBCFFEB5-D086-9041-8422-565F3278021B}"/>
-                </a:ext>
-              </a:extLst>
-            </p:cNvPr>
-            <p:cNvSpPr txBox="1"/>
-            <p:nvPr/>
-          </p:nvSpPr>
-          <p:spPr>
-            <a:xfrm>
-              <a:off x="4716948" y="3156201"/>
-              <a:ext cx="845103" cy="253916"/>
-            </a:xfrm>
-            <a:prstGeom prst="rect">
-              <a:avLst/>
-            </a:prstGeom>
-            <a:noFill/>
-          </p:spPr>
-          <p:txBody>
-            <a:bodyPr wrap="none" rtlCol="0">
-              <a:spAutoFit/>
-            </a:bodyPr>
-            <a:lstStyle/>
-            <a:p>
-              <a:r>
-                <a:rPr lang="en-US" sz="1050" u="sng"/>
-                <a:t>Case Report</a:t>
-              </a:r>
-              <a:endParaRPr lang="en-US" sz="2400" u="sng"/>
-            </a:p>
-          </p:txBody>
-        </p:sp>
-        <p:sp>
-          <p:nvSpPr>
-            <p:cNvPr id="109" name="Cross 108">
-              <a:extLst>
-                <a:ext uri="{FF2B5EF4-FFF2-40B4-BE49-F238E27FC236}">
-                  <a16:creationId xmlns:a16="http://schemas.microsoft.com/office/drawing/2014/main" id="{11CACB17-5DA8-A64F-AF33-9ECFBEFC4EEE}"/>
-                </a:ext>
-              </a:extLst>
-            </p:cNvPr>
-            <p:cNvSpPr/>
-            <p:nvPr/>
-          </p:nvSpPr>
-          <p:spPr>
-            <a:xfrm>
-              <a:off x="5011698" y="3509847"/>
-              <a:ext cx="152400" cy="152400"/>
-            </a:xfrm>
-            <a:prstGeom prst="plus">
-              <a:avLst>
-                <a:gd name="adj" fmla="val 47525"/>
-              </a:avLst>
-            </a:prstGeom>
           </p:spPr>
           <p:style>
             <a:lnRef idx="2">

--- a/media/study-design.pptx
+++ b/media/study-design.pptx
@@ -10,6 +10,7 @@
     <p:sldId id="258" r:id="rId4"/>
     <p:sldId id="260" r:id="rId5"/>
     <p:sldId id="261" r:id="rId6"/>
+    <p:sldId id="262" r:id="rId7"/>
   </p:sldIdLst>
   <p:sldSz cx="12192000" cy="6858000"/>
   <p:notesSz cx="6858000" cy="9144000"/>
@@ -262,7 +263,7 @@
           <a:lstStyle/>
           <a:p>
             <a:fld id="{4ED4112F-277A-1743-8B5D-080549921ADF}" type="datetimeFigureOut">
-              <a:t>7/20/20</a:t>
+              <a:t>7/22/20</a:t>
             </a:fld>
             <a:endParaRPr lang="en-US"/>
           </a:p>
@@ -458,7 +459,7 @@
           <a:lstStyle/>
           <a:p>
             <a:fld id="{4ED4112F-277A-1743-8B5D-080549921ADF}" type="datetimeFigureOut">
-              <a:t>7/20/20</a:t>
+              <a:t>7/22/20</a:t>
             </a:fld>
             <a:endParaRPr lang="en-US"/>
           </a:p>
@@ -664,7 +665,7 @@
           <a:lstStyle/>
           <a:p>
             <a:fld id="{4ED4112F-277A-1743-8B5D-080549921ADF}" type="datetimeFigureOut">
-              <a:t>7/20/20</a:t>
+              <a:t>7/22/20</a:t>
             </a:fld>
             <a:endParaRPr lang="en-US"/>
           </a:p>
@@ -860,7 +861,7 @@
           <a:lstStyle/>
           <a:p>
             <a:fld id="{4ED4112F-277A-1743-8B5D-080549921ADF}" type="datetimeFigureOut">
-              <a:t>7/20/20</a:t>
+              <a:t>7/22/20</a:t>
             </a:fld>
             <a:endParaRPr lang="en-US"/>
           </a:p>
@@ -1133,7 +1134,7 @@
           <a:lstStyle/>
           <a:p>
             <a:fld id="{4ED4112F-277A-1743-8B5D-080549921ADF}" type="datetimeFigureOut">
-              <a:t>7/20/20</a:t>
+              <a:t>7/22/20</a:t>
             </a:fld>
             <a:endParaRPr lang="en-US"/>
           </a:p>
@@ -1396,7 +1397,7 @@
           <a:lstStyle/>
           <a:p>
             <a:fld id="{4ED4112F-277A-1743-8B5D-080549921ADF}" type="datetimeFigureOut">
-              <a:t>7/20/20</a:t>
+              <a:t>7/22/20</a:t>
             </a:fld>
             <a:endParaRPr lang="en-US"/>
           </a:p>
@@ -1806,7 +1807,7 @@
           <a:lstStyle/>
           <a:p>
             <a:fld id="{4ED4112F-277A-1743-8B5D-080549921ADF}" type="datetimeFigureOut">
-              <a:t>7/20/20</a:t>
+              <a:t>7/22/20</a:t>
             </a:fld>
             <a:endParaRPr lang="en-US"/>
           </a:p>
@@ -1945,7 +1946,7 @@
           <a:lstStyle/>
           <a:p>
             <a:fld id="{4ED4112F-277A-1743-8B5D-080549921ADF}" type="datetimeFigureOut">
-              <a:t>7/20/20</a:t>
+              <a:t>7/22/20</a:t>
             </a:fld>
             <a:endParaRPr lang="en-US"/>
           </a:p>
@@ -2056,7 +2057,7 @@
           <a:lstStyle/>
           <a:p>
             <a:fld id="{4ED4112F-277A-1743-8B5D-080549921ADF}" type="datetimeFigureOut">
-              <a:t>7/20/20</a:t>
+              <a:t>7/22/20</a:t>
             </a:fld>
             <a:endParaRPr lang="en-US"/>
           </a:p>
@@ -2365,7 +2366,7 @@
           <a:lstStyle/>
           <a:p>
             <a:fld id="{4ED4112F-277A-1743-8B5D-080549921ADF}" type="datetimeFigureOut">
-              <a:t>7/20/20</a:t>
+              <a:t>7/22/20</a:t>
             </a:fld>
             <a:endParaRPr lang="en-US"/>
           </a:p>
@@ -2651,7 +2652,7 @@
           <a:lstStyle/>
           <a:p>
             <a:fld id="{4ED4112F-277A-1743-8B5D-080549921ADF}" type="datetimeFigureOut">
-              <a:t>7/20/20</a:t>
+              <a:t>7/22/20</a:t>
             </a:fld>
             <a:endParaRPr lang="en-US"/>
           </a:p>
@@ -2890,7 +2891,7 @@
           </a:lstStyle>
           <a:p>
             <a:fld id="{4ED4112F-277A-1743-8B5D-080549921ADF}" type="datetimeFigureOut">
-              <a:t>7/20/20</a:t>
+              <a:t>7/22/20</a:t>
             </a:fld>
             <a:endParaRPr lang="en-US"/>
           </a:p>
@@ -27063,6 +27064,2828 @@
 </p:sld>
 </file>
 
+<file path=ppt/slides/slide6.xml><?xml version="1.0" encoding="utf-8"?>
+<p:sld xmlns:a="http://schemas.openxmlformats.org/drawingml/2006/main" xmlns:r="http://schemas.openxmlformats.org/officeDocument/2006/relationships" xmlns:p="http://schemas.openxmlformats.org/presentationml/2006/main">
+  <p:cSld>
+    <p:spTree>
+      <p:nvGrpSpPr>
+        <p:cNvPr id="1" name=""/>
+        <p:cNvGrpSpPr/>
+        <p:nvPr/>
+      </p:nvGrpSpPr>
+      <p:grpSpPr>
+        <a:xfrm>
+          <a:off x="0" y="0"/>
+          <a:ext cx="0" cy="0"/>
+          <a:chOff x="0" y="0"/>
+          <a:chExt cx="0" cy="0"/>
+        </a:xfrm>
+      </p:grpSpPr>
+      <p:grpSp>
+        <p:nvGrpSpPr>
+          <p:cNvPr id="105" name="Group 104">
+            <a:extLst>
+              <a:ext uri="{FF2B5EF4-FFF2-40B4-BE49-F238E27FC236}">
+                <a16:creationId xmlns:a16="http://schemas.microsoft.com/office/drawing/2014/main" id="{E3F52029-3EA3-6E41-953E-49C0FBD33930}"/>
+              </a:ext>
+            </a:extLst>
+          </p:cNvPr>
+          <p:cNvGrpSpPr/>
+          <p:nvPr/>
+        </p:nvGrpSpPr>
+        <p:grpSpPr>
+          <a:xfrm>
+            <a:off x="554636" y="1199213"/>
+            <a:ext cx="5541364" cy="3395272"/>
+            <a:chOff x="554636" y="1199213"/>
+            <a:chExt cx="5541364" cy="3395272"/>
+          </a:xfrm>
+        </p:grpSpPr>
+        <p:sp>
+          <p:nvSpPr>
+            <p:cNvPr id="104" name="Rectangle 103">
+              <a:extLst>
+                <a:ext uri="{FF2B5EF4-FFF2-40B4-BE49-F238E27FC236}">
+                  <a16:creationId xmlns:a16="http://schemas.microsoft.com/office/drawing/2014/main" id="{B2DA6A3A-6A3A-C947-B0DB-F89BF80E3169}"/>
+                </a:ext>
+              </a:extLst>
+            </p:cNvPr>
+            <p:cNvSpPr/>
+            <p:nvPr/>
+          </p:nvSpPr>
+          <p:spPr>
+            <a:xfrm>
+              <a:off x="554636" y="1199213"/>
+              <a:ext cx="5541364" cy="3395272"/>
+            </a:xfrm>
+            <a:prstGeom prst="rect">
+              <a:avLst/>
+            </a:prstGeom>
+            <a:noFill/>
+            <a:ln>
+              <a:noFill/>
+            </a:ln>
+          </p:spPr>
+          <p:style>
+            <a:lnRef idx="2">
+              <a:schemeClr val="accent1">
+                <a:shade val="50000"/>
+              </a:schemeClr>
+            </a:lnRef>
+            <a:fillRef idx="1">
+              <a:schemeClr val="accent1"/>
+            </a:fillRef>
+            <a:effectRef idx="0">
+              <a:schemeClr val="accent1"/>
+            </a:effectRef>
+            <a:fontRef idx="minor">
+              <a:schemeClr val="lt1"/>
+            </a:fontRef>
+          </p:style>
+          <p:txBody>
+            <a:bodyPr rtlCol="0" anchor="ctr"/>
+            <a:lstStyle/>
+            <a:p>
+              <a:pPr algn="ctr"/>
+              <a:endParaRPr lang="en-US"/>
+            </a:p>
+          </p:txBody>
+        </p:sp>
+        <p:cxnSp>
+          <p:nvCxnSpPr>
+            <p:cNvPr id="7" name="Straight Connector 6">
+              <a:extLst>
+                <a:ext uri="{FF2B5EF4-FFF2-40B4-BE49-F238E27FC236}">
+                  <a16:creationId xmlns:a16="http://schemas.microsoft.com/office/drawing/2014/main" id="{A512CE01-4A9B-1E45-A4FC-345E3DB09F00}"/>
+                </a:ext>
+              </a:extLst>
+            </p:cNvPr>
+            <p:cNvCxnSpPr>
+              <a:cxnSpLocks/>
+            </p:cNvCxnSpPr>
+            <p:nvPr/>
+          </p:nvCxnSpPr>
+          <p:spPr>
+            <a:xfrm>
+              <a:off x="2202833" y="3594028"/>
+              <a:ext cx="3534027" cy="0"/>
+            </a:xfrm>
+            <a:prstGeom prst="line">
+              <a:avLst/>
+            </a:prstGeom>
+            <a:ln w="12700"/>
+          </p:spPr>
+          <p:style>
+            <a:lnRef idx="1">
+              <a:schemeClr val="dk1"/>
+            </a:lnRef>
+            <a:fillRef idx="0">
+              <a:schemeClr val="dk1"/>
+            </a:fillRef>
+            <a:effectRef idx="0">
+              <a:schemeClr val="dk1"/>
+            </a:effectRef>
+            <a:fontRef idx="minor">
+              <a:schemeClr val="tx1"/>
+            </a:fontRef>
+          </p:style>
+        </p:cxnSp>
+        <p:cxnSp>
+          <p:nvCxnSpPr>
+            <p:cNvPr id="12" name="Straight Connector 11">
+              <a:extLst>
+                <a:ext uri="{FF2B5EF4-FFF2-40B4-BE49-F238E27FC236}">
+                  <a16:creationId xmlns:a16="http://schemas.microsoft.com/office/drawing/2014/main" id="{9BB87A17-34CA-834E-BD20-F1D8928AF71B}"/>
+                </a:ext>
+              </a:extLst>
+            </p:cNvPr>
+            <p:cNvCxnSpPr>
+              <a:cxnSpLocks/>
+            </p:cNvCxnSpPr>
+            <p:nvPr/>
+          </p:nvCxnSpPr>
+          <p:spPr>
+            <a:xfrm>
+              <a:off x="2202833" y="2676580"/>
+              <a:ext cx="3534027" cy="0"/>
+            </a:xfrm>
+            <a:prstGeom prst="line">
+              <a:avLst/>
+            </a:prstGeom>
+            <a:ln w="12700">
+              <a:solidFill>
+                <a:srgbClr val="FF0000"/>
+              </a:solidFill>
+              <a:prstDash val="dash"/>
+            </a:ln>
+          </p:spPr>
+          <p:style>
+            <a:lnRef idx="1">
+              <a:schemeClr val="dk1"/>
+            </a:lnRef>
+            <a:fillRef idx="0">
+              <a:schemeClr val="dk1"/>
+            </a:fillRef>
+            <a:effectRef idx="0">
+              <a:schemeClr val="dk1"/>
+            </a:effectRef>
+            <a:fontRef idx="minor">
+              <a:schemeClr val="tx1"/>
+            </a:fontRef>
+          </p:style>
+        </p:cxnSp>
+        <p:sp>
+          <p:nvSpPr>
+            <p:cNvPr id="13" name="TextBox 12">
+              <a:extLst>
+                <a:ext uri="{FF2B5EF4-FFF2-40B4-BE49-F238E27FC236}">
+                  <a16:creationId xmlns:a16="http://schemas.microsoft.com/office/drawing/2014/main" id="{3FA426E2-33EF-C247-8044-C0FEEDF853EC}"/>
+                </a:ext>
+              </a:extLst>
+            </p:cNvPr>
+            <p:cNvSpPr txBox="1"/>
+            <p:nvPr/>
+          </p:nvSpPr>
+          <p:spPr>
+            <a:xfrm>
+              <a:off x="1184463" y="2553024"/>
+              <a:ext cx="697627" cy="230832"/>
+            </a:xfrm>
+            <a:prstGeom prst="rect">
+              <a:avLst/>
+            </a:prstGeom>
+            <a:noFill/>
+          </p:spPr>
+          <p:txBody>
+            <a:bodyPr wrap="none" rtlCol="0">
+              <a:spAutoFit/>
+            </a:bodyPr>
+            <a:lstStyle/>
+            <a:p>
+              <a:r>
+                <a:rPr lang="en-US" sz="900"/>
+                <a:t>True Mean</a:t>
+              </a:r>
+              <a:endParaRPr lang="en-US"/>
+            </a:p>
+          </p:txBody>
+        </p:sp>
+        <p:sp>
+          <p:nvSpPr>
+            <p:cNvPr id="14" name="TextBox 13">
+              <a:extLst>
+                <a:ext uri="{FF2B5EF4-FFF2-40B4-BE49-F238E27FC236}">
+                  <a16:creationId xmlns:a16="http://schemas.microsoft.com/office/drawing/2014/main" id="{388437AA-6CDF-0C49-9147-650AB685AF7C}"/>
+                </a:ext>
+              </a:extLst>
+            </p:cNvPr>
+            <p:cNvSpPr txBox="1"/>
+            <p:nvPr/>
+          </p:nvSpPr>
+          <p:spPr>
+            <a:xfrm>
+              <a:off x="868292" y="2364253"/>
+              <a:ext cx="998991" cy="230832"/>
+            </a:xfrm>
+            <a:prstGeom prst="rect">
+              <a:avLst/>
+            </a:prstGeom>
+            <a:noFill/>
+          </p:spPr>
+          <p:txBody>
+            <a:bodyPr wrap="none" rtlCol="0">
+              <a:spAutoFit/>
+            </a:bodyPr>
+            <a:lstStyle/>
+            <a:p>
+              <a:r>
+                <a:rPr lang="en-US" sz="900"/>
+                <a:t>Estimated Means</a:t>
+              </a:r>
+              <a:endParaRPr lang="en-US"/>
+            </a:p>
+          </p:txBody>
+        </p:sp>
+        <p:sp>
+          <p:nvSpPr>
+            <p:cNvPr id="15" name="Oval 14">
+              <a:extLst>
+                <a:ext uri="{FF2B5EF4-FFF2-40B4-BE49-F238E27FC236}">
+                  <a16:creationId xmlns:a16="http://schemas.microsoft.com/office/drawing/2014/main" id="{F1042A12-EFB1-3B47-AC0F-A46CD0B97FD9}"/>
+                </a:ext>
+              </a:extLst>
+            </p:cNvPr>
+            <p:cNvSpPr/>
+            <p:nvPr/>
+          </p:nvSpPr>
+          <p:spPr>
+            <a:xfrm>
+              <a:off x="813428" y="2438521"/>
+              <a:ext cx="82296" cy="82296"/>
+            </a:xfrm>
+            <a:prstGeom prst="ellipse">
+              <a:avLst/>
+            </a:prstGeom>
+          </p:spPr>
+          <p:style>
+            <a:lnRef idx="2">
+              <a:schemeClr val="accent1">
+                <a:shade val="50000"/>
+              </a:schemeClr>
+            </a:lnRef>
+            <a:fillRef idx="1">
+              <a:schemeClr val="accent1"/>
+            </a:fillRef>
+            <a:effectRef idx="0">
+              <a:schemeClr val="accent1"/>
+            </a:effectRef>
+            <a:fontRef idx="minor">
+              <a:schemeClr val="lt1"/>
+            </a:fontRef>
+          </p:style>
+          <p:txBody>
+            <a:bodyPr rtlCol="0" anchor="ctr"/>
+            <a:lstStyle/>
+            <a:p>
+              <a:pPr algn="ctr"/>
+              <a:endParaRPr lang="en-US"/>
+            </a:p>
+          </p:txBody>
+        </p:sp>
+        <p:sp>
+          <p:nvSpPr>
+            <p:cNvPr id="16" name="Oval 15">
+              <a:extLst>
+                <a:ext uri="{FF2B5EF4-FFF2-40B4-BE49-F238E27FC236}">
+                  <a16:creationId xmlns:a16="http://schemas.microsoft.com/office/drawing/2014/main" id="{2D2B9198-04F7-324D-BBAF-015931837FD2}"/>
+                </a:ext>
+              </a:extLst>
+            </p:cNvPr>
+            <p:cNvSpPr/>
+            <p:nvPr/>
+          </p:nvSpPr>
+          <p:spPr>
+            <a:xfrm>
+              <a:off x="2352520" y="2911600"/>
+              <a:ext cx="82296" cy="82296"/>
+            </a:xfrm>
+            <a:prstGeom prst="ellipse">
+              <a:avLst/>
+            </a:prstGeom>
+          </p:spPr>
+          <p:style>
+            <a:lnRef idx="2">
+              <a:schemeClr val="accent1">
+                <a:shade val="50000"/>
+              </a:schemeClr>
+            </a:lnRef>
+            <a:fillRef idx="1">
+              <a:schemeClr val="accent1"/>
+            </a:fillRef>
+            <a:effectRef idx="0">
+              <a:schemeClr val="accent1"/>
+            </a:effectRef>
+            <a:fontRef idx="minor">
+              <a:schemeClr val="lt1"/>
+            </a:fontRef>
+          </p:style>
+          <p:txBody>
+            <a:bodyPr rtlCol="0" anchor="ctr"/>
+            <a:lstStyle/>
+            <a:p>
+              <a:pPr algn="ctr"/>
+              <a:endParaRPr lang="en-US"/>
+            </a:p>
+          </p:txBody>
+        </p:sp>
+        <p:sp>
+          <p:nvSpPr>
+            <p:cNvPr id="17" name="Oval 16">
+              <a:extLst>
+                <a:ext uri="{FF2B5EF4-FFF2-40B4-BE49-F238E27FC236}">
+                  <a16:creationId xmlns:a16="http://schemas.microsoft.com/office/drawing/2014/main" id="{993F652D-2756-D344-A8F3-810980E564C5}"/>
+                </a:ext>
+              </a:extLst>
+            </p:cNvPr>
+            <p:cNvSpPr/>
+            <p:nvPr/>
+          </p:nvSpPr>
+          <p:spPr>
+            <a:xfrm>
+              <a:off x="3054838" y="2637792"/>
+              <a:ext cx="82296" cy="82296"/>
+            </a:xfrm>
+            <a:prstGeom prst="ellipse">
+              <a:avLst/>
+            </a:prstGeom>
+          </p:spPr>
+          <p:style>
+            <a:lnRef idx="2">
+              <a:schemeClr val="accent1">
+                <a:shade val="50000"/>
+              </a:schemeClr>
+            </a:lnRef>
+            <a:fillRef idx="1">
+              <a:schemeClr val="accent1"/>
+            </a:fillRef>
+            <a:effectRef idx="0">
+              <a:schemeClr val="accent1"/>
+            </a:effectRef>
+            <a:fontRef idx="minor">
+              <a:schemeClr val="lt1"/>
+            </a:fontRef>
+          </p:style>
+          <p:txBody>
+            <a:bodyPr rtlCol="0" anchor="ctr"/>
+            <a:lstStyle/>
+            <a:p>
+              <a:pPr algn="ctr"/>
+              <a:endParaRPr lang="en-US"/>
+            </a:p>
+          </p:txBody>
+        </p:sp>
+        <p:sp>
+          <p:nvSpPr>
+            <p:cNvPr id="18" name="Oval 17">
+              <a:extLst>
+                <a:ext uri="{FF2B5EF4-FFF2-40B4-BE49-F238E27FC236}">
+                  <a16:creationId xmlns:a16="http://schemas.microsoft.com/office/drawing/2014/main" id="{77DE3507-042F-5947-9354-A3FDBD18473E}"/>
+                </a:ext>
+              </a:extLst>
+            </p:cNvPr>
+            <p:cNvSpPr/>
+            <p:nvPr/>
+          </p:nvSpPr>
+          <p:spPr>
+            <a:xfrm>
+              <a:off x="3405997" y="2829304"/>
+              <a:ext cx="82296" cy="82296"/>
+            </a:xfrm>
+            <a:prstGeom prst="ellipse">
+              <a:avLst/>
+            </a:prstGeom>
+          </p:spPr>
+          <p:style>
+            <a:lnRef idx="2">
+              <a:schemeClr val="accent1">
+                <a:shade val="50000"/>
+              </a:schemeClr>
+            </a:lnRef>
+            <a:fillRef idx="1">
+              <a:schemeClr val="accent1"/>
+            </a:fillRef>
+            <a:effectRef idx="0">
+              <a:schemeClr val="accent1"/>
+            </a:effectRef>
+            <a:fontRef idx="minor">
+              <a:schemeClr val="lt1"/>
+            </a:fontRef>
+          </p:style>
+          <p:txBody>
+            <a:bodyPr rtlCol="0" anchor="ctr"/>
+            <a:lstStyle/>
+            <a:p>
+              <a:pPr algn="ctr"/>
+              <a:endParaRPr lang="en-US"/>
+            </a:p>
+          </p:txBody>
+        </p:sp>
+        <p:sp>
+          <p:nvSpPr>
+            <p:cNvPr id="19" name="Oval 18">
+              <a:extLst>
+                <a:ext uri="{FF2B5EF4-FFF2-40B4-BE49-F238E27FC236}">
+                  <a16:creationId xmlns:a16="http://schemas.microsoft.com/office/drawing/2014/main" id="{FA17C214-82A9-0D42-BB47-1953D4C621A0}"/>
+                </a:ext>
+              </a:extLst>
+            </p:cNvPr>
+            <p:cNvSpPr/>
+            <p:nvPr/>
+          </p:nvSpPr>
+          <p:spPr>
+            <a:xfrm>
+              <a:off x="3749446" y="2711167"/>
+              <a:ext cx="82296" cy="82296"/>
+            </a:xfrm>
+            <a:prstGeom prst="ellipse">
+              <a:avLst/>
+            </a:prstGeom>
+          </p:spPr>
+          <p:style>
+            <a:lnRef idx="2">
+              <a:schemeClr val="accent1">
+                <a:shade val="50000"/>
+              </a:schemeClr>
+            </a:lnRef>
+            <a:fillRef idx="1">
+              <a:schemeClr val="accent1"/>
+            </a:fillRef>
+            <a:effectRef idx="0">
+              <a:schemeClr val="accent1"/>
+            </a:effectRef>
+            <a:fontRef idx="minor">
+              <a:schemeClr val="lt1"/>
+            </a:fontRef>
+          </p:style>
+          <p:txBody>
+            <a:bodyPr rtlCol="0" anchor="ctr"/>
+            <a:lstStyle/>
+            <a:p>
+              <a:pPr algn="ctr"/>
+              <a:endParaRPr lang="en-US"/>
+            </a:p>
+          </p:txBody>
+        </p:sp>
+        <p:sp>
+          <p:nvSpPr>
+            <p:cNvPr id="20" name="Oval 19">
+              <a:extLst>
+                <a:ext uri="{FF2B5EF4-FFF2-40B4-BE49-F238E27FC236}">
+                  <a16:creationId xmlns:a16="http://schemas.microsoft.com/office/drawing/2014/main" id="{F54597BD-6F96-6B49-950B-636DDB17EF54}"/>
+                </a:ext>
+              </a:extLst>
+            </p:cNvPr>
+            <p:cNvSpPr/>
+            <p:nvPr/>
+          </p:nvSpPr>
+          <p:spPr>
+            <a:xfrm>
+              <a:off x="4089690" y="2563099"/>
+              <a:ext cx="82296" cy="82296"/>
+            </a:xfrm>
+            <a:prstGeom prst="ellipse">
+              <a:avLst/>
+            </a:prstGeom>
+          </p:spPr>
+          <p:style>
+            <a:lnRef idx="2">
+              <a:schemeClr val="accent1">
+                <a:shade val="50000"/>
+              </a:schemeClr>
+            </a:lnRef>
+            <a:fillRef idx="1">
+              <a:schemeClr val="accent1"/>
+            </a:fillRef>
+            <a:effectRef idx="0">
+              <a:schemeClr val="accent1"/>
+            </a:effectRef>
+            <a:fontRef idx="minor">
+              <a:schemeClr val="lt1"/>
+            </a:fontRef>
+          </p:style>
+          <p:txBody>
+            <a:bodyPr rtlCol="0" anchor="ctr"/>
+            <a:lstStyle/>
+            <a:p>
+              <a:pPr algn="ctr"/>
+              <a:endParaRPr lang="en-US"/>
+            </a:p>
+          </p:txBody>
+        </p:sp>
+        <p:sp>
+          <p:nvSpPr>
+            <p:cNvPr id="21" name="Oval 20">
+              <a:extLst>
+                <a:ext uri="{FF2B5EF4-FFF2-40B4-BE49-F238E27FC236}">
+                  <a16:creationId xmlns:a16="http://schemas.microsoft.com/office/drawing/2014/main" id="{E1ECE591-3DA4-9943-A96E-F21CB96E02BA}"/>
+                </a:ext>
+              </a:extLst>
+            </p:cNvPr>
+            <p:cNvSpPr/>
+            <p:nvPr/>
+          </p:nvSpPr>
+          <p:spPr>
+            <a:xfrm>
+              <a:off x="4459474" y="2993896"/>
+              <a:ext cx="82296" cy="82296"/>
+            </a:xfrm>
+            <a:prstGeom prst="ellipse">
+              <a:avLst/>
+            </a:prstGeom>
+          </p:spPr>
+          <p:style>
+            <a:lnRef idx="2">
+              <a:schemeClr val="accent1">
+                <a:shade val="50000"/>
+              </a:schemeClr>
+            </a:lnRef>
+            <a:fillRef idx="1">
+              <a:schemeClr val="accent1"/>
+            </a:fillRef>
+            <a:effectRef idx="0">
+              <a:schemeClr val="accent1"/>
+            </a:effectRef>
+            <a:fontRef idx="minor">
+              <a:schemeClr val="lt1"/>
+            </a:fontRef>
+          </p:style>
+          <p:txBody>
+            <a:bodyPr rtlCol="0" anchor="ctr"/>
+            <a:lstStyle/>
+            <a:p>
+              <a:pPr algn="ctr"/>
+              <a:endParaRPr lang="en-US"/>
+            </a:p>
+          </p:txBody>
+        </p:sp>
+        <p:sp>
+          <p:nvSpPr>
+            <p:cNvPr id="22" name="Oval 21">
+              <a:extLst>
+                <a:ext uri="{FF2B5EF4-FFF2-40B4-BE49-F238E27FC236}">
+                  <a16:creationId xmlns:a16="http://schemas.microsoft.com/office/drawing/2014/main" id="{C624218C-7FDA-D146-8A77-F1407F0C2B94}"/>
+                </a:ext>
+              </a:extLst>
+            </p:cNvPr>
+            <p:cNvSpPr/>
+            <p:nvPr/>
+          </p:nvSpPr>
+          <p:spPr>
+            <a:xfrm>
+              <a:off x="2703679" y="3034020"/>
+              <a:ext cx="82296" cy="82296"/>
+            </a:xfrm>
+            <a:prstGeom prst="ellipse">
+              <a:avLst/>
+            </a:prstGeom>
+          </p:spPr>
+          <p:style>
+            <a:lnRef idx="2">
+              <a:schemeClr val="accent1">
+                <a:shade val="50000"/>
+              </a:schemeClr>
+            </a:lnRef>
+            <a:fillRef idx="1">
+              <a:schemeClr val="accent1"/>
+            </a:fillRef>
+            <a:effectRef idx="0">
+              <a:schemeClr val="accent1"/>
+            </a:effectRef>
+            <a:fontRef idx="minor">
+              <a:schemeClr val="lt1"/>
+            </a:fontRef>
+          </p:style>
+          <p:txBody>
+            <a:bodyPr rtlCol="0" anchor="ctr"/>
+            <a:lstStyle/>
+            <a:p>
+              <a:pPr algn="ctr"/>
+              <a:endParaRPr lang="en-US"/>
+            </a:p>
+          </p:txBody>
+        </p:sp>
+        <p:sp>
+          <p:nvSpPr>
+            <p:cNvPr id="23" name="Oval 22">
+              <a:extLst>
+                <a:ext uri="{FF2B5EF4-FFF2-40B4-BE49-F238E27FC236}">
+                  <a16:creationId xmlns:a16="http://schemas.microsoft.com/office/drawing/2014/main" id="{38863C3D-EFF2-A94A-B46D-7C3D2B63A93C}"/>
+                </a:ext>
+              </a:extLst>
+            </p:cNvPr>
+            <p:cNvSpPr/>
+            <p:nvPr/>
+          </p:nvSpPr>
+          <p:spPr>
+            <a:xfrm>
+              <a:off x="4810633" y="1834657"/>
+              <a:ext cx="82296" cy="82296"/>
+            </a:xfrm>
+            <a:prstGeom prst="ellipse">
+              <a:avLst/>
+            </a:prstGeom>
+          </p:spPr>
+          <p:style>
+            <a:lnRef idx="2">
+              <a:schemeClr val="accent1">
+                <a:shade val="50000"/>
+              </a:schemeClr>
+            </a:lnRef>
+            <a:fillRef idx="1">
+              <a:schemeClr val="accent1"/>
+            </a:fillRef>
+            <a:effectRef idx="0">
+              <a:schemeClr val="accent1"/>
+            </a:effectRef>
+            <a:fontRef idx="minor">
+              <a:schemeClr val="lt1"/>
+            </a:fontRef>
+          </p:style>
+          <p:txBody>
+            <a:bodyPr rtlCol="0" anchor="ctr"/>
+            <a:lstStyle/>
+            <a:p>
+              <a:pPr algn="ctr"/>
+              <a:endParaRPr lang="en-US"/>
+            </a:p>
+          </p:txBody>
+        </p:sp>
+        <p:sp>
+          <p:nvSpPr>
+            <p:cNvPr id="24" name="Oval 23">
+              <a:extLst>
+                <a:ext uri="{FF2B5EF4-FFF2-40B4-BE49-F238E27FC236}">
+                  <a16:creationId xmlns:a16="http://schemas.microsoft.com/office/drawing/2014/main" id="{AA413B9F-E990-A341-ABDE-476B669F7957}"/>
+                </a:ext>
+              </a:extLst>
+            </p:cNvPr>
+            <p:cNvSpPr/>
+            <p:nvPr/>
+          </p:nvSpPr>
+          <p:spPr>
+            <a:xfrm>
+              <a:off x="5161792" y="2703717"/>
+              <a:ext cx="82296" cy="82296"/>
+            </a:xfrm>
+            <a:prstGeom prst="ellipse">
+              <a:avLst/>
+            </a:prstGeom>
+          </p:spPr>
+          <p:style>
+            <a:lnRef idx="2">
+              <a:schemeClr val="accent1">
+                <a:shade val="50000"/>
+              </a:schemeClr>
+            </a:lnRef>
+            <a:fillRef idx="1">
+              <a:schemeClr val="accent1"/>
+            </a:fillRef>
+            <a:effectRef idx="0">
+              <a:schemeClr val="accent1"/>
+            </a:effectRef>
+            <a:fontRef idx="minor">
+              <a:schemeClr val="lt1"/>
+            </a:fontRef>
+          </p:style>
+          <p:txBody>
+            <a:bodyPr rtlCol="0" anchor="ctr"/>
+            <a:lstStyle/>
+            <a:p>
+              <a:pPr algn="ctr"/>
+              <a:endParaRPr lang="en-US"/>
+            </a:p>
+          </p:txBody>
+        </p:sp>
+        <p:sp>
+          <p:nvSpPr>
+            <p:cNvPr id="25" name="Oval 24">
+              <a:extLst>
+                <a:ext uri="{FF2B5EF4-FFF2-40B4-BE49-F238E27FC236}">
+                  <a16:creationId xmlns:a16="http://schemas.microsoft.com/office/drawing/2014/main" id="{59234DAF-FF27-7E4F-9482-2B6E82F6CFBA}"/>
+                </a:ext>
+              </a:extLst>
+            </p:cNvPr>
+            <p:cNvSpPr/>
+            <p:nvPr/>
+          </p:nvSpPr>
+          <p:spPr>
+            <a:xfrm>
+              <a:off x="5512947" y="2456201"/>
+              <a:ext cx="82296" cy="82296"/>
+            </a:xfrm>
+            <a:prstGeom prst="ellipse">
+              <a:avLst/>
+            </a:prstGeom>
+          </p:spPr>
+          <p:style>
+            <a:lnRef idx="2">
+              <a:schemeClr val="accent1">
+                <a:shade val="50000"/>
+              </a:schemeClr>
+            </a:lnRef>
+            <a:fillRef idx="1">
+              <a:schemeClr val="accent1"/>
+            </a:fillRef>
+            <a:effectRef idx="0">
+              <a:schemeClr val="accent1"/>
+            </a:effectRef>
+            <a:fontRef idx="minor">
+              <a:schemeClr val="lt1"/>
+            </a:fontRef>
+          </p:style>
+          <p:txBody>
+            <a:bodyPr rtlCol="0" anchor="ctr"/>
+            <a:lstStyle/>
+            <a:p>
+              <a:pPr algn="ctr"/>
+              <a:endParaRPr lang="en-US"/>
+            </a:p>
+          </p:txBody>
+        </p:sp>
+        <p:sp>
+          <p:nvSpPr>
+            <p:cNvPr id="26" name="TextBox 25">
+              <a:extLst>
+                <a:ext uri="{FF2B5EF4-FFF2-40B4-BE49-F238E27FC236}">
+                  <a16:creationId xmlns:a16="http://schemas.microsoft.com/office/drawing/2014/main" id="{A1B619AA-63AC-1E41-A9F8-F359220234B6}"/>
+                </a:ext>
+              </a:extLst>
+            </p:cNvPr>
+            <p:cNvSpPr txBox="1"/>
+            <p:nvPr/>
+          </p:nvSpPr>
+          <p:spPr>
+            <a:xfrm rot="18648203">
+              <a:off x="1797914" y="3821085"/>
+              <a:ext cx="809837" cy="230832"/>
+            </a:xfrm>
+            <a:prstGeom prst="rect">
+              <a:avLst/>
+            </a:prstGeom>
+            <a:noFill/>
+          </p:spPr>
+          <p:txBody>
+            <a:bodyPr wrap="none" rtlCol="0">
+              <a:spAutoFit/>
+            </a:bodyPr>
+            <a:lstStyle/>
+            <a:p>
+              <a:r>
+                <a:rPr lang="en-US" sz="900"/>
+                <a:t>Experiment 1</a:t>
+              </a:r>
+              <a:endParaRPr lang="en-US"/>
+            </a:p>
+          </p:txBody>
+        </p:sp>
+        <p:sp>
+          <p:nvSpPr>
+            <p:cNvPr id="27" name="TextBox 26">
+              <a:extLst>
+                <a:ext uri="{FF2B5EF4-FFF2-40B4-BE49-F238E27FC236}">
+                  <a16:creationId xmlns:a16="http://schemas.microsoft.com/office/drawing/2014/main" id="{D804A54D-99F1-0E4A-8889-C49425BC6876}"/>
+                </a:ext>
+              </a:extLst>
+            </p:cNvPr>
+            <p:cNvSpPr txBox="1"/>
+            <p:nvPr/>
+          </p:nvSpPr>
+          <p:spPr>
+            <a:xfrm rot="18648203">
+              <a:off x="2149381" y="3821085"/>
+              <a:ext cx="809837" cy="230832"/>
+            </a:xfrm>
+            <a:prstGeom prst="rect">
+              <a:avLst/>
+            </a:prstGeom>
+            <a:noFill/>
+          </p:spPr>
+          <p:txBody>
+            <a:bodyPr wrap="none" rtlCol="0">
+              <a:spAutoFit/>
+            </a:bodyPr>
+            <a:lstStyle/>
+            <a:p>
+              <a:r>
+                <a:rPr lang="en-US" sz="900"/>
+                <a:t>Experiment 2</a:t>
+              </a:r>
+              <a:endParaRPr lang="en-US"/>
+            </a:p>
+          </p:txBody>
+        </p:sp>
+        <p:sp>
+          <p:nvSpPr>
+            <p:cNvPr id="28" name="TextBox 27">
+              <a:extLst>
+                <a:ext uri="{FF2B5EF4-FFF2-40B4-BE49-F238E27FC236}">
+                  <a16:creationId xmlns:a16="http://schemas.microsoft.com/office/drawing/2014/main" id="{CA941455-4DCD-6542-BC6A-22BCC8ECB5F9}"/>
+                </a:ext>
+              </a:extLst>
+            </p:cNvPr>
+            <p:cNvSpPr txBox="1"/>
+            <p:nvPr/>
+          </p:nvSpPr>
+          <p:spPr>
+            <a:xfrm rot="18648203">
+              <a:off x="2500848" y="3821085"/>
+              <a:ext cx="809837" cy="230832"/>
+            </a:xfrm>
+            <a:prstGeom prst="rect">
+              <a:avLst/>
+            </a:prstGeom>
+            <a:noFill/>
+          </p:spPr>
+          <p:txBody>
+            <a:bodyPr wrap="none" rtlCol="0">
+              <a:spAutoFit/>
+            </a:bodyPr>
+            <a:lstStyle/>
+            <a:p>
+              <a:r>
+                <a:rPr lang="en-US" sz="900"/>
+                <a:t>Experiment 3</a:t>
+              </a:r>
+              <a:endParaRPr lang="en-US"/>
+            </a:p>
+          </p:txBody>
+        </p:sp>
+        <p:sp>
+          <p:nvSpPr>
+            <p:cNvPr id="29" name="TextBox 28">
+              <a:extLst>
+                <a:ext uri="{FF2B5EF4-FFF2-40B4-BE49-F238E27FC236}">
+                  <a16:creationId xmlns:a16="http://schemas.microsoft.com/office/drawing/2014/main" id="{85E251CD-6C56-D24E-ABE9-B54C056A630D}"/>
+                </a:ext>
+              </a:extLst>
+            </p:cNvPr>
+            <p:cNvSpPr txBox="1"/>
+            <p:nvPr/>
+          </p:nvSpPr>
+          <p:spPr>
+            <a:xfrm rot="18648203">
+              <a:off x="2852315" y="3821085"/>
+              <a:ext cx="809837" cy="230832"/>
+            </a:xfrm>
+            <a:prstGeom prst="rect">
+              <a:avLst/>
+            </a:prstGeom>
+            <a:noFill/>
+          </p:spPr>
+          <p:txBody>
+            <a:bodyPr wrap="none" rtlCol="0">
+              <a:spAutoFit/>
+            </a:bodyPr>
+            <a:lstStyle/>
+            <a:p>
+              <a:r>
+                <a:rPr lang="en-US" sz="900"/>
+                <a:t>Experiment 4</a:t>
+              </a:r>
+              <a:endParaRPr lang="en-US"/>
+            </a:p>
+          </p:txBody>
+        </p:sp>
+        <p:sp>
+          <p:nvSpPr>
+            <p:cNvPr id="30" name="TextBox 29">
+              <a:extLst>
+                <a:ext uri="{FF2B5EF4-FFF2-40B4-BE49-F238E27FC236}">
+                  <a16:creationId xmlns:a16="http://schemas.microsoft.com/office/drawing/2014/main" id="{898EF40B-D635-CA40-B380-19004D100740}"/>
+                </a:ext>
+              </a:extLst>
+            </p:cNvPr>
+            <p:cNvSpPr txBox="1"/>
+            <p:nvPr/>
+          </p:nvSpPr>
+          <p:spPr>
+            <a:xfrm rot="18648203">
+              <a:off x="3203782" y="3821085"/>
+              <a:ext cx="809837" cy="230832"/>
+            </a:xfrm>
+            <a:prstGeom prst="rect">
+              <a:avLst/>
+            </a:prstGeom>
+            <a:noFill/>
+          </p:spPr>
+          <p:txBody>
+            <a:bodyPr wrap="none" rtlCol="0">
+              <a:spAutoFit/>
+            </a:bodyPr>
+            <a:lstStyle/>
+            <a:p>
+              <a:r>
+                <a:rPr lang="en-US" sz="900"/>
+                <a:t>Experiment 5</a:t>
+              </a:r>
+              <a:endParaRPr lang="en-US"/>
+            </a:p>
+          </p:txBody>
+        </p:sp>
+        <p:sp>
+          <p:nvSpPr>
+            <p:cNvPr id="31" name="TextBox 30">
+              <a:extLst>
+                <a:ext uri="{FF2B5EF4-FFF2-40B4-BE49-F238E27FC236}">
+                  <a16:creationId xmlns:a16="http://schemas.microsoft.com/office/drawing/2014/main" id="{F14AE010-F209-5A48-AA38-B79DB431CB5A}"/>
+                </a:ext>
+              </a:extLst>
+            </p:cNvPr>
+            <p:cNvSpPr txBox="1"/>
+            <p:nvPr/>
+          </p:nvSpPr>
+          <p:spPr>
+            <a:xfrm rot="18648203">
+              <a:off x="3555249" y="3821085"/>
+              <a:ext cx="809837" cy="230832"/>
+            </a:xfrm>
+            <a:prstGeom prst="rect">
+              <a:avLst/>
+            </a:prstGeom>
+            <a:noFill/>
+          </p:spPr>
+          <p:txBody>
+            <a:bodyPr wrap="none" rtlCol="0">
+              <a:spAutoFit/>
+            </a:bodyPr>
+            <a:lstStyle/>
+            <a:p>
+              <a:r>
+                <a:rPr lang="en-US" sz="900"/>
+                <a:t>Experiment 6</a:t>
+              </a:r>
+              <a:endParaRPr lang="en-US"/>
+            </a:p>
+          </p:txBody>
+        </p:sp>
+        <p:sp>
+          <p:nvSpPr>
+            <p:cNvPr id="32" name="TextBox 31">
+              <a:extLst>
+                <a:ext uri="{FF2B5EF4-FFF2-40B4-BE49-F238E27FC236}">
+                  <a16:creationId xmlns:a16="http://schemas.microsoft.com/office/drawing/2014/main" id="{E6B32D46-A36E-1340-9398-80C8DEB7E818}"/>
+                </a:ext>
+              </a:extLst>
+            </p:cNvPr>
+            <p:cNvSpPr txBox="1"/>
+            <p:nvPr/>
+          </p:nvSpPr>
+          <p:spPr>
+            <a:xfrm rot="18648203">
+              <a:off x="3906716" y="3821085"/>
+              <a:ext cx="809837" cy="230832"/>
+            </a:xfrm>
+            <a:prstGeom prst="rect">
+              <a:avLst/>
+            </a:prstGeom>
+            <a:noFill/>
+          </p:spPr>
+          <p:txBody>
+            <a:bodyPr wrap="none" rtlCol="0">
+              <a:spAutoFit/>
+            </a:bodyPr>
+            <a:lstStyle/>
+            <a:p>
+              <a:r>
+                <a:rPr lang="en-US" sz="900"/>
+                <a:t>Experiment 7</a:t>
+              </a:r>
+              <a:endParaRPr lang="en-US"/>
+            </a:p>
+          </p:txBody>
+        </p:sp>
+        <p:sp>
+          <p:nvSpPr>
+            <p:cNvPr id="33" name="TextBox 32">
+              <a:extLst>
+                <a:ext uri="{FF2B5EF4-FFF2-40B4-BE49-F238E27FC236}">
+                  <a16:creationId xmlns:a16="http://schemas.microsoft.com/office/drawing/2014/main" id="{F664EB72-79F9-A84D-A1A3-0BAE01571A66}"/>
+                </a:ext>
+              </a:extLst>
+            </p:cNvPr>
+            <p:cNvSpPr txBox="1"/>
+            <p:nvPr/>
+          </p:nvSpPr>
+          <p:spPr>
+            <a:xfrm rot="18648203">
+              <a:off x="4258183" y="3821085"/>
+              <a:ext cx="809837" cy="230832"/>
+            </a:xfrm>
+            <a:prstGeom prst="rect">
+              <a:avLst/>
+            </a:prstGeom>
+            <a:noFill/>
+          </p:spPr>
+          <p:txBody>
+            <a:bodyPr wrap="none" rtlCol="0">
+              <a:spAutoFit/>
+            </a:bodyPr>
+            <a:lstStyle/>
+            <a:p>
+              <a:r>
+                <a:rPr lang="en-US" sz="900"/>
+                <a:t>Experiment 8</a:t>
+              </a:r>
+              <a:endParaRPr lang="en-US"/>
+            </a:p>
+          </p:txBody>
+        </p:sp>
+        <p:sp>
+          <p:nvSpPr>
+            <p:cNvPr id="34" name="TextBox 33">
+              <a:extLst>
+                <a:ext uri="{FF2B5EF4-FFF2-40B4-BE49-F238E27FC236}">
+                  <a16:creationId xmlns:a16="http://schemas.microsoft.com/office/drawing/2014/main" id="{ECB78CC9-59AF-4F4E-AEF5-6D8987F06E21}"/>
+                </a:ext>
+              </a:extLst>
+            </p:cNvPr>
+            <p:cNvSpPr txBox="1"/>
+            <p:nvPr/>
+          </p:nvSpPr>
+          <p:spPr>
+            <a:xfrm rot="18648203">
+              <a:off x="4609650" y="3821085"/>
+              <a:ext cx="809837" cy="230832"/>
+            </a:xfrm>
+            <a:prstGeom prst="rect">
+              <a:avLst/>
+            </a:prstGeom>
+            <a:noFill/>
+          </p:spPr>
+          <p:txBody>
+            <a:bodyPr wrap="none" rtlCol="0">
+              <a:spAutoFit/>
+            </a:bodyPr>
+            <a:lstStyle/>
+            <a:p>
+              <a:r>
+                <a:rPr lang="en-US" sz="900"/>
+                <a:t>Experiment 9</a:t>
+              </a:r>
+              <a:endParaRPr lang="en-US"/>
+            </a:p>
+          </p:txBody>
+        </p:sp>
+        <p:sp>
+          <p:nvSpPr>
+            <p:cNvPr id="35" name="TextBox 34">
+              <a:extLst>
+                <a:ext uri="{FF2B5EF4-FFF2-40B4-BE49-F238E27FC236}">
+                  <a16:creationId xmlns:a16="http://schemas.microsoft.com/office/drawing/2014/main" id="{5F4EA2D8-434B-E547-98C1-DB707A1941E8}"/>
+                </a:ext>
+              </a:extLst>
+            </p:cNvPr>
+            <p:cNvSpPr txBox="1"/>
+            <p:nvPr/>
+          </p:nvSpPr>
+          <p:spPr>
+            <a:xfrm rot="18648203">
+              <a:off x="4932267" y="3842925"/>
+              <a:ext cx="867545" cy="230832"/>
+            </a:xfrm>
+            <a:prstGeom prst="rect">
+              <a:avLst/>
+            </a:prstGeom>
+            <a:noFill/>
+          </p:spPr>
+          <p:txBody>
+            <a:bodyPr wrap="none" rtlCol="0">
+              <a:spAutoFit/>
+            </a:bodyPr>
+            <a:lstStyle/>
+            <a:p>
+              <a:r>
+                <a:rPr lang="en-US" sz="900"/>
+                <a:t>Experiment 10</a:t>
+              </a:r>
+              <a:endParaRPr lang="en-US"/>
+            </a:p>
+          </p:txBody>
+        </p:sp>
+        <p:grpSp>
+          <p:nvGrpSpPr>
+            <p:cNvPr id="41" name="Group 40">
+              <a:extLst>
+                <a:ext uri="{FF2B5EF4-FFF2-40B4-BE49-F238E27FC236}">
+                  <a16:creationId xmlns:a16="http://schemas.microsoft.com/office/drawing/2014/main" id="{641209A1-1351-F74A-9566-2007D13BCDEC}"/>
+                </a:ext>
+              </a:extLst>
+            </p:cNvPr>
+            <p:cNvGrpSpPr/>
+            <p:nvPr/>
+          </p:nvGrpSpPr>
+          <p:grpSpPr>
+            <a:xfrm>
+              <a:off x="2319422" y="2566017"/>
+              <a:ext cx="151214" cy="716014"/>
+              <a:chOff x="3129639" y="1409075"/>
+              <a:chExt cx="119601" cy="566323"/>
+            </a:xfrm>
+          </p:grpSpPr>
+          <p:cxnSp>
+            <p:nvCxnSpPr>
+              <p:cNvPr id="37" name="Straight Connector 36">
+                <a:extLst>
+                  <a:ext uri="{FF2B5EF4-FFF2-40B4-BE49-F238E27FC236}">
+                    <a16:creationId xmlns:a16="http://schemas.microsoft.com/office/drawing/2014/main" id="{A50FC0E0-A84D-CA45-BF42-BF92678F1807}"/>
+                  </a:ext>
+                </a:extLst>
+              </p:cNvPr>
+              <p:cNvCxnSpPr/>
+              <p:nvPr/>
+            </p:nvCxnSpPr>
+            <p:spPr>
+              <a:xfrm>
+                <a:off x="3192905" y="1409075"/>
+                <a:ext cx="0" cy="563825"/>
+              </a:xfrm>
+              <a:prstGeom prst="line">
+                <a:avLst/>
+              </a:prstGeom>
+              <a:ln w="12700">
+                <a:solidFill>
+                  <a:schemeClr val="tx1"/>
+                </a:solidFill>
+              </a:ln>
+            </p:spPr>
+            <p:style>
+              <a:lnRef idx="1">
+                <a:schemeClr val="accent1"/>
+              </a:lnRef>
+              <a:fillRef idx="0">
+                <a:schemeClr val="accent1"/>
+              </a:fillRef>
+              <a:effectRef idx="0">
+                <a:schemeClr val="accent1"/>
+              </a:effectRef>
+              <a:fontRef idx="minor">
+                <a:schemeClr val="tx1"/>
+              </a:fontRef>
+            </p:style>
+          </p:cxnSp>
+          <p:cxnSp>
+            <p:nvCxnSpPr>
+              <p:cNvPr id="39" name="Straight Connector 38">
+                <a:extLst>
+                  <a:ext uri="{FF2B5EF4-FFF2-40B4-BE49-F238E27FC236}">
+                    <a16:creationId xmlns:a16="http://schemas.microsoft.com/office/drawing/2014/main" id="{EC08E29D-8CA7-254A-9FE7-5152522F176F}"/>
+                  </a:ext>
+                </a:extLst>
+              </p:cNvPr>
+              <p:cNvCxnSpPr/>
+              <p:nvPr/>
+            </p:nvCxnSpPr>
+            <p:spPr>
+              <a:xfrm>
+                <a:off x="3129639" y="1409075"/>
+                <a:ext cx="119601" cy="0"/>
+              </a:xfrm>
+              <a:prstGeom prst="line">
+                <a:avLst/>
+              </a:prstGeom>
+              <a:ln w="12700">
+                <a:solidFill>
+                  <a:schemeClr val="tx1"/>
+                </a:solidFill>
+              </a:ln>
+            </p:spPr>
+            <p:style>
+              <a:lnRef idx="1">
+                <a:schemeClr val="accent1"/>
+              </a:lnRef>
+              <a:fillRef idx="0">
+                <a:schemeClr val="accent1"/>
+              </a:fillRef>
+              <a:effectRef idx="0">
+                <a:schemeClr val="accent1"/>
+              </a:effectRef>
+              <a:fontRef idx="minor">
+                <a:schemeClr val="tx1"/>
+              </a:fontRef>
+            </p:style>
+          </p:cxnSp>
+          <p:cxnSp>
+            <p:nvCxnSpPr>
+              <p:cNvPr id="40" name="Straight Connector 39">
+                <a:extLst>
+                  <a:ext uri="{FF2B5EF4-FFF2-40B4-BE49-F238E27FC236}">
+                    <a16:creationId xmlns:a16="http://schemas.microsoft.com/office/drawing/2014/main" id="{797EEE16-B59E-A649-B90A-51493693FDF4}"/>
+                  </a:ext>
+                </a:extLst>
+              </p:cNvPr>
+              <p:cNvCxnSpPr/>
+              <p:nvPr/>
+            </p:nvCxnSpPr>
+            <p:spPr>
+              <a:xfrm>
+                <a:off x="3129639" y="1975398"/>
+                <a:ext cx="119601" cy="0"/>
+              </a:xfrm>
+              <a:prstGeom prst="line">
+                <a:avLst/>
+              </a:prstGeom>
+              <a:ln w="12700">
+                <a:solidFill>
+                  <a:schemeClr val="tx1"/>
+                </a:solidFill>
+              </a:ln>
+            </p:spPr>
+            <p:style>
+              <a:lnRef idx="1">
+                <a:schemeClr val="accent1"/>
+              </a:lnRef>
+              <a:fillRef idx="0">
+                <a:schemeClr val="accent1"/>
+              </a:fillRef>
+              <a:effectRef idx="0">
+                <a:schemeClr val="accent1"/>
+              </a:effectRef>
+              <a:fontRef idx="minor">
+                <a:schemeClr val="tx1"/>
+              </a:fontRef>
+            </p:style>
+          </p:cxnSp>
+        </p:grpSp>
+        <p:cxnSp>
+          <p:nvCxnSpPr>
+            <p:cNvPr id="60" name="Straight Connector 59">
+              <a:extLst>
+                <a:ext uri="{FF2B5EF4-FFF2-40B4-BE49-F238E27FC236}">
+                  <a16:creationId xmlns:a16="http://schemas.microsoft.com/office/drawing/2014/main" id="{22FE41EA-6D74-9C42-B22C-DDAB7C1AE447}"/>
+                </a:ext>
+              </a:extLst>
+            </p:cNvPr>
+            <p:cNvCxnSpPr>
+              <a:cxnSpLocks/>
+            </p:cNvCxnSpPr>
+            <p:nvPr/>
+          </p:nvCxnSpPr>
+          <p:spPr>
+            <a:xfrm>
+              <a:off x="813428" y="2676580"/>
+              <a:ext cx="431647" cy="0"/>
+            </a:xfrm>
+            <a:prstGeom prst="line">
+              <a:avLst/>
+            </a:prstGeom>
+            <a:ln w="12700">
+              <a:solidFill>
+                <a:srgbClr val="FF0000"/>
+              </a:solidFill>
+              <a:prstDash val="dash"/>
+            </a:ln>
+          </p:spPr>
+          <p:style>
+            <a:lnRef idx="1">
+              <a:schemeClr val="dk1"/>
+            </a:lnRef>
+            <a:fillRef idx="0">
+              <a:schemeClr val="dk1"/>
+            </a:fillRef>
+            <a:effectRef idx="0">
+              <a:schemeClr val="dk1"/>
+            </a:effectRef>
+            <a:fontRef idx="minor">
+              <a:schemeClr val="tx1"/>
+            </a:fontRef>
+          </p:style>
+        </p:cxnSp>
+        <p:grpSp>
+          <p:nvGrpSpPr>
+            <p:cNvPr id="62" name="Group 61">
+              <a:extLst>
+                <a:ext uri="{FF2B5EF4-FFF2-40B4-BE49-F238E27FC236}">
+                  <a16:creationId xmlns:a16="http://schemas.microsoft.com/office/drawing/2014/main" id="{05B91005-6FD1-ED48-95B1-50AA25267338}"/>
+                </a:ext>
+              </a:extLst>
+            </p:cNvPr>
+            <p:cNvGrpSpPr/>
+            <p:nvPr/>
+          </p:nvGrpSpPr>
+          <p:grpSpPr>
+            <a:xfrm>
+              <a:off x="739357" y="2765779"/>
+              <a:ext cx="59801" cy="283162"/>
+              <a:chOff x="3129639" y="1409075"/>
+              <a:chExt cx="119601" cy="566323"/>
+            </a:xfrm>
+          </p:grpSpPr>
+          <p:cxnSp>
+            <p:nvCxnSpPr>
+              <p:cNvPr id="63" name="Straight Connector 62">
+                <a:extLst>
+                  <a:ext uri="{FF2B5EF4-FFF2-40B4-BE49-F238E27FC236}">
+                    <a16:creationId xmlns:a16="http://schemas.microsoft.com/office/drawing/2014/main" id="{DBF9604D-82F7-784F-8893-0EBBBE7A748B}"/>
+                  </a:ext>
+                </a:extLst>
+              </p:cNvPr>
+              <p:cNvCxnSpPr/>
+              <p:nvPr/>
+            </p:nvCxnSpPr>
+            <p:spPr>
+              <a:xfrm>
+                <a:off x="3192905" y="1409075"/>
+                <a:ext cx="0" cy="563825"/>
+              </a:xfrm>
+              <a:prstGeom prst="line">
+                <a:avLst/>
+              </a:prstGeom>
+              <a:ln w="12700">
+                <a:solidFill>
+                  <a:schemeClr val="tx1"/>
+                </a:solidFill>
+              </a:ln>
+            </p:spPr>
+            <p:style>
+              <a:lnRef idx="1">
+                <a:schemeClr val="accent1"/>
+              </a:lnRef>
+              <a:fillRef idx="0">
+                <a:schemeClr val="accent1"/>
+              </a:fillRef>
+              <a:effectRef idx="0">
+                <a:schemeClr val="accent1"/>
+              </a:effectRef>
+              <a:fontRef idx="minor">
+                <a:schemeClr val="tx1"/>
+              </a:fontRef>
+            </p:style>
+          </p:cxnSp>
+          <p:cxnSp>
+            <p:nvCxnSpPr>
+              <p:cNvPr id="64" name="Straight Connector 63">
+                <a:extLst>
+                  <a:ext uri="{FF2B5EF4-FFF2-40B4-BE49-F238E27FC236}">
+                    <a16:creationId xmlns:a16="http://schemas.microsoft.com/office/drawing/2014/main" id="{BBCA3B30-3A72-734B-8BAF-B44B3656D5D1}"/>
+                  </a:ext>
+                </a:extLst>
+              </p:cNvPr>
+              <p:cNvCxnSpPr/>
+              <p:nvPr/>
+            </p:nvCxnSpPr>
+            <p:spPr>
+              <a:xfrm>
+                <a:off x="3129639" y="1409075"/>
+                <a:ext cx="119601" cy="0"/>
+              </a:xfrm>
+              <a:prstGeom prst="line">
+                <a:avLst/>
+              </a:prstGeom>
+              <a:ln w="12700">
+                <a:solidFill>
+                  <a:schemeClr val="tx1"/>
+                </a:solidFill>
+              </a:ln>
+            </p:spPr>
+            <p:style>
+              <a:lnRef idx="1">
+                <a:schemeClr val="accent1"/>
+              </a:lnRef>
+              <a:fillRef idx="0">
+                <a:schemeClr val="accent1"/>
+              </a:fillRef>
+              <a:effectRef idx="0">
+                <a:schemeClr val="accent1"/>
+              </a:effectRef>
+              <a:fontRef idx="minor">
+                <a:schemeClr val="tx1"/>
+              </a:fontRef>
+            </p:style>
+          </p:cxnSp>
+          <p:cxnSp>
+            <p:nvCxnSpPr>
+              <p:cNvPr id="65" name="Straight Connector 64">
+                <a:extLst>
+                  <a:ext uri="{FF2B5EF4-FFF2-40B4-BE49-F238E27FC236}">
+                    <a16:creationId xmlns:a16="http://schemas.microsoft.com/office/drawing/2014/main" id="{C46EDD4E-170E-9C48-8B74-E9C118D2F980}"/>
+                  </a:ext>
+                </a:extLst>
+              </p:cNvPr>
+              <p:cNvCxnSpPr/>
+              <p:nvPr/>
+            </p:nvCxnSpPr>
+            <p:spPr>
+              <a:xfrm>
+                <a:off x="3129639" y="1975398"/>
+                <a:ext cx="119601" cy="0"/>
+              </a:xfrm>
+              <a:prstGeom prst="line">
+                <a:avLst/>
+              </a:prstGeom>
+              <a:ln w="12700">
+                <a:solidFill>
+                  <a:schemeClr val="tx1"/>
+                </a:solidFill>
+              </a:ln>
+            </p:spPr>
+            <p:style>
+              <a:lnRef idx="1">
+                <a:schemeClr val="accent1"/>
+              </a:lnRef>
+              <a:fillRef idx="0">
+                <a:schemeClr val="accent1"/>
+              </a:fillRef>
+              <a:effectRef idx="0">
+                <a:schemeClr val="accent1"/>
+              </a:effectRef>
+              <a:fontRef idx="minor">
+                <a:schemeClr val="tx1"/>
+              </a:fontRef>
+            </p:style>
+          </p:cxnSp>
+        </p:grpSp>
+        <p:sp>
+          <p:nvSpPr>
+            <p:cNvPr id="66" name="TextBox 65">
+              <a:extLst>
+                <a:ext uri="{FF2B5EF4-FFF2-40B4-BE49-F238E27FC236}">
+                  <a16:creationId xmlns:a16="http://schemas.microsoft.com/office/drawing/2014/main" id="{48B68A02-878F-3B49-9F39-8DF387CC4B97}"/>
+                </a:ext>
+              </a:extLst>
+            </p:cNvPr>
+            <p:cNvSpPr txBox="1"/>
+            <p:nvPr/>
+          </p:nvSpPr>
+          <p:spPr>
+            <a:xfrm>
+              <a:off x="780506" y="2754469"/>
+              <a:ext cx="1101584" cy="230832"/>
+            </a:xfrm>
+            <a:prstGeom prst="rect">
+              <a:avLst/>
+            </a:prstGeom>
+            <a:noFill/>
+          </p:spPr>
+          <p:txBody>
+            <a:bodyPr wrap="none" rtlCol="0">
+              <a:spAutoFit/>
+            </a:bodyPr>
+            <a:lstStyle/>
+            <a:p>
+              <a:r>
+                <a:rPr lang="en-US" sz="900"/>
+                <a:t>Confidence Interval</a:t>
+              </a:r>
+              <a:endParaRPr lang="en-US"/>
+            </a:p>
+          </p:txBody>
+        </p:sp>
+        <p:grpSp>
+          <p:nvGrpSpPr>
+            <p:cNvPr id="67" name="Group 66">
+              <a:extLst>
+                <a:ext uri="{FF2B5EF4-FFF2-40B4-BE49-F238E27FC236}">
+                  <a16:creationId xmlns:a16="http://schemas.microsoft.com/office/drawing/2014/main" id="{3A6FB4BD-77ED-CD47-AC8A-BF130ABB7CAD}"/>
+                </a:ext>
+              </a:extLst>
+            </p:cNvPr>
+            <p:cNvGrpSpPr/>
+            <p:nvPr/>
+          </p:nvGrpSpPr>
+          <p:grpSpPr>
+            <a:xfrm>
+              <a:off x="2675883" y="2665720"/>
+              <a:ext cx="151214" cy="716014"/>
+              <a:chOff x="3129639" y="1409075"/>
+              <a:chExt cx="119601" cy="566323"/>
+            </a:xfrm>
+          </p:grpSpPr>
+          <p:cxnSp>
+            <p:nvCxnSpPr>
+              <p:cNvPr id="68" name="Straight Connector 67">
+                <a:extLst>
+                  <a:ext uri="{FF2B5EF4-FFF2-40B4-BE49-F238E27FC236}">
+                    <a16:creationId xmlns:a16="http://schemas.microsoft.com/office/drawing/2014/main" id="{FF4B5CEC-443D-7345-8E07-59077E23F8EC}"/>
+                  </a:ext>
+                </a:extLst>
+              </p:cNvPr>
+              <p:cNvCxnSpPr/>
+              <p:nvPr/>
+            </p:nvCxnSpPr>
+            <p:spPr>
+              <a:xfrm>
+                <a:off x="3192905" y="1409075"/>
+                <a:ext cx="0" cy="563825"/>
+              </a:xfrm>
+              <a:prstGeom prst="line">
+                <a:avLst/>
+              </a:prstGeom>
+              <a:ln w="12700">
+                <a:solidFill>
+                  <a:schemeClr val="tx1"/>
+                </a:solidFill>
+              </a:ln>
+            </p:spPr>
+            <p:style>
+              <a:lnRef idx="1">
+                <a:schemeClr val="accent1"/>
+              </a:lnRef>
+              <a:fillRef idx="0">
+                <a:schemeClr val="accent1"/>
+              </a:fillRef>
+              <a:effectRef idx="0">
+                <a:schemeClr val="accent1"/>
+              </a:effectRef>
+              <a:fontRef idx="minor">
+                <a:schemeClr val="tx1"/>
+              </a:fontRef>
+            </p:style>
+          </p:cxnSp>
+          <p:cxnSp>
+            <p:nvCxnSpPr>
+              <p:cNvPr id="69" name="Straight Connector 68">
+                <a:extLst>
+                  <a:ext uri="{FF2B5EF4-FFF2-40B4-BE49-F238E27FC236}">
+                    <a16:creationId xmlns:a16="http://schemas.microsoft.com/office/drawing/2014/main" id="{6331FFFB-79E3-C54C-9763-0A65D42C78CD}"/>
+                  </a:ext>
+                </a:extLst>
+              </p:cNvPr>
+              <p:cNvCxnSpPr/>
+              <p:nvPr/>
+            </p:nvCxnSpPr>
+            <p:spPr>
+              <a:xfrm>
+                <a:off x="3129639" y="1409075"/>
+                <a:ext cx="119601" cy="0"/>
+              </a:xfrm>
+              <a:prstGeom prst="line">
+                <a:avLst/>
+              </a:prstGeom>
+              <a:ln w="12700">
+                <a:solidFill>
+                  <a:schemeClr val="tx1"/>
+                </a:solidFill>
+              </a:ln>
+            </p:spPr>
+            <p:style>
+              <a:lnRef idx="1">
+                <a:schemeClr val="accent1"/>
+              </a:lnRef>
+              <a:fillRef idx="0">
+                <a:schemeClr val="accent1"/>
+              </a:fillRef>
+              <a:effectRef idx="0">
+                <a:schemeClr val="accent1"/>
+              </a:effectRef>
+              <a:fontRef idx="minor">
+                <a:schemeClr val="tx1"/>
+              </a:fontRef>
+            </p:style>
+          </p:cxnSp>
+          <p:cxnSp>
+            <p:nvCxnSpPr>
+              <p:cNvPr id="70" name="Straight Connector 69">
+                <a:extLst>
+                  <a:ext uri="{FF2B5EF4-FFF2-40B4-BE49-F238E27FC236}">
+                    <a16:creationId xmlns:a16="http://schemas.microsoft.com/office/drawing/2014/main" id="{BA887062-6869-A346-9B80-0E030BB8594F}"/>
+                  </a:ext>
+                </a:extLst>
+              </p:cNvPr>
+              <p:cNvCxnSpPr/>
+              <p:nvPr/>
+            </p:nvCxnSpPr>
+            <p:spPr>
+              <a:xfrm>
+                <a:off x="3129639" y="1975398"/>
+                <a:ext cx="119601" cy="0"/>
+              </a:xfrm>
+              <a:prstGeom prst="line">
+                <a:avLst/>
+              </a:prstGeom>
+              <a:ln w="12700">
+                <a:solidFill>
+                  <a:schemeClr val="tx1"/>
+                </a:solidFill>
+              </a:ln>
+            </p:spPr>
+            <p:style>
+              <a:lnRef idx="1">
+                <a:schemeClr val="accent1"/>
+              </a:lnRef>
+              <a:fillRef idx="0">
+                <a:schemeClr val="accent1"/>
+              </a:fillRef>
+              <a:effectRef idx="0">
+                <a:schemeClr val="accent1"/>
+              </a:effectRef>
+              <a:fontRef idx="minor">
+                <a:schemeClr val="tx1"/>
+              </a:fontRef>
+            </p:style>
+          </p:cxnSp>
+        </p:grpSp>
+        <p:grpSp>
+          <p:nvGrpSpPr>
+            <p:cNvPr id="71" name="Group 70">
+              <a:extLst>
+                <a:ext uri="{FF2B5EF4-FFF2-40B4-BE49-F238E27FC236}">
+                  <a16:creationId xmlns:a16="http://schemas.microsoft.com/office/drawing/2014/main" id="{8085F149-A7C9-4C40-95E0-63234E8534F3}"/>
+                </a:ext>
+              </a:extLst>
+            </p:cNvPr>
+            <p:cNvGrpSpPr/>
+            <p:nvPr/>
+          </p:nvGrpSpPr>
+          <p:grpSpPr>
+            <a:xfrm>
+              <a:off x="3018805" y="2310433"/>
+              <a:ext cx="151214" cy="716014"/>
+              <a:chOff x="3129639" y="1409075"/>
+              <a:chExt cx="119601" cy="566323"/>
+            </a:xfrm>
+          </p:grpSpPr>
+          <p:cxnSp>
+            <p:nvCxnSpPr>
+              <p:cNvPr id="72" name="Straight Connector 71">
+                <a:extLst>
+                  <a:ext uri="{FF2B5EF4-FFF2-40B4-BE49-F238E27FC236}">
+                    <a16:creationId xmlns:a16="http://schemas.microsoft.com/office/drawing/2014/main" id="{A5FEA46C-34F7-2045-8C2C-D11DC11916D9}"/>
+                  </a:ext>
+                </a:extLst>
+              </p:cNvPr>
+              <p:cNvCxnSpPr/>
+              <p:nvPr/>
+            </p:nvCxnSpPr>
+            <p:spPr>
+              <a:xfrm>
+                <a:off x="3192905" y="1409075"/>
+                <a:ext cx="0" cy="563825"/>
+              </a:xfrm>
+              <a:prstGeom prst="line">
+                <a:avLst/>
+              </a:prstGeom>
+              <a:ln w="12700">
+                <a:solidFill>
+                  <a:schemeClr val="tx1"/>
+                </a:solidFill>
+              </a:ln>
+            </p:spPr>
+            <p:style>
+              <a:lnRef idx="1">
+                <a:schemeClr val="accent1"/>
+              </a:lnRef>
+              <a:fillRef idx="0">
+                <a:schemeClr val="accent1"/>
+              </a:fillRef>
+              <a:effectRef idx="0">
+                <a:schemeClr val="accent1"/>
+              </a:effectRef>
+              <a:fontRef idx="minor">
+                <a:schemeClr val="tx1"/>
+              </a:fontRef>
+            </p:style>
+          </p:cxnSp>
+          <p:cxnSp>
+            <p:nvCxnSpPr>
+              <p:cNvPr id="73" name="Straight Connector 72">
+                <a:extLst>
+                  <a:ext uri="{FF2B5EF4-FFF2-40B4-BE49-F238E27FC236}">
+                    <a16:creationId xmlns:a16="http://schemas.microsoft.com/office/drawing/2014/main" id="{438A1EB4-04F4-BE4E-886F-9FD607A7CCF7}"/>
+                  </a:ext>
+                </a:extLst>
+              </p:cNvPr>
+              <p:cNvCxnSpPr/>
+              <p:nvPr/>
+            </p:nvCxnSpPr>
+            <p:spPr>
+              <a:xfrm>
+                <a:off x="3129639" y="1409075"/>
+                <a:ext cx="119601" cy="0"/>
+              </a:xfrm>
+              <a:prstGeom prst="line">
+                <a:avLst/>
+              </a:prstGeom>
+              <a:ln w="12700">
+                <a:solidFill>
+                  <a:schemeClr val="tx1"/>
+                </a:solidFill>
+              </a:ln>
+            </p:spPr>
+            <p:style>
+              <a:lnRef idx="1">
+                <a:schemeClr val="accent1"/>
+              </a:lnRef>
+              <a:fillRef idx="0">
+                <a:schemeClr val="accent1"/>
+              </a:fillRef>
+              <a:effectRef idx="0">
+                <a:schemeClr val="accent1"/>
+              </a:effectRef>
+              <a:fontRef idx="minor">
+                <a:schemeClr val="tx1"/>
+              </a:fontRef>
+            </p:style>
+          </p:cxnSp>
+          <p:cxnSp>
+            <p:nvCxnSpPr>
+              <p:cNvPr id="74" name="Straight Connector 73">
+                <a:extLst>
+                  <a:ext uri="{FF2B5EF4-FFF2-40B4-BE49-F238E27FC236}">
+                    <a16:creationId xmlns:a16="http://schemas.microsoft.com/office/drawing/2014/main" id="{E2D74E45-9A0F-ED4C-8866-8E26A8C6C3E0}"/>
+                  </a:ext>
+                </a:extLst>
+              </p:cNvPr>
+              <p:cNvCxnSpPr/>
+              <p:nvPr/>
+            </p:nvCxnSpPr>
+            <p:spPr>
+              <a:xfrm>
+                <a:off x="3129639" y="1975398"/>
+                <a:ext cx="119601" cy="0"/>
+              </a:xfrm>
+              <a:prstGeom prst="line">
+                <a:avLst/>
+              </a:prstGeom>
+              <a:ln w="12700">
+                <a:solidFill>
+                  <a:schemeClr val="tx1"/>
+                </a:solidFill>
+              </a:ln>
+            </p:spPr>
+            <p:style>
+              <a:lnRef idx="1">
+                <a:schemeClr val="accent1"/>
+              </a:lnRef>
+              <a:fillRef idx="0">
+                <a:schemeClr val="accent1"/>
+              </a:fillRef>
+              <a:effectRef idx="0">
+                <a:schemeClr val="accent1"/>
+              </a:effectRef>
+              <a:fontRef idx="minor">
+                <a:schemeClr val="tx1"/>
+              </a:fontRef>
+            </p:style>
+          </p:cxnSp>
+        </p:grpSp>
+        <p:grpSp>
+          <p:nvGrpSpPr>
+            <p:cNvPr id="75" name="Group 74">
+              <a:extLst>
+                <a:ext uri="{FF2B5EF4-FFF2-40B4-BE49-F238E27FC236}">
+                  <a16:creationId xmlns:a16="http://schemas.microsoft.com/office/drawing/2014/main" id="{9D5DC47C-41E4-7E42-B8B4-7BBED0792328}"/>
+                </a:ext>
+              </a:extLst>
+            </p:cNvPr>
+            <p:cNvGrpSpPr/>
+            <p:nvPr/>
+          </p:nvGrpSpPr>
+          <p:grpSpPr>
+            <a:xfrm>
+              <a:off x="3370492" y="2479669"/>
+              <a:ext cx="151214" cy="716014"/>
+              <a:chOff x="3129639" y="1409075"/>
+              <a:chExt cx="119601" cy="566323"/>
+            </a:xfrm>
+          </p:grpSpPr>
+          <p:cxnSp>
+            <p:nvCxnSpPr>
+              <p:cNvPr id="76" name="Straight Connector 75">
+                <a:extLst>
+                  <a:ext uri="{FF2B5EF4-FFF2-40B4-BE49-F238E27FC236}">
+                    <a16:creationId xmlns:a16="http://schemas.microsoft.com/office/drawing/2014/main" id="{B47771D4-3DAE-824C-82EC-975C6E6C4B84}"/>
+                  </a:ext>
+                </a:extLst>
+              </p:cNvPr>
+              <p:cNvCxnSpPr/>
+              <p:nvPr/>
+            </p:nvCxnSpPr>
+            <p:spPr>
+              <a:xfrm>
+                <a:off x="3192905" y="1409075"/>
+                <a:ext cx="0" cy="563825"/>
+              </a:xfrm>
+              <a:prstGeom prst="line">
+                <a:avLst/>
+              </a:prstGeom>
+              <a:ln w="12700">
+                <a:solidFill>
+                  <a:schemeClr val="tx1"/>
+                </a:solidFill>
+              </a:ln>
+            </p:spPr>
+            <p:style>
+              <a:lnRef idx="1">
+                <a:schemeClr val="accent1"/>
+              </a:lnRef>
+              <a:fillRef idx="0">
+                <a:schemeClr val="accent1"/>
+              </a:fillRef>
+              <a:effectRef idx="0">
+                <a:schemeClr val="accent1"/>
+              </a:effectRef>
+              <a:fontRef idx="minor">
+                <a:schemeClr val="tx1"/>
+              </a:fontRef>
+            </p:style>
+          </p:cxnSp>
+          <p:cxnSp>
+            <p:nvCxnSpPr>
+              <p:cNvPr id="77" name="Straight Connector 76">
+                <a:extLst>
+                  <a:ext uri="{FF2B5EF4-FFF2-40B4-BE49-F238E27FC236}">
+                    <a16:creationId xmlns:a16="http://schemas.microsoft.com/office/drawing/2014/main" id="{743A4981-1E7F-2940-A16E-E55EA754CAB0}"/>
+                  </a:ext>
+                </a:extLst>
+              </p:cNvPr>
+              <p:cNvCxnSpPr/>
+              <p:nvPr/>
+            </p:nvCxnSpPr>
+            <p:spPr>
+              <a:xfrm>
+                <a:off x="3129639" y="1409075"/>
+                <a:ext cx="119601" cy="0"/>
+              </a:xfrm>
+              <a:prstGeom prst="line">
+                <a:avLst/>
+              </a:prstGeom>
+              <a:ln w="12700">
+                <a:solidFill>
+                  <a:schemeClr val="tx1"/>
+                </a:solidFill>
+              </a:ln>
+            </p:spPr>
+            <p:style>
+              <a:lnRef idx="1">
+                <a:schemeClr val="accent1"/>
+              </a:lnRef>
+              <a:fillRef idx="0">
+                <a:schemeClr val="accent1"/>
+              </a:fillRef>
+              <a:effectRef idx="0">
+                <a:schemeClr val="accent1"/>
+              </a:effectRef>
+              <a:fontRef idx="minor">
+                <a:schemeClr val="tx1"/>
+              </a:fontRef>
+            </p:style>
+          </p:cxnSp>
+          <p:cxnSp>
+            <p:nvCxnSpPr>
+              <p:cNvPr id="78" name="Straight Connector 77">
+                <a:extLst>
+                  <a:ext uri="{FF2B5EF4-FFF2-40B4-BE49-F238E27FC236}">
+                    <a16:creationId xmlns:a16="http://schemas.microsoft.com/office/drawing/2014/main" id="{908B235C-FA07-4E44-8393-C3EDE3316E76}"/>
+                  </a:ext>
+                </a:extLst>
+              </p:cNvPr>
+              <p:cNvCxnSpPr/>
+              <p:nvPr/>
+            </p:nvCxnSpPr>
+            <p:spPr>
+              <a:xfrm>
+                <a:off x="3129639" y="1975398"/>
+                <a:ext cx="119601" cy="0"/>
+              </a:xfrm>
+              <a:prstGeom prst="line">
+                <a:avLst/>
+              </a:prstGeom>
+              <a:ln w="12700">
+                <a:solidFill>
+                  <a:schemeClr val="tx1"/>
+                </a:solidFill>
+              </a:ln>
+            </p:spPr>
+            <p:style>
+              <a:lnRef idx="1">
+                <a:schemeClr val="accent1"/>
+              </a:lnRef>
+              <a:fillRef idx="0">
+                <a:schemeClr val="accent1"/>
+              </a:fillRef>
+              <a:effectRef idx="0">
+                <a:schemeClr val="accent1"/>
+              </a:effectRef>
+              <a:fontRef idx="minor">
+                <a:schemeClr val="tx1"/>
+              </a:fontRef>
+            </p:style>
+          </p:cxnSp>
+        </p:grpSp>
+        <p:grpSp>
+          <p:nvGrpSpPr>
+            <p:cNvPr id="79" name="Group 78">
+              <a:extLst>
+                <a:ext uri="{FF2B5EF4-FFF2-40B4-BE49-F238E27FC236}">
+                  <a16:creationId xmlns:a16="http://schemas.microsoft.com/office/drawing/2014/main" id="{9011D38B-CAC9-A346-83AE-7D2BAF03A026}"/>
+                </a:ext>
+              </a:extLst>
+            </p:cNvPr>
+            <p:cNvGrpSpPr/>
+            <p:nvPr/>
+          </p:nvGrpSpPr>
+          <p:grpSpPr>
+            <a:xfrm>
+              <a:off x="4053502" y="2279785"/>
+              <a:ext cx="151214" cy="716014"/>
+              <a:chOff x="3129639" y="1409075"/>
+              <a:chExt cx="119601" cy="566323"/>
+            </a:xfrm>
+          </p:grpSpPr>
+          <p:cxnSp>
+            <p:nvCxnSpPr>
+              <p:cNvPr id="80" name="Straight Connector 79">
+                <a:extLst>
+                  <a:ext uri="{FF2B5EF4-FFF2-40B4-BE49-F238E27FC236}">
+                    <a16:creationId xmlns:a16="http://schemas.microsoft.com/office/drawing/2014/main" id="{04F72729-2740-564A-8D8A-3EDF45D7576B}"/>
+                  </a:ext>
+                </a:extLst>
+              </p:cNvPr>
+              <p:cNvCxnSpPr/>
+              <p:nvPr/>
+            </p:nvCxnSpPr>
+            <p:spPr>
+              <a:xfrm>
+                <a:off x="3192905" y="1409075"/>
+                <a:ext cx="0" cy="563825"/>
+              </a:xfrm>
+              <a:prstGeom prst="line">
+                <a:avLst/>
+              </a:prstGeom>
+              <a:ln w="12700">
+                <a:solidFill>
+                  <a:schemeClr val="tx1"/>
+                </a:solidFill>
+              </a:ln>
+            </p:spPr>
+            <p:style>
+              <a:lnRef idx="1">
+                <a:schemeClr val="accent1"/>
+              </a:lnRef>
+              <a:fillRef idx="0">
+                <a:schemeClr val="accent1"/>
+              </a:fillRef>
+              <a:effectRef idx="0">
+                <a:schemeClr val="accent1"/>
+              </a:effectRef>
+              <a:fontRef idx="minor">
+                <a:schemeClr val="tx1"/>
+              </a:fontRef>
+            </p:style>
+          </p:cxnSp>
+          <p:cxnSp>
+            <p:nvCxnSpPr>
+              <p:cNvPr id="81" name="Straight Connector 80">
+                <a:extLst>
+                  <a:ext uri="{FF2B5EF4-FFF2-40B4-BE49-F238E27FC236}">
+                    <a16:creationId xmlns:a16="http://schemas.microsoft.com/office/drawing/2014/main" id="{C748F8B0-67F3-4048-B65B-2A3358B895BD}"/>
+                  </a:ext>
+                </a:extLst>
+              </p:cNvPr>
+              <p:cNvCxnSpPr/>
+              <p:nvPr/>
+            </p:nvCxnSpPr>
+            <p:spPr>
+              <a:xfrm>
+                <a:off x="3129639" y="1409075"/>
+                <a:ext cx="119601" cy="0"/>
+              </a:xfrm>
+              <a:prstGeom prst="line">
+                <a:avLst/>
+              </a:prstGeom>
+              <a:ln w="12700">
+                <a:solidFill>
+                  <a:schemeClr val="tx1"/>
+                </a:solidFill>
+              </a:ln>
+            </p:spPr>
+            <p:style>
+              <a:lnRef idx="1">
+                <a:schemeClr val="accent1"/>
+              </a:lnRef>
+              <a:fillRef idx="0">
+                <a:schemeClr val="accent1"/>
+              </a:fillRef>
+              <a:effectRef idx="0">
+                <a:schemeClr val="accent1"/>
+              </a:effectRef>
+              <a:fontRef idx="minor">
+                <a:schemeClr val="tx1"/>
+              </a:fontRef>
+            </p:style>
+          </p:cxnSp>
+          <p:cxnSp>
+            <p:nvCxnSpPr>
+              <p:cNvPr id="82" name="Straight Connector 81">
+                <a:extLst>
+                  <a:ext uri="{FF2B5EF4-FFF2-40B4-BE49-F238E27FC236}">
+                    <a16:creationId xmlns:a16="http://schemas.microsoft.com/office/drawing/2014/main" id="{BE466F62-BD88-AC46-BCB4-A51206335B26}"/>
+                  </a:ext>
+                </a:extLst>
+              </p:cNvPr>
+              <p:cNvCxnSpPr/>
+              <p:nvPr/>
+            </p:nvCxnSpPr>
+            <p:spPr>
+              <a:xfrm>
+                <a:off x="3129639" y="1975398"/>
+                <a:ext cx="119601" cy="0"/>
+              </a:xfrm>
+              <a:prstGeom prst="line">
+                <a:avLst/>
+              </a:prstGeom>
+              <a:ln w="12700">
+                <a:solidFill>
+                  <a:schemeClr val="tx1"/>
+                </a:solidFill>
+              </a:ln>
+            </p:spPr>
+            <p:style>
+              <a:lnRef idx="1">
+                <a:schemeClr val="accent1"/>
+              </a:lnRef>
+              <a:fillRef idx="0">
+                <a:schemeClr val="accent1"/>
+              </a:fillRef>
+              <a:effectRef idx="0">
+                <a:schemeClr val="accent1"/>
+              </a:effectRef>
+              <a:fontRef idx="minor">
+                <a:schemeClr val="tx1"/>
+              </a:fontRef>
+            </p:style>
+          </p:cxnSp>
+        </p:grpSp>
+        <p:grpSp>
+          <p:nvGrpSpPr>
+            <p:cNvPr id="83" name="Group 82">
+              <a:extLst>
+                <a:ext uri="{FF2B5EF4-FFF2-40B4-BE49-F238E27FC236}">
+                  <a16:creationId xmlns:a16="http://schemas.microsoft.com/office/drawing/2014/main" id="{9355712F-D12F-E04B-AF11-92DB9E3EF5DA}"/>
+                </a:ext>
+              </a:extLst>
+            </p:cNvPr>
+            <p:cNvGrpSpPr/>
+            <p:nvPr/>
+          </p:nvGrpSpPr>
+          <p:grpSpPr>
+            <a:xfrm>
+              <a:off x="3708191" y="2379632"/>
+              <a:ext cx="151214" cy="716014"/>
+              <a:chOff x="3129639" y="1409075"/>
+              <a:chExt cx="119601" cy="566323"/>
+            </a:xfrm>
+          </p:grpSpPr>
+          <p:cxnSp>
+            <p:nvCxnSpPr>
+              <p:cNvPr id="84" name="Straight Connector 83">
+                <a:extLst>
+                  <a:ext uri="{FF2B5EF4-FFF2-40B4-BE49-F238E27FC236}">
+                    <a16:creationId xmlns:a16="http://schemas.microsoft.com/office/drawing/2014/main" id="{DEAC9FFE-449D-9440-889C-EB80C197FB03}"/>
+                  </a:ext>
+                </a:extLst>
+              </p:cNvPr>
+              <p:cNvCxnSpPr/>
+              <p:nvPr/>
+            </p:nvCxnSpPr>
+            <p:spPr>
+              <a:xfrm>
+                <a:off x="3192905" y="1409075"/>
+                <a:ext cx="0" cy="563825"/>
+              </a:xfrm>
+              <a:prstGeom prst="line">
+                <a:avLst/>
+              </a:prstGeom>
+              <a:ln w="12700">
+                <a:solidFill>
+                  <a:schemeClr val="tx1"/>
+                </a:solidFill>
+              </a:ln>
+            </p:spPr>
+            <p:style>
+              <a:lnRef idx="1">
+                <a:schemeClr val="accent1"/>
+              </a:lnRef>
+              <a:fillRef idx="0">
+                <a:schemeClr val="accent1"/>
+              </a:fillRef>
+              <a:effectRef idx="0">
+                <a:schemeClr val="accent1"/>
+              </a:effectRef>
+              <a:fontRef idx="minor">
+                <a:schemeClr val="tx1"/>
+              </a:fontRef>
+            </p:style>
+          </p:cxnSp>
+          <p:cxnSp>
+            <p:nvCxnSpPr>
+              <p:cNvPr id="85" name="Straight Connector 84">
+                <a:extLst>
+                  <a:ext uri="{FF2B5EF4-FFF2-40B4-BE49-F238E27FC236}">
+                    <a16:creationId xmlns:a16="http://schemas.microsoft.com/office/drawing/2014/main" id="{6A25B20A-724E-4F46-97E6-C118280F8647}"/>
+                  </a:ext>
+                </a:extLst>
+              </p:cNvPr>
+              <p:cNvCxnSpPr/>
+              <p:nvPr/>
+            </p:nvCxnSpPr>
+            <p:spPr>
+              <a:xfrm>
+                <a:off x="3129639" y="1409075"/>
+                <a:ext cx="119601" cy="0"/>
+              </a:xfrm>
+              <a:prstGeom prst="line">
+                <a:avLst/>
+              </a:prstGeom>
+              <a:ln w="12700">
+                <a:solidFill>
+                  <a:schemeClr val="tx1"/>
+                </a:solidFill>
+              </a:ln>
+            </p:spPr>
+            <p:style>
+              <a:lnRef idx="1">
+                <a:schemeClr val="accent1"/>
+              </a:lnRef>
+              <a:fillRef idx="0">
+                <a:schemeClr val="accent1"/>
+              </a:fillRef>
+              <a:effectRef idx="0">
+                <a:schemeClr val="accent1"/>
+              </a:effectRef>
+              <a:fontRef idx="minor">
+                <a:schemeClr val="tx1"/>
+              </a:fontRef>
+            </p:style>
+          </p:cxnSp>
+          <p:cxnSp>
+            <p:nvCxnSpPr>
+              <p:cNvPr id="86" name="Straight Connector 85">
+                <a:extLst>
+                  <a:ext uri="{FF2B5EF4-FFF2-40B4-BE49-F238E27FC236}">
+                    <a16:creationId xmlns:a16="http://schemas.microsoft.com/office/drawing/2014/main" id="{5538E2B8-829A-CB40-87CA-1835035C3FFF}"/>
+                  </a:ext>
+                </a:extLst>
+              </p:cNvPr>
+              <p:cNvCxnSpPr/>
+              <p:nvPr/>
+            </p:nvCxnSpPr>
+            <p:spPr>
+              <a:xfrm>
+                <a:off x="3129639" y="1975398"/>
+                <a:ext cx="119601" cy="0"/>
+              </a:xfrm>
+              <a:prstGeom prst="line">
+                <a:avLst/>
+              </a:prstGeom>
+              <a:ln w="12700">
+                <a:solidFill>
+                  <a:schemeClr val="tx1"/>
+                </a:solidFill>
+              </a:ln>
+            </p:spPr>
+            <p:style>
+              <a:lnRef idx="1">
+                <a:schemeClr val="accent1"/>
+              </a:lnRef>
+              <a:fillRef idx="0">
+                <a:schemeClr val="accent1"/>
+              </a:fillRef>
+              <a:effectRef idx="0">
+                <a:schemeClr val="accent1"/>
+              </a:effectRef>
+              <a:fontRef idx="minor">
+                <a:schemeClr val="tx1"/>
+              </a:fontRef>
+            </p:style>
+          </p:cxnSp>
+        </p:grpSp>
+        <p:grpSp>
+          <p:nvGrpSpPr>
+            <p:cNvPr id="87" name="Group 86">
+              <a:extLst>
+                <a:ext uri="{FF2B5EF4-FFF2-40B4-BE49-F238E27FC236}">
+                  <a16:creationId xmlns:a16="http://schemas.microsoft.com/office/drawing/2014/main" id="{82AB658E-6C8D-B941-898D-02288D0E849C}"/>
+                </a:ext>
+              </a:extLst>
+            </p:cNvPr>
+            <p:cNvGrpSpPr/>
+            <p:nvPr/>
+          </p:nvGrpSpPr>
+          <p:grpSpPr>
+            <a:xfrm>
+              <a:off x="4420821" y="2629006"/>
+              <a:ext cx="151214" cy="716014"/>
+              <a:chOff x="3129639" y="1409075"/>
+              <a:chExt cx="119601" cy="566323"/>
+            </a:xfrm>
+          </p:grpSpPr>
+          <p:cxnSp>
+            <p:nvCxnSpPr>
+              <p:cNvPr id="88" name="Straight Connector 87">
+                <a:extLst>
+                  <a:ext uri="{FF2B5EF4-FFF2-40B4-BE49-F238E27FC236}">
+                    <a16:creationId xmlns:a16="http://schemas.microsoft.com/office/drawing/2014/main" id="{3A0281F7-1AEA-7A41-BFB1-EA13E2BF6FD4}"/>
+                  </a:ext>
+                </a:extLst>
+              </p:cNvPr>
+              <p:cNvCxnSpPr/>
+              <p:nvPr/>
+            </p:nvCxnSpPr>
+            <p:spPr>
+              <a:xfrm>
+                <a:off x="3192905" y="1409075"/>
+                <a:ext cx="0" cy="563825"/>
+              </a:xfrm>
+              <a:prstGeom prst="line">
+                <a:avLst/>
+              </a:prstGeom>
+              <a:ln w="12700">
+                <a:solidFill>
+                  <a:schemeClr val="tx1"/>
+                </a:solidFill>
+              </a:ln>
+            </p:spPr>
+            <p:style>
+              <a:lnRef idx="1">
+                <a:schemeClr val="accent1"/>
+              </a:lnRef>
+              <a:fillRef idx="0">
+                <a:schemeClr val="accent1"/>
+              </a:fillRef>
+              <a:effectRef idx="0">
+                <a:schemeClr val="accent1"/>
+              </a:effectRef>
+              <a:fontRef idx="minor">
+                <a:schemeClr val="tx1"/>
+              </a:fontRef>
+            </p:style>
+          </p:cxnSp>
+          <p:cxnSp>
+            <p:nvCxnSpPr>
+              <p:cNvPr id="89" name="Straight Connector 88">
+                <a:extLst>
+                  <a:ext uri="{FF2B5EF4-FFF2-40B4-BE49-F238E27FC236}">
+                    <a16:creationId xmlns:a16="http://schemas.microsoft.com/office/drawing/2014/main" id="{EAEC6DE3-9A78-2746-A055-E800D2846EBC}"/>
+                  </a:ext>
+                </a:extLst>
+              </p:cNvPr>
+              <p:cNvCxnSpPr/>
+              <p:nvPr/>
+            </p:nvCxnSpPr>
+            <p:spPr>
+              <a:xfrm>
+                <a:off x="3129639" y="1409075"/>
+                <a:ext cx="119601" cy="0"/>
+              </a:xfrm>
+              <a:prstGeom prst="line">
+                <a:avLst/>
+              </a:prstGeom>
+              <a:ln w="12700">
+                <a:solidFill>
+                  <a:schemeClr val="tx1"/>
+                </a:solidFill>
+              </a:ln>
+            </p:spPr>
+            <p:style>
+              <a:lnRef idx="1">
+                <a:schemeClr val="accent1"/>
+              </a:lnRef>
+              <a:fillRef idx="0">
+                <a:schemeClr val="accent1"/>
+              </a:fillRef>
+              <a:effectRef idx="0">
+                <a:schemeClr val="accent1"/>
+              </a:effectRef>
+              <a:fontRef idx="minor">
+                <a:schemeClr val="tx1"/>
+              </a:fontRef>
+            </p:style>
+          </p:cxnSp>
+          <p:cxnSp>
+            <p:nvCxnSpPr>
+              <p:cNvPr id="90" name="Straight Connector 89">
+                <a:extLst>
+                  <a:ext uri="{FF2B5EF4-FFF2-40B4-BE49-F238E27FC236}">
+                    <a16:creationId xmlns:a16="http://schemas.microsoft.com/office/drawing/2014/main" id="{54133774-74F4-4645-9083-8CBDB207CFC7}"/>
+                  </a:ext>
+                </a:extLst>
+              </p:cNvPr>
+              <p:cNvCxnSpPr/>
+              <p:nvPr/>
+            </p:nvCxnSpPr>
+            <p:spPr>
+              <a:xfrm>
+                <a:off x="3129639" y="1975398"/>
+                <a:ext cx="119601" cy="0"/>
+              </a:xfrm>
+              <a:prstGeom prst="line">
+                <a:avLst/>
+              </a:prstGeom>
+              <a:ln w="12700">
+                <a:solidFill>
+                  <a:schemeClr val="tx1"/>
+                </a:solidFill>
+              </a:ln>
+            </p:spPr>
+            <p:style>
+              <a:lnRef idx="1">
+                <a:schemeClr val="accent1"/>
+              </a:lnRef>
+              <a:fillRef idx="0">
+                <a:schemeClr val="accent1"/>
+              </a:fillRef>
+              <a:effectRef idx="0">
+                <a:schemeClr val="accent1"/>
+              </a:effectRef>
+              <a:fontRef idx="minor">
+                <a:schemeClr val="tx1"/>
+              </a:fontRef>
+            </p:style>
+          </p:cxnSp>
+        </p:grpSp>
+        <p:grpSp>
+          <p:nvGrpSpPr>
+            <p:cNvPr id="91" name="Group 90">
+              <a:extLst>
+                <a:ext uri="{FF2B5EF4-FFF2-40B4-BE49-F238E27FC236}">
+                  <a16:creationId xmlns:a16="http://schemas.microsoft.com/office/drawing/2014/main" id="{D9B4A96D-FD72-5E42-BC69-A6ABAD8EF376}"/>
+                </a:ext>
+              </a:extLst>
+            </p:cNvPr>
+            <p:cNvGrpSpPr/>
+            <p:nvPr/>
+          </p:nvGrpSpPr>
+          <p:grpSpPr>
+            <a:xfrm>
+              <a:off x="5133450" y="2376474"/>
+              <a:ext cx="151214" cy="716014"/>
+              <a:chOff x="3129639" y="1409075"/>
+              <a:chExt cx="119601" cy="566323"/>
+            </a:xfrm>
+          </p:grpSpPr>
+          <p:cxnSp>
+            <p:nvCxnSpPr>
+              <p:cNvPr id="92" name="Straight Connector 91">
+                <a:extLst>
+                  <a:ext uri="{FF2B5EF4-FFF2-40B4-BE49-F238E27FC236}">
+                    <a16:creationId xmlns:a16="http://schemas.microsoft.com/office/drawing/2014/main" id="{21B74901-367A-B743-8F7D-DAA84AFE30EF}"/>
+                  </a:ext>
+                </a:extLst>
+              </p:cNvPr>
+              <p:cNvCxnSpPr/>
+              <p:nvPr/>
+            </p:nvCxnSpPr>
+            <p:spPr>
+              <a:xfrm>
+                <a:off x="3192905" y="1409075"/>
+                <a:ext cx="0" cy="563825"/>
+              </a:xfrm>
+              <a:prstGeom prst="line">
+                <a:avLst/>
+              </a:prstGeom>
+              <a:ln w="12700">
+                <a:solidFill>
+                  <a:schemeClr val="tx1"/>
+                </a:solidFill>
+              </a:ln>
+            </p:spPr>
+            <p:style>
+              <a:lnRef idx="1">
+                <a:schemeClr val="accent1"/>
+              </a:lnRef>
+              <a:fillRef idx="0">
+                <a:schemeClr val="accent1"/>
+              </a:fillRef>
+              <a:effectRef idx="0">
+                <a:schemeClr val="accent1"/>
+              </a:effectRef>
+              <a:fontRef idx="minor">
+                <a:schemeClr val="tx1"/>
+              </a:fontRef>
+            </p:style>
+          </p:cxnSp>
+          <p:cxnSp>
+            <p:nvCxnSpPr>
+              <p:cNvPr id="93" name="Straight Connector 92">
+                <a:extLst>
+                  <a:ext uri="{FF2B5EF4-FFF2-40B4-BE49-F238E27FC236}">
+                    <a16:creationId xmlns:a16="http://schemas.microsoft.com/office/drawing/2014/main" id="{B3FE9507-2AB2-9E4E-B9D4-4F74EC08FE56}"/>
+                  </a:ext>
+                </a:extLst>
+              </p:cNvPr>
+              <p:cNvCxnSpPr/>
+              <p:nvPr/>
+            </p:nvCxnSpPr>
+            <p:spPr>
+              <a:xfrm>
+                <a:off x="3129639" y="1409075"/>
+                <a:ext cx="119601" cy="0"/>
+              </a:xfrm>
+              <a:prstGeom prst="line">
+                <a:avLst/>
+              </a:prstGeom>
+              <a:ln w="12700">
+                <a:solidFill>
+                  <a:schemeClr val="tx1"/>
+                </a:solidFill>
+              </a:ln>
+            </p:spPr>
+            <p:style>
+              <a:lnRef idx="1">
+                <a:schemeClr val="accent1"/>
+              </a:lnRef>
+              <a:fillRef idx="0">
+                <a:schemeClr val="accent1"/>
+              </a:fillRef>
+              <a:effectRef idx="0">
+                <a:schemeClr val="accent1"/>
+              </a:effectRef>
+              <a:fontRef idx="minor">
+                <a:schemeClr val="tx1"/>
+              </a:fontRef>
+            </p:style>
+          </p:cxnSp>
+          <p:cxnSp>
+            <p:nvCxnSpPr>
+              <p:cNvPr id="94" name="Straight Connector 93">
+                <a:extLst>
+                  <a:ext uri="{FF2B5EF4-FFF2-40B4-BE49-F238E27FC236}">
+                    <a16:creationId xmlns:a16="http://schemas.microsoft.com/office/drawing/2014/main" id="{BFD102AF-6B14-C445-86D3-625857D021A5}"/>
+                  </a:ext>
+                </a:extLst>
+              </p:cNvPr>
+              <p:cNvCxnSpPr/>
+              <p:nvPr/>
+            </p:nvCxnSpPr>
+            <p:spPr>
+              <a:xfrm>
+                <a:off x="3129639" y="1975398"/>
+                <a:ext cx="119601" cy="0"/>
+              </a:xfrm>
+              <a:prstGeom prst="line">
+                <a:avLst/>
+              </a:prstGeom>
+              <a:ln w="12700">
+                <a:solidFill>
+                  <a:schemeClr val="tx1"/>
+                </a:solidFill>
+              </a:ln>
+            </p:spPr>
+            <p:style>
+              <a:lnRef idx="1">
+                <a:schemeClr val="accent1"/>
+              </a:lnRef>
+              <a:fillRef idx="0">
+                <a:schemeClr val="accent1"/>
+              </a:fillRef>
+              <a:effectRef idx="0">
+                <a:schemeClr val="accent1"/>
+              </a:effectRef>
+              <a:fontRef idx="minor">
+                <a:schemeClr val="tx1"/>
+              </a:fontRef>
+            </p:style>
+          </p:cxnSp>
+        </p:grpSp>
+        <p:grpSp>
+          <p:nvGrpSpPr>
+            <p:cNvPr id="95" name="Group 94">
+              <a:extLst>
+                <a:ext uri="{FF2B5EF4-FFF2-40B4-BE49-F238E27FC236}">
+                  <a16:creationId xmlns:a16="http://schemas.microsoft.com/office/drawing/2014/main" id="{5EA9CB1A-D4AD-7B48-9BE0-0531602FE2B3}"/>
+                </a:ext>
+              </a:extLst>
+            </p:cNvPr>
+            <p:cNvGrpSpPr/>
+            <p:nvPr/>
+          </p:nvGrpSpPr>
+          <p:grpSpPr>
+            <a:xfrm>
+              <a:off x="4777168" y="1541501"/>
+              <a:ext cx="151214" cy="716014"/>
+              <a:chOff x="3129639" y="1409075"/>
+              <a:chExt cx="119601" cy="566323"/>
+            </a:xfrm>
+          </p:grpSpPr>
+          <p:cxnSp>
+            <p:nvCxnSpPr>
+              <p:cNvPr id="96" name="Straight Connector 95">
+                <a:extLst>
+                  <a:ext uri="{FF2B5EF4-FFF2-40B4-BE49-F238E27FC236}">
+                    <a16:creationId xmlns:a16="http://schemas.microsoft.com/office/drawing/2014/main" id="{8C1BF044-5450-1A47-A208-19402E72170A}"/>
+                  </a:ext>
+                </a:extLst>
+              </p:cNvPr>
+              <p:cNvCxnSpPr/>
+              <p:nvPr/>
+            </p:nvCxnSpPr>
+            <p:spPr>
+              <a:xfrm>
+                <a:off x="3192905" y="1409075"/>
+                <a:ext cx="0" cy="563825"/>
+              </a:xfrm>
+              <a:prstGeom prst="line">
+                <a:avLst/>
+              </a:prstGeom>
+              <a:ln w="12700">
+                <a:solidFill>
+                  <a:schemeClr val="tx1"/>
+                </a:solidFill>
+              </a:ln>
+            </p:spPr>
+            <p:style>
+              <a:lnRef idx="1">
+                <a:schemeClr val="accent1"/>
+              </a:lnRef>
+              <a:fillRef idx="0">
+                <a:schemeClr val="accent1"/>
+              </a:fillRef>
+              <a:effectRef idx="0">
+                <a:schemeClr val="accent1"/>
+              </a:effectRef>
+              <a:fontRef idx="minor">
+                <a:schemeClr val="tx1"/>
+              </a:fontRef>
+            </p:style>
+          </p:cxnSp>
+          <p:cxnSp>
+            <p:nvCxnSpPr>
+              <p:cNvPr id="97" name="Straight Connector 96">
+                <a:extLst>
+                  <a:ext uri="{FF2B5EF4-FFF2-40B4-BE49-F238E27FC236}">
+                    <a16:creationId xmlns:a16="http://schemas.microsoft.com/office/drawing/2014/main" id="{4A141EEF-C6BB-CD42-A248-F822B847D968}"/>
+                  </a:ext>
+                </a:extLst>
+              </p:cNvPr>
+              <p:cNvCxnSpPr/>
+              <p:nvPr/>
+            </p:nvCxnSpPr>
+            <p:spPr>
+              <a:xfrm>
+                <a:off x="3129639" y="1409075"/>
+                <a:ext cx="119601" cy="0"/>
+              </a:xfrm>
+              <a:prstGeom prst="line">
+                <a:avLst/>
+              </a:prstGeom>
+              <a:ln w="12700">
+                <a:solidFill>
+                  <a:schemeClr val="tx1"/>
+                </a:solidFill>
+              </a:ln>
+            </p:spPr>
+            <p:style>
+              <a:lnRef idx="1">
+                <a:schemeClr val="accent1"/>
+              </a:lnRef>
+              <a:fillRef idx="0">
+                <a:schemeClr val="accent1"/>
+              </a:fillRef>
+              <a:effectRef idx="0">
+                <a:schemeClr val="accent1"/>
+              </a:effectRef>
+              <a:fontRef idx="minor">
+                <a:schemeClr val="tx1"/>
+              </a:fontRef>
+            </p:style>
+          </p:cxnSp>
+          <p:cxnSp>
+            <p:nvCxnSpPr>
+              <p:cNvPr id="98" name="Straight Connector 97">
+                <a:extLst>
+                  <a:ext uri="{FF2B5EF4-FFF2-40B4-BE49-F238E27FC236}">
+                    <a16:creationId xmlns:a16="http://schemas.microsoft.com/office/drawing/2014/main" id="{0C4EE107-CD01-384A-890F-F81614342E50}"/>
+                  </a:ext>
+                </a:extLst>
+              </p:cNvPr>
+              <p:cNvCxnSpPr/>
+              <p:nvPr/>
+            </p:nvCxnSpPr>
+            <p:spPr>
+              <a:xfrm>
+                <a:off x="3129639" y="1975398"/>
+                <a:ext cx="119601" cy="0"/>
+              </a:xfrm>
+              <a:prstGeom prst="line">
+                <a:avLst/>
+              </a:prstGeom>
+              <a:ln w="12700">
+                <a:solidFill>
+                  <a:schemeClr val="tx1"/>
+                </a:solidFill>
+              </a:ln>
+            </p:spPr>
+            <p:style>
+              <a:lnRef idx="1">
+                <a:schemeClr val="accent1"/>
+              </a:lnRef>
+              <a:fillRef idx="0">
+                <a:schemeClr val="accent1"/>
+              </a:fillRef>
+              <a:effectRef idx="0">
+                <a:schemeClr val="accent1"/>
+              </a:effectRef>
+              <a:fontRef idx="minor">
+                <a:schemeClr val="tx1"/>
+              </a:fontRef>
+            </p:style>
+          </p:cxnSp>
+        </p:grpSp>
+        <p:grpSp>
+          <p:nvGrpSpPr>
+            <p:cNvPr id="99" name="Group 98">
+              <a:extLst>
+                <a:ext uri="{FF2B5EF4-FFF2-40B4-BE49-F238E27FC236}">
+                  <a16:creationId xmlns:a16="http://schemas.microsoft.com/office/drawing/2014/main" id="{C5FF35C5-5467-8A44-B6AB-8585DE4280B3}"/>
+                </a:ext>
+              </a:extLst>
+            </p:cNvPr>
+            <p:cNvGrpSpPr/>
+            <p:nvPr/>
+          </p:nvGrpSpPr>
+          <p:grpSpPr>
+            <a:xfrm>
+              <a:off x="5489045" y="2123605"/>
+              <a:ext cx="151214" cy="716014"/>
+              <a:chOff x="3129639" y="1409075"/>
+              <a:chExt cx="119601" cy="566323"/>
+            </a:xfrm>
+          </p:grpSpPr>
+          <p:cxnSp>
+            <p:nvCxnSpPr>
+              <p:cNvPr id="100" name="Straight Connector 99">
+                <a:extLst>
+                  <a:ext uri="{FF2B5EF4-FFF2-40B4-BE49-F238E27FC236}">
+                    <a16:creationId xmlns:a16="http://schemas.microsoft.com/office/drawing/2014/main" id="{CA70B647-0320-014C-8BBA-30D9115E530E}"/>
+                  </a:ext>
+                </a:extLst>
+              </p:cNvPr>
+              <p:cNvCxnSpPr/>
+              <p:nvPr/>
+            </p:nvCxnSpPr>
+            <p:spPr>
+              <a:xfrm>
+                <a:off x="3192905" y="1409075"/>
+                <a:ext cx="0" cy="563825"/>
+              </a:xfrm>
+              <a:prstGeom prst="line">
+                <a:avLst/>
+              </a:prstGeom>
+              <a:ln w="12700">
+                <a:solidFill>
+                  <a:schemeClr val="tx1"/>
+                </a:solidFill>
+              </a:ln>
+            </p:spPr>
+            <p:style>
+              <a:lnRef idx="1">
+                <a:schemeClr val="accent1"/>
+              </a:lnRef>
+              <a:fillRef idx="0">
+                <a:schemeClr val="accent1"/>
+              </a:fillRef>
+              <a:effectRef idx="0">
+                <a:schemeClr val="accent1"/>
+              </a:effectRef>
+              <a:fontRef idx="minor">
+                <a:schemeClr val="tx1"/>
+              </a:fontRef>
+            </p:style>
+          </p:cxnSp>
+          <p:cxnSp>
+            <p:nvCxnSpPr>
+              <p:cNvPr id="101" name="Straight Connector 100">
+                <a:extLst>
+                  <a:ext uri="{FF2B5EF4-FFF2-40B4-BE49-F238E27FC236}">
+                    <a16:creationId xmlns:a16="http://schemas.microsoft.com/office/drawing/2014/main" id="{8112F476-CD0E-374D-AAB8-5398AFA76B6B}"/>
+                  </a:ext>
+                </a:extLst>
+              </p:cNvPr>
+              <p:cNvCxnSpPr/>
+              <p:nvPr/>
+            </p:nvCxnSpPr>
+            <p:spPr>
+              <a:xfrm>
+                <a:off x="3129639" y="1409075"/>
+                <a:ext cx="119601" cy="0"/>
+              </a:xfrm>
+              <a:prstGeom prst="line">
+                <a:avLst/>
+              </a:prstGeom>
+              <a:ln w="12700">
+                <a:solidFill>
+                  <a:schemeClr val="tx1"/>
+                </a:solidFill>
+              </a:ln>
+            </p:spPr>
+            <p:style>
+              <a:lnRef idx="1">
+                <a:schemeClr val="accent1"/>
+              </a:lnRef>
+              <a:fillRef idx="0">
+                <a:schemeClr val="accent1"/>
+              </a:fillRef>
+              <a:effectRef idx="0">
+                <a:schemeClr val="accent1"/>
+              </a:effectRef>
+              <a:fontRef idx="minor">
+                <a:schemeClr val="tx1"/>
+              </a:fontRef>
+            </p:style>
+          </p:cxnSp>
+          <p:cxnSp>
+            <p:nvCxnSpPr>
+              <p:cNvPr id="102" name="Straight Connector 101">
+                <a:extLst>
+                  <a:ext uri="{FF2B5EF4-FFF2-40B4-BE49-F238E27FC236}">
+                    <a16:creationId xmlns:a16="http://schemas.microsoft.com/office/drawing/2014/main" id="{3C705F43-854D-F840-950D-A3E42A4285CD}"/>
+                  </a:ext>
+                </a:extLst>
+              </p:cNvPr>
+              <p:cNvCxnSpPr/>
+              <p:nvPr/>
+            </p:nvCxnSpPr>
+            <p:spPr>
+              <a:xfrm>
+                <a:off x="3129639" y="1975398"/>
+                <a:ext cx="119601" cy="0"/>
+              </a:xfrm>
+              <a:prstGeom prst="line">
+                <a:avLst/>
+              </a:prstGeom>
+              <a:ln w="12700">
+                <a:solidFill>
+                  <a:schemeClr val="tx1"/>
+                </a:solidFill>
+              </a:ln>
+            </p:spPr>
+            <p:style>
+              <a:lnRef idx="1">
+                <a:schemeClr val="accent1"/>
+              </a:lnRef>
+              <a:fillRef idx="0">
+                <a:schemeClr val="accent1"/>
+              </a:fillRef>
+              <a:effectRef idx="0">
+                <a:schemeClr val="accent1"/>
+              </a:effectRef>
+              <a:fontRef idx="minor">
+                <a:schemeClr val="tx1"/>
+              </a:fontRef>
+            </p:style>
+          </p:cxnSp>
+        </p:grpSp>
+        <p:sp>
+          <p:nvSpPr>
+            <p:cNvPr id="103" name="TextBox 102">
+              <a:extLst>
+                <a:ext uri="{FF2B5EF4-FFF2-40B4-BE49-F238E27FC236}">
+                  <a16:creationId xmlns:a16="http://schemas.microsoft.com/office/drawing/2014/main" id="{AA57D199-2CE0-C444-B7E6-0CDC58274DC6}"/>
+                </a:ext>
+              </a:extLst>
+            </p:cNvPr>
+            <p:cNvSpPr txBox="1"/>
+            <p:nvPr/>
+          </p:nvSpPr>
+          <p:spPr>
+            <a:xfrm>
+              <a:off x="734942" y="1452817"/>
+              <a:ext cx="2628369" cy="507831"/>
+            </a:xfrm>
+            <a:prstGeom prst="rect">
+              <a:avLst/>
+            </a:prstGeom>
+            <a:noFill/>
+          </p:spPr>
+          <p:txBody>
+            <a:bodyPr wrap="square" rtlCol="0">
+              <a:spAutoFit/>
+            </a:bodyPr>
+            <a:lstStyle/>
+            <a:p>
+              <a:r>
+                <a:rPr lang="en-US" sz="900" i="1"/>
+                <a:t>A 90% confidence interval means that 9/10 experiments will have a 90% confidence interval that covers the true mean.</a:t>
+              </a:r>
+              <a:endParaRPr lang="en-US" i="1"/>
+            </a:p>
+          </p:txBody>
+        </p:sp>
+      </p:grpSp>
+    </p:spTree>
+    <p:extLst>
+      <p:ext uri="{BB962C8B-B14F-4D97-AF65-F5344CB8AC3E}">
+        <p14:creationId xmlns:p14="http://schemas.microsoft.com/office/powerpoint/2010/main" val="1327658769"/>
+      </p:ext>
+    </p:extLst>
+  </p:cSld>
+  <p:clrMapOvr>
+    <a:masterClrMapping/>
+  </p:clrMapOvr>
+</p:sld>
+</file>
+
 <file path=ppt/theme/theme1.xml><?xml version="1.0" encoding="utf-8"?>
 <a:theme xmlns:a="http://schemas.openxmlformats.org/drawingml/2006/main" name="Office Theme">
   <a:themeElements>
